--- a/dev-docs/guide/Training.pptx
+++ b/dev-docs/guide/Training.pptx
@@ -4349,30 +4349,6 @@
           </a:p>
         </p:txBody>
       </p:sp>
-      <p:pic>
-        <p:nvPicPr>
-          <p:cNvPr id="2" name="Picture 1"/>
-          <p:cNvPicPr>
-            <a:picLocks noChangeAspect="1"/>
-          </p:cNvPicPr>
-          <p:nvPr/>
-        </p:nvPicPr>
-        <p:blipFill>
-          <a:blip r:embed="rId2"/>
-          <a:stretch>
-            <a:fillRect/>
-          </a:stretch>
-        </p:blipFill>
-        <p:spPr>
-          <a:xfrm>
-            <a:off x="1691680" y="1655676"/>
-            <a:ext cx="5660138" cy="505029"/>
-          </a:xfrm>
-          <a:prstGeom prst="rect">
-            <a:avLst/>
-          </a:prstGeom>
-        </p:spPr>
-      </p:pic>
       <p:sp>
         <p:nvSpPr>
           <p:cNvPr id="4" name="Right Brace 3"/>
@@ -4381,8 +4357,8 @@
         </p:nvSpPr>
         <p:spPr>
           <a:xfrm rot="5400000">
-            <a:off x="3532166" y="289041"/>
-            <a:ext cx="648072" cy="4329043"/>
+            <a:off x="3275956" y="-1049709"/>
+            <a:ext cx="648072" cy="6285584"/>
           </a:xfrm>
           <a:prstGeom prst="rightBrace">
             <a:avLst>
@@ -4416,21 +4392,22 @@
       </p:sp>
       <p:pic>
         <p:nvPicPr>
-          <p:cNvPr id="5" name="Picture 4"/>
+          <p:cNvPr id="10" name="Picture 9"/>
           <p:cNvPicPr>
             <a:picLocks noChangeAspect="1"/>
           </p:cNvPicPr>
           <p:nvPr/>
         </p:nvPicPr>
-        <p:blipFill rotWithShape="1">
-          <a:blip r:embed="rId3"/>
-          <a:srcRect t="2684"/>
-          <a:stretch/>
+        <p:blipFill>
+          <a:blip r:embed="rId2"/>
+          <a:stretch>
+            <a:fillRect/>
+          </a:stretch>
         </p:blipFill>
         <p:spPr>
           <a:xfrm>
-            <a:off x="107504" y="3933056"/>
-            <a:ext cx="8154030" cy="2083483"/>
+            <a:off x="35496" y="3789040"/>
+            <a:ext cx="8912368" cy="2259124"/>
           </a:xfrm>
           <a:prstGeom prst="rect">
             <a:avLst/>
@@ -4455,7 +4432,7 @@
         </p:nvSpPr>
         <p:spPr>
           <a:xfrm>
-            <a:off x="1862686" y="2887275"/>
+            <a:off x="1619672" y="2492896"/>
             <a:ext cx="3384376" cy="707886"/>
           </a:xfrm>
           <a:prstGeom prst="rect">
@@ -4488,8 +4465,8 @@
         </p:nvCxnSpPr>
         <p:spPr>
           <a:xfrm flipH="1">
-            <a:off x="2123728" y="3595161"/>
-            <a:ext cx="1431146" cy="337895"/>
+            <a:off x="1547664" y="3200782"/>
+            <a:ext cx="1764196" cy="588258"/>
           </a:xfrm>
           <a:prstGeom prst="straightConnector1">
             <a:avLst/>
@@ -4513,6 +4490,30 @@
           </a:fontRef>
         </p:style>
       </p:cxnSp>
+      <p:pic>
+        <p:nvPicPr>
+          <p:cNvPr id="13" name="Picture 12"/>
+          <p:cNvPicPr>
+            <a:picLocks noChangeAspect="1"/>
+          </p:cNvPicPr>
+          <p:nvPr/>
+        </p:nvPicPr>
+        <p:blipFill>
+          <a:blip r:embed="rId3"/>
+          <a:stretch>
+            <a:fillRect/>
+          </a:stretch>
+        </p:blipFill>
+        <p:spPr>
+          <a:xfrm>
+            <a:off x="457200" y="1402482"/>
+            <a:ext cx="7497044" cy="514350"/>
+          </a:xfrm>
+          <a:prstGeom prst="rect">
+            <a:avLst/>
+          </a:prstGeom>
+        </p:spPr>
+      </p:pic>
     </p:spTree>
     <p:extLst>
       <p:ext uri="{BB962C8B-B14F-4D97-AF65-F5344CB8AC3E}">
@@ -4557,7 +4558,7 @@
                                           </p:stCondLst>
                                         </p:cTn>
                                         <p:tgtEl>
-                                          <p:spTgt spid="2"/>
+                                          <p:spTgt spid="13"/>
                                         </p:tgtEl>
                                         <p:attrNameLst>
                                           <p:attrName>style.visibility</p:attrName>
@@ -4701,7 +4702,7 @@
                                           </p:stCondLst>
                                         </p:cTn>
                                         <p:tgtEl>
-                                          <p:spTgt spid="5"/>
+                                          <p:spTgt spid="10"/>
                                         </p:tgtEl>
                                         <p:attrNameLst>
                                           <p:attrName>style.visibility</p:attrName>
@@ -4791,125 +4792,6 @@
       </p:sp>
       <p:sp>
         <p:nvSpPr>
-          <p:cNvPr id="3" name="Content Placeholder 2"/>
-          <p:cNvSpPr>
-            <a:spLocks noGrp="1"/>
-          </p:cNvSpPr>
-          <p:nvPr>
-            <p:ph idx="1"/>
-          </p:nvPr>
-        </p:nvSpPr>
-        <p:spPr>
-          <a:xfrm>
-            <a:off x="2699792" y="1600200"/>
-            <a:ext cx="6264696" cy="4565104"/>
-          </a:xfrm>
-        </p:spPr>
-        <p:txBody>
-          <a:bodyPr/>
-          <a:lstStyle/>
-          <a:p>
-            <a:pPr marL="0" indent="0">
-              <a:buNone/>
-            </a:pPr>
-            <a:r>
-              <a:rPr lang="en-US" dirty="0" smtClean="0"/>
-              <a:t>When the </a:t>
-            </a:r>
-            <a:r>
-              <a:rPr lang="en-US" b="1" u="sng" dirty="0" smtClean="0"/>
-              <a:t>Execute()</a:t>
-            </a:r>
-            <a:r>
-              <a:rPr lang="en-US" dirty="0" smtClean="0"/>
-              <a:t> method is called the controller runs and performs the following events:</a:t>
-            </a:r>
-          </a:p>
-          <a:p>
-            <a:r>
-              <a:rPr lang="en-US" b="1" dirty="0" err="1" smtClean="0"/>
-              <a:t>OnLoad</a:t>
-            </a:r>
-            <a:endParaRPr lang="en-US" b="1" dirty="0" smtClean="0"/>
-          </a:p>
-          <a:p>
-            <a:r>
-              <a:rPr lang="en-US" b="1" dirty="0" err="1" smtClean="0"/>
-              <a:t>OnStart</a:t>
-            </a:r>
-            <a:endParaRPr lang="en-US" b="1" dirty="0" smtClean="0"/>
-          </a:p>
-          <a:p>
-            <a:r>
-              <a:rPr lang="en-US" dirty="0" smtClean="0"/>
-              <a:t>Load data and for each row:</a:t>
-            </a:r>
-          </a:p>
-          <a:p>
-            <a:pPr marL="857250" lvl="1" indent="-457200"/>
-            <a:r>
-              <a:rPr lang="en-US" b="1" dirty="0" err="1" smtClean="0"/>
-              <a:t>OnEnterRow</a:t>
-            </a:r>
-            <a:endParaRPr lang="en-US" b="1" dirty="0" smtClean="0"/>
-          </a:p>
-          <a:p>
-            <a:pPr marL="857250" lvl="1" indent="-457200"/>
-            <a:r>
-              <a:rPr lang="en-US" b="1" dirty="0" err="1" smtClean="0"/>
-              <a:t>OnLeaveRow</a:t>
-            </a:r>
-            <a:endParaRPr lang="en-US" b="1" dirty="0" smtClean="0"/>
-          </a:p>
-          <a:p>
-            <a:pPr marL="857250" lvl="1" indent="-457200"/>
-            <a:r>
-              <a:rPr lang="en-US" b="1" dirty="0" err="1" smtClean="0"/>
-              <a:t>OnSavingRow</a:t>
-            </a:r>
-            <a:r>
-              <a:rPr lang="en-US" dirty="0" smtClean="0"/>
-              <a:t> – if the row was changed</a:t>
-            </a:r>
-          </a:p>
-          <a:p>
-            <a:pPr marL="857250" lvl="1" indent="-457200"/>
-            <a:r>
-              <a:rPr lang="en-US" dirty="0" smtClean="0"/>
-              <a:t>Save changes to the database</a:t>
-            </a:r>
-          </a:p>
-          <a:p>
-            <a:r>
-              <a:rPr lang="en-US" b="1" dirty="0" err="1" smtClean="0"/>
-              <a:t>OnEnd</a:t>
-            </a:r>
-            <a:endParaRPr lang="en-US" b="1" dirty="0" smtClean="0"/>
-          </a:p>
-          <a:p>
-            <a:r>
-              <a:rPr lang="en-US" b="1" dirty="0" err="1" smtClean="0"/>
-              <a:t>OnUnLoad</a:t>
-            </a:r>
-            <a:endParaRPr lang="en-US" b="1" dirty="0"/>
-          </a:p>
-          <a:p>
-            <a:pPr>
-              <a:buFont typeface="Arial" panose="020B0604020202020204" pitchFamily="34" charset="0"/>
-              <a:buChar char="•"/>
-            </a:pPr>
-            <a:endParaRPr lang="en-US" dirty="0"/>
-          </a:p>
-          <a:p>
-            <a:pPr marL="0" indent="0">
-              <a:buNone/>
-            </a:pPr>
-            <a:endParaRPr lang="en-US" dirty="0"/>
-          </a:p>
-        </p:txBody>
-      </p:sp>
-      <p:sp>
-        <p:nvSpPr>
           <p:cNvPr id="5" name="Slide Number Placeholder 4"/>
           <p:cNvSpPr>
             <a:spLocks noGrp="1"/>
@@ -5015,7 +4897,7 @@
       </p:sp>
       <p:pic>
         <p:nvPicPr>
-          <p:cNvPr id="8" name="Picture 7"/>
+          <p:cNvPr id="11" name="Picture 10"/>
           <p:cNvPicPr>
             <a:picLocks noChangeAspect="1"/>
           </p:cNvPicPr>
@@ -5029,8 +4911,8 @@
         </p:blipFill>
         <p:spPr>
           <a:xfrm>
-            <a:off x="0" y="1264231"/>
-            <a:ext cx="3765397" cy="335969"/>
+            <a:off x="308877" y="1166401"/>
+            <a:ext cx="4667364" cy="320214"/>
           </a:xfrm>
           <a:prstGeom prst="rect">
             <a:avLst/>
@@ -5041,15 +4923,14 @@
         <p:nvCxnSpPr>
           <p:cNvPr id="9" name="Straight Arrow Connector 8"/>
           <p:cNvCxnSpPr>
-            <a:stCxn id="10" idx="2"/>
-            <a:endCxn id="6" idx="0"/>
+            <a:stCxn id="10" idx="1"/>
           </p:cNvCxnSpPr>
           <p:nvPr/>
         </p:nvCxnSpPr>
         <p:spPr>
           <a:xfrm flipH="1">
-            <a:off x="1238998" y="1604729"/>
-            <a:ext cx="1985482" cy="360930"/>
+            <a:off x="1835696" y="1325389"/>
+            <a:ext cx="2486423" cy="585550"/>
           </a:xfrm>
           <a:prstGeom prst="straightConnector1">
             <a:avLst/>
@@ -5081,8 +4962,8 @@
         </p:nvSpPr>
         <p:spPr>
           <a:xfrm>
-            <a:off x="2807013" y="1268760"/>
-            <a:ext cx="834933" cy="335969"/>
+            <a:off x="4322119" y="1159496"/>
+            <a:ext cx="654122" cy="331786"/>
           </a:xfrm>
           <a:prstGeom prst="roundRect">
             <a:avLst/>
@@ -5147,6 +5028,125 @@
           </a:fontRef>
         </p:style>
       </p:cxnSp>
+      <p:sp>
+        <p:nvSpPr>
+          <p:cNvPr id="3" name="Content Placeholder 2"/>
+          <p:cNvSpPr>
+            <a:spLocks noGrp="1"/>
+          </p:cNvSpPr>
+          <p:nvPr>
+            <p:ph idx="1"/>
+          </p:nvPr>
+        </p:nvSpPr>
+        <p:spPr>
+          <a:xfrm>
+            <a:off x="2699792" y="1600200"/>
+            <a:ext cx="6264696" cy="4565104"/>
+          </a:xfrm>
+        </p:spPr>
+        <p:txBody>
+          <a:bodyPr/>
+          <a:lstStyle/>
+          <a:p>
+            <a:pPr marL="0" indent="0">
+              <a:buNone/>
+            </a:pPr>
+            <a:r>
+              <a:rPr lang="en-US" dirty="0" smtClean="0"/>
+              <a:t>When the </a:t>
+            </a:r>
+            <a:r>
+              <a:rPr lang="en-US" b="1" u="sng" dirty="0" smtClean="0"/>
+              <a:t>Execute()</a:t>
+            </a:r>
+            <a:r>
+              <a:rPr lang="en-US" dirty="0" smtClean="0"/>
+              <a:t> method is called the controller runs and performs the following events:</a:t>
+            </a:r>
+          </a:p>
+          <a:p>
+            <a:r>
+              <a:rPr lang="en-US" b="1" dirty="0" err="1" smtClean="0"/>
+              <a:t>OnLoad</a:t>
+            </a:r>
+            <a:endParaRPr lang="en-US" b="1" dirty="0" smtClean="0"/>
+          </a:p>
+          <a:p>
+            <a:r>
+              <a:rPr lang="en-US" b="1" dirty="0" err="1" smtClean="0"/>
+              <a:t>OnStart</a:t>
+            </a:r>
+            <a:endParaRPr lang="en-US" b="1" dirty="0" smtClean="0"/>
+          </a:p>
+          <a:p>
+            <a:r>
+              <a:rPr lang="en-US" dirty="0" smtClean="0"/>
+              <a:t>Load data and for each row:</a:t>
+            </a:r>
+          </a:p>
+          <a:p>
+            <a:pPr marL="857250" lvl="1" indent="-457200"/>
+            <a:r>
+              <a:rPr lang="en-US" b="1" dirty="0" err="1" smtClean="0"/>
+              <a:t>OnEnterRow</a:t>
+            </a:r>
+            <a:endParaRPr lang="en-US" b="1" dirty="0" smtClean="0"/>
+          </a:p>
+          <a:p>
+            <a:pPr marL="857250" lvl="1" indent="-457200"/>
+            <a:r>
+              <a:rPr lang="en-US" b="1" dirty="0" err="1" smtClean="0"/>
+              <a:t>OnLeaveRow</a:t>
+            </a:r>
+            <a:endParaRPr lang="en-US" b="1" dirty="0" smtClean="0"/>
+          </a:p>
+          <a:p>
+            <a:pPr marL="857250" lvl="1" indent="-457200"/>
+            <a:r>
+              <a:rPr lang="en-US" b="1" dirty="0" err="1" smtClean="0"/>
+              <a:t>OnSavingRow</a:t>
+            </a:r>
+            <a:r>
+              <a:rPr lang="en-US" dirty="0" smtClean="0"/>
+              <a:t> – if the row was changed</a:t>
+            </a:r>
+          </a:p>
+          <a:p>
+            <a:pPr marL="857250" lvl="1" indent="-457200"/>
+            <a:r>
+              <a:rPr lang="en-US" dirty="0" smtClean="0"/>
+              <a:t>Save changes to the database</a:t>
+            </a:r>
+          </a:p>
+          <a:p>
+            <a:r>
+              <a:rPr lang="en-US" b="1" dirty="0" err="1" smtClean="0"/>
+              <a:t>OnEnd</a:t>
+            </a:r>
+            <a:endParaRPr lang="en-US" b="1" dirty="0" smtClean="0"/>
+          </a:p>
+          <a:p>
+            <a:r>
+              <a:rPr lang="en-US" b="1" dirty="0" err="1" smtClean="0"/>
+              <a:t>OnUnLoad</a:t>
+            </a:r>
+            <a:endParaRPr lang="en-US" b="1" dirty="0"/>
+          </a:p>
+          <a:p>
+            <a:pPr>
+              <a:buFont typeface="Arial" panose="020B0604020202020204" pitchFamily="34" charset="0"/>
+              <a:buChar char="•"/>
+            </a:pPr>
+            <a:endParaRPr lang="en-US" dirty="0"/>
+          </a:p>
+          <a:p>
+            <a:pPr marL="0" indent="0">
+              <a:buNone/>
+            </a:pPr>
+            <a:endParaRPr lang="en-US" dirty="0"/>
+          </a:p>
+        </p:txBody>
+      </p:sp>
     </p:spTree>
     <p:extLst>
       <p:ext uri="{BB962C8B-B14F-4D97-AF65-F5344CB8AC3E}">
@@ -5839,8 +5839,8 @@
       </p:par>
     </p:tnLst>
     <p:bldLst>
+      <p:bldP spid="7" grpId="0" animBg="1"/>
       <p:bldP spid="3" grpId="0" build="p"/>
-      <p:bldP spid="7" grpId="0" animBg="1"/>
     </p:bldLst>
   </p:timing>
 </p:sld>

--- a/dev-docs/guide/Training.pptx
+++ b/dev-docs/guide/Training.pptx
@@ -3566,6 +3566,12 @@
           </a:p>
           <a:p>
             <a:r>
+              <a:rPr lang="en-US" dirty="0"/>
+              <a:t>Resolution - days</a:t>
+            </a:r>
+          </a:p>
+          <a:p>
+            <a:r>
               <a:rPr lang="en-US" dirty="0" smtClean="0"/>
               <a:t>Can be null as opposed to </a:t>
             </a:r>
@@ -3578,12 +3584,6 @@
           <a:p>
             <a:r>
               <a:rPr lang="en-US" dirty="0" smtClean="0"/>
-              <a:t>Resolution - days</a:t>
-            </a:r>
-          </a:p>
-          <a:p>
-            <a:r>
-              <a:rPr lang="en-US" dirty="0" smtClean="0"/>
               <a:t>Can have Empty (Zero) date – as opposed to </a:t>
             </a:r>
             <a:r>
@@ -3639,14 +3639,6 @@
               <a:rPr lang="en-US" dirty="0" smtClean="0"/>
               <a:t>)</a:t>
             </a:r>
-          </a:p>
-          <a:p>
-            <a:pPr lvl="1"/>
-            <a:endParaRPr lang="en-US" dirty="0" smtClean="0"/>
-          </a:p>
-          <a:p>
-            <a:pPr lvl="1"/>
-            <a:endParaRPr lang="en-US" dirty="0"/>
           </a:p>
         </p:txBody>
       </p:sp>
@@ -3692,7 +3684,422 @@
   <p:timing>
     <p:tnLst>
       <p:par>
-        <p:cTn id="1" dur="indefinite" restart="never" nodeType="tmRoot"/>
+        <p:cTn id="1" dur="indefinite" restart="never" nodeType="tmRoot">
+          <p:childTnLst>
+            <p:seq concurrent="1" nextAc="seek">
+              <p:cTn id="2" dur="indefinite" nodeType="mainSeq">
+                <p:childTnLst>
+                  <p:par>
+                    <p:cTn id="3" fill="hold">
+                      <p:stCondLst>
+                        <p:cond delay="indefinite"/>
+                      </p:stCondLst>
+                      <p:childTnLst>
+                        <p:par>
+                          <p:cTn id="4" fill="hold">
+                            <p:stCondLst>
+                              <p:cond delay="0"/>
+                            </p:stCondLst>
+                            <p:childTnLst>
+                              <p:par>
+                                <p:cTn id="5" presetID="1" presetClass="entr" presetSubtype="0" fill="hold" nodeType="clickEffect">
+                                  <p:stCondLst>
+                                    <p:cond delay="0"/>
+                                  </p:stCondLst>
+                                  <p:childTnLst>
+                                    <p:set>
+                                      <p:cBhvr>
+                                        <p:cTn id="6" dur="1" fill="hold">
+                                          <p:stCondLst>
+                                            <p:cond delay="0"/>
+                                          </p:stCondLst>
+                                        </p:cTn>
+                                        <p:tgtEl>
+                                          <p:spTgt spid="3">
+                                            <p:txEl>
+                                              <p:pRg st="0" end="0"/>
+                                            </p:txEl>
+                                          </p:spTgt>
+                                        </p:tgtEl>
+                                        <p:attrNameLst>
+                                          <p:attrName>style.visibility</p:attrName>
+                                        </p:attrNameLst>
+                                      </p:cBhvr>
+                                      <p:to>
+                                        <p:strVal val="visible"/>
+                                      </p:to>
+                                    </p:set>
+                                  </p:childTnLst>
+                                </p:cTn>
+                              </p:par>
+                            </p:childTnLst>
+                          </p:cTn>
+                        </p:par>
+                      </p:childTnLst>
+                    </p:cTn>
+                  </p:par>
+                  <p:par>
+                    <p:cTn id="7" fill="hold">
+                      <p:stCondLst>
+                        <p:cond delay="indefinite"/>
+                      </p:stCondLst>
+                      <p:childTnLst>
+                        <p:par>
+                          <p:cTn id="8" fill="hold">
+                            <p:stCondLst>
+                              <p:cond delay="0"/>
+                            </p:stCondLst>
+                            <p:childTnLst>
+                              <p:par>
+                                <p:cTn id="9" presetID="1" presetClass="entr" presetSubtype="0" fill="hold" nodeType="clickEffect">
+                                  <p:stCondLst>
+                                    <p:cond delay="0"/>
+                                  </p:stCondLst>
+                                  <p:childTnLst>
+                                    <p:set>
+                                      <p:cBhvr>
+                                        <p:cTn id="10" dur="1" fill="hold">
+                                          <p:stCondLst>
+                                            <p:cond delay="0"/>
+                                          </p:stCondLst>
+                                        </p:cTn>
+                                        <p:tgtEl>
+                                          <p:spTgt spid="3">
+                                            <p:txEl>
+                                              <p:pRg st="1" end="1"/>
+                                            </p:txEl>
+                                          </p:spTgt>
+                                        </p:tgtEl>
+                                        <p:attrNameLst>
+                                          <p:attrName>style.visibility</p:attrName>
+                                        </p:attrNameLst>
+                                      </p:cBhvr>
+                                      <p:to>
+                                        <p:strVal val="visible"/>
+                                      </p:to>
+                                    </p:set>
+                                  </p:childTnLst>
+                                </p:cTn>
+                              </p:par>
+                            </p:childTnLst>
+                          </p:cTn>
+                        </p:par>
+                      </p:childTnLst>
+                    </p:cTn>
+                  </p:par>
+                  <p:par>
+                    <p:cTn id="11" fill="hold">
+                      <p:stCondLst>
+                        <p:cond delay="indefinite"/>
+                      </p:stCondLst>
+                      <p:childTnLst>
+                        <p:par>
+                          <p:cTn id="12" fill="hold">
+                            <p:stCondLst>
+                              <p:cond delay="0"/>
+                            </p:stCondLst>
+                            <p:childTnLst>
+                              <p:par>
+                                <p:cTn id="13" presetID="1" presetClass="entr" presetSubtype="0" fill="hold" nodeType="clickEffect">
+                                  <p:stCondLst>
+                                    <p:cond delay="0"/>
+                                  </p:stCondLst>
+                                  <p:childTnLst>
+                                    <p:set>
+                                      <p:cBhvr>
+                                        <p:cTn id="14" dur="1" fill="hold">
+                                          <p:stCondLst>
+                                            <p:cond delay="0"/>
+                                          </p:stCondLst>
+                                        </p:cTn>
+                                        <p:tgtEl>
+                                          <p:spTgt spid="3">
+                                            <p:txEl>
+                                              <p:pRg st="2" end="2"/>
+                                            </p:txEl>
+                                          </p:spTgt>
+                                        </p:tgtEl>
+                                        <p:attrNameLst>
+                                          <p:attrName>style.visibility</p:attrName>
+                                        </p:attrNameLst>
+                                      </p:cBhvr>
+                                      <p:to>
+                                        <p:strVal val="visible"/>
+                                      </p:to>
+                                    </p:set>
+                                  </p:childTnLst>
+                                </p:cTn>
+                              </p:par>
+                            </p:childTnLst>
+                          </p:cTn>
+                        </p:par>
+                      </p:childTnLst>
+                    </p:cTn>
+                  </p:par>
+                  <p:par>
+                    <p:cTn id="15" fill="hold">
+                      <p:stCondLst>
+                        <p:cond delay="indefinite"/>
+                      </p:stCondLst>
+                      <p:childTnLst>
+                        <p:par>
+                          <p:cTn id="16" fill="hold">
+                            <p:stCondLst>
+                              <p:cond delay="0"/>
+                            </p:stCondLst>
+                            <p:childTnLst>
+                              <p:par>
+                                <p:cTn id="17" presetID="1" presetClass="entr" presetSubtype="0" fill="hold" nodeType="clickEffect">
+                                  <p:stCondLst>
+                                    <p:cond delay="0"/>
+                                  </p:stCondLst>
+                                  <p:childTnLst>
+                                    <p:set>
+                                      <p:cBhvr>
+                                        <p:cTn id="18" dur="1" fill="hold">
+                                          <p:stCondLst>
+                                            <p:cond delay="0"/>
+                                          </p:stCondLst>
+                                        </p:cTn>
+                                        <p:tgtEl>
+                                          <p:spTgt spid="3">
+                                            <p:txEl>
+                                              <p:pRg st="3" end="3"/>
+                                            </p:txEl>
+                                          </p:spTgt>
+                                        </p:tgtEl>
+                                        <p:attrNameLst>
+                                          <p:attrName>style.visibility</p:attrName>
+                                        </p:attrNameLst>
+                                      </p:cBhvr>
+                                      <p:to>
+                                        <p:strVal val="visible"/>
+                                      </p:to>
+                                    </p:set>
+                                  </p:childTnLst>
+                                </p:cTn>
+                              </p:par>
+                            </p:childTnLst>
+                          </p:cTn>
+                        </p:par>
+                      </p:childTnLst>
+                    </p:cTn>
+                  </p:par>
+                  <p:par>
+                    <p:cTn id="19" fill="hold">
+                      <p:stCondLst>
+                        <p:cond delay="indefinite"/>
+                      </p:stCondLst>
+                      <p:childTnLst>
+                        <p:par>
+                          <p:cTn id="20" fill="hold">
+                            <p:stCondLst>
+                              <p:cond delay="0"/>
+                            </p:stCondLst>
+                            <p:childTnLst>
+                              <p:par>
+                                <p:cTn id="21" presetID="1" presetClass="entr" presetSubtype="0" fill="hold" nodeType="clickEffect">
+                                  <p:stCondLst>
+                                    <p:cond delay="0"/>
+                                  </p:stCondLst>
+                                  <p:childTnLst>
+                                    <p:set>
+                                      <p:cBhvr>
+                                        <p:cTn id="22" dur="1" fill="hold">
+                                          <p:stCondLst>
+                                            <p:cond delay="0"/>
+                                          </p:stCondLst>
+                                        </p:cTn>
+                                        <p:tgtEl>
+                                          <p:spTgt spid="3">
+                                            <p:txEl>
+                                              <p:pRg st="4" end="4"/>
+                                            </p:txEl>
+                                          </p:spTgt>
+                                        </p:tgtEl>
+                                        <p:attrNameLst>
+                                          <p:attrName>style.visibility</p:attrName>
+                                        </p:attrNameLst>
+                                      </p:cBhvr>
+                                      <p:to>
+                                        <p:strVal val="visible"/>
+                                      </p:to>
+                                    </p:set>
+                                  </p:childTnLst>
+                                </p:cTn>
+                              </p:par>
+                            </p:childTnLst>
+                          </p:cTn>
+                        </p:par>
+                      </p:childTnLst>
+                    </p:cTn>
+                  </p:par>
+                  <p:par>
+                    <p:cTn id="23" fill="hold">
+                      <p:stCondLst>
+                        <p:cond delay="indefinite"/>
+                      </p:stCondLst>
+                      <p:childTnLst>
+                        <p:par>
+                          <p:cTn id="24" fill="hold">
+                            <p:stCondLst>
+                              <p:cond delay="0"/>
+                            </p:stCondLst>
+                            <p:childTnLst>
+                              <p:par>
+                                <p:cTn id="25" presetID="1" presetClass="entr" presetSubtype="0" fill="hold" nodeType="clickEffect">
+                                  <p:stCondLst>
+                                    <p:cond delay="0"/>
+                                  </p:stCondLst>
+                                  <p:childTnLst>
+                                    <p:set>
+                                      <p:cBhvr>
+                                        <p:cTn id="26" dur="1" fill="hold">
+                                          <p:stCondLst>
+                                            <p:cond delay="0"/>
+                                          </p:stCondLst>
+                                        </p:cTn>
+                                        <p:tgtEl>
+                                          <p:spTgt spid="3">
+                                            <p:txEl>
+                                              <p:pRg st="5" end="5"/>
+                                            </p:txEl>
+                                          </p:spTgt>
+                                        </p:tgtEl>
+                                        <p:attrNameLst>
+                                          <p:attrName>style.visibility</p:attrName>
+                                        </p:attrNameLst>
+                                      </p:cBhvr>
+                                      <p:to>
+                                        <p:strVal val="visible"/>
+                                      </p:to>
+                                    </p:set>
+                                  </p:childTnLst>
+                                </p:cTn>
+                              </p:par>
+                            </p:childTnLst>
+                          </p:cTn>
+                        </p:par>
+                      </p:childTnLst>
+                    </p:cTn>
+                  </p:par>
+                  <p:par>
+                    <p:cTn id="27" fill="hold">
+                      <p:stCondLst>
+                        <p:cond delay="indefinite"/>
+                      </p:stCondLst>
+                      <p:childTnLst>
+                        <p:par>
+                          <p:cTn id="28" fill="hold">
+                            <p:stCondLst>
+                              <p:cond delay="0"/>
+                            </p:stCondLst>
+                            <p:childTnLst>
+                              <p:par>
+                                <p:cTn id="29" presetID="1" presetClass="entr" presetSubtype="0" fill="hold" nodeType="clickEffect">
+                                  <p:stCondLst>
+                                    <p:cond delay="0"/>
+                                  </p:stCondLst>
+                                  <p:childTnLst>
+                                    <p:set>
+                                      <p:cBhvr>
+                                        <p:cTn id="30" dur="1" fill="hold">
+                                          <p:stCondLst>
+                                            <p:cond delay="0"/>
+                                          </p:stCondLst>
+                                        </p:cTn>
+                                        <p:tgtEl>
+                                          <p:spTgt spid="3">
+                                            <p:txEl>
+                                              <p:pRg st="6" end="6"/>
+                                            </p:txEl>
+                                          </p:spTgt>
+                                        </p:tgtEl>
+                                        <p:attrNameLst>
+                                          <p:attrName>style.visibility</p:attrName>
+                                        </p:attrNameLst>
+                                      </p:cBhvr>
+                                      <p:to>
+                                        <p:strVal val="visible"/>
+                                      </p:to>
+                                    </p:set>
+                                  </p:childTnLst>
+                                </p:cTn>
+                              </p:par>
+                            </p:childTnLst>
+                          </p:cTn>
+                        </p:par>
+                      </p:childTnLst>
+                    </p:cTn>
+                  </p:par>
+                  <p:par>
+                    <p:cTn id="31" fill="hold">
+                      <p:stCondLst>
+                        <p:cond delay="indefinite"/>
+                      </p:stCondLst>
+                      <p:childTnLst>
+                        <p:par>
+                          <p:cTn id="32" fill="hold">
+                            <p:stCondLst>
+                              <p:cond delay="0"/>
+                            </p:stCondLst>
+                            <p:childTnLst>
+                              <p:par>
+                                <p:cTn id="33" presetID="1" presetClass="entr" presetSubtype="0" fill="hold" nodeType="clickEffect">
+                                  <p:stCondLst>
+                                    <p:cond delay="0"/>
+                                  </p:stCondLst>
+                                  <p:childTnLst>
+                                    <p:set>
+                                      <p:cBhvr>
+                                        <p:cTn id="34" dur="1" fill="hold">
+                                          <p:stCondLst>
+                                            <p:cond delay="0"/>
+                                          </p:stCondLst>
+                                        </p:cTn>
+                                        <p:tgtEl>
+                                          <p:spTgt spid="3">
+                                            <p:txEl>
+                                              <p:pRg st="7" end="7"/>
+                                            </p:txEl>
+                                          </p:spTgt>
+                                        </p:tgtEl>
+                                        <p:attrNameLst>
+                                          <p:attrName>style.visibility</p:attrName>
+                                        </p:attrNameLst>
+                                      </p:cBhvr>
+                                      <p:to>
+                                        <p:strVal val="visible"/>
+                                      </p:to>
+                                    </p:set>
+                                  </p:childTnLst>
+                                </p:cTn>
+                              </p:par>
+                            </p:childTnLst>
+                          </p:cTn>
+                        </p:par>
+                      </p:childTnLst>
+                    </p:cTn>
+                  </p:par>
+                </p:childTnLst>
+              </p:cTn>
+              <p:prevCondLst>
+                <p:cond evt="onPrev" delay="0">
+                  <p:tgtEl>
+                    <p:sldTgt/>
+                  </p:tgtEl>
+                </p:cond>
+              </p:prevCondLst>
+              <p:nextCondLst>
+                <p:cond evt="onNext" delay="0">
+                  <p:tgtEl>
+                    <p:sldTgt/>
+                  </p:tgtEl>
+                </p:cond>
+              </p:nextCondLst>
+            </p:seq>
+          </p:childTnLst>
+        </p:cTn>
       </p:par>
     </p:tnLst>
   </p:timing>
@@ -3766,6 +4173,12 @@
           </a:p>
           <a:p>
             <a:r>
+              <a:rPr lang="en-US" dirty="0"/>
+              <a:t>Resolution: Seconds</a:t>
+            </a:r>
+          </a:p>
+          <a:p>
+            <a:r>
               <a:rPr lang="en-US" dirty="0" smtClean="0"/>
               <a:t>Can be null</a:t>
             </a:r>
@@ -3773,12 +4186,6 @@
           <a:p>
             <a:r>
               <a:rPr lang="en-US" dirty="0" smtClean="0"/>
-              <a:t>Resolution: Seconds</a:t>
-            </a:r>
-          </a:p>
-          <a:p>
-            <a:r>
-              <a:rPr lang="en-US" dirty="0" smtClean="0"/>
               <a:t>Usage:</a:t>
             </a:r>
           </a:p>
@@ -3818,14 +4225,6 @@
               <a:rPr lang="en-US" dirty="0" smtClean="0"/>
               <a:t>;</a:t>
             </a:r>
-          </a:p>
-          <a:p>
-            <a:pPr lvl="1"/>
-            <a:endParaRPr lang="en-US" dirty="0" smtClean="0"/>
-          </a:p>
-          <a:p>
-            <a:pPr lvl="1"/>
-            <a:endParaRPr lang="en-US" dirty="0"/>
           </a:p>
         </p:txBody>
       </p:sp>
@@ -3871,7 +4270,373 @@
   <p:timing>
     <p:tnLst>
       <p:par>
-        <p:cTn id="1" dur="indefinite" restart="never" nodeType="tmRoot"/>
+        <p:cTn id="1" dur="indefinite" restart="never" nodeType="tmRoot">
+          <p:childTnLst>
+            <p:seq concurrent="1" nextAc="seek">
+              <p:cTn id="2" dur="indefinite" nodeType="mainSeq">
+                <p:childTnLst>
+                  <p:par>
+                    <p:cTn id="3" fill="hold">
+                      <p:stCondLst>
+                        <p:cond delay="indefinite"/>
+                      </p:stCondLst>
+                      <p:childTnLst>
+                        <p:par>
+                          <p:cTn id="4" fill="hold">
+                            <p:stCondLst>
+                              <p:cond delay="0"/>
+                            </p:stCondLst>
+                            <p:childTnLst>
+                              <p:par>
+                                <p:cTn id="5" presetID="1" presetClass="entr" presetSubtype="0" fill="hold" nodeType="clickEffect">
+                                  <p:stCondLst>
+                                    <p:cond delay="0"/>
+                                  </p:stCondLst>
+                                  <p:childTnLst>
+                                    <p:set>
+                                      <p:cBhvr>
+                                        <p:cTn id="6" dur="1" fill="hold">
+                                          <p:stCondLst>
+                                            <p:cond delay="0"/>
+                                          </p:stCondLst>
+                                        </p:cTn>
+                                        <p:tgtEl>
+                                          <p:spTgt spid="3">
+                                            <p:txEl>
+                                              <p:pRg st="0" end="0"/>
+                                            </p:txEl>
+                                          </p:spTgt>
+                                        </p:tgtEl>
+                                        <p:attrNameLst>
+                                          <p:attrName>style.visibility</p:attrName>
+                                        </p:attrNameLst>
+                                      </p:cBhvr>
+                                      <p:to>
+                                        <p:strVal val="visible"/>
+                                      </p:to>
+                                    </p:set>
+                                  </p:childTnLst>
+                                </p:cTn>
+                              </p:par>
+                            </p:childTnLst>
+                          </p:cTn>
+                        </p:par>
+                      </p:childTnLst>
+                    </p:cTn>
+                  </p:par>
+                  <p:par>
+                    <p:cTn id="7" fill="hold">
+                      <p:stCondLst>
+                        <p:cond delay="indefinite"/>
+                      </p:stCondLst>
+                      <p:childTnLst>
+                        <p:par>
+                          <p:cTn id="8" fill="hold">
+                            <p:stCondLst>
+                              <p:cond delay="0"/>
+                            </p:stCondLst>
+                            <p:childTnLst>
+                              <p:par>
+                                <p:cTn id="9" presetID="1" presetClass="entr" presetSubtype="0" fill="hold" nodeType="clickEffect">
+                                  <p:stCondLst>
+                                    <p:cond delay="0"/>
+                                  </p:stCondLst>
+                                  <p:childTnLst>
+                                    <p:set>
+                                      <p:cBhvr>
+                                        <p:cTn id="10" dur="1" fill="hold">
+                                          <p:stCondLst>
+                                            <p:cond delay="0"/>
+                                          </p:stCondLst>
+                                        </p:cTn>
+                                        <p:tgtEl>
+                                          <p:spTgt spid="3">
+                                            <p:txEl>
+                                              <p:pRg st="1" end="1"/>
+                                            </p:txEl>
+                                          </p:spTgt>
+                                        </p:tgtEl>
+                                        <p:attrNameLst>
+                                          <p:attrName>style.visibility</p:attrName>
+                                        </p:attrNameLst>
+                                      </p:cBhvr>
+                                      <p:to>
+                                        <p:strVal val="visible"/>
+                                      </p:to>
+                                    </p:set>
+                                  </p:childTnLst>
+                                </p:cTn>
+                              </p:par>
+                            </p:childTnLst>
+                          </p:cTn>
+                        </p:par>
+                      </p:childTnLst>
+                    </p:cTn>
+                  </p:par>
+                  <p:par>
+                    <p:cTn id="11" fill="hold">
+                      <p:stCondLst>
+                        <p:cond delay="indefinite"/>
+                      </p:stCondLst>
+                      <p:childTnLst>
+                        <p:par>
+                          <p:cTn id="12" fill="hold">
+                            <p:stCondLst>
+                              <p:cond delay="0"/>
+                            </p:stCondLst>
+                            <p:childTnLst>
+                              <p:par>
+                                <p:cTn id="13" presetID="1" presetClass="entr" presetSubtype="0" fill="hold" nodeType="clickEffect">
+                                  <p:stCondLst>
+                                    <p:cond delay="0"/>
+                                  </p:stCondLst>
+                                  <p:childTnLst>
+                                    <p:set>
+                                      <p:cBhvr>
+                                        <p:cTn id="14" dur="1" fill="hold">
+                                          <p:stCondLst>
+                                            <p:cond delay="0"/>
+                                          </p:stCondLst>
+                                        </p:cTn>
+                                        <p:tgtEl>
+                                          <p:spTgt spid="3">
+                                            <p:txEl>
+                                              <p:pRg st="2" end="2"/>
+                                            </p:txEl>
+                                          </p:spTgt>
+                                        </p:tgtEl>
+                                        <p:attrNameLst>
+                                          <p:attrName>style.visibility</p:attrName>
+                                        </p:attrNameLst>
+                                      </p:cBhvr>
+                                      <p:to>
+                                        <p:strVal val="visible"/>
+                                      </p:to>
+                                    </p:set>
+                                  </p:childTnLst>
+                                </p:cTn>
+                              </p:par>
+                            </p:childTnLst>
+                          </p:cTn>
+                        </p:par>
+                      </p:childTnLst>
+                    </p:cTn>
+                  </p:par>
+                  <p:par>
+                    <p:cTn id="15" fill="hold">
+                      <p:stCondLst>
+                        <p:cond delay="indefinite"/>
+                      </p:stCondLst>
+                      <p:childTnLst>
+                        <p:par>
+                          <p:cTn id="16" fill="hold">
+                            <p:stCondLst>
+                              <p:cond delay="0"/>
+                            </p:stCondLst>
+                            <p:childTnLst>
+                              <p:par>
+                                <p:cTn id="17" presetID="1" presetClass="entr" presetSubtype="0" fill="hold" nodeType="clickEffect">
+                                  <p:stCondLst>
+                                    <p:cond delay="0"/>
+                                  </p:stCondLst>
+                                  <p:childTnLst>
+                                    <p:set>
+                                      <p:cBhvr>
+                                        <p:cTn id="18" dur="1" fill="hold">
+                                          <p:stCondLst>
+                                            <p:cond delay="0"/>
+                                          </p:stCondLst>
+                                        </p:cTn>
+                                        <p:tgtEl>
+                                          <p:spTgt spid="3">
+                                            <p:txEl>
+                                              <p:pRg st="3" end="3"/>
+                                            </p:txEl>
+                                          </p:spTgt>
+                                        </p:tgtEl>
+                                        <p:attrNameLst>
+                                          <p:attrName>style.visibility</p:attrName>
+                                        </p:attrNameLst>
+                                      </p:cBhvr>
+                                      <p:to>
+                                        <p:strVal val="visible"/>
+                                      </p:to>
+                                    </p:set>
+                                  </p:childTnLst>
+                                </p:cTn>
+                              </p:par>
+                            </p:childTnLst>
+                          </p:cTn>
+                        </p:par>
+                      </p:childTnLst>
+                    </p:cTn>
+                  </p:par>
+                  <p:par>
+                    <p:cTn id="19" fill="hold">
+                      <p:stCondLst>
+                        <p:cond delay="indefinite"/>
+                      </p:stCondLst>
+                      <p:childTnLst>
+                        <p:par>
+                          <p:cTn id="20" fill="hold">
+                            <p:stCondLst>
+                              <p:cond delay="0"/>
+                            </p:stCondLst>
+                            <p:childTnLst>
+                              <p:par>
+                                <p:cTn id="21" presetID="1" presetClass="entr" presetSubtype="0" fill="hold" nodeType="clickEffect">
+                                  <p:stCondLst>
+                                    <p:cond delay="0"/>
+                                  </p:stCondLst>
+                                  <p:childTnLst>
+                                    <p:set>
+                                      <p:cBhvr>
+                                        <p:cTn id="22" dur="1" fill="hold">
+                                          <p:stCondLst>
+                                            <p:cond delay="0"/>
+                                          </p:stCondLst>
+                                        </p:cTn>
+                                        <p:tgtEl>
+                                          <p:spTgt spid="3">
+                                            <p:txEl>
+                                              <p:pRg st="4" end="4"/>
+                                            </p:txEl>
+                                          </p:spTgt>
+                                        </p:tgtEl>
+                                        <p:attrNameLst>
+                                          <p:attrName>style.visibility</p:attrName>
+                                        </p:attrNameLst>
+                                      </p:cBhvr>
+                                      <p:to>
+                                        <p:strVal val="visible"/>
+                                      </p:to>
+                                    </p:set>
+                                  </p:childTnLst>
+                                </p:cTn>
+                              </p:par>
+                            </p:childTnLst>
+                          </p:cTn>
+                        </p:par>
+                      </p:childTnLst>
+                    </p:cTn>
+                  </p:par>
+                  <p:par>
+                    <p:cTn id="23" fill="hold">
+                      <p:stCondLst>
+                        <p:cond delay="indefinite"/>
+                      </p:stCondLst>
+                      <p:childTnLst>
+                        <p:par>
+                          <p:cTn id="24" fill="hold">
+                            <p:stCondLst>
+                              <p:cond delay="0"/>
+                            </p:stCondLst>
+                            <p:childTnLst>
+                              <p:par>
+                                <p:cTn id="25" presetID="1" presetClass="entr" presetSubtype="0" fill="hold" nodeType="clickEffect">
+                                  <p:stCondLst>
+                                    <p:cond delay="0"/>
+                                  </p:stCondLst>
+                                  <p:childTnLst>
+                                    <p:set>
+                                      <p:cBhvr>
+                                        <p:cTn id="26" dur="1" fill="hold">
+                                          <p:stCondLst>
+                                            <p:cond delay="0"/>
+                                          </p:stCondLst>
+                                        </p:cTn>
+                                        <p:tgtEl>
+                                          <p:spTgt spid="3">
+                                            <p:txEl>
+                                              <p:pRg st="5" end="5"/>
+                                            </p:txEl>
+                                          </p:spTgt>
+                                        </p:tgtEl>
+                                        <p:attrNameLst>
+                                          <p:attrName>style.visibility</p:attrName>
+                                        </p:attrNameLst>
+                                      </p:cBhvr>
+                                      <p:to>
+                                        <p:strVal val="visible"/>
+                                      </p:to>
+                                    </p:set>
+                                  </p:childTnLst>
+                                </p:cTn>
+                              </p:par>
+                            </p:childTnLst>
+                          </p:cTn>
+                        </p:par>
+                      </p:childTnLst>
+                    </p:cTn>
+                  </p:par>
+                  <p:par>
+                    <p:cTn id="27" fill="hold">
+                      <p:stCondLst>
+                        <p:cond delay="indefinite"/>
+                      </p:stCondLst>
+                      <p:childTnLst>
+                        <p:par>
+                          <p:cTn id="28" fill="hold">
+                            <p:stCondLst>
+                              <p:cond delay="0"/>
+                            </p:stCondLst>
+                            <p:childTnLst>
+                              <p:par>
+                                <p:cTn id="29" presetID="1" presetClass="entr" presetSubtype="0" fill="hold" nodeType="clickEffect">
+                                  <p:stCondLst>
+                                    <p:cond delay="0"/>
+                                  </p:stCondLst>
+                                  <p:childTnLst>
+                                    <p:set>
+                                      <p:cBhvr>
+                                        <p:cTn id="30" dur="1" fill="hold">
+                                          <p:stCondLst>
+                                            <p:cond delay="0"/>
+                                          </p:stCondLst>
+                                        </p:cTn>
+                                        <p:tgtEl>
+                                          <p:spTgt spid="3">
+                                            <p:txEl>
+                                              <p:pRg st="6" end="6"/>
+                                            </p:txEl>
+                                          </p:spTgt>
+                                        </p:tgtEl>
+                                        <p:attrNameLst>
+                                          <p:attrName>style.visibility</p:attrName>
+                                        </p:attrNameLst>
+                                      </p:cBhvr>
+                                      <p:to>
+                                        <p:strVal val="visible"/>
+                                      </p:to>
+                                    </p:set>
+                                  </p:childTnLst>
+                                </p:cTn>
+                              </p:par>
+                            </p:childTnLst>
+                          </p:cTn>
+                        </p:par>
+                      </p:childTnLst>
+                    </p:cTn>
+                  </p:par>
+                </p:childTnLst>
+              </p:cTn>
+              <p:prevCondLst>
+                <p:cond evt="onPrev" delay="0">
+                  <p:tgtEl>
+                    <p:sldTgt/>
+                  </p:tgtEl>
+                </p:cond>
+              </p:prevCondLst>
+              <p:nextCondLst>
+                <p:cond evt="onNext" delay="0">
+                  <p:tgtEl>
+                    <p:sldTgt/>
+                  </p:tgtEl>
+                </p:cond>
+              </p:nextCondLst>
+            </p:seq>
+          </p:childTnLst>
+        </p:cTn>
       </p:par>
     </p:tnLst>
   </p:timing>
@@ -11507,7 +12272,373 @@
   <p:timing>
     <p:tnLst>
       <p:par>
-        <p:cTn id="1" dur="indefinite" restart="never" nodeType="tmRoot"/>
+        <p:cTn id="1" dur="indefinite" restart="never" nodeType="tmRoot">
+          <p:childTnLst>
+            <p:seq concurrent="1" nextAc="seek">
+              <p:cTn id="2" dur="indefinite" nodeType="mainSeq">
+                <p:childTnLst>
+                  <p:par>
+                    <p:cTn id="3" fill="hold">
+                      <p:stCondLst>
+                        <p:cond delay="indefinite"/>
+                      </p:stCondLst>
+                      <p:childTnLst>
+                        <p:par>
+                          <p:cTn id="4" fill="hold">
+                            <p:stCondLst>
+                              <p:cond delay="0"/>
+                            </p:stCondLst>
+                            <p:childTnLst>
+                              <p:par>
+                                <p:cTn id="5" presetID="1" presetClass="entr" presetSubtype="0" fill="hold" nodeType="clickEffect">
+                                  <p:stCondLst>
+                                    <p:cond delay="0"/>
+                                  </p:stCondLst>
+                                  <p:childTnLst>
+                                    <p:set>
+                                      <p:cBhvr>
+                                        <p:cTn id="6" dur="1" fill="hold">
+                                          <p:stCondLst>
+                                            <p:cond delay="0"/>
+                                          </p:stCondLst>
+                                        </p:cTn>
+                                        <p:tgtEl>
+                                          <p:spTgt spid="3">
+                                            <p:txEl>
+                                              <p:pRg st="0" end="0"/>
+                                            </p:txEl>
+                                          </p:spTgt>
+                                        </p:tgtEl>
+                                        <p:attrNameLst>
+                                          <p:attrName>style.visibility</p:attrName>
+                                        </p:attrNameLst>
+                                      </p:cBhvr>
+                                      <p:to>
+                                        <p:strVal val="visible"/>
+                                      </p:to>
+                                    </p:set>
+                                  </p:childTnLst>
+                                </p:cTn>
+                              </p:par>
+                            </p:childTnLst>
+                          </p:cTn>
+                        </p:par>
+                      </p:childTnLst>
+                    </p:cTn>
+                  </p:par>
+                  <p:par>
+                    <p:cTn id="7" fill="hold">
+                      <p:stCondLst>
+                        <p:cond delay="indefinite"/>
+                      </p:stCondLst>
+                      <p:childTnLst>
+                        <p:par>
+                          <p:cTn id="8" fill="hold">
+                            <p:stCondLst>
+                              <p:cond delay="0"/>
+                            </p:stCondLst>
+                            <p:childTnLst>
+                              <p:par>
+                                <p:cTn id="9" presetID="1" presetClass="entr" presetSubtype="0" fill="hold" nodeType="clickEffect">
+                                  <p:stCondLst>
+                                    <p:cond delay="0"/>
+                                  </p:stCondLst>
+                                  <p:childTnLst>
+                                    <p:set>
+                                      <p:cBhvr>
+                                        <p:cTn id="10" dur="1" fill="hold">
+                                          <p:stCondLst>
+                                            <p:cond delay="0"/>
+                                          </p:stCondLst>
+                                        </p:cTn>
+                                        <p:tgtEl>
+                                          <p:spTgt spid="3">
+                                            <p:txEl>
+                                              <p:pRg st="1" end="1"/>
+                                            </p:txEl>
+                                          </p:spTgt>
+                                        </p:tgtEl>
+                                        <p:attrNameLst>
+                                          <p:attrName>style.visibility</p:attrName>
+                                        </p:attrNameLst>
+                                      </p:cBhvr>
+                                      <p:to>
+                                        <p:strVal val="visible"/>
+                                      </p:to>
+                                    </p:set>
+                                  </p:childTnLst>
+                                </p:cTn>
+                              </p:par>
+                            </p:childTnLst>
+                          </p:cTn>
+                        </p:par>
+                      </p:childTnLst>
+                    </p:cTn>
+                  </p:par>
+                  <p:par>
+                    <p:cTn id="11" fill="hold">
+                      <p:stCondLst>
+                        <p:cond delay="indefinite"/>
+                      </p:stCondLst>
+                      <p:childTnLst>
+                        <p:par>
+                          <p:cTn id="12" fill="hold">
+                            <p:stCondLst>
+                              <p:cond delay="0"/>
+                            </p:stCondLst>
+                            <p:childTnLst>
+                              <p:par>
+                                <p:cTn id="13" presetID="1" presetClass="entr" presetSubtype="0" fill="hold" nodeType="clickEffect">
+                                  <p:stCondLst>
+                                    <p:cond delay="0"/>
+                                  </p:stCondLst>
+                                  <p:childTnLst>
+                                    <p:set>
+                                      <p:cBhvr>
+                                        <p:cTn id="14" dur="1" fill="hold">
+                                          <p:stCondLst>
+                                            <p:cond delay="0"/>
+                                          </p:stCondLst>
+                                        </p:cTn>
+                                        <p:tgtEl>
+                                          <p:spTgt spid="3">
+                                            <p:txEl>
+                                              <p:pRg st="2" end="2"/>
+                                            </p:txEl>
+                                          </p:spTgt>
+                                        </p:tgtEl>
+                                        <p:attrNameLst>
+                                          <p:attrName>style.visibility</p:attrName>
+                                        </p:attrNameLst>
+                                      </p:cBhvr>
+                                      <p:to>
+                                        <p:strVal val="visible"/>
+                                      </p:to>
+                                    </p:set>
+                                  </p:childTnLst>
+                                </p:cTn>
+                              </p:par>
+                            </p:childTnLst>
+                          </p:cTn>
+                        </p:par>
+                      </p:childTnLst>
+                    </p:cTn>
+                  </p:par>
+                  <p:par>
+                    <p:cTn id="15" fill="hold">
+                      <p:stCondLst>
+                        <p:cond delay="indefinite"/>
+                      </p:stCondLst>
+                      <p:childTnLst>
+                        <p:par>
+                          <p:cTn id="16" fill="hold">
+                            <p:stCondLst>
+                              <p:cond delay="0"/>
+                            </p:stCondLst>
+                            <p:childTnLst>
+                              <p:par>
+                                <p:cTn id="17" presetID="1" presetClass="entr" presetSubtype="0" fill="hold" nodeType="clickEffect">
+                                  <p:stCondLst>
+                                    <p:cond delay="0"/>
+                                  </p:stCondLst>
+                                  <p:childTnLst>
+                                    <p:set>
+                                      <p:cBhvr>
+                                        <p:cTn id="18" dur="1" fill="hold">
+                                          <p:stCondLst>
+                                            <p:cond delay="0"/>
+                                          </p:stCondLst>
+                                        </p:cTn>
+                                        <p:tgtEl>
+                                          <p:spTgt spid="3">
+                                            <p:txEl>
+                                              <p:pRg st="3" end="3"/>
+                                            </p:txEl>
+                                          </p:spTgt>
+                                        </p:tgtEl>
+                                        <p:attrNameLst>
+                                          <p:attrName>style.visibility</p:attrName>
+                                        </p:attrNameLst>
+                                      </p:cBhvr>
+                                      <p:to>
+                                        <p:strVal val="visible"/>
+                                      </p:to>
+                                    </p:set>
+                                  </p:childTnLst>
+                                </p:cTn>
+                              </p:par>
+                            </p:childTnLst>
+                          </p:cTn>
+                        </p:par>
+                      </p:childTnLst>
+                    </p:cTn>
+                  </p:par>
+                  <p:par>
+                    <p:cTn id="19" fill="hold">
+                      <p:stCondLst>
+                        <p:cond delay="indefinite"/>
+                      </p:stCondLst>
+                      <p:childTnLst>
+                        <p:par>
+                          <p:cTn id="20" fill="hold">
+                            <p:stCondLst>
+                              <p:cond delay="0"/>
+                            </p:stCondLst>
+                            <p:childTnLst>
+                              <p:par>
+                                <p:cTn id="21" presetID="1" presetClass="entr" presetSubtype="0" fill="hold" nodeType="clickEffect">
+                                  <p:stCondLst>
+                                    <p:cond delay="0"/>
+                                  </p:stCondLst>
+                                  <p:childTnLst>
+                                    <p:set>
+                                      <p:cBhvr>
+                                        <p:cTn id="22" dur="1" fill="hold">
+                                          <p:stCondLst>
+                                            <p:cond delay="0"/>
+                                          </p:stCondLst>
+                                        </p:cTn>
+                                        <p:tgtEl>
+                                          <p:spTgt spid="3">
+                                            <p:txEl>
+                                              <p:pRg st="4" end="4"/>
+                                            </p:txEl>
+                                          </p:spTgt>
+                                        </p:tgtEl>
+                                        <p:attrNameLst>
+                                          <p:attrName>style.visibility</p:attrName>
+                                        </p:attrNameLst>
+                                      </p:cBhvr>
+                                      <p:to>
+                                        <p:strVal val="visible"/>
+                                      </p:to>
+                                    </p:set>
+                                  </p:childTnLst>
+                                </p:cTn>
+                              </p:par>
+                            </p:childTnLst>
+                          </p:cTn>
+                        </p:par>
+                      </p:childTnLst>
+                    </p:cTn>
+                  </p:par>
+                  <p:par>
+                    <p:cTn id="23" fill="hold">
+                      <p:stCondLst>
+                        <p:cond delay="indefinite"/>
+                      </p:stCondLst>
+                      <p:childTnLst>
+                        <p:par>
+                          <p:cTn id="24" fill="hold">
+                            <p:stCondLst>
+                              <p:cond delay="0"/>
+                            </p:stCondLst>
+                            <p:childTnLst>
+                              <p:par>
+                                <p:cTn id="25" presetID="1" presetClass="entr" presetSubtype="0" fill="hold" nodeType="clickEffect">
+                                  <p:stCondLst>
+                                    <p:cond delay="0"/>
+                                  </p:stCondLst>
+                                  <p:childTnLst>
+                                    <p:set>
+                                      <p:cBhvr>
+                                        <p:cTn id="26" dur="1" fill="hold">
+                                          <p:stCondLst>
+                                            <p:cond delay="0"/>
+                                          </p:stCondLst>
+                                        </p:cTn>
+                                        <p:tgtEl>
+                                          <p:spTgt spid="3">
+                                            <p:txEl>
+                                              <p:pRg st="5" end="5"/>
+                                            </p:txEl>
+                                          </p:spTgt>
+                                        </p:tgtEl>
+                                        <p:attrNameLst>
+                                          <p:attrName>style.visibility</p:attrName>
+                                        </p:attrNameLst>
+                                      </p:cBhvr>
+                                      <p:to>
+                                        <p:strVal val="visible"/>
+                                      </p:to>
+                                    </p:set>
+                                  </p:childTnLst>
+                                </p:cTn>
+                              </p:par>
+                            </p:childTnLst>
+                          </p:cTn>
+                        </p:par>
+                      </p:childTnLst>
+                    </p:cTn>
+                  </p:par>
+                  <p:par>
+                    <p:cTn id="27" fill="hold">
+                      <p:stCondLst>
+                        <p:cond delay="indefinite"/>
+                      </p:stCondLst>
+                      <p:childTnLst>
+                        <p:par>
+                          <p:cTn id="28" fill="hold">
+                            <p:stCondLst>
+                              <p:cond delay="0"/>
+                            </p:stCondLst>
+                            <p:childTnLst>
+                              <p:par>
+                                <p:cTn id="29" presetID="1" presetClass="entr" presetSubtype="0" fill="hold" nodeType="clickEffect">
+                                  <p:stCondLst>
+                                    <p:cond delay="0"/>
+                                  </p:stCondLst>
+                                  <p:childTnLst>
+                                    <p:set>
+                                      <p:cBhvr>
+                                        <p:cTn id="30" dur="1" fill="hold">
+                                          <p:stCondLst>
+                                            <p:cond delay="0"/>
+                                          </p:stCondLst>
+                                        </p:cTn>
+                                        <p:tgtEl>
+                                          <p:spTgt spid="3">
+                                            <p:txEl>
+                                              <p:pRg st="6" end="6"/>
+                                            </p:txEl>
+                                          </p:spTgt>
+                                        </p:tgtEl>
+                                        <p:attrNameLst>
+                                          <p:attrName>style.visibility</p:attrName>
+                                        </p:attrNameLst>
+                                      </p:cBhvr>
+                                      <p:to>
+                                        <p:strVal val="visible"/>
+                                      </p:to>
+                                    </p:set>
+                                  </p:childTnLst>
+                                </p:cTn>
+                              </p:par>
+                            </p:childTnLst>
+                          </p:cTn>
+                        </p:par>
+                      </p:childTnLst>
+                    </p:cTn>
+                  </p:par>
+                </p:childTnLst>
+              </p:cTn>
+              <p:prevCondLst>
+                <p:cond evt="onPrev" delay="0">
+                  <p:tgtEl>
+                    <p:sldTgt/>
+                  </p:tgtEl>
+                </p:cond>
+              </p:prevCondLst>
+              <p:nextCondLst>
+                <p:cond evt="onNext" delay="0">
+                  <p:tgtEl>
+                    <p:sldTgt/>
+                  </p:tgtEl>
+                </p:cond>
+              </p:nextCondLst>
+            </p:seq>
+          </p:childTnLst>
+        </p:cTn>
       </p:par>
     </p:tnLst>
   </p:timing>
@@ -11613,18 +12744,6 @@
               <a:t>Text a = “.NET”;</a:t>
             </a:r>
           </a:p>
-          <a:p>
-            <a:pPr lvl="1"/>
-            <a:endParaRPr lang="en-US" dirty="0" smtClean="0"/>
-          </a:p>
-          <a:p>
-            <a:pPr lvl="1"/>
-            <a:endParaRPr lang="en-US" dirty="0" smtClean="0"/>
-          </a:p>
-          <a:p>
-            <a:pPr lvl="1"/>
-            <a:endParaRPr lang="en-US" dirty="0"/>
-          </a:p>
         </p:txBody>
       </p:sp>
       <p:sp>
@@ -11669,7 +12788,373 @@
   <p:timing>
     <p:tnLst>
       <p:par>
-        <p:cTn id="1" dur="indefinite" restart="never" nodeType="tmRoot"/>
+        <p:cTn id="1" dur="indefinite" restart="never" nodeType="tmRoot">
+          <p:childTnLst>
+            <p:seq concurrent="1" nextAc="seek">
+              <p:cTn id="2" dur="indefinite" nodeType="mainSeq">
+                <p:childTnLst>
+                  <p:par>
+                    <p:cTn id="3" fill="hold">
+                      <p:stCondLst>
+                        <p:cond delay="indefinite"/>
+                      </p:stCondLst>
+                      <p:childTnLst>
+                        <p:par>
+                          <p:cTn id="4" fill="hold">
+                            <p:stCondLst>
+                              <p:cond delay="0"/>
+                            </p:stCondLst>
+                            <p:childTnLst>
+                              <p:par>
+                                <p:cTn id="5" presetID="1" presetClass="entr" presetSubtype="0" fill="hold" nodeType="clickEffect">
+                                  <p:stCondLst>
+                                    <p:cond delay="0"/>
+                                  </p:stCondLst>
+                                  <p:childTnLst>
+                                    <p:set>
+                                      <p:cBhvr>
+                                        <p:cTn id="6" dur="1" fill="hold">
+                                          <p:stCondLst>
+                                            <p:cond delay="0"/>
+                                          </p:stCondLst>
+                                        </p:cTn>
+                                        <p:tgtEl>
+                                          <p:spTgt spid="3">
+                                            <p:txEl>
+                                              <p:pRg st="0" end="0"/>
+                                            </p:txEl>
+                                          </p:spTgt>
+                                        </p:tgtEl>
+                                        <p:attrNameLst>
+                                          <p:attrName>style.visibility</p:attrName>
+                                        </p:attrNameLst>
+                                      </p:cBhvr>
+                                      <p:to>
+                                        <p:strVal val="visible"/>
+                                      </p:to>
+                                    </p:set>
+                                  </p:childTnLst>
+                                </p:cTn>
+                              </p:par>
+                            </p:childTnLst>
+                          </p:cTn>
+                        </p:par>
+                      </p:childTnLst>
+                    </p:cTn>
+                  </p:par>
+                  <p:par>
+                    <p:cTn id="7" fill="hold">
+                      <p:stCondLst>
+                        <p:cond delay="indefinite"/>
+                      </p:stCondLst>
+                      <p:childTnLst>
+                        <p:par>
+                          <p:cTn id="8" fill="hold">
+                            <p:stCondLst>
+                              <p:cond delay="0"/>
+                            </p:stCondLst>
+                            <p:childTnLst>
+                              <p:par>
+                                <p:cTn id="9" presetID="1" presetClass="entr" presetSubtype="0" fill="hold" nodeType="clickEffect">
+                                  <p:stCondLst>
+                                    <p:cond delay="0"/>
+                                  </p:stCondLst>
+                                  <p:childTnLst>
+                                    <p:set>
+                                      <p:cBhvr>
+                                        <p:cTn id="10" dur="1" fill="hold">
+                                          <p:stCondLst>
+                                            <p:cond delay="0"/>
+                                          </p:stCondLst>
+                                        </p:cTn>
+                                        <p:tgtEl>
+                                          <p:spTgt spid="3">
+                                            <p:txEl>
+                                              <p:pRg st="1" end="1"/>
+                                            </p:txEl>
+                                          </p:spTgt>
+                                        </p:tgtEl>
+                                        <p:attrNameLst>
+                                          <p:attrName>style.visibility</p:attrName>
+                                        </p:attrNameLst>
+                                      </p:cBhvr>
+                                      <p:to>
+                                        <p:strVal val="visible"/>
+                                      </p:to>
+                                    </p:set>
+                                  </p:childTnLst>
+                                </p:cTn>
+                              </p:par>
+                            </p:childTnLst>
+                          </p:cTn>
+                        </p:par>
+                      </p:childTnLst>
+                    </p:cTn>
+                  </p:par>
+                  <p:par>
+                    <p:cTn id="11" fill="hold">
+                      <p:stCondLst>
+                        <p:cond delay="indefinite"/>
+                      </p:stCondLst>
+                      <p:childTnLst>
+                        <p:par>
+                          <p:cTn id="12" fill="hold">
+                            <p:stCondLst>
+                              <p:cond delay="0"/>
+                            </p:stCondLst>
+                            <p:childTnLst>
+                              <p:par>
+                                <p:cTn id="13" presetID="1" presetClass="entr" presetSubtype="0" fill="hold" nodeType="clickEffect">
+                                  <p:stCondLst>
+                                    <p:cond delay="0"/>
+                                  </p:stCondLst>
+                                  <p:childTnLst>
+                                    <p:set>
+                                      <p:cBhvr>
+                                        <p:cTn id="14" dur="1" fill="hold">
+                                          <p:stCondLst>
+                                            <p:cond delay="0"/>
+                                          </p:stCondLst>
+                                        </p:cTn>
+                                        <p:tgtEl>
+                                          <p:spTgt spid="3">
+                                            <p:txEl>
+                                              <p:pRg st="2" end="2"/>
+                                            </p:txEl>
+                                          </p:spTgt>
+                                        </p:tgtEl>
+                                        <p:attrNameLst>
+                                          <p:attrName>style.visibility</p:attrName>
+                                        </p:attrNameLst>
+                                      </p:cBhvr>
+                                      <p:to>
+                                        <p:strVal val="visible"/>
+                                      </p:to>
+                                    </p:set>
+                                  </p:childTnLst>
+                                </p:cTn>
+                              </p:par>
+                            </p:childTnLst>
+                          </p:cTn>
+                        </p:par>
+                      </p:childTnLst>
+                    </p:cTn>
+                  </p:par>
+                  <p:par>
+                    <p:cTn id="15" fill="hold">
+                      <p:stCondLst>
+                        <p:cond delay="indefinite"/>
+                      </p:stCondLst>
+                      <p:childTnLst>
+                        <p:par>
+                          <p:cTn id="16" fill="hold">
+                            <p:stCondLst>
+                              <p:cond delay="0"/>
+                            </p:stCondLst>
+                            <p:childTnLst>
+                              <p:par>
+                                <p:cTn id="17" presetID="1" presetClass="entr" presetSubtype="0" fill="hold" nodeType="clickEffect">
+                                  <p:stCondLst>
+                                    <p:cond delay="0"/>
+                                  </p:stCondLst>
+                                  <p:childTnLst>
+                                    <p:set>
+                                      <p:cBhvr>
+                                        <p:cTn id="18" dur="1" fill="hold">
+                                          <p:stCondLst>
+                                            <p:cond delay="0"/>
+                                          </p:stCondLst>
+                                        </p:cTn>
+                                        <p:tgtEl>
+                                          <p:spTgt spid="3">
+                                            <p:txEl>
+                                              <p:pRg st="3" end="3"/>
+                                            </p:txEl>
+                                          </p:spTgt>
+                                        </p:tgtEl>
+                                        <p:attrNameLst>
+                                          <p:attrName>style.visibility</p:attrName>
+                                        </p:attrNameLst>
+                                      </p:cBhvr>
+                                      <p:to>
+                                        <p:strVal val="visible"/>
+                                      </p:to>
+                                    </p:set>
+                                  </p:childTnLst>
+                                </p:cTn>
+                              </p:par>
+                            </p:childTnLst>
+                          </p:cTn>
+                        </p:par>
+                      </p:childTnLst>
+                    </p:cTn>
+                  </p:par>
+                  <p:par>
+                    <p:cTn id="19" fill="hold">
+                      <p:stCondLst>
+                        <p:cond delay="indefinite"/>
+                      </p:stCondLst>
+                      <p:childTnLst>
+                        <p:par>
+                          <p:cTn id="20" fill="hold">
+                            <p:stCondLst>
+                              <p:cond delay="0"/>
+                            </p:stCondLst>
+                            <p:childTnLst>
+                              <p:par>
+                                <p:cTn id="21" presetID="1" presetClass="entr" presetSubtype="0" fill="hold" nodeType="clickEffect">
+                                  <p:stCondLst>
+                                    <p:cond delay="0"/>
+                                  </p:stCondLst>
+                                  <p:childTnLst>
+                                    <p:set>
+                                      <p:cBhvr>
+                                        <p:cTn id="22" dur="1" fill="hold">
+                                          <p:stCondLst>
+                                            <p:cond delay="0"/>
+                                          </p:stCondLst>
+                                        </p:cTn>
+                                        <p:tgtEl>
+                                          <p:spTgt spid="3">
+                                            <p:txEl>
+                                              <p:pRg st="4" end="4"/>
+                                            </p:txEl>
+                                          </p:spTgt>
+                                        </p:tgtEl>
+                                        <p:attrNameLst>
+                                          <p:attrName>style.visibility</p:attrName>
+                                        </p:attrNameLst>
+                                      </p:cBhvr>
+                                      <p:to>
+                                        <p:strVal val="visible"/>
+                                      </p:to>
+                                    </p:set>
+                                  </p:childTnLst>
+                                </p:cTn>
+                              </p:par>
+                            </p:childTnLst>
+                          </p:cTn>
+                        </p:par>
+                      </p:childTnLst>
+                    </p:cTn>
+                  </p:par>
+                  <p:par>
+                    <p:cTn id="23" fill="hold">
+                      <p:stCondLst>
+                        <p:cond delay="indefinite"/>
+                      </p:stCondLst>
+                      <p:childTnLst>
+                        <p:par>
+                          <p:cTn id="24" fill="hold">
+                            <p:stCondLst>
+                              <p:cond delay="0"/>
+                            </p:stCondLst>
+                            <p:childTnLst>
+                              <p:par>
+                                <p:cTn id="25" presetID="1" presetClass="entr" presetSubtype="0" fill="hold" nodeType="clickEffect">
+                                  <p:stCondLst>
+                                    <p:cond delay="0"/>
+                                  </p:stCondLst>
+                                  <p:childTnLst>
+                                    <p:set>
+                                      <p:cBhvr>
+                                        <p:cTn id="26" dur="1" fill="hold">
+                                          <p:stCondLst>
+                                            <p:cond delay="0"/>
+                                          </p:stCondLst>
+                                        </p:cTn>
+                                        <p:tgtEl>
+                                          <p:spTgt spid="3">
+                                            <p:txEl>
+                                              <p:pRg st="5" end="5"/>
+                                            </p:txEl>
+                                          </p:spTgt>
+                                        </p:tgtEl>
+                                        <p:attrNameLst>
+                                          <p:attrName>style.visibility</p:attrName>
+                                        </p:attrNameLst>
+                                      </p:cBhvr>
+                                      <p:to>
+                                        <p:strVal val="visible"/>
+                                      </p:to>
+                                    </p:set>
+                                  </p:childTnLst>
+                                </p:cTn>
+                              </p:par>
+                            </p:childTnLst>
+                          </p:cTn>
+                        </p:par>
+                      </p:childTnLst>
+                    </p:cTn>
+                  </p:par>
+                  <p:par>
+                    <p:cTn id="27" fill="hold">
+                      <p:stCondLst>
+                        <p:cond delay="indefinite"/>
+                      </p:stCondLst>
+                      <p:childTnLst>
+                        <p:par>
+                          <p:cTn id="28" fill="hold">
+                            <p:stCondLst>
+                              <p:cond delay="0"/>
+                            </p:stCondLst>
+                            <p:childTnLst>
+                              <p:par>
+                                <p:cTn id="29" presetID="1" presetClass="entr" presetSubtype="0" fill="hold" nodeType="clickEffect">
+                                  <p:stCondLst>
+                                    <p:cond delay="0"/>
+                                  </p:stCondLst>
+                                  <p:childTnLst>
+                                    <p:set>
+                                      <p:cBhvr>
+                                        <p:cTn id="30" dur="1" fill="hold">
+                                          <p:stCondLst>
+                                            <p:cond delay="0"/>
+                                          </p:stCondLst>
+                                        </p:cTn>
+                                        <p:tgtEl>
+                                          <p:spTgt spid="3">
+                                            <p:txEl>
+                                              <p:pRg st="6" end="6"/>
+                                            </p:txEl>
+                                          </p:spTgt>
+                                        </p:tgtEl>
+                                        <p:attrNameLst>
+                                          <p:attrName>style.visibility</p:attrName>
+                                        </p:attrNameLst>
+                                      </p:cBhvr>
+                                      <p:to>
+                                        <p:strVal val="visible"/>
+                                      </p:to>
+                                    </p:set>
+                                  </p:childTnLst>
+                                </p:cTn>
+                              </p:par>
+                            </p:childTnLst>
+                          </p:cTn>
+                        </p:par>
+                      </p:childTnLst>
+                    </p:cTn>
+                  </p:par>
+                </p:childTnLst>
+              </p:cTn>
+              <p:prevCondLst>
+                <p:cond evt="onPrev" delay="0">
+                  <p:tgtEl>
+                    <p:sldTgt/>
+                  </p:tgtEl>
+                </p:cond>
+              </p:prevCondLst>
+              <p:nextCondLst>
+                <p:cond evt="onNext" delay="0">
+                  <p:tgtEl>
+                    <p:sldTgt/>
+                  </p:tgtEl>
+                </p:cond>
+              </p:nextCondLst>
+            </p:seq>
+          </p:childTnLst>
+        </p:cTn>
       </p:par>
     </p:tnLst>
   </p:timing>
@@ -11762,14 +13247,6 @@
               <a:t>Bool b = null;</a:t>
             </a:r>
           </a:p>
-          <a:p>
-            <a:pPr lvl="1"/>
-            <a:endParaRPr lang="en-US" dirty="0" smtClean="0"/>
-          </a:p>
-          <a:p>
-            <a:pPr lvl="1"/>
-            <a:endParaRPr lang="en-US" dirty="0"/>
-          </a:p>
         </p:txBody>
       </p:sp>
       <p:sp>
@@ -11814,7 +13291,275 @@
   <p:timing>
     <p:tnLst>
       <p:par>
-        <p:cTn id="1" dur="indefinite" restart="never" nodeType="tmRoot"/>
+        <p:cTn id="1" dur="indefinite" restart="never" nodeType="tmRoot">
+          <p:childTnLst>
+            <p:seq concurrent="1" nextAc="seek">
+              <p:cTn id="2" dur="indefinite" nodeType="mainSeq">
+                <p:childTnLst>
+                  <p:par>
+                    <p:cTn id="3" fill="hold">
+                      <p:stCondLst>
+                        <p:cond delay="indefinite"/>
+                      </p:stCondLst>
+                      <p:childTnLst>
+                        <p:par>
+                          <p:cTn id="4" fill="hold">
+                            <p:stCondLst>
+                              <p:cond delay="0"/>
+                            </p:stCondLst>
+                            <p:childTnLst>
+                              <p:par>
+                                <p:cTn id="5" presetID="1" presetClass="entr" presetSubtype="0" fill="hold" nodeType="clickEffect">
+                                  <p:stCondLst>
+                                    <p:cond delay="0"/>
+                                  </p:stCondLst>
+                                  <p:childTnLst>
+                                    <p:set>
+                                      <p:cBhvr>
+                                        <p:cTn id="6" dur="1" fill="hold">
+                                          <p:stCondLst>
+                                            <p:cond delay="0"/>
+                                          </p:stCondLst>
+                                        </p:cTn>
+                                        <p:tgtEl>
+                                          <p:spTgt spid="3">
+                                            <p:txEl>
+                                              <p:pRg st="0" end="0"/>
+                                            </p:txEl>
+                                          </p:spTgt>
+                                        </p:tgtEl>
+                                        <p:attrNameLst>
+                                          <p:attrName>style.visibility</p:attrName>
+                                        </p:attrNameLst>
+                                      </p:cBhvr>
+                                      <p:to>
+                                        <p:strVal val="visible"/>
+                                      </p:to>
+                                    </p:set>
+                                  </p:childTnLst>
+                                </p:cTn>
+                              </p:par>
+                            </p:childTnLst>
+                          </p:cTn>
+                        </p:par>
+                      </p:childTnLst>
+                    </p:cTn>
+                  </p:par>
+                  <p:par>
+                    <p:cTn id="7" fill="hold">
+                      <p:stCondLst>
+                        <p:cond delay="indefinite"/>
+                      </p:stCondLst>
+                      <p:childTnLst>
+                        <p:par>
+                          <p:cTn id="8" fill="hold">
+                            <p:stCondLst>
+                              <p:cond delay="0"/>
+                            </p:stCondLst>
+                            <p:childTnLst>
+                              <p:par>
+                                <p:cTn id="9" presetID="1" presetClass="entr" presetSubtype="0" fill="hold" nodeType="clickEffect">
+                                  <p:stCondLst>
+                                    <p:cond delay="0"/>
+                                  </p:stCondLst>
+                                  <p:childTnLst>
+                                    <p:set>
+                                      <p:cBhvr>
+                                        <p:cTn id="10" dur="1" fill="hold">
+                                          <p:stCondLst>
+                                            <p:cond delay="0"/>
+                                          </p:stCondLst>
+                                        </p:cTn>
+                                        <p:tgtEl>
+                                          <p:spTgt spid="3">
+                                            <p:txEl>
+                                              <p:pRg st="1" end="1"/>
+                                            </p:txEl>
+                                          </p:spTgt>
+                                        </p:tgtEl>
+                                        <p:attrNameLst>
+                                          <p:attrName>style.visibility</p:attrName>
+                                        </p:attrNameLst>
+                                      </p:cBhvr>
+                                      <p:to>
+                                        <p:strVal val="visible"/>
+                                      </p:to>
+                                    </p:set>
+                                  </p:childTnLst>
+                                </p:cTn>
+                              </p:par>
+                            </p:childTnLst>
+                          </p:cTn>
+                        </p:par>
+                      </p:childTnLst>
+                    </p:cTn>
+                  </p:par>
+                  <p:par>
+                    <p:cTn id="11" fill="hold">
+                      <p:stCondLst>
+                        <p:cond delay="indefinite"/>
+                      </p:stCondLst>
+                      <p:childTnLst>
+                        <p:par>
+                          <p:cTn id="12" fill="hold">
+                            <p:stCondLst>
+                              <p:cond delay="0"/>
+                            </p:stCondLst>
+                            <p:childTnLst>
+                              <p:par>
+                                <p:cTn id="13" presetID="1" presetClass="entr" presetSubtype="0" fill="hold" nodeType="clickEffect">
+                                  <p:stCondLst>
+                                    <p:cond delay="0"/>
+                                  </p:stCondLst>
+                                  <p:childTnLst>
+                                    <p:set>
+                                      <p:cBhvr>
+                                        <p:cTn id="14" dur="1" fill="hold">
+                                          <p:stCondLst>
+                                            <p:cond delay="0"/>
+                                          </p:stCondLst>
+                                        </p:cTn>
+                                        <p:tgtEl>
+                                          <p:spTgt spid="3">
+                                            <p:txEl>
+                                              <p:pRg st="2" end="2"/>
+                                            </p:txEl>
+                                          </p:spTgt>
+                                        </p:tgtEl>
+                                        <p:attrNameLst>
+                                          <p:attrName>style.visibility</p:attrName>
+                                        </p:attrNameLst>
+                                      </p:cBhvr>
+                                      <p:to>
+                                        <p:strVal val="visible"/>
+                                      </p:to>
+                                    </p:set>
+                                  </p:childTnLst>
+                                </p:cTn>
+                              </p:par>
+                            </p:childTnLst>
+                          </p:cTn>
+                        </p:par>
+                      </p:childTnLst>
+                    </p:cTn>
+                  </p:par>
+                  <p:par>
+                    <p:cTn id="15" fill="hold">
+                      <p:stCondLst>
+                        <p:cond delay="indefinite"/>
+                      </p:stCondLst>
+                      <p:childTnLst>
+                        <p:par>
+                          <p:cTn id="16" fill="hold">
+                            <p:stCondLst>
+                              <p:cond delay="0"/>
+                            </p:stCondLst>
+                            <p:childTnLst>
+                              <p:par>
+                                <p:cTn id="17" presetID="1" presetClass="entr" presetSubtype="0" fill="hold" nodeType="clickEffect">
+                                  <p:stCondLst>
+                                    <p:cond delay="0"/>
+                                  </p:stCondLst>
+                                  <p:childTnLst>
+                                    <p:set>
+                                      <p:cBhvr>
+                                        <p:cTn id="18" dur="1" fill="hold">
+                                          <p:stCondLst>
+                                            <p:cond delay="0"/>
+                                          </p:stCondLst>
+                                        </p:cTn>
+                                        <p:tgtEl>
+                                          <p:spTgt spid="3">
+                                            <p:txEl>
+                                              <p:pRg st="3" end="3"/>
+                                            </p:txEl>
+                                          </p:spTgt>
+                                        </p:tgtEl>
+                                        <p:attrNameLst>
+                                          <p:attrName>style.visibility</p:attrName>
+                                        </p:attrNameLst>
+                                      </p:cBhvr>
+                                      <p:to>
+                                        <p:strVal val="visible"/>
+                                      </p:to>
+                                    </p:set>
+                                  </p:childTnLst>
+                                </p:cTn>
+                              </p:par>
+                            </p:childTnLst>
+                          </p:cTn>
+                        </p:par>
+                      </p:childTnLst>
+                    </p:cTn>
+                  </p:par>
+                  <p:par>
+                    <p:cTn id="19" fill="hold">
+                      <p:stCondLst>
+                        <p:cond delay="indefinite"/>
+                      </p:stCondLst>
+                      <p:childTnLst>
+                        <p:par>
+                          <p:cTn id="20" fill="hold">
+                            <p:stCondLst>
+                              <p:cond delay="0"/>
+                            </p:stCondLst>
+                            <p:childTnLst>
+                              <p:par>
+                                <p:cTn id="21" presetID="1" presetClass="entr" presetSubtype="0" fill="hold" nodeType="clickEffect">
+                                  <p:stCondLst>
+                                    <p:cond delay="0"/>
+                                  </p:stCondLst>
+                                  <p:childTnLst>
+                                    <p:set>
+                                      <p:cBhvr>
+                                        <p:cTn id="22" dur="1" fill="hold">
+                                          <p:stCondLst>
+                                            <p:cond delay="0"/>
+                                          </p:stCondLst>
+                                        </p:cTn>
+                                        <p:tgtEl>
+                                          <p:spTgt spid="3">
+                                            <p:txEl>
+                                              <p:pRg st="4" end="4"/>
+                                            </p:txEl>
+                                          </p:spTgt>
+                                        </p:tgtEl>
+                                        <p:attrNameLst>
+                                          <p:attrName>style.visibility</p:attrName>
+                                        </p:attrNameLst>
+                                      </p:cBhvr>
+                                      <p:to>
+                                        <p:strVal val="visible"/>
+                                      </p:to>
+                                    </p:set>
+                                  </p:childTnLst>
+                                </p:cTn>
+                              </p:par>
+                            </p:childTnLst>
+                          </p:cTn>
+                        </p:par>
+                      </p:childTnLst>
+                    </p:cTn>
+                  </p:par>
+                </p:childTnLst>
+              </p:cTn>
+              <p:prevCondLst>
+                <p:cond evt="onPrev" delay="0">
+                  <p:tgtEl>
+                    <p:sldTgt/>
+                  </p:tgtEl>
+                </p:cond>
+              </p:prevCondLst>
+              <p:nextCondLst>
+                <p:cond evt="onNext" delay="0">
+                  <p:tgtEl>
+                    <p:sldTgt/>
+                  </p:tgtEl>
+                </p:cond>
+              </p:nextCondLst>
+            </p:seq>
+          </p:childTnLst>
+        </p:cTn>
       </p:par>
     </p:tnLst>
   </p:timing>

--- a/dev-docs/guide/Training.pptx
+++ b/dev-docs/guide/Training.pptx
@@ -1,35 +1,42 @@
 
 <file path=ppt/presentation.xml><?xml version="1.0" encoding="utf-8"?>
-<p:presentation xmlns:a="http://schemas.openxmlformats.org/drawingml/2006/main" xmlns:r="http://schemas.openxmlformats.org/officeDocument/2006/relationships" xmlns:p="http://schemas.openxmlformats.org/presentationml/2006/main" rtl="1" saveSubsetFonts="1">
+<p:presentation xmlns:a="http://schemas.openxmlformats.org/drawingml/2006/main" xmlns:r="http://schemas.openxmlformats.org/officeDocument/2006/relationships" xmlns:p="http://schemas.openxmlformats.org/presentationml/2006/main" saveSubsetFonts="1">
   <p:sldMasterIdLst>
-    <p:sldMasterId id="2147483660" r:id="rId1"/>
+    <p:sldMasterId id="2147483660" r:id="rId3"/>
   </p:sldMasterIdLst>
   <p:notesMasterIdLst>
-    <p:notesMasterId r:id="rId19"/>
+    <p:notesMasterId r:id="rId28"/>
   </p:notesMasterIdLst>
   <p:handoutMasterIdLst>
-    <p:handoutMasterId r:id="rId20"/>
+    <p:handoutMasterId r:id="rId29"/>
   </p:handoutMasterIdLst>
   <p:sldIdLst>
-    <p:sldId id="283" r:id="rId2"/>
-    <p:sldId id="259" r:id="rId3"/>
-    <p:sldId id="287" r:id="rId4"/>
-    <p:sldId id="278" r:id="rId5"/>
-    <p:sldId id="290" r:id="rId6"/>
-    <p:sldId id="294" r:id="rId7"/>
-    <p:sldId id="291" r:id="rId8"/>
-    <p:sldId id="292" r:id="rId9"/>
-    <p:sldId id="293" r:id="rId10"/>
-    <p:sldId id="295" r:id="rId11"/>
-    <p:sldId id="296" r:id="rId12"/>
-    <p:sldId id="297" r:id="rId13"/>
-    <p:sldId id="298" r:id="rId14"/>
-    <p:sldId id="262" r:id="rId15"/>
-    <p:sldId id="269" r:id="rId16"/>
-    <p:sldId id="281" r:id="rId17"/>
-    <p:sldId id="284" r:id="rId18"/>
+    <p:sldId id="283" r:id="rId4"/>
+    <p:sldId id="259" r:id="rId5"/>
+    <p:sldId id="287" r:id="rId6"/>
+    <p:sldId id="278" r:id="rId7"/>
+    <p:sldId id="290" r:id="rId8"/>
+    <p:sldId id="294" r:id="rId9"/>
+    <p:sldId id="291" r:id="rId10"/>
+    <p:sldId id="292" r:id="rId11"/>
+    <p:sldId id="293" r:id="rId12"/>
+    <p:sldId id="295" r:id="rId13"/>
+    <p:sldId id="296" r:id="rId14"/>
+    <p:sldId id="297" r:id="rId15"/>
+    <p:sldId id="298" r:id="rId16"/>
+    <p:sldId id="305" r:id="rId17"/>
+    <p:sldId id="300" r:id="rId18"/>
+    <p:sldId id="299" r:id="rId19"/>
+    <p:sldId id="301" r:id="rId20"/>
+    <p:sldId id="302" r:id="rId21"/>
+    <p:sldId id="303" r:id="rId22"/>
+    <p:sldId id="304" r:id="rId23"/>
+    <p:sldId id="262" r:id="rId24"/>
+    <p:sldId id="269" r:id="rId25"/>
+    <p:sldId id="281" r:id="rId26"/>
+    <p:sldId id="284" r:id="rId27"/>
   </p:sldIdLst>
-  <p:sldSz cx="9144000" cy="6858000" type="screen4x3"/>
+  <p:sldSz cx="12192000" cy="6858000"/>
   <p:notesSz cx="6858000" cy="9144000"/>
   <p:defaultTextStyle>
     <a:defPPr>
@@ -129,12 +136,12 @@
   <p:extLst>
     <p:ext uri="{EFAFB233-063F-42B5-8137-9DF3F51BA10A}">
       <p15:sldGuideLst xmlns:p15="http://schemas.microsoft.com/office/powerpoint/2012/main">
-        <p15:guide id="1" orient="horz" pos="2160">
+        <p15:guide id="1" orient="horz" pos="2160" userDrawn="1">
           <p15:clr>
             <a:srgbClr val="A4A3A4"/>
           </p15:clr>
         </p15:guide>
-        <p15:guide id="2" pos="2880">
+        <p15:guide id="2" pos="3840" userDrawn="1">
           <p15:clr>
             <a:srgbClr val="A4A3A4"/>
           </p15:clr>
@@ -241,7 +248,7 @@
           <a:p>
             <a:fld id="{0C562DBC-A057-4482-B1DA-F1223766652F}" type="datetimeFigureOut">
               <a:rPr lang="he-IL" smtClean="0"/>
-              <a:t>ג'/שבט/תשע"ז</a:t>
+              <a:t>ד'/שבט/תשע"ז</a:t>
             </a:fld>
             <a:endParaRPr lang="he-IL"/>
           </a:p>
@@ -406,7 +413,7 @@
           <a:p>
             <a:fld id="{79B72168-67EB-4E58-85AA-EDFD7A3D899E}" type="datetimeFigureOut">
               <a:rPr lang="en-US" smtClean="0"/>
-              <a:t>1/30/2017</a:t>
+              <a:t>1/31/2017</a:t>
             </a:fld>
             <a:endParaRPr lang="en-US"/>
           </a:p>
@@ -424,8 +431,8 @@
         </p:nvSpPr>
         <p:spPr>
           <a:xfrm>
-            <a:off x="1371600" y="1143000"/>
-            <a:ext cx="4114800" cy="3086100"/>
+            <a:off x="685800" y="1143000"/>
+            <a:ext cx="5486400" cy="3086100"/>
           </a:xfrm>
           <a:prstGeom prst="rect">
             <a:avLst/>
@@ -700,7 +707,12 @@
             <p:ph type="sldImg"/>
           </p:nvPr>
         </p:nvSpPr>
-        <p:spPr/>
+        <p:spPr>
+          <a:xfrm>
+            <a:off x="685800" y="1143000"/>
+            <a:ext cx="5486400" cy="3086100"/>
+          </a:xfrm>
+        </p:spPr>
       </p:sp>
       <p:sp>
         <p:nvSpPr>
@@ -784,7 +796,12 @@
             <p:ph type="sldImg"/>
           </p:nvPr>
         </p:nvSpPr>
-        <p:spPr/>
+        <p:spPr>
+          <a:xfrm>
+            <a:off x="685800" y="1143000"/>
+            <a:ext cx="5486400" cy="3086100"/>
+          </a:xfrm>
+        </p:spPr>
       </p:sp>
       <p:sp>
         <p:nvSpPr>
@@ -868,7 +885,12 @@
             <p:ph type="sldImg"/>
           </p:nvPr>
         </p:nvSpPr>
-        <p:spPr/>
+        <p:spPr>
+          <a:xfrm>
+            <a:off x="685800" y="1143000"/>
+            <a:ext cx="5486400" cy="3086100"/>
+          </a:xfrm>
+        </p:spPr>
       </p:sp>
       <p:sp>
         <p:nvSpPr>
@@ -952,7 +974,12 @@
             <p:ph type="sldImg"/>
           </p:nvPr>
         </p:nvSpPr>
-        <p:spPr/>
+        <p:spPr>
+          <a:xfrm>
+            <a:off x="685800" y="1143000"/>
+            <a:ext cx="5486400" cy="3086100"/>
+          </a:xfrm>
+        </p:spPr>
       </p:sp>
       <p:sp>
         <p:nvSpPr>
@@ -1036,7 +1063,12 @@
             <p:ph type="sldImg"/>
           </p:nvPr>
         </p:nvSpPr>
-        <p:spPr/>
+        <p:spPr>
+          <a:xfrm>
+            <a:off x="685800" y="1143000"/>
+            <a:ext cx="5486400" cy="3086100"/>
+          </a:xfrm>
+        </p:spPr>
       </p:sp>
       <p:sp>
         <p:nvSpPr>
@@ -1120,7 +1152,12 @@
             <p:ph type="sldImg"/>
           </p:nvPr>
         </p:nvSpPr>
-        <p:spPr/>
+        <p:spPr>
+          <a:xfrm>
+            <a:off x="685800" y="1143000"/>
+            <a:ext cx="5486400" cy="3086100"/>
+          </a:xfrm>
+        </p:spPr>
       </p:sp>
       <p:sp>
         <p:nvSpPr>
@@ -1204,7 +1241,12 @@
             <p:ph type="sldImg"/>
           </p:nvPr>
         </p:nvSpPr>
-        <p:spPr/>
+        <p:spPr>
+          <a:xfrm>
+            <a:off x="685800" y="1143000"/>
+            <a:ext cx="5486400" cy="3086100"/>
+          </a:xfrm>
+        </p:spPr>
       </p:sp>
       <p:sp>
         <p:nvSpPr>
@@ -1288,7 +1330,12 @@
             <p:ph type="sldImg"/>
           </p:nvPr>
         </p:nvSpPr>
-        <p:spPr/>
+        <p:spPr>
+          <a:xfrm>
+            <a:off x="685800" y="1143000"/>
+            <a:ext cx="5486400" cy="3086100"/>
+          </a:xfrm>
+        </p:spPr>
       </p:sp>
       <p:sp>
         <p:nvSpPr>
@@ -1326,7 +1373,7 @@
           <a:p>
             <a:fld id="{B9481C2B-38DC-427F-9F6F-35E2AA129D6D}" type="slidenum">
               <a:rPr lang="en-US" smtClean="0"/>
-              <a:t>15</a:t>
+              <a:t>22</a:t>
             </a:fld>
             <a:endParaRPr lang="en-US"/>
           </a:p>
@@ -1372,7 +1419,12 @@
             <p:ph type="sldImg"/>
           </p:nvPr>
         </p:nvSpPr>
-        <p:spPr/>
+        <p:spPr>
+          <a:xfrm>
+            <a:off x="685800" y="1143000"/>
+            <a:ext cx="5486400" cy="3086100"/>
+          </a:xfrm>
+        </p:spPr>
       </p:sp>
       <p:sp>
         <p:nvSpPr>
@@ -1410,7 +1462,7 @@
           <a:p>
             <a:fld id="{B9481C2B-38DC-427F-9F6F-35E2AA129D6D}" type="slidenum">
               <a:rPr lang="en-US" smtClean="0"/>
-              <a:t>17</a:t>
+              <a:t>24</a:t>
             </a:fld>
             <a:endParaRPr lang="en-US"/>
           </a:p>
@@ -1470,7 +1522,7 @@
         <p:spPr bwMode="auto">
           <a:xfrm>
             <a:off x="0" y="0"/>
-            <a:ext cx="9144000" cy="6858000"/>
+            <a:ext cx="12161520" cy="9121140"/>
           </a:xfrm>
           <a:prstGeom prst="rect">
             <a:avLst/>
@@ -1533,8 +1585,8 @@
         </p:blipFill>
         <p:spPr bwMode="auto">
           <a:xfrm>
-            <a:off x="661988" y="417513"/>
-            <a:ext cx="2290762" cy="720725"/>
+            <a:off x="882651" y="417514"/>
+            <a:ext cx="3890196" cy="1221423"/>
           </a:xfrm>
           <a:prstGeom prst="rect">
             <a:avLst/>
@@ -1571,8 +1623,8 @@
         </p:nvSpPr>
         <p:spPr>
           <a:xfrm>
-            <a:off x="3352800" y="2075538"/>
-            <a:ext cx="5105400" cy="2000250"/>
+            <a:off x="4470400" y="2075538"/>
+            <a:ext cx="6807200" cy="2000250"/>
           </a:xfrm>
           <a:prstGeom prst="rect">
             <a:avLst/>
@@ -1617,8 +1669,8 @@
         </p:nvSpPr>
         <p:spPr>
           <a:xfrm>
-            <a:off x="3200400" y="4267200"/>
-            <a:ext cx="5105400" cy="838200"/>
+            <a:off x="4267200" y="4267200"/>
+            <a:ext cx="6807200" cy="838200"/>
           </a:xfrm>
           <a:prstGeom prst="rect">
             <a:avLst/>
@@ -1744,8 +1796,8 @@
         </p:nvSpPr>
         <p:spPr>
           <a:xfrm>
-            <a:off x="3200400" y="5197475"/>
-            <a:ext cx="2133600" cy="365125"/>
+            <a:off x="4267200" y="5197476"/>
+            <a:ext cx="2844800" cy="365125"/>
           </a:xfrm>
         </p:spPr>
         <p:txBody>
@@ -1792,8 +1844,8 @@
         </p:nvSpPr>
         <p:spPr>
           <a:xfrm>
-            <a:off x="8728401" y="6376243"/>
-            <a:ext cx="395064" cy="365125"/>
+            <a:off x="11637868" y="6376244"/>
+            <a:ext cx="526752" cy="365125"/>
           </a:xfrm>
         </p:spPr>
         <p:txBody>
@@ -1828,6 +1880,13 @@
   <p:clrMapOvr>
     <a:masterClrMapping/>
   </p:clrMapOvr>
+  <p:timing>
+    <p:tnLst>
+      <p:par>
+        <p:cTn id="1" dur="indefinite" restart="never" nodeType="tmRoot"/>
+      </p:par>
+    </p:tnLst>
+  </p:timing>
 </p:sldLayout>
 </file>
 
@@ -1860,8 +1919,8 @@
         </p:nvSpPr>
         <p:spPr>
           <a:xfrm>
-            <a:off x="457200" y="274638"/>
-            <a:ext cx="7283152" cy="1143000"/>
+            <a:off x="609600" y="274638"/>
+            <a:ext cx="9710869" cy="1143000"/>
           </a:xfrm>
         </p:spPr>
         <p:txBody>
@@ -2033,8 +2092,8 @@
         </p:nvSpPr>
         <p:spPr>
           <a:xfrm>
-            <a:off x="8728401" y="6376243"/>
-            <a:ext cx="395064" cy="365125"/>
+            <a:off x="11637868" y="6376244"/>
+            <a:ext cx="526752" cy="365125"/>
           </a:xfrm>
         </p:spPr>
         <p:txBody>
@@ -2092,8 +2151,8 @@
         </p:blipFill>
         <p:spPr bwMode="auto">
           <a:xfrm>
-            <a:off x="120998" y="6156575"/>
-            <a:ext cx="1858714" cy="584793"/>
+            <a:off x="161331" y="6156576"/>
+            <a:ext cx="1857895" cy="581891"/>
           </a:xfrm>
           <a:prstGeom prst="rect">
             <a:avLst/>
@@ -2139,8 +2198,8 @@
         </p:blipFill>
         <p:spPr bwMode="auto">
           <a:xfrm>
-            <a:off x="7956376" y="241234"/>
-            <a:ext cx="1187624" cy="1027526"/>
+            <a:off x="10920536" y="241234"/>
+            <a:ext cx="1187042" cy="1026622"/>
           </a:xfrm>
           <a:prstGeom prst="rect">
             <a:avLst/>
@@ -2167,285 +2226,17 @@
   <p:clrMapOvr>
     <a:masterClrMapping/>
   </p:clrMapOvr>
+  <p:timing>
+    <p:tnLst>
+      <p:par>
+        <p:cTn id="1" dur="indefinite" restart="never" nodeType="tmRoot"/>
+      </p:par>
+    </p:tnLst>
+  </p:timing>
 </p:sldLayout>
 </file>
 
 <file path=ppt/slideLayouts/slideLayout3.xml><?xml version="1.0" encoding="utf-8"?>
-<p:sldLayout xmlns:a="http://schemas.openxmlformats.org/drawingml/2006/main" xmlns:r="http://schemas.openxmlformats.org/officeDocument/2006/relationships" xmlns:p="http://schemas.openxmlformats.org/presentationml/2006/main" type="obj" preserve="1">
-  <p:cSld name="1_Title and Content">
-    <p:spTree>
-      <p:nvGrpSpPr>
-        <p:cNvPr id="1" name=""/>
-        <p:cNvGrpSpPr/>
-        <p:nvPr/>
-      </p:nvGrpSpPr>
-      <p:grpSpPr>
-        <a:xfrm>
-          <a:off x="0" y="0"/>
-          <a:ext cx="0" cy="0"/>
-          <a:chOff x="0" y="0"/>
-          <a:chExt cx="0" cy="0"/>
-        </a:xfrm>
-      </p:grpSpPr>
-      <p:sp>
-        <p:nvSpPr>
-          <p:cNvPr id="2" name="Title 1"/>
-          <p:cNvSpPr>
-            <a:spLocks noGrp="1"/>
-          </p:cNvSpPr>
-          <p:nvPr>
-            <p:ph type="title"/>
-          </p:nvPr>
-        </p:nvSpPr>
-        <p:spPr>
-          <a:xfrm>
-            <a:off x="457200" y="274638"/>
-            <a:ext cx="7283152" cy="1143000"/>
-          </a:xfrm>
-        </p:spPr>
-        <p:txBody>
-          <a:bodyPr/>
-          <a:lstStyle>
-            <a:lvl1pPr>
-              <a:defRPr sz="3200" cap="all" baseline="0">
-                <a:latin typeface="+mj-lt"/>
-                <a:cs typeface="Microsoft Sans Serif" panose="020B0604020202020204" pitchFamily="34" charset="0"/>
-              </a:defRPr>
-            </a:lvl1pPr>
-          </a:lstStyle>
-          <a:p>
-            <a:r>
-              <a:rPr lang="en-US" dirty="0"/>
-              <a:t>Click to edit Master title style</a:t>
-            </a:r>
-            <a:endParaRPr lang="he-IL" dirty="0"/>
-          </a:p>
-        </p:txBody>
-      </p:sp>
-      <p:sp>
-        <p:nvSpPr>
-          <p:cNvPr id="3" name="Content Placeholder 2"/>
-          <p:cNvSpPr>
-            <a:spLocks noGrp="1"/>
-          </p:cNvSpPr>
-          <p:nvPr>
-            <p:ph idx="1"/>
-          </p:nvPr>
-        </p:nvSpPr>
-        <p:spPr/>
-        <p:txBody>
-          <a:bodyPr/>
-          <a:lstStyle>
-            <a:lvl1pPr>
-              <a:lnSpc>
-                <a:spcPts val="3000"/>
-              </a:lnSpc>
-              <a:buClr>
-                <a:srgbClr val="FFC20F"/>
-              </a:buClr>
-              <a:defRPr sz="2000" i="0">
-                <a:latin typeface="+mn-lt"/>
-                <a:cs typeface="Arial" pitchFamily="34" charset="0"/>
-              </a:defRPr>
-            </a:lvl1pPr>
-            <a:lvl2pPr marL="742950" indent="-285750">
-              <a:buClr>
-                <a:srgbClr val="FFC20F"/>
-              </a:buClr>
-              <a:buFont typeface="Calibri" pitchFamily="34" charset="0"/>
-              <a:buChar char="-"/>
-              <a:defRPr sz="2000" i="0">
-                <a:latin typeface="+mn-lt"/>
-                <a:cs typeface="Arial" pitchFamily="34" charset="0"/>
-              </a:defRPr>
-            </a:lvl2pPr>
-            <a:lvl3pPr>
-              <a:defRPr i="0">
-                <a:latin typeface="+mn-lt"/>
-                <a:cs typeface="Arial" pitchFamily="34" charset="0"/>
-              </a:defRPr>
-            </a:lvl3pPr>
-            <a:lvl4pPr>
-              <a:defRPr i="0">
-                <a:latin typeface="+mn-lt"/>
-                <a:cs typeface="Arial" pitchFamily="34" charset="0"/>
-              </a:defRPr>
-            </a:lvl4pPr>
-            <a:lvl5pPr>
-              <a:defRPr>
-                <a:latin typeface="Arial" pitchFamily="34" charset="0"/>
-                <a:cs typeface="Arial" pitchFamily="34" charset="0"/>
-              </a:defRPr>
-            </a:lvl5pPr>
-          </a:lstStyle>
-          <a:p>
-            <a:pPr lvl="0"/>
-            <a:r>
-              <a:rPr lang="en-US" dirty="0"/>
-              <a:t>Click to edit Master text styles</a:t>
-            </a:r>
-          </a:p>
-          <a:p>
-            <a:pPr lvl="1"/>
-            <a:r>
-              <a:rPr lang="en-US" dirty="0"/>
-              <a:t>Second level</a:t>
-            </a:r>
-          </a:p>
-          <a:p>
-            <a:pPr lvl="2"/>
-            <a:r>
-              <a:rPr lang="en-US" dirty="0"/>
-              <a:t>Third level</a:t>
-            </a:r>
-          </a:p>
-          <a:p>
-            <a:pPr lvl="3"/>
-            <a:r>
-              <a:rPr lang="en-US" dirty="0"/>
-              <a:t>Fourth level</a:t>
-            </a:r>
-          </a:p>
-        </p:txBody>
-      </p:sp>
-      <p:sp>
-        <p:nvSpPr>
-          <p:cNvPr id="4" name="Date Placeholder 3"/>
-          <p:cNvSpPr>
-            <a:spLocks noGrp="1"/>
-          </p:cNvSpPr>
-          <p:nvPr>
-            <p:ph type="dt" sz="half" idx="10"/>
-          </p:nvPr>
-        </p:nvSpPr>
-        <p:spPr/>
-        <p:txBody>
-          <a:bodyPr/>
-          <a:lstStyle>
-            <a:lvl1pPr>
-              <a:defRPr/>
-            </a:lvl1pPr>
-          </a:lstStyle>
-          <a:p>
-            <a:pPr>
-              <a:defRPr/>
-            </a:pPr>
-            <a:endParaRPr lang="en-US"/>
-          </a:p>
-        </p:txBody>
-      </p:sp>
-      <p:sp>
-        <p:nvSpPr>
-          <p:cNvPr id="5" name="Footer Placeholder 4"/>
-          <p:cNvSpPr>
-            <a:spLocks noGrp="1"/>
-          </p:cNvSpPr>
-          <p:nvPr>
-            <p:ph type="ftr" sz="quarter" idx="11"/>
-          </p:nvPr>
-        </p:nvSpPr>
-        <p:spPr/>
-        <p:txBody>
-          <a:bodyPr/>
-          <a:lstStyle>
-            <a:lvl1pPr>
-              <a:defRPr/>
-            </a:lvl1pPr>
-          </a:lstStyle>
-          <a:p>
-            <a:pPr>
-              <a:defRPr/>
-            </a:pPr>
-            <a:endParaRPr lang="en-US"/>
-          </a:p>
-        </p:txBody>
-      </p:sp>
-      <p:sp>
-        <p:nvSpPr>
-          <p:cNvPr id="6" name="Slide Number Placeholder 5"/>
-          <p:cNvSpPr>
-            <a:spLocks noGrp="1"/>
-          </p:cNvSpPr>
-          <p:nvPr>
-            <p:ph type="sldNum" sz="quarter" idx="12"/>
-          </p:nvPr>
-        </p:nvSpPr>
-        <p:spPr/>
-        <p:txBody>
-          <a:bodyPr/>
-          <a:lstStyle>
-            <a:lvl1pPr>
-              <a:defRPr/>
-            </a:lvl1pPr>
-          </a:lstStyle>
-          <a:p>
-            <a:pPr>
-              <a:defRPr/>
-            </a:pPr>
-            <a:fld id="{C5A4A91C-EC18-4A23-96E0-5487FD4C836A}" type="slidenum">
-              <a:rPr lang="he-IL"/>
-              <a:pPr>
-                <a:defRPr/>
-              </a:pPr>
-              <a:t>‹#›</a:t>
-            </a:fld>
-            <a:endParaRPr lang="en-US"/>
-          </a:p>
-        </p:txBody>
-      </p:sp>
-      <p:pic>
-        <p:nvPicPr>
-          <p:cNvPr id="8" name="Picture 2" descr="C:\Users\Noam\Downloads\Moshe with trail (1).jpg"/>
-          <p:cNvPicPr>
-            <a:picLocks noChangeAspect="1" noChangeArrowheads="1"/>
-          </p:cNvPicPr>
-          <p:nvPr userDrawn="1"/>
-        </p:nvPicPr>
-        <p:blipFill rotWithShape="1">
-          <a:blip r:embed="rId2" cstate="print">
-            <a:extLst>
-              <a:ext uri="{28A0092B-C50C-407E-A947-70E740481C1C}">
-                <a14:useLocalDpi xmlns:a14="http://schemas.microsoft.com/office/drawing/2010/main" val="0"/>
-              </a:ext>
-            </a:extLst>
-          </a:blip>
-          <a:srcRect r="42187"/>
-          <a:stretch/>
-        </p:blipFill>
-        <p:spPr bwMode="auto">
-          <a:xfrm>
-            <a:off x="7956376" y="241234"/>
-            <a:ext cx="1187624" cy="1027526"/>
-          </a:xfrm>
-          <a:prstGeom prst="rect">
-            <a:avLst/>
-          </a:prstGeom>
-          <a:noFill/>
-          <a:extLst>
-            <a:ext uri="{909E8E84-426E-40DD-AFC4-6F175D3DCCD1}">
-              <a14:hiddenFill xmlns:a14="http://schemas.microsoft.com/office/drawing/2010/main">
-                <a:solidFill>
-                  <a:srgbClr val="FFFFFF"/>
-                </a:solidFill>
-              </a14:hiddenFill>
-            </a:ext>
-          </a:extLst>
-        </p:spPr>
-      </p:pic>
-    </p:spTree>
-    <p:extLst>
-      <p:ext uri="{BB962C8B-B14F-4D97-AF65-F5344CB8AC3E}">
-        <p14:creationId xmlns:p14="http://schemas.microsoft.com/office/powerpoint/2010/main" val="88700601"/>
-      </p:ext>
-    </p:extLst>
-  </p:cSld>
-  <p:clrMapOvr>
-    <a:masterClrMapping/>
-  </p:clrMapOvr>
-</p:sldLayout>
-</file>
-
-<file path=ppt/slideLayouts/slideLayout4.xml><?xml version="1.0" encoding="utf-8"?>
 <p:sldLayout xmlns:a="http://schemas.openxmlformats.org/drawingml/2006/main" xmlns:r="http://schemas.openxmlformats.org/officeDocument/2006/relationships" xmlns:p="http://schemas.openxmlformats.org/presentationml/2006/main" preserve="1" userDrawn="1">
   <p:cSld name="2_Title Slide">
     <p:spTree>
@@ -2472,10 +2263,17 @@
   <p:clrMapOvr>
     <a:masterClrMapping/>
   </p:clrMapOvr>
+  <p:timing>
+    <p:tnLst>
+      <p:par>
+        <p:cTn id="1" dur="indefinite" restart="never" nodeType="tmRoot"/>
+      </p:par>
+    </p:tnLst>
+  </p:timing>
 </p:sldLayout>
 </file>
 
-<file path=ppt/slideLayouts/slideLayout5.xml><?xml version="1.0" encoding="utf-8"?>
+<file path=ppt/slideLayouts/slideLayout4.xml><?xml version="1.0" encoding="utf-8"?>
 <p:sldLayout xmlns:a="http://schemas.openxmlformats.org/drawingml/2006/main" xmlns:r="http://schemas.openxmlformats.org/officeDocument/2006/relationships" xmlns:p="http://schemas.openxmlformats.org/presentationml/2006/main" showMasterSp="0" type="title">
   <p:cSld name="1_Title Slide">
     <p:spTree>
@@ -2509,8 +2307,8 @@
         </p:blipFill>
         <p:spPr bwMode="auto">
           <a:xfrm>
-            <a:off x="1376363" y="2636838"/>
-            <a:ext cx="6219825" cy="1512887"/>
+            <a:off x="1835151" y="2636839"/>
+            <a:ext cx="8293100" cy="1512887"/>
           </a:xfrm>
           <a:prstGeom prst="rect">
             <a:avLst/>
@@ -2659,8 +2457,8 @@
         </p:nvSpPr>
         <p:spPr bwMode="auto">
           <a:xfrm>
-            <a:off x="457200" y="274638"/>
-            <a:ext cx="8229600" cy="1143000"/>
+            <a:off x="609600" y="274638"/>
+            <a:ext cx="10972800" cy="1143000"/>
           </a:xfrm>
           <a:prstGeom prst="rect">
             <a:avLst/>
@@ -2701,8 +2499,8 @@
         </p:nvSpPr>
         <p:spPr bwMode="auto">
           <a:xfrm>
-            <a:off x="457200" y="1600200"/>
-            <a:ext cx="8229600" cy="4525963"/>
+            <a:off x="609600" y="1600201"/>
+            <a:ext cx="10972800" cy="4525963"/>
           </a:xfrm>
           <a:prstGeom prst="rect">
             <a:avLst/>
@@ -2771,8 +2569,8 @@
         </p:nvSpPr>
         <p:spPr>
           <a:xfrm>
-            <a:off x="6553200" y="6356350"/>
-            <a:ext cx="2133600" cy="365125"/>
+            <a:off x="8737600" y="6356351"/>
+            <a:ext cx="2844800" cy="365125"/>
           </a:xfrm>
           <a:prstGeom prst="rect">
             <a:avLst/>
@@ -2822,8 +2620,8 @@
         </p:nvSpPr>
         <p:spPr>
           <a:xfrm>
-            <a:off x="3124200" y="6356350"/>
-            <a:ext cx="2895600" cy="365125"/>
+            <a:off x="4165600" y="6356351"/>
+            <a:ext cx="3860800" cy="365125"/>
           </a:xfrm>
           <a:prstGeom prst="rect">
             <a:avLst/>
@@ -2873,8 +2671,8 @@
         </p:nvSpPr>
         <p:spPr>
           <a:xfrm>
-            <a:off x="457200" y="6356350"/>
-            <a:ext cx="2133600" cy="365125"/>
+            <a:off x="609600" y="6356351"/>
+            <a:ext cx="2844800" cy="365125"/>
           </a:xfrm>
           <a:prstGeom prst="rect">
             <a:avLst/>
@@ -2937,7 +2735,7 @@
         <p:spPr>
           <a:xfrm>
             <a:off x="0" y="6741368"/>
-            <a:ext cx="9144000" cy="116632"/>
+            <a:ext cx="12192000" cy="116632"/>
           </a:xfrm>
           <a:prstGeom prst="rect">
             <a:avLst/>
@@ -2980,7 +2778,7 @@
                 <a:spcPct val="0"/>
               </a:spcAft>
             </a:pPr>
-            <a:endParaRPr lang="en-US" i="1">
+            <a:endParaRPr lang="en-US" sz="1800" i="1">
               <a:solidFill>
                 <a:prstClr val="white"/>
               </a:solidFill>
@@ -2999,10 +2797,16 @@
   <p:sldLayoutIdLst>
     <p:sldLayoutId id="2147483661" r:id="rId1"/>
     <p:sldLayoutId id="2147483662" r:id="rId2"/>
-    <p:sldLayoutId id="2147483663" r:id="rId3"/>
-    <p:sldLayoutId id="2147483664" r:id="rId4"/>
-    <p:sldLayoutId id="2147483665" r:id="rId5"/>
+    <p:sldLayoutId id="2147483664" r:id="rId3"/>
+    <p:sldLayoutId id="2147483665" r:id="rId4"/>
   </p:sldLayoutIdLst>
+  <p:timing>
+    <p:tnLst>
+      <p:par>
+        <p:cTn id="1" dur="indefinite" restart="never" nodeType="tmRoot"/>
+      </p:par>
+    </p:tnLst>
+  </p:timing>
   <p:hf hdr="0" ftr="0" dt="0"/>
   <p:txStyles>
     <p:titleStyle>
@@ -3477,6 +3281,13 @@
     <a:masterClrMapping/>
   </p:clrMapOvr>
   <p:transition spd="slow"/>
+  <p:timing>
+    <p:tnLst>
+      <p:par>
+        <p:cTn id="1" dur="indefinite" restart="never" nodeType="tmRoot"/>
+      </p:par>
+    </p:tnLst>
+  </p:timing>
 </p:sld>
 </file>
 
@@ -5000,7 +4811,7 @@
         </p:nvSpPr>
         <p:spPr bwMode="auto">
           <a:xfrm>
-            <a:off x="457200" y="584530"/>
+            <a:off x="1981201" y="584530"/>
             <a:ext cx="5311069" cy="523220"/>
           </a:xfrm>
           <a:prstGeom prst="rect">
@@ -5044,82 +4855,46 @@
           </a:bodyPr>
           <a:lstStyle/>
           <a:p>
-            <a:pPr marL="0" marR="0" lvl="0" indent="0" algn="l" defTabSz="914400" rtl="0" eaLnBrk="0" fontAlgn="base" latinLnBrk="0" hangingPunct="0">
-              <a:lnSpc>
-                <a:spcPct val="100000"/>
-              </a:lnSpc>
-              <a:spcBef>
-                <a:spcPct val="0"/>
-              </a:spcBef>
-              <a:spcAft>
-                <a:spcPct val="0"/>
-              </a:spcAft>
-              <a:buClrTx/>
-              <a:buSzTx/>
-              <a:buFontTx/>
-              <a:buNone/>
-              <a:tabLst/>
-            </a:pPr>
-            <a:r>
-              <a:rPr kumimoji="0" lang="en-US" altLang="en-US" sz="2800" b="0" i="0" u="none" strike="noStrike" cap="none" normalizeH="0" baseline="0" dirty="0" err="1">
-                <a:ln>
-                  <a:noFill/>
-                </a:ln>
+            <a:r>
+              <a:rPr lang="en-US" altLang="en-US" sz="2800" b="0" cap="none" dirty="0" err="1">
                 <a:solidFill>
                   <a:srgbClr val="2B91AF"/>
                 </a:solidFill>
-                <a:effectLst/>
                 <a:latin typeface="Consolas" panose="020B0609020204030204" pitchFamily="49" charset="0"/>
               </a:rPr>
               <a:t>TypedColumnBase</a:t>
             </a:r>
             <a:r>
-              <a:rPr kumimoji="0" lang="en-US" altLang="en-US" sz="2800" b="0" i="0" u="none" strike="noStrike" cap="none" normalizeH="0" baseline="0" dirty="0">
-                <a:ln>
-                  <a:noFill/>
-                </a:ln>
+              <a:rPr lang="en-US" altLang="en-US" sz="2800" b="0" cap="none" dirty="0">
                 <a:solidFill>
                   <a:srgbClr val="000000"/>
                 </a:solidFill>
-                <a:effectLst/>
                 <a:latin typeface="Consolas" panose="020B0609020204030204" pitchFamily="49" charset="0"/>
               </a:rPr>
               <a:t>&lt;</a:t>
             </a:r>
             <a:r>
-              <a:rPr kumimoji="0" lang="en-US" altLang="en-US" sz="2800" b="0" i="0" u="none" strike="noStrike" cap="none" normalizeH="0" baseline="0" dirty="0" err="1">
-                <a:ln>
-                  <a:noFill/>
-                </a:ln>
+              <a:rPr lang="en-US" altLang="en-US" sz="2800" b="0" cap="none" dirty="0" err="1">
                 <a:solidFill>
                   <a:srgbClr val="2B91AF"/>
                 </a:solidFill>
-                <a:effectLst/>
                 <a:latin typeface="Consolas" panose="020B0609020204030204" pitchFamily="49" charset="0"/>
               </a:rPr>
               <a:t>dataType</a:t>
             </a:r>
             <a:r>
-              <a:rPr kumimoji="0" lang="en-US" altLang="en-US" sz="2800" b="0" i="0" u="none" strike="noStrike" cap="none" normalizeH="0" baseline="0" dirty="0">
-                <a:ln>
-                  <a:noFill/>
-                </a:ln>
+              <a:rPr lang="en-US" altLang="en-US" sz="2800" b="0" cap="none" dirty="0">
                 <a:solidFill>
                   <a:srgbClr val="000000"/>
                 </a:solidFill>
-                <a:effectLst/>
                 <a:latin typeface="Consolas" panose="020B0609020204030204" pitchFamily="49" charset="0"/>
               </a:rPr>
               <a:t>&gt; </a:t>
             </a:r>
-            <a:endParaRPr kumimoji="0" lang="en-US" altLang="en-US" sz="1800" b="0" i="0" u="none" strike="noStrike" cap="none" normalizeH="0" baseline="0" dirty="0">
-              <a:ln>
-                <a:noFill/>
-              </a:ln>
+            <a:endParaRPr lang="en-US" altLang="en-US" sz="1800" b="0" cap="none" dirty="0">
               <a:solidFill>
                 <a:schemeClr val="tx1"/>
               </a:solidFill>
-              <a:effectLst/>
               <a:latin typeface="Arial" panose="020B0604020202020204" pitchFamily="34" charset="0"/>
             </a:endParaRPr>
           </a:p>
@@ -5539,7 +5314,7 @@
         </p:nvSpPr>
         <p:spPr>
           <a:xfrm>
-            <a:off x="3748219" y="3863181"/>
+            <a:off x="5272220" y="3863182"/>
             <a:ext cx="5375245" cy="750307"/>
           </a:xfrm>
           <a:prstGeom prst="roundRect">
@@ -6007,7 +5782,7 @@
         </p:nvSpPr>
         <p:spPr bwMode="auto">
           <a:xfrm>
-            <a:off x="457200" y="584530"/>
+            <a:off x="1981201" y="584530"/>
             <a:ext cx="3142207" cy="523220"/>
           </a:xfrm>
           <a:prstGeom prst="rect">
@@ -6051,82 +5826,46 @@
           </a:bodyPr>
           <a:lstStyle/>
           <a:p>
-            <a:pPr marL="0" marR="0" lvl="0" indent="0" algn="l" defTabSz="914400" rtl="0" eaLnBrk="0" fontAlgn="base" latinLnBrk="0" hangingPunct="0">
-              <a:lnSpc>
-                <a:spcPct val="100000"/>
-              </a:lnSpc>
-              <a:spcBef>
-                <a:spcPct val="0"/>
-              </a:spcBef>
-              <a:spcAft>
-                <a:spcPct val="0"/>
-              </a:spcAft>
-              <a:buClrTx/>
-              <a:buSzTx/>
-              <a:buFontTx/>
-              <a:buNone/>
-              <a:tabLst/>
-            </a:pPr>
-            <a:r>
-              <a:rPr kumimoji="0" lang="en-US" altLang="en-US" sz="2800" b="0" i="0" u="none" strike="noStrike" cap="none" normalizeH="0" baseline="0" dirty="0" err="1">
-                <a:ln>
-                  <a:noFill/>
-                </a:ln>
+            <a:r>
+              <a:rPr lang="en-US" altLang="en-US" sz="2800" b="0" cap="none" dirty="0" err="1">
                 <a:solidFill>
                   <a:srgbClr val="2B91AF"/>
                 </a:solidFill>
-                <a:effectLst/>
                 <a:latin typeface="Consolas" panose="020B0609020204030204" pitchFamily="49" charset="0"/>
               </a:rPr>
               <a:t>Func</a:t>
             </a:r>
             <a:r>
-              <a:rPr kumimoji="0" lang="en-US" altLang="en-US" sz="2800" b="0" i="0" u="none" strike="noStrike" cap="none" normalizeH="0" baseline="0" dirty="0">
-                <a:ln>
-                  <a:noFill/>
-                </a:ln>
+              <a:rPr lang="en-US" altLang="en-US" sz="2800" b="0" cap="none" dirty="0">
                 <a:solidFill>
                   <a:srgbClr val="000000"/>
                 </a:solidFill>
-                <a:effectLst/>
                 <a:latin typeface="Consolas" panose="020B0609020204030204" pitchFamily="49" charset="0"/>
               </a:rPr>
               <a:t>&lt;</a:t>
             </a:r>
             <a:r>
-              <a:rPr kumimoji="0" lang="en-US" altLang="en-US" sz="2800" b="0" i="0" u="none" strike="noStrike" cap="none" normalizeH="0" baseline="0" dirty="0" err="1">
-                <a:ln>
-                  <a:noFill/>
-                </a:ln>
+              <a:rPr lang="en-US" altLang="en-US" sz="2800" b="0" cap="none" dirty="0" err="1">
                 <a:solidFill>
                   <a:srgbClr val="2B91AF"/>
                 </a:solidFill>
-                <a:effectLst/>
                 <a:latin typeface="Consolas" panose="020B0609020204030204" pitchFamily="49" charset="0"/>
               </a:rPr>
               <a:t>dataType</a:t>
             </a:r>
             <a:r>
-              <a:rPr kumimoji="0" lang="en-US" altLang="en-US" sz="2800" b="0" i="0" u="none" strike="noStrike" cap="none" normalizeH="0" baseline="0" dirty="0">
-                <a:ln>
-                  <a:noFill/>
-                </a:ln>
+              <a:rPr lang="en-US" altLang="en-US" sz="2800" b="0" cap="none" dirty="0">
                 <a:solidFill>
                   <a:srgbClr val="000000"/>
                 </a:solidFill>
-                <a:effectLst/>
                 <a:latin typeface="Consolas" panose="020B0609020204030204" pitchFamily="49" charset="0"/>
               </a:rPr>
               <a:t>&gt; </a:t>
             </a:r>
-            <a:endParaRPr kumimoji="0" lang="en-US" altLang="en-US" sz="1800" b="0" i="0" u="none" strike="noStrike" cap="none" normalizeH="0" baseline="0" dirty="0">
-              <a:ln>
-                <a:noFill/>
-              </a:ln>
+            <a:endParaRPr lang="en-US" altLang="en-US" sz="1800" b="0" cap="none" dirty="0">
               <a:solidFill>
                 <a:schemeClr val="tx1"/>
               </a:solidFill>
-              <a:effectLst/>
               <a:latin typeface="Arial" panose="020B0604020202020204" pitchFamily="34" charset="0"/>
             </a:endParaRPr>
           </a:p>
@@ -6148,7 +5887,7 @@
         </p:blipFill>
         <p:spPr>
           <a:xfrm>
-            <a:off x="683568" y="3737429"/>
+            <a:off x="2207568" y="3737430"/>
             <a:ext cx="2808312" cy="871545"/>
           </a:xfrm>
           <a:prstGeom prst="rect">
@@ -6177,7 +5916,7 @@
         </p:blipFill>
         <p:spPr>
           <a:xfrm>
-            <a:off x="3820228" y="4293096"/>
+            <a:off x="5344228" y="4293097"/>
             <a:ext cx="4368026" cy="194389"/>
           </a:xfrm>
           <a:prstGeom prst="rect">
@@ -6198,7 +5937,7 @@
         </p:nvSpPr>
         <p:spPr>
           <a:xfrm>
-            <a:off x="3748220" y="2496307"/>
+            <a:off x="5272221" y="2496308"/>
             <a:ext cx="5375245" cy="750307"/>
           </a:xfrm>
           <a:prstGeom prst="roundRect">
@@ -6253,7 +5992,7 @@
         </p:blipFill>
         <p:spPr>
           <a:xfrm>
-            <a:off x="3820228" y="2924944"/>
+            <a:off x="5344228" y="2924944"/>
             <a:ext cx="5056008" cy="193436"/>
           </a:xfrm>
           <a:prstGeom prst="rect">
@@ -6277,7 +6016,7 @@
         </p:blipFill>
         <p:spPr>
           <a:xfrm>
-            <a:off x="671191" y="2458270"/>
+            <a:off x="2195191" y="2458270"/>
             <a:ext cx="2928216" cy="807094"/>
           </a:xfrm>
           <a:prstGeom prst="rect">
@@ -6932,6 +6671,6402 @@
           <a:chExt cx="0" cy="0"/>
         </a:xfrm>
       </p:grpSpPr>
+      <p:sp>
+        <p:nvSpPr>
+          <p:cNvPr id="2" name="Title 1"/>
+          <p:cNvSpPr>
+            <a:spLocks noGrp="1"/>
+          </p:cNvSpPr>
+          <p:nvPr>
+            <p:ph type="ctrTitle"/>
+          </p:nvPr>
+        </p:nvSpPr>
+        <p:spPr>
+          <a:xfrm>
+            <a:off x="4470400" y="2415362"/>
+            <a:ext cx="6807200" cy="3029862"/>
+          </a:xfrm>
+        </p:spPr>
+        <p:txBody>
+          <a:bodyPr/>
+          <a:lstStyle/>
+          <a:p>
+            <a:r>
+              <a:rPr lang="en-US" dirty="0" smtClean="0"/>
+              <a:t>Large Migrated Project Structure and </a:t>
+            </a:r>
+            <a:br>
+              <a:rPr lang="en-US" dirty="0" smtClean="0"/>
+            </a:br>
+            <a:r>
+              <a:rPr lang="en-US" dirty="0" err="1" smtClean="0"/>
+              <a:t>AbstractFactory.Create</a:t>
+            </a:r>
+            <a:r>
+              <a:rPr lang="en-US" dirty="0" smtClean="0"/>
+              <a:t> method</a:t>
+            </a:r>
+            <a:endParaRPr lang="en-US" dirty="0">
+              <a:solidFill>
+                <a:srgbClr val="FFC20F"/>
+              </a:solidFill>
+            </a:endParaRPr>
+          </a:p>
+        </p:txBody>
+      </p:sp>
+    </p:spTree>
+    <p:extLst>
+      <p:ext uri="{BB962C8B-B14F-4D97-AF65-F5344CB8AC3E}">
+        <p14:creationId xmlns:p14="http://schemas.microsoft.com/office/powerpoint/2010/main" val="2942804923"/>
+      </p:ext>
+    </p:extLst>
+  </p:cSld>
+  <p:clrMapOvr>
+    <a:masterClrMapping/>
+  </p:clrMapOvr>
+  <p:transition spd="slow"/>
+  <p:timing>
+    <p:tnLst>
+      <p:par>
+        <p:cTn id="1" dur="indefinite" restart="never" nodeType="tmRoot"/>
+      </p:par>
+    </p:tnLst>
+  </p:timing>
+</p:sld>
+</file>
+
+<file path=ppt/slides/slide15.xml><?xml version="1.0" encoding="utf-8"?>
+<p:sld xmlns:a="http://schemas.openxmlformats.org/drawingml/2006/main" xmlns:r="http://schemas.openxmlformats.org/officeDocument/2006/relationships" xmlns:p="http://schemas.openxmlformats.org/presentationml/2006/main">
+  <p:cSld>
+    <p:spTree>
+      <p:nvGrpSpPr>
+        <p:cNvPr id="1" name=""/>
+        <p:cNvGrpSpPr/>
+        <p:nvPr/>
+      </p:nvGrpSpPr>
+      <p:grpSpPr>
+        <a:xfrm>
+          <a:off x="0" y="0"/>
+          <a:ext cx="0" cy="0"/>
+          <a:chOff x="0" y="0"/>
+          <a:chExt cx="0" cy="0"/>
+        </a:xfrm>
+      </p:grpSpPr>
+      <p:sp>
+        <p:nvSpPr>
+          <p:cNvPr id="2" name="Title 1"/>
+          <p:cNvSpPr>
+            <a:spLocks noGrp="1"/>
+          </p:cNvSpPr>
+          <p:nvPr>
+            <p:ph type="title"/>
+          </p:nvPr>
+        </p:nvSpPr>
+        <p:spPr/>
+        <p:txBody>
+          <a:bodyPr/>
+          <a:lstStyle/>
+          <a:p>
+            <a:r>
+              <a:rPr lang="en-US" dirty="0" smtClean="0"/>
+              <a:t>Migrated code structure </a:t>
+            </a:r>
+            <a:endParaRPr lang="en-US" dirty="0"/>
+          </a:p>
+        </p:txBody>
+      </p:sp>
+      <p:sp>
+        <p:nvSpPr>
+          <p:cNvPr id="3" name="Content Placeholder 2"/>
+          <p:cNvSpPr>
+            <a:spLocks noGrp="1"/>
+          </p:cNvSpPr>
+          <p:nvPr>
+            <p:ph idx="1"/>
+          </p:nvPr>
+        </p:nvSpPr>
+        <p:spPr/>
+        <p:txBody>
+          <a:bodyPr/>
+          <a:lstStyle/>
+          <a:p>
+            <a:r>
+              <a:rPr lang="en-US" dirty="0" err="1" smtClean="0"/>
+              <a:t>Northwind</a:t>
+            </a:r>
+            <a:r>
+              <a:rPr lang="en-US" dirty="0" smtClean="0"/>
+              <a:t> - application startup code</a:t>
+            </a:r>
+          </a:p>
+          <a:p>
+            <a:pPr lvl="1"/>
+            <a:r>
+              <a:rPr lang="en-US" dirty="0" err="1" smtClean="0"/>
+              <a:t>Program.Main</a:t>
+            </a:r>
+            <a:r>
+              <a:rPr lang="en-US" dirty="0" smtClean="0"/>
+              <a:t> – the entry point code</a:t>
+            </a:r>
+          </a:p>
+          <a:p>
+            <a:pPr lvl="1"/>
+            <a:r>
+              <a:rPr lang="en-US" dirty="0" smtClean="0"/>
+              <a:t>The </a:t>
+            </a:r>
+            <a:r>
+              <a:rPr lang="en-US" dirty="0" err="1" smtClean="0"/>
+              <a:t>ApplicationCore</a:t>
+            </a:r>
+            <a:r>
+              <a:rPr lang="en-US" dirty="0" smtClean="0"/>
+              <a:t> class – (Main Program)</a:t>
+            </a:r>
+          </a:p>
+          <a:p>
+            <a:pPr lvl="1"/>
+            <a:r>
+              <a:rPr lang="en-US" dirty="0" smtClean="0"/>
+              <a:t>The MDI and the main </a:t>
+            </a:r>
+            <a:r>
+              <a:rPr lang="en-US" dirty="0" err="1" smtClean="0"/>
+              <a:t>menues</a:t>
+            </a:r>
+            <a:endParaRPr lang="en-US" dirty="0" smtClean="0"/>
+          </a:p>
+          <a:p>
+            <a:pPr lvl="1"/>
+            <a:r>
+              <a:rPr lang="en-US" dirty="0" smtClean="0"/>
+              <a:t>List of programs &amp; Entities</a:t>
+            </a:r>
+          </a:p>
+          <a:p>
+            <a:r>
+              <a:rPr lang="en-US" dirty="0" err="1" smtClean="0"/>
+              <a:t>Northwind.Products</a:t>
+            </a:r>
+            <a:r>
+              <a:rPr lang="en-US" dirty="0" smtClean="0"/>
+              <a:t> – Programs that are in the Products module</a:t>
+            </a:r>
+          </a:p>
+          <a:p>
+            <a:r>
+              <a:rPr lang="en-US" dirty="0" err="1" smtClean="0"/>
+              <a:t>Northwind.Customers</a:t>
+            </a:r>
+            <a:r>
+              <a:rPr lang="en-US" dirty="0" smtClean="0"/>
+              <a:t> – Programs that are in the Customers module</a:t>
+            </a:r>
+          </a:p>
+          <a:p>
+            <a:r>
+              <a:rPr lang="en-US" dirty="0" err="1" smtClean="0"/>
+              <a:t>Northwind.Orders</a:t>
+            </a:r>
+            <a:r>
+              <a:rPr lang="en-US" dirty="0" smtClean="0"/>
+              <a:t> – Programs that are in the Orders module</a:t>
+            </a:r>
+          </a:p>
+          <a:p>
+            <a:r>
+              <a:rPr lang="en-US" dirty="0" err="1" smtClean="0"/>
+              <a:t>NorthwindBase</a:t>
+            </a:r>
+            <a:r>
+              <a:rPr lang="en-US" dirty="0" smtClean="0"/>
+              <a:t> – everything that is shared by the entire project</a:t>
+            </a:r>
+          </a:p>
+          <a:p>
+            <a:pPr lvl="1"/>
+            <a:r>
+              <a:rPr lang="en-US" dirty="0" smtClean="0"/>
+              <a:t>Tables, Types, Rights </a:t>
+            </a:r>
+            <a:r>
+              <a:rPr lang="en-US" dirty="0" err="1" smtClean="0"/>
+              <a:t>etc</a:t>
+            </a:r>
+            <a:r>
+              <a:rPr lang="en-US" dirty="0" smtClean="0"/>
+              <a:t>…</a:t>
+            </a:r>
+          </a:p>
+          <a:p>
+            <a:endParaRPr lang="en-US" dirty="0" smtClean="0"/>
+          </a:p>
+        </p:txBody>
+      </p:sp>
+      <p:sp>
+        <p:nvSpPr>
+          <p:cNvPr id="4" name="Slide Number Placeholder 3"/>
+          <p:cNvSpPr>
+            <a:spLocks noGrp="1"/>
+          </p:cNvSpPr>
+          <p:nvPr>
+            <p:ph type="sldNum" sz="quarter" idx="12"/>
+          </p:nvPr>
+        </p:nvSpPr>
+        <p:spPr/>
+        <p:txBody>
+          <a:bodyPr/>
+          <a:lstStyle/>
+          <a:p>
+            <a:pPr>
+              <a:defRPr/>
+            </a:pPr>
+            <a:fld id="{C5A4A91C-EC18-4A23-96E0-5487FD4C836A}" type="slidenum">
+              <a:rPr lang="he-IL" smtClean="0"/>
+              <a:pPr>
+                <a:defRPr/>
+              </a:pPr>
+              <a:t>15</a:t>
+            </a:fld>
+            <a:endParaRPr lang="en-US" dirty="0"/>
+          </a:p>
+        </p:txBody>
+      </p:sp>
+    </p:spTree>
+    <p:extLst>
+      <p:ext uri="{BB962C8B-B14F-4D97-AF65-F5344CB8AC3E}">
+        <p14:creationId xmlns:p14="http://schemas.microsoft.com/office/powerpoint/2010/main" val="88397227"/>
+      </p:ext>
+    </p:extLst>
+  </p:cSld>
+  <p:clrMapOvr>
+    <a:masterClrMapping/>
+  </p:clrMapOvr>
+  <p:timing>
+    <p:tnLst>
+      <p:par>
+        <p:cTn id="1" dur="indefinite" restart="never" nodeType="tmRoot">
+          <p:childTnLst>
+            <p:seq concurrent="1" nextAc="seek">
+              <p:cTn id="2" dur="indefinite" nodeType="mainSeq">
+                <p:childTnLst>
+                  <p:par>
+                    <p:cTn id="3" fill="hold">
+                      <p:stCondLst>
+                        <p:cond delay="indefinite"/>
+                      </p:stCondLst>
+                      <p:childTnLst>
+                        <p:par>
+                          <p:cTn id="4" fill="hold">
+                            <p:stCondLst>
+                              <p:cond delay="0"/>
+                            </p:stCondLst>
+                            <p:childTnLst>
+                              <p:par>
+                                <p:cTn id="5" presetID="1" presetClass="entr" presetSubtype="0" fill="hold" grpId="0" nodeType="clickEffect">
+                                  <p:stCondLst>
+                                    <p:cond delay="0"/>
+                                  </p:stCondLst>
+                                  <p:childTnLst>
+                                    <p:set>
+                                      <p:cBhvr>
+                                        <p:cTn id="6" dur="1" fill="hold">
+                                          <p:stCondLst>
+                                            <p:cond delay="0"/>
+                                          </p:stCondLst>
+                                        </p:cTn>
+                                        <p:tgtEl>
+                                          <p:spTgt spid="3">
+                                            <p:txEl>
+                                              <p:pRg st="0" end="0"/>
+                                            </p:txEl>
+                                          </p:spTgt>
+                                        </p:tgtEl>
+                                        <p:attrNameLst>
+                                          <p:attrName>style.visibility</p:attrName>
+                                        </p:attrNameLst>
+                                      </p:cBhvr>
+                                      <p:to>
+                                        <p:strVal val="visible"/>
+                                      </p:to>
+                                    </p:set>
+                                  </p:childTnLst>
+                                </p:cTn>
+                              </p:par>
+                            </p:childTnLst>
+                          </p:cTn>
+                        </p:par>
+                      </p:childTnLst>
+                    </p:cTn>
+                  </p:par>
+                  <p:par>
+                    <p:cTn id="7" fill="hold">
+                      <p:stCondLst>
+                        <p:cond delay="indefinite"/>
+                      </p:stCondLst>
+                      <p:childTnLst>
+                        <p:par>
+                          <p:cTn id="8" fill="hold">
+                            <p:stCondLst>
+                              <p:cond delay="0"/>
+                            </p:stCondLst>
+                            <p:childTnLst>
+                              <p:par>
+                                <p:cTn id="9" presetID="1" presetClass="entr" presetSubtype="0" fill="hold" grpId="0" nodeType="clickEffect">
+                                  <p:stCondLst>
+                                    <p:cond delay="0"/>
+                                  </p:stCondLst>
+                                  <p:childTnLst>
+                                    <p:set>
+                                      <p:cBhvr>
+                                        <p:cTn id="10" dur="1" fill="hold">
+                                          <p:stCondLst>
+                                            <p:cond delay="0"/>
+                                          </p:stCondLst>
+                                        </p:cTn>
+                                        <p:tgtEl>
+                                          <p:spTgt spid="3">
+                                            <p:txEl>
+                                              <p:pRg st="1" end="1"/>
+                                            </p:txEl>
+                                          </p:spTgt>
+                                        </p:tgtEl>
+                                        <p:attrNameLst>
+                                          <p:attrName>style.visibility</p:attrName>
+                                        </p:attrNameLst>
+                                      </p:cBhvr>
+                                      <p:to>
+                                        <p:strVal val="visible"/>
+                                      </p:to>
+                                    </p:set>
+                                  </p:childTnLst>
+                                </p:cTn>
+                              </p:par>
+                            </p:childTnLst>
+                          </p:cTn>
+                        </p:par>
+                      </p:childTnLst>
+                    </p:cTn>
+                  </p:par>
+                  <p:par>
+                    <p:cTn id="11" fill="hold">
+                      <p:stCondLst>
+                        <p:cond delay="indefinite"/>
+                      </p:stCondLst>
+                      <p:childTnLst>
+                        <p:par>
+                          <p:cTn id="12" fill="hold">
+                            <p:stCondLst>
+                              <p:cond delay="0"/>
+                            </p:stCondLst>
+                            <p:childTnLst>
+                              <p:par>
+                                <p:cTn id="13" presetID="1" presetClass="entr" presetSubtype="0" fill="hold" grpId="0" nodeType="clickEffect">
+                                  <p:stCondLst>
+                                    <p:cond delay="0"/>
+                                  </p:stCondLst>
+                                  <p:childTnLst>
+                                    <p:set>
+                                      <p:cBhvr>
+                                        <p:cTn id="14" dur="1" fill="hold">
+                                          <p:stCondLst>
+                                            <p:cond delay="0"/>
+                                          </p:stCondLst>
+                                        </p:cTn>
+                                        <p:tgtEl>
+                                          <p:spTgt spid="3">
+                                            <p:txEl>
+                                              <p:pRg st="2" end="2"/>
+                                            </p:txEl>
+                                          </p:spTgt>
+                                        </p:tgtEl>
+                                        <p:attrNameLst>
+                                          <p:attrName>style.visibility</p:attrName>
+                                        </p:attrNameLst>
+                                      </p:cBhvr>
+                                      <p:to>
+                                        <p:strVal val="visible"/>
+                                      </p:to>
+                                    </p:set>
+                                  </p:childTnLst>
+                                </p:cTn>
+                              </p:par>
+                            </p:childTnLst>
+                          </p:cTn>
+                        </p:par>
+                      </p:childTnLst>
+                    </p:cTn>
+                  </p:par>
+                  <p:par>
+                    <p:cTn id="15" fill="hold">
+                      <p:stCondLst>
+                        <p:cond delay="indefinite"/>
+                      </p:stCondLst>
+                      <p:childTnLst>
+                        <p:par>
+                          <p:cTn id="16" fill="hold">
+                            <p:stCondLst>
+                              <p:cond delay="0"/>
+                            </p:stCondLst>
+                            <p:childTnLst>
+                              <p:par>
+                                <p:cTn id="17" presetID="1" presetClass="entr" presetSubtype="0" fill="hold" grpId="0" nodeType="clickEffect">
+                                  <p:stCondLst>
+                                    <p:cond delay="0"/>
+                                  </p:stCondLst>
+                                  <p:childTnLst>
+                                    <p:set>
+                                      <p:cBhvr>
+                                        <p:cTn id="18" dur="1" fill="hold">
+                                          <p:stCondLst>
+                                            <p:cond delay="0"/>
+                                          </p:stCondLst>
+                                        </p:cTn>
+                                        <p:tgtEl>
+                                          <p:spTgt spid="3">
+                                            <p:txEl>
+                                              <p:pRg st="3" end="3"/>
+                                            </p:txEl>
+                                          </p:spTgt>
+                                        </p:tgtEl>
+                                        <p:attrNameLst>
+                                          <p:attrName>style.visibility</p:attrName>
+                                        </p:attrNameLst>
+                                      </p:cBhvr>
+                                      <p:to>
+                                        <p:strVal val="visible"/>
+                                      </p:to>
+                                    </p:set>
+                                  </p:childTnLst>
+                                </p:cTn>
+                              </p:par>
+                            </p:childTnLst>
+                          </p:cTn>
+                        </p:par>
+                      </p:childTnLst>
+                    </p:cTn>
+                  </p:par>
+                  <p:par>
+                    <p:cTn id="19" fill="hold">
+                      <p:stCondLst>
+                        <p:cond delay="indefinite"/>
+                      </p:stCondLst>
+                      <p:childTnLst>
+                        <p:par>
+                          <p:cTn id="20" fill="hold">
+                            <p:stCondLst>
+                              <p:cond delay="0"/>
+                            </p:stCondLst>
+                            <p:childTnLst>
+                              <p:par>
+                                <p:cTn id="21" presetID="1" presetClass="entr" presetSubtype="0" fill="hold" grpId="0" nodeType="clickEffect">
+                                  <p:stCondLst>
+                                    <p:cond delay="0"/>
+                                  </p:stCondLst>
+                                  <p:childTnLst>
+                                    <p:set>
+                                      <p:cBhvr>
+                                        <p:cTn id="22" dur="1" fill="hold">
+                                          <p:stCondLst>
+                                            <p:cond delay="0"/>
+                                          </p:stCondLst>
+                                        </p:cTn>
+                                        <p:tgtEl>
+                                          <p:spTgt spid="3">
+                                            <p:txEl>
+                                              <p:pRg st="4" end="4"/>
+                                            </p:txEl>
+                                          </p:spTgt>
+                                        </p:tgtEl>
+                                        <p:attrNameLst>
+                                          <p:attrName>style.visibility</p:attrName>
+                                        </p:attrNameLst>
+                                      </p:cBhvr>
+                                      <p:to>
+                                        <p:strVal val="visible"/>
+                                      </p:to>
+                                    </p:set>
+                                  </p:childTnLst>
+                                </p:cTn>
+                              </p:par>
+                            </p:childTnLst>
+                          </p:cTn>
+                        </p:par>
+                      </p:childTnLst>
+                    </p:cTn>
+                  </p:par>
+                  <p:par>
+                    <p:cTn id="23" fill="hold">
+                      <p:stCondLst>
+                        <p:cond delay="indefinite"/>
+                      </p:stCondLst>
+                      <p:childTnLst>
+                        <p:par>
+                          <p:cTn id="24" fill="hold">
+                            <p:stCondLst>
+                              <p:cond delay="0"/>
+                            </p:stCondLst>
+                            <p:childTnLst>
+                              <p:par>
+                                <p:cTn id="25" presetID="1" presetClass="entr" presetSubtype="0" fill="hold" grpId="0" nodeType="clickEffect">
+                                  <p:stCondLst>
+                                    <p:cond delay="0"/>
+                                  </p:stCondLst>
+                                  <p:childTnLst>
+                                    <p:set>
+                                      <p:cBhvr>
+                                        <p:cTn id="26" dur="1" fill="hold">
+                                          <p:stCondLst>
+                                            <p:cond delay="0"/>
+                                          </p:stCondLst>
+                                        </p:cTn>
+                                        <p:tgtEl>
+                                          <p:spTgt spid="3">
+                                            <p:txEl>
+                                              <p:pRg st="5" end="5"/>
+                                            </p:txEl>
+                                          </p:spTgt>
+                                        </p:tgtEl>
+                                        <p:attrNameLst>
+                                          <p:attrName>style.visibility</p:attrName>
+                                        </p:attrNameLst>
+                                      </p:cBhvr>
+                                      <p:to>
+                                        <p:strVal val="visible"/>
+                                      </p:to>
+                                    </p:set>
+                                  </p:childTnLst>
+                                </p:cTn>
+                              </p:par>
+                            </p:childTnLst>
+                          </p:cTn>
+                        </p:par>
+                      </p:childTnLst>
+                    </p:cTn>
+                  </p:par>
+                  <p:par>
+                    <p:cTn id="27" fill="hold">
+                      <p:stCondLst>
+                        <p:cond delay="indefinite"/>
+                      </p:stCondLst>
+                      <p:childTnLst>
+                        <p:par>
+                          <p:cTn id="28" fill="hold">
+                            <p:stCondLst>
+                              <p:cond delay="0"/>
+                            </p:stCondLst>
+                            <p:childTnLst>
+                              <p:par>
+                                <p:cTn id="29" presetID="1" presetClass="entr" presetSubtype="0" fill="hold" grpId="0" nodeType="clickEffect">
+                                  <p:stCondLst>
+                                    <p:cond delay="0"/>
+                                  </p:stCondLst>
+                                  <p:childTnLst>
+                                    <p:set>
+                                      <p:cBhvr>
+                                        <p:cTn id="30" dur="1" fill="hold">
+                                          <p:stCondLst>
+                                            <p:cond delay="0"/>
+                                          </p:stCondLst>
+                                        </p:cTn>
+                                        <p:tgtEl>
+                                          <p:spTgt spid="3">
+                                            <p:txEl>
+                                              <p:pRg st="6" end="6"/>
+                                            </p:txEl>
+                                          </p:spTgt>
+                                        </p:tgtEl>
+                                        <p:attrNameLst>
+                                          <p:attrName>style.visibility</p:attrName>
+                                        </p:attrNameLst>
+                                      </p:cBhvr>
+                                      <p:to>
+                                        <p:strVal val="visible"/>
+                                      </p:to>
+                                    </p:set>
+                                  </p:childTnLst>
+                                </p:cTn>
+                              </p:par>
+                            </p:childTnLst>
+                          </p:cTn>
+                        </p:par>
+                      </p:childTnLst>
+                    </p:cTn>
+                  </p:par>
+                  <p:par>
+                    <p:cTn id="31" fill="hold">
+                      <p:stCondLst>
+                        <p:cond delay="indefinite"/>
+                      </p:stCondLst>
+                      <p:childTnLst>
+                        <p:par>
+                          <p:cTn id="32" fill="hold">
+                            <p:stCondLst>
+                              <p:cond delay="0"/>
+                            </p:stCondLst>
+                            <p:childTnLst>
+                              <p:par>
+                                <p:cTn id="33" presetID="1" presetClass="entr" presetSubtype="0" fill="hold" grpId="0" nodeType="clickEffect">
+                                  <p:stCondLst>
+                                    <p:cond delay="0"/>
+                                  </p:stCondLst>
+                                  <p:childTnLst>
+                                    <p:set>
+                                      <p:cBhvr>
+                                        <p:cTn id="34" dur="1" fill="hold">
+                                          <p:stCondLst>
+                                            <p:cond delay="0"/>
+                                          </p:stCondLst>
+                                        </p:cTn>
+                                        <p:tgtEl>
+                                          <p:spTgt spid="3">
+                                            <p:txEl>
+                                              <p:pRg st="7" end="7"/>
+                                            </p:txEl>
+                                          </p:spTgt>
+                                        </p:tgtEl>
+                                        <p:attrNameLst>
+                                          <p:attrName>style.visibility</p:attrName>
+                                        </p:attrNameLst>
+                                      </p:cBhvr>
+                                      <p:to>
+                                        <p:strVal val="visible"/>
+                                      </p:to>
+                                    </p:set>
+                                  </p:childTnLst>
+                                </p:cTn>
+                              </p:par>
+                            </p:childTnLst>
+                          </p:cTn>
+                        </p:par>
+                      </p:childTnLst>
+                    </p:cTn>
+                  </p:par>
+                  <p:par>
+                    <p:cTn id="35" fill="hold">
+                      <p:stCondLst>
+                        <p:cond delay="indefinite"/>
+                      </p:stCondLst>
+                      <p:childTnLst>
+                        <p:par>
+                          <p:cTn id="36" fill="hold">
+                            <p:stCondLst>
+                              <p:cond delay="0"/>
+                            </p:stCondLst>
+                            <p:childTnLst>
+                              <p:par>
+                                <p:cTn id="37" presetID="1" presetClass="entr" presetSubtype="0" fill="hold" grpId="0" nodeType="clickEffect">
+                                  <p:stCondLst>
+                                    <p:cond delay="0"/>
+                                  </p:stCondLst>
+                                  <p:childTnLst>
+                                    <p:set>
+                                      <p:cBhvr>
+                                        <p:cTn id="38" dur="1" fill="hold">
+                                          <p:stCondLst>
+                                            <p:cond delay="0"/>
+                                          </p:stCondLst>
+                                        </p:cTn>
+                                        <p:tgtEl>
+                                          <p:spTgt spid="3">
+                                            <p:txEl>
+                                              <p:pRg st="8" end="8"/>
+                                            </p:txEl>
+                                          </p:spTgt>
+                                        </p:tgtEl>
+                                        <p:attrNameLst>
+                                          <p:attrName>style.visibility</p:attrName>
+                                        </p:attrNameLst>
+                                      </p:cBhvr>
+                                      <p:to>
+                                        <p:strVal val="visible"/>
+                                      </p:to>
+                                    </p:set>
+                                  </p:childTnLst>
+                                </p:cTn>
+                              </p:par>
+                            </p:childTnLst>
+                          </p:cTn>
+                        </p:par>
+                      </p:childTnLst>
+                    </p:cTn>
+                  </p:par>
+                  <p:par>
+                    <p:cTn id="39" fill="hold">
+                      <p:stCondLst>
+                        <p:cond delay="indefinite"/>
+                      </p:stCondLst>
+                      <p:childTnLst>
+                        <p:par>
+                          <p:cTn id="40" fill="hold">
+                            <p:stCondLst>
+                              <p:cond delay="0"/>
+                            </p:stCondLst>
+                            <p:childTnLst>
+                              <p:par>
+                                <p:cTn id="41" presetID="1" presetClass="entr" presetSubtype="0" fill="hold" grpId="0" nodeType="clickEffect">
+                                  <p:stCondLst>
+                                    <p:cond delay="0"/>
+                                  </p:stCondLst>
+                                  <p:childTnLst>
+                                    <p:set>
+                                      <p:cBhvr>
+                                        <p:cTn id="42" dur="1" fill="hold">
+                                          <p:stCondLst>
+                                            <p:cond delay="0"/>
+                                          </p:stCondLst>
+                                        </p:cTn>
+                                        <p:tgtEl>
+                                          <p:spTgt spid="3">
+                                            <p:txEl>
+                                              <p:pRg st="9" end="9"/>
+                                            </p:txEl>
+                                          </p:spTgt>
+                                        </p:tgtEl>
+                                        <p:attrNameLst>
+                                          <p:attrName>style.visibility</p:attrName>
+                                        </p:attrNameLst>
+                                      </p:cBhvr>
+                                      <p:to>
+                                        <p:strVal val="visible"/>
+                                      </p:to>
+                                    </p:set>
+                                  </p:childTnLst>
+                                </p:cTn>
+                              </p:par>
+                            </p:childTnLst>
+                          </p:cTn>
+                        </p:par>
+                      </p:childTnLst>
+                    </p:cTn>
+                  </p:par>
+                </p:childTnLst>
+              </p:cTn>
+              <p:prevCondLst>
+                <p:cond evt="onPrev" delay="0">
+                  <p:tgtEl>
+                    <p:sldTgt/>
+                  </p:tgtEl>
+                </p:cond>
+              </p:prevCondLst>
+              <p:nextCondLst>
+                <p:cond evt="onNext" delay="0">
+                  <p:tgtEl>
+                    <p:sldTgt/>
+                  </p:tgtEl>
+                </p:cond>
+              </p:nextCondLst>
+            </p:seq>
+          </p:childTnLst>
+        </p:cTn>
+      </p:par>
+    </p:tnLst>
+    <p:bldLst>
+      <p:bldP spid="3" grpId="0" uiExpand="1" build="p"/>
+    </p:bldLst>
+  </p:timing>
+</p:sld>
+</file>
+
+<file path=ppt/slides/slide16.xml><?xml version="1.0" encoding="utf-8"?>
+<p:sld xmlns:a="http://schemas.openxmlformats.org/drawingml/2006/main" xmlns:r="http://schemas.openxmlformats.org/officeDocument/2006/relationships" xmlns:p="http://schemas.openxmlformats.org/presentationml/2006/main">
+  <p:cSld>
+    <p:spTree>
+      <p:nvGrpSpPr>
+        <p:cNvPr id="1" name=""/>
+        <p:cNvGrpSpPr/>
+        <p:nvPr/>
+      </p:nvGrpSpPr>
+      <p:grpSpPr>
+        <a:xfrm>
+          <a:off x="0" y="0"/>
+          <a:ext cx="0" cy="0"/>
+          <a:chOff x="0" y="0"/>
+          <a:chExt cx="0" cy="0"/>
+        </a:xfrm>
+      </p:grpSpPr>
+      <p:sp>
+        <p:nvSpPr>
+          <p:cNvPr id="2" name="Title 1"/>
+          <p:cNvSpPr>
+            <a:spLocks noGrp="1"/>
+          </p:cNvSpPr>
+          <p:nvPr>
+            <p:ph type="title"/>
+          </p:nvPr>
+        </p:nvSpPr>
+        <p:spPr/>
+        <p:txBody>
+          <a:bodyPr/>
+          <a:lstStyle/>
+          <a:p>
+            <a:r>
+              <a:rPr lang="en-US" dirty="0" err="1" smtClean="0"/>
+              <a:t>Northwind</a:t>
+            </a:r>
+            <a:r>
+              <a:rPr lang="en-US" dirty="0" smtClean="0"/>
+              <a:t> Project</a:t>
+            </a:r>
+            <a:endParaRPr lang="en-US" dirty="0"/>
+          </a:p>
+        </p:txBody>
+      </p:sp>
+      <p:sp>
+        <p:nvSpPr>
+          <p:cNvPr id="4" name="Slide Number Placeholder 3"/>
+          <p:cNvSpPr>
+            <a:spLocks noGrp="1"/>
+          </p:cNvSpPr>
+          <p:nvPr>
+            <p:ph type="sldNum" sz="quarter" idx="12"/>
+          </p:nvPr>
+        </p:nvSpPr>
+        <p:spPr/>
+        <p:txBody>
+          <a:bodyPr/>
+          <a:lstStyle/>
+          <a:p>
+            <a:pPr>
+              <a:defRPr/>
+            </a:pPr>
+            <a:fld id="{C5A4A91C-EC18-4A23-96E0-5487FD4C836A}" type="slidenum">
+              <a:rPr lang="he-IL" smtClean="0"/>
+              <a:pPr>
+                <a:defRPr/>
+              </a:pPr>
+              <a:t>16</a:t>
+            </a:fld>
+            <a:endParaRPr lang="en-US" dirty="0"/>
+          </a:p>
+        </p:txBody>
+      </p:sp>
+      <p:sp>
+        <p:nvSpPr>
+          <p:cNvPr id="5" name="Rectangle 4"/>
+          <p:cNvSpPr/>
+          <p:nvPr/>
+        </p:nvSpPr>
+        <p:spPr>
+          <a:xfrm>
+            <a:off x="1631504" y="5157192"/>
+            <a:ext cx="8856984" cy="936104"/>
+          </a:xfrm>
+          <a:prstGeom prst="rect">
+            <a:avLst/>
+          </a:prstGeom>
+        </p:spPr>
+        <p:style>
+          <a:lnRef idx="1">
+            <a:schemeClr val="accent3"/>
+          </a:lnRef>
+          <a:fillRef idx="2">
+            <a:schemeClr val="accent3"/>
+          </a:fillRef>
+          <a:effectRef idx="1">
+            <a:schemeClr val="accent3"/>
+          </a:effectRef>
+          <a:fontRef idx="minor">
+            <a:schemeClr val="dk1"/>
+          </a:fontRef>
+        </p:style>
+        <p:txBody>
+          <a:bodyPr rot="0" spcFirstLastPara="0" vertOverflow="overflow" horzOverflow="overflow" vert="horz" wrap="square" lIns="91440" tIns="45720" rIns="91440" bIns="45720" numCol="1" spcCol="0" rtlCol="0" fromWordArt="0" anchor="t" anchorCtr="0" forceAA="0" compatLnSpc="1">
+            <a:prstTxWarp prst="textNoShape">
+              <a:avLst/>
+            </a:prstTxWarp>
+            <a:noAutofit/>
+          </a:bodyPr>
+          <a:lstStyle/>
+          <a:p>
+            <a:pPr algn="ctr" rtl="0"/>
+            <a:r>
+              <a:rPr lang="en-US" dirty="0" err="1"/>
+              <a:t>NorthwindBase</a:t>
+            </a:r>
+            <a:endParaRPr lang="en-US" dirty="0"/>
+          </a:p>
+        </p:txBody>
+      </p:sp>
+      <p:sp>
+        <p:nvSpPr>
+          <p:cNvPr id="6" name="Rectangle 5"/>
+          <p:cNvSpPr/>
+          <p:nvPr/>
+        </p:nvSpPr>
+        <p:spPr>
+          <a:xfrm>
+            <a:off x="7605557" y="2867124"/>
+            <a:ext cx="2880360" cy="1691640"/>
+          </a:xfrm>
+          <a:prstGeom prst="rect">
+            <a:avLst/>
+          </a:prstGeom>
+        </p:spPr>
+        <p:style>
+          <a:lnRef idx="1">
+            <a:schemeClr val="accent3"/>
+          </a:lnRef>
+          <a:fillRef idx="2">
+            <a:schemeClr val="accent3"/>
+          </a:fillRef>
+          <a:effectRef idx="1">
+            <a:schemeClr val="accent3"/>
+          </a:effectRef>
+          <a:fontRef idx="minor">
+            <a:schemeClr val="dk1"/>
+          </a:fontRef>
+        </p:style>
+        <p:txBody>
+          <a:bodyPr rot="0" spcFirstLastPara="0" vertOverflow="overflow" horzOverflow="overflow" vert="horz" wrap="square" lIns="91440" tIns="45720" rIns="91440" bIns="45720" numCol="1" spcCol="0" rtlCol="0" fromWordArt="0" anchor="t" anchorCtr="0" forceAA="0" compatLnSpc="1">
+            <a:prstTxWarp prst="textNoShape">
+              <a:avLst/>
+            </a:prstTxWarp>
+            <a:noAutofit/>
+          </a:bodyPr>
+          <a:lstStyle/>
+          <a:p>
+            <a:pPr algn="ctr" rtl="0"/>
+            <a:r>
+              <a:rPr lang="en-US" dirty="0" err="1"/>
+              <a:t>Northwind.Orders</a:t>
+            </a:r>
+            <a:endParaRPr lang="en-US" dirty="0"/>
+          </a:p>
+        </p:txBody>
+      </p:sp>
+      <p:sp>
+        <p:nvSpPr>
+          <p:cNvPr id="7" name="Rectangle 6"/>
+          <p:cNvSpPr/>
+          <p:nvPr/>
+        </p:nvSpPr>
+        <p:spPr>
+          <a:xfrm>
+            <a:off x="4617225" y="2852936"/>
+            <a:ext cx="2880360" cy="1691640"/>
+          </a:xfrm>
+          <a:prstGeom prst="rect">
+            <a:avLst/>
+          </a:prstGeom>
+        </p:spPr>
+        <p:style>
+          <a:lnRef idx="1">
+            <a:schemeClr val="accent3"/>
+          </a:lnRef>
+          <a:fillRef idx="2">
+            <a:schemeClr val="accent3"/>
+          </a:fillRef>
+          <a:effectRef idx="1">
+            <a:schemeClr val="accent3"/>
+          </a:effectRef>
+          <a:fontRef idx="minor">
+            <a:schemeClr val="dk1"/>
+          </a:fontRef>
+        </p:style>
+        <p:txBody>
+          <a:bodyPr rot="0" spcFirstLastPara="0" vertOverflow="overflow" horzOverflow="overflow" vert="horz" wrap="square" lIns="91440" tIns="45720" rIns="91440" bIns="45720" numCol="1" spcCol="0" rtlCol="0" fromWordArt="0" anchor="t" anchorCtr="0" forceAA="0" compatLnSpc="1">
+            <a:prstTxWarp prst="textNoShape">
+              <a:avLst/>
+            </a:prstTxWarp>
+            <a:noAutofit/>
+          </a:bodyPr>
+          <a:lstStyle/>
+          <a:p>
+            <a:pPr algn="ctr" rtl="0"/>
+            <a:r>
+              <a:rPr lang="en-US" dirty="0" err="1"/>
+              <a:t>Northwind.Customers</a:t>
+            </a:r>
+            <a:endParaRPr lang="en-US" dirty="0"/>
+          </a:p>
+        </p:txBody>
+      </p:sp>
+      <p:sp>
+        <p:nvSpPr>
+          <p:cNvPr id="8" name="Rectangle 7"/>
+          <p:cNvSpPr/>
+          <p:nvPr/>
+        </p:nvSpPr>
+        <p:spPr>
+          <a:xfrm>
+            <a:off x="1628893" y="2852936"/>
+            <a:ext cx="2880360" cy="1691640"/>
+          </a:xfrm>
+          <a:prstGeom prst="rect">
+            <a:avLst/>
+          </a:prstGeom>
+        </p:spPr>
+        <p:style>
+          <a:lnRef idx="1">
+            <a:schemeClr val="accent3"/>
+          </a:lnRef>
+          <a:fillRef idx="2">
+            <a:schemeClr val="accent3"/>
+          </a:fillRef>
+          <a:effectRef idx="1">
+            <a:schemeClr val="accent3"/>
+          </a:effectRef>
+          <a:fontRef idx="minor">
+            <a:schemeClr val="dk1"/>
+          </a:fontRef>
+        </p:style>
+        <p:txBody>
+          <a:bodyPr rot="0" spcFirstLastPara="0" vertOverflow="overflow" horzOverflow="overflow" vert="horz" wrap="square" lIns="91440" tIns="45720" rIns="91440" bIns="45720" numCol="1" spcCol="0" rtlCol="0" fromWordArt="0" anchor="t" anchorCtr="0" forceAA="0" compatLnSpc="1">
+            <a:prstTxWarp prst="textNoShape">
+              <a:avLst/>
+            </a:prstTxWarp>
+            <a:noAutofit/>
+          </a:bodyPr>
+          <a:lstStyle/>
+          <a:p>
+            <a:pPr algn="ctr" rtl="0"/>
+            <a:r>
+              <a:rPr lang="en-US" dirty="0" err="1"/>
+              <a:t>Northwind.Products</a:t>
+            </a:r>
+            <a:endParaRPr lang="en-US" dirty="0"/>
+          </a:p>
+        </p:txBody>
+      </p:sp>
+      <p:sp>
+        <p:nvSpPr>
+          <p:cNvPr id="9" name="Rectangle 8"/>
+          <p:cNvSpPr/>
+          <p:nvPr/>
+        </p:nvSpPr>
+        <p:spPr>
+          <a:xfrm>
+            <a:off x="1631504" y="1580971"/>
+            <a:ext cx="8856984" cy="570979"/>
+          </a:xfrm>
+          <a:prstGeom prst="rect">
+            <a:avLst/>
+          </a:prstGeom>
+        </p:spPr>
+        <p:style>
+          <a:lnRef idx="1">
+            <a:schemeClr val="accent3"/>
+          </a:lnRef>
+          <a:fillRef idx="2">
+            <a:schemeClr val="accent3"/>
+          </a:fillRef>
+          <a:effectRef idx="1">
+            <a:schemeClr val="accent3"/>
+          </a:effectRef>
+          <a:fontRef idx="minor">
+            <a:schemeClr val="dk1"/>
+          </a:fontRef>
+        </p:style>
+        <p:txBody>
+          <a:bodyPr rot="0" spcFirstLastPara="0" vertOverflow="overflow" horzOverflow="overflow" vert="horz" wrap="square" lIns="91440" tIns="45720" rIns="91440" bIns="45720" numCol="1" spcCol="0" rtlCol="0" fromWordArt="0" anchor="t" anchorCtr="0" forceAA="0" compatLnSpc="1">
+            <a:prstTxWarp prst="textNoShape">
+              <a:avLst/>
+            </a:prstTxWarp>
+            <a:noAutofit/>
+          </a:bodyPr>
+          <a:lstStyle/>
+          <a:p>
+            <a:pPr algn="ctr" rtl="0"/>
+            <a:r>
+              <a:rPr lang="en-US" dirty="0" err="1"/>
+              <a:t>Northwind</a:t>
+            </a:r>
+            <a:endParaRPr lang="en-US" dirty="0"/>
+          </a:p>
+        </p:txBody>
+      </p:sp>
+      <p:sp>
+        <p:nvSpPr>
+          <p:cNvPr id="10" name="Down Arrow 9"/>
+          <p:cNvSpPr/>
+          <p:nvPr/>
+        </p:nvSpPr>
+        <p:spPr>
+          <a:xfrm>
+            <a:off x="2682721" y="4687431"/>
+            <a:ext cx="484632" cy="373381"/>
+          </a:xfrm>
+          <a:prstGeom prst="downArrow">
+            <a:avLst/>
+          </a:prstGeom>
+        </p:spPr>
+        <p:style>
+          <a:lnRef idx="2">
+            <a:schemeClr val="accent1">
+              <a:shade val="50000"/>
+            </a:schemeClr>
+          </a:lnRef>
+          <a:fillRef idx="1">
+            <a:schemeClr val="accent1"/>
+          </a:fillRef>
+          <a:effectRef idx="0">
+            <a:schemeClr val="accent1"/>
+          </a:effectRef>
+          <a:fontRef idx="minor">
+            <a:schemeClr val="lt1"/>
+          </a:fontRef>
+        </p:style>
+        <p:txBody>
+          <a:bodyPr rot="0" spcFirstLastPara="0" vertOverflow="overflow" horzOverflow="overflow" vert="horz" wrap="square" lIns="91440" tIns="45720" rIns="91440" bIns="45720" numCol="1" spcCol="0" rtlCol="0" fromWordArt="0" anchor="ctr" anchorCtr="0" forceAA="0" compatLnSpc="1">
+            <a:prstTxWarp prst="textNoShape">
+              <a:avLst/>
+            </a:prstTxWarp>
+            <a:noAutofit/>
+          </a:bodyPr>
+          <a:lstStyle/>
+          <a:p>
+            <a:pPr algn="ctr"/>
+            <a:endParaRPr lang="en-US"/>
+          </a:p>
+        </p:txBody>
+      </p:sp>
+      <p:sp>
+        <p:nvSpPr>
+          <p:cNvPr id="11" name="Down Arrow 10"/>
+          <p:cNvSpPr/>
+          <p:nvPr/>
+        </p:nvSpPr>
+        <p:spPr>
+          <a:xfrm>
+            <a:off x="5817680" y="4683855"/>
+            <a:ext cx="484632" cy="373381"/>
+          </a:xfrm>
+          <a:prstGeom prst="downArrow">
+            <a:avLst/>
+          </a:prstGeom>
+        </p:spPr>
+        <p:style>
+          <a:lnRef idx="2">
+            <a:schemeClr val="accent1">
+              <a:shade val="50000"/>
+            </a:schemeClr>
+          </a:lnRef>
+          <a:fillRef idx="1">
+            <a:schemeClr val="accent1"/>
+          </a:fillRef>
+          <a:effectRef idx="0">
+            <a:schemeClr val="accent1"/>
+          </a:effectRef>
+          <a:fontRef idx="minor">
+            <a:schemeClr val="lt1"/>
+          </a:fontRef>
+        </p:style>
+        <p:txBody>
+          <a:bodyPr rot="0" spcFirstLastPara="0" vertOverflow="overflow" horzOverflow="overflow" vert="horz" wrap="square" lIns="91440" tIns="45720" rIns="91440" bIns="45720" numCol="1" spcCol="0" rtlCol="0" fromWordArt="0" anchor="ctr" anchorCtr="0" forceAA="0" compatLnSpc="1">
+            <a:prstTxWarp prst="textNoShape">
+              <a:avLst/>
+            </a:prstTxWarp>
+            <a:noAutofit/>
+          </a:bodyPr>
+          <a:lstStyle/>
+          <a:p>
+            <a:pPr algn="ctr"/>
+            <a:endParaRPr lang="en-US"/>
+          </a:p>
+        </p:txBody>
+      </p:sp>
+      <p:sp>
+        <p:nvSpPr>
+          <p:cNvPr id="12" name="Down Arrow 11"/>
+          <p:cNvSpPr/>
+          <p:nvPr/>
+        </p:nvSpPr>
+        <p:spPr>
+          <a:xfrm>
+            <a:off x="8899502" y="4649103"/>
+            <a:ext cx="484632" cy="373381"/>
+          </a:xfrm>
+          <a:prstGeom prst="downArrow">
+            <a:avLst/>
+          </a:prstGeom>
+        </p:spPr>
+        <p:style>
+          <a:lnRef idx="2">
+            <a:schemeClr val="accent1">
+              <a:shade val="50000"/>
+            </a:schemeClr>
+          </a:lnRef>
+          <a:fillRef idx="1">
+            <a:schemeClr val="accent1"/>
+          </a:fillRef>
+          <a:effectRef idx="0">
+            <a:schemeClr val="accent1"/>
+          </a:effectRef>
+          <a:fontRef idx="minor">
+            <a:schemeClr val="lt1"/>
+          </a:fontRef>
+        </p:style>
+        <p:txBody>
+          <a:bodyPr rot="0" spcFirstLastPara="0" vertOverflow="overflow" horzOverflow="overflow" vert="horz" wrap="square" lIns="91440" tIns="45720" rIns="91440" bIns="45720" numCol="1" spcCol="0" rtlCol="0" fromWordArt="0" anchor="ctr" anchorCtr="0" forceAA="0" compatLnSpc="1">
+            <a:prstTxWarp prst="textNoShape">
+              <a:avLst/>
+            </a:prstTxWarp>
+            <a:noAutofit/>
+          </a:bodyPr>
+          <a:lstStyle/>
+          <a:p>
+            <a:pPr algn="ctr"/>
+            <a:endParaRPr lang="en-US"/>
+          </a:p>
+        </p:txBody>
+      </p:sp>
+      <p:sp>
+        <p:nvSpPr>
+          <p:cNvPr id="13" name="Down Arrow 12"/>
+          <p:cNvSpPr/>
+          <p:nvPr/>
+        </p:nvSpPr>
+        <p:spPr>
+          <a:xfrm>
+            <a:off x="8893647" y="2332077"/>
+            <a:ext cx="484632" cy="373381"/>
+          </a:xfrm>
+          <a:prstGeom prst="downArrow">
+            <a:avLst/>
+          </a:prstGeom>
+        </p:spPr>
+        <p:style>
+          <a:lnRef idx="2">
+            <a:schemeClr val="accent1">
+              <a:shade val="50000"/>
+            </a:schemeClr>
+          </a:lnRef>
+          <a:fillRef idx="1">
+            <a:schemeClr val="accent1"/>
+          </a:fillRef>
+          <a:effectRef idx="0">
+            <a:schemeClr val="accent1"/>
+          </a:effectRef>
+          <a:fontRef idx="minor">
+            <a:schemeClr val="lt1"/>
+          </a:fontRef>
+        </p:style>
+        <p:txBody>
+          <a:bodyPr rot="0" spcFirstLastPara="0" vertOverflow="overflow" horzOverflow="overflow" vert="horz" wrap="square" lIns="91440" tIns="45720" rIns="91440" bIns="45720" numCol="1" spcCol="0" rtlCol="0" fromWordArt="0" anchor="ctr" anchorCtr="0" forceAA="0" compatLnSpc="1">
+            <a:prstTxWarp prst="textNoShape">
+              <a:avLst/>
+            </a:prstTxWarp>
+            <a:noAutofit/>
+          </a:bodyPr>
+          <a:lstStyle/>
+          <a:p>
+            <a:pPr algn="ctr"/>
+            <a:endParaRPr lang="en-US"/>
+          </a:p>
+        </p:txBody>
+      </p:sp>
+      <p:sp>
+        <p:nvSpPr>
+          <p:cNvPr id="14" name="Down Arrow 13"/>
+          <p:cNvSpPr/>
+          <p:nvPr/>
+        </p:nvSpPr>
+        <p:spPr>
+          <a:xfrm>
+            <a:off x="5817680" y="2315282"/>
+            <a:ext cx="484632" cy="373381"/>
+          </a:xfrm>
+          <a:prstGeom prst="downArrow">
+            <a:avLst/>
+          </a:prstGeom>
+        </p:spPr>
+        <p:style>
+          <a:lnRef idx="2">
+            <a:schemeClr val="accent1">
+              <a:shade val="50000"/>
+            </a:schemeClr>
+          </a:lnRef>
+          <a:fillRef idx="1">
+            <a:schemeClr val="accent1"/>
+          </a:fillRef>
+          <a:effectRef idx="0">
+            <a:schemeClr val="accent1"/>
+          </a:effectRef>
+          <a:fontRef idx="minor">
+            <a:schemeClr val="lt1"/>
+          </a:fontRef>
+        </p:style>
+        <p:txBody>
+          <a:bodyPr rot="0" spcFirstLastPara="0" vertOverflow="overflow" horzOverflow="overflow" vert="horz" wrap="square" lIns="91440" tIns="45720" rIns="91440" bIns="45720" numCol="1" spcCol="0" rtlCol="0" fromWordArt="0" anchor="ctr" anchorCtr="0" forceAA="0" compatLnSpc="1">
+            <a:prstTxWarp prst="textNoShape">
+              <a:avLst/>
+            </a:prstTxWarp>
+            <a:noAutofit/>
+          </a:bodyPr>
+          <a:lstStyle/>
+          <a:p>
+            <a:pPr algn="ctr"/>
+            <a:endParaRPr lang="en-US"/>
+          </a:p>
+        </p:txBody>
+      </p:sp>
+      <p:sp>
+        <p:nvSpPr>
+          <p:cNvPr id="15" name="Down Arrow 14"/>
+          <p:cNvSpPr/>
+          <p:nvPr/>
+        </p:nvSpPr>
+        <p:spPr>
+          <a:xfrm>
+            <a:off x="2682721" y="2305646"/>
+            <a:ext cx="484632" cy="373381"/>
+          </a:xfrm>
+          <a:prstGeom prst="downArrow">
+            <a:avLst/>
+          </a:prstGeom>
+        </p:spPr>
+        <p:style>
+          <a:lnRef idx="2">
+            <a:schemeClr val="accent1">
+              <a:shade val="50000"/>
+            </a:schemeClr>
+          </a:lnRef>
+          <a:fillRef idx="1">
+            <a:schemeClr val="accent1"/>
+          </a:fillRef>
+          <a:effectRef idx="0">
+            <a:schemeClr val="accent1"/>
+          </a:effectRef>
+          <a:fontRef idx="minor">
+            <a:schemeClr val="lt1"/>
+          </a:fontRef>
+        </p:style>
+        <p:txBody>
+          <a:bodyPr rot="0" spcFirstLastPara="0" vertOverflow="overflow" horzOverflow="overflow" vert="horz" wrap="square" lIns="91440" tIns="45720" rIns="91440" bIns="45720" numCol="1" spcCol="0" rtlCol="0" fromWordArt="0" anchor="ctr" anchorCtr="0" forceAA="0" compatLnSpc="1">
+            <a:prstTxWarp prst="textNoShape">
+              <a:avLst/>
+            </a:prstTxWarp>
+            <a:noAutofit/>
+          </a:bodyPr>
+          <a:lstStyle/>
+          <a:p>
+            <a:pPr algn="ctr"/>
+            <a:endParaRPr lang="en-US"/>
+          </a:p>
+        </p:txBody>
+      </p:sp>
+    </p:spTree>
+    <p:extLst>
+      <p:ext uri="{BB962C8B-B14F-4D97-AF65-F5344CB8AC3E}">
+        <p14:creationId xmlns:p14="http://schemas.microsoft.com/office/powerpoint/2010/main" val="303567968"/>
+      </p:ext>
+    </p:extLst>
+  </p:cSld>
+  <p:clrMapOvr>
+    <a:masterClrMapping/>
+  </p:clrMapOvr>
+  <p:timing>
+    <p:tnLst>
+      <p:par>
+        <p:cTn id="1" dur="indefinite" restart="never" nodeType="tmRoot">
+          <p:childTnLst>
+            <p:seq concurrent="1" nextAc="seek">
+              <p:cTn id="2" dur="indefinite" nodeType="mainSeq">
+                <p:childTnLst>
+                  <p:par>
+                    <p:cTn id="3" fill="hold">
+                      <p:stCondLst>
+                        <p:cond delay="indefinite"/>
+                      </p:stCondLst>
+                      <p:childTnLst>
+                        <p:par>
+                          <p:cTn id="4" fill="hold">
+                            <p:stCondLst>
+                              <p:cond delay="0"/>
+                            </p:stCondLst>
+                            <p:childTnLst>
+                              <p:par>
+                                <p:cTn id="5" presetID="1" presetClass="entr" presetSubtype="0" fill="hold" grpId="0" nodeType="clickEffect">
+                                  <p:stCondLst>
+                                    <p:cond delay="0"/>
+                                  </p:stCondLst>
+                                  <p:childTnLst>
+                                    <p:set>
+                                      <p:cBhvr>
+                                        <p:cTn id="6" dur="1" fill="hold">
+                                          <p:stCondLst>
+                                            <p:cond delay="0"/>
+                                          </p:stCondLst>
+                                        </p:cTn>
+                                        <p:tgtEl>
+                                          <p:spTgt spid="15"/>
+                                        </p:tgtEl>
+                                        <p:attrNameLst>
+                                          <p:attrName>style.visibility</p:attrName>
+                                        </p:attrNameLst>
+                                      </p:cBhvr>
+                                      <p:to>
+                                        <p:strVal val="visible"/>
+                                      </p:to>
+                                    </p:set>
+                                  </p:childTnLst>
+                                </p:cTn>
+                              </p:par>
+                              <p:par>
+                                <p:cTn id="7" presetID="1" presetClass="entr" presetSubtype="0" fill="hold" grpId="0" nodeType="withEffect">
+                                  <p:stCondLst>
+                                    <p:cond delay="0"/>
+                                  </p:stCondLst>
+                                  <p:childTnLst>
+                                    <p:set>
+                                      <p:cBhvr>
+                                        <p:cTn id="8" dur="1" fill="hold">
+                                          <p:stCondLst>
+                                            <p:cond delay="0"/>
+                                          </p:stCondLst>
+                                        </p:cTn>
+                                        <p:tgtEl>
+                                          <p:spTgt spid="8"/>
+                                        </p:tgtEl>
+                                        <p:attrNameLst>
+                                          <p:attrName>style.visibility</p:attrName>
+                                        </p:attrNameLst>
+                                      </p:cBhvr>
+                                      <p:to>
+                                        <p:strVal val="visible"/>
+                                      </p:to>
+                                    </p:set>
+                                  </p:childTnLst>
+                                </p:cTn>
+                              </p:par>
+                            </p:childTnLst>
+                          </p:cTn>
+                        </p:par>
+                      </p:childTnLst>
+                    </p:cTn>
+                  </p:par>
+                  <p:par>
+                    <p:cTn id="9" fill="hold">
+                      <p:stCondLst>
+                        <p:cond delay="indefinite"/>
+                      </p:stCondLst>
+                      <p:childTnLst>
+                        <p:par>
+                          <p:cTn id="10" fill="hold">
+                            <p:stCondLst>
+                              <p:cond delay="0"/>
+                            </p:stCondLst>
+                            <p:childTnLst>
+                              <p:par>
+                                <p:cTn id="11" presetID="1" presetClass="entr" presetSubtype="0" fill="hold" grpId="0" nodeType="clickEffect">
+                                  <p:stCondLst>
+                                    <p:cond delay="0"/>
+                                  </p:stCondLst>
+                                  <p:childTnLst>
+                                    <p:set>
+                                      <p:cBhvr>
+                                        <p:cTn id="12" dur="1" fill="hold">
+                                          <p:stCondLst>
+                                            <p:cond delay="0"/>
+                                          </p:stCondLst>
+                                        </p:cTn>
+                                        <p:tgtEl>
+                                          <p:spTgt spid="14"/>
+                                        </p:tgtEl>
+                                        <p:attrNameLst>
+                                          <p:attrName>style.visibility</p:attrName>
+                                        </p:attrNameLst>
+                                      </p:cBhvr>
+                                      <p:to>
+                                        <p:strVal val="visible"/>
+                                      </p:to>
+                                    </p:set>
+                                  </p:childTnLst>
+                                </p:cTn>
+                              </p:par>
+                              <p:par>
+                                <p:cTn id="13" presetID="1" presetClass="entr" presetSubtype="0" fill="hold" grpId="0" nodeType="withEffect">
+                                  <p:stCondLst>
+                                    <p:cond delay="0"/>
+                                  </p:stCondLst>
+                                  <p:childTnLst>
+                                    <p:set>
+                                      <p:cBhvr>
+                                        <p:cTn id="14" dur="1" fill="hold">
+                                          <p:stCondLst>
+                                            <p:cond delay="0"/>
+                                          </p:stCondLst>
+                                        </p:cTn>
+                                        <p:tgtEl>
+                                          <p:spTgt spid="7"/>
+                                        </p:tgtEl>
+                                        <p:attrNameLst>
+                                          <p:attrName>style.visibility</p:attrName>
+                                        </p:attrNameLst>
+                                      </p:cBhvr>
+                                      <p:to>
+                                        <p:strVal val="visible"/>
+                                      </p:to>
+                                    </p:set>
+                                  </p:childTnLst>
+                                </p:cTn>
+                              </p:par>
+                            </p:childTnLst>
+                          </p:cTn>
+                        </p:par>
+                      </p:childTnLst>
+                    </p:cTn>
+                  </p:par>
+                  <p:par>
+                    <p:cTn id="15" fill="hold">
+                      <p:stCondLst>
+                        <p:cond delay="indefinite"/>
+                      </p:stCondLst>
+                      <p:childTnLst>
+                        <p:par>
+                          <p:cTn id="16" fill="hold">
+                            <p:stCondLst>
+                              <p:cond delay="0"/>
+                            </p:stCondLst>
+                            <p:childTnLst>
+                              <p:par>
+                                <p:cTn id="17" presetID="1" presetClass="entr" presetSubtype="0" fill="hold" grpId="0" nodeType="clickEffect">
+                                  <p:stCondLst>
+                                    <p:cond delay="0"/>
+                                  </p:stCondLst>
+                                  <p:childTnLst>
+                                    <p:set>
+                                      <p:cBhvr>
+                                        <p:cTn id="18" dur="1" fill="hold">
+                                          <p:stCondLst>
+                                            <p:cond delay="0"/>
+                                          </p:stCondLst>
+                                        </p:cTn>
+                                        <p:tgtEl>
+                                          <p:spTgt spid="13"/>
+                                        </p:tgtEl>
+                                        <p:attrNameLst>
+                                          <p:attrName>style.visibility</p:attrName>
+                                        </p:attrNameLst>
+                                      </p:cBhvr>
+                                      <p:to>
+                                        <p:strVal val="visible"/>
+                                      </p:to>
+                                    </p:set>
+                                  </p:childTnLst>
+                                </p:cTn>
+                              </p:par>
+                              <p:par>
+                                <p:cTn id="19" presetID="1" presetClass="entr" presetSubtype="0" fill="hold" grpId="0" nodeType="withEffect">
+                                  <p:stCondLst>
+                                    <p:cond delay="0"/>
+                                  </p:stCondLst>
+                                  <p:childTnLst>
+                                    <p:set>
+                                      <p:cBhvr>
+                                        <p:cTn id="20" dur="1" fill="hold">
+                                          <p:stCondLst>
+                                            <p:cond delay="0"/>
+                                          </p:stCondLst>
+                                        </p:cTn>
+                                        <p:tgtEl>
+                                          <p:spTgt spid="6"/>
+                                        </p:tgtEl>
+                                        <p:attrNameLst>
+                                          <p:attrName>style.visibility</p:attrName>
+                                        </p:attrNameLst>
+                                      </p:cBhvr>
+                                      <p:to>
+                                        <p:strVal val="visible"/>
+                                      </p:to>
+                                    </p:set>
+                                  </p:childTnLst>
+                                </p:cTn>
+                              </p:par>
+                            </p:childTnLst>
+                          </p:cTn>
+                        </p:par>
+                      </p:childTnLst>
+                    </p:cTn>
+                  </p:par>
+                  <p:par>
+                    <p:cTn id="21" fill="hold">
+                      <p:stCondLst>
+                        <p:cond delay="indefinite"/>
+                      </p:stCondLst>
+                      <p:childTnLst>
+                        <p:par>
+                          <p:cTn id="22" fill="hold">
+                            <p:stCondLst>
+                              <p:cond delay="0"/>
+                            </p:stCondLst>
+                            <p:childTnLst>
+                              <p:par>
+                                <p:cTn id="23" presetID="1" presetClass="entr" presetSubtype="0" fill="hold" grpId="0" nodeType="clickEffect">
+                                  <p:stCondLst>
+                                    <p:cond delay="0"/>
+                                  </p:stCondLst>
+                                  <p:childTnLst>
+                                    <p:set>
+                                      <p:cBhvr>
+                                        <p:cTn id="24" dur="1" fill="hold">
+                                          <p:stCondLst>
+                                            <p:cond delay="0"/>
+                                          </p:stCondLst>
+                                        </p:cTn>
+                                        <p:tgtEl>
+                                          <p:spTgt spid="10"/>
+                                        </p:tgtEl>
+                                        <p:attrNameLst>
+                                          <p:attrName>style.visibility</p:attrName>
+                                        </p:attrNameLst>
+                                      </p:cBhvr>
+                                      <p:to>
+                                        <p:strVal val="visible"/>
+                                      </p:to>
+                                    </p:set>
+                                  </p:childTnLst>
+                                </p:cTn>
+                              </p:par>
+                              <p:par>
+                                <p:cTn id="25" presetID="1" presetClass="entr" presetSubtype="0" fill="hold" grpId="0" nodeType="withEffect">
+                                  <p:stCondLst>
+                                    <p:cond delay="0"/>
+                                  </p:stCondLst>
+                                  <p:childTnLst>
+                                    <p:set>
+                                      <p:cBhvr>
+                                        <p:cTn id="26" dur="1" fill="hold">
+                                          <p:stCondLst>
+                                            <p:cond delay="0"/>
+                                          </p:stCondLst>
+                                        </p:cTn>
+                                        <p:tgtEl>
+                                          <p:spTgt spid="11"/>
+                                        </p:tgtEl>
+                                        <p:attrNameLst>
+                                          <p:attrName>style.visibility</p:attrName>
+                                        </p:attrNameLst>
+                                      </p:cBhvr>
+                                      <p:to>
+                                        <p:strVal val="visible"/>
+                                      </p:to>
+                                    </p:set>
+                                  </p:childTnLst>
+                                </p:cTn>
+                              </p:par>
+                              <p:par>
+                                <p:cTn id="27" presetID="1" presetClass="entr" presetSubtype="0" fill="hold" grpId="0" nodeType="withEffect">
+                                  <p:stCondLst>
+                                    <p:cond delay="0"/>
+                                  </p:stCondLst>
+                                  <p:childTnLst>
+                                    <p:set>
+                                      <p:cBhvr>
+                                        <p:cTn id="28" dur="1" fill="hold">
+                                          <p:stCondLst>
+                                            <p:cond delay="0"/>
+                                          </p:stCondLst>
+                                        </p:cTn>
+                                        <p:tgtEl>
+                                          <p:spTgt spid="12"/>
+                                        </p:tgtEl>
+                                        <p:attrNameLst>
+                                          <p:attrName>style.visibility</p:attrName>
+                                        </p:attrNameLst>
+                                      </p:cBhvr>
+                                      <p:to>
+                                        <p:strVal val="visible"/>
+                                      </p:to>
+                                    </p:set>
+                                  </p:childTnLst>
+                                </p:cTn>
+                              </p:par>
+                              <p:par>
+                                <p:cTn id="29" presetID="1" presetClass="entr" presetSubtype="0" fill="hold" grpId="0" nodeType="withEffect">
+                                  <p:stCondLst>
+                                    <p:cond delay="0"/>
+                                  </p:stCondLst>
+                                  <p:childTnLst>
+                                    <p:set>
+                                      <p:cBhvr>
+                                        <p:cTn id="30" dur="1" fill="hold">
+                                          <p:stCondLst>
+                                            <p:cond delay="0"/>
+                                          </p:stCondLst>
+                                        </p:cTn>
+                                        <p:tgtEl>
+                                          <p:spTgt spid="5"/>
+                                        </p:tgtEl>
+                                        <p:attrNameLst>
+                                          <p:attrName>style.visibility</p:attrName>
+                                        </p:attrNameLst>
+                                      </p:cBhvr>
+                                      <p:to>
+                                        <p:strVal val="visible"/>
+                                      </p:to>
+                                    </p:set>
+                                  </p:childTnLst>
+                                </p:cTn>
+                              </p:par>
+                            </p:childTnLst>
+                          </p:cTn>
+                        </p:par>
+                      </p:childTnLst>
+                    </p:cTn>
+                  </p:par>
+                </p:childTnLst>
+              </p:cTn>
+              <p:prevCondLst>
+                <p:cond evt="onPrev" delay="0">
+                  <p:tgtEl>
+                    <p:sldTgt/>
+                  </p:tgtEl>
+                </p:cond>
+              </p:prevCondLst>
+              <p:nextCondLst>
+                <p:cond evt="onNext" delay="0">
+                  <p:tgtEl>
+                    <p:sldTgt/>
+                  </p:tgtEl>
+                </p:cond>
+              </p:nextCondLst>
+            </p:seq>
+          </p:childTnLst>
+        </p:cTn>
+      </p:par>
+    </p:tnLst>
+    <p:bldLst>
+      <p:bldP spid="5" grpId="0" animBg="1"/>
+      <p:bldP spid="6" grpId="0" animBg="1"/>
+      <p:bldP spid="7" grpId="0" animBg="1"/>
+      <p:bldP spid="8" grpId="0" animBg="1"/>
+      <p:bldP spid="10" grpId="0" animBg="1"/>
+      <p:bldP spid="11" grpId="0" animBg="1"/>
+      <p:bldP spid="12" grpId="0" animBg="1"/>
+      <p:bldP spid="13" grpId="0" animBg="1"/>
+      <p:bldP spid="14" grpId="0" animBg="1"/>
+      <p:bldP spid="15" grpId="0" animBg="1"/>
+    </p:bldLst>
+  </p:timing>
+</p:sld>
+</file>
+
+<file path=ppt/slides/slide17.xml><?xml version="1.0" encoding="utf-8"?>
+<p:sld xmlns:a="http://schemas.openxmlformats.org/drawingml/2006/main" xmlns:r="http://schemas.openxmlformats.org/officeDocument/2006/relationships" xmlns:p="http://schemas.openxmlformats.org/presentationml/2006/main">
+  <p:cSld>
+    <p:spTree>
+      <p:nvGrpSpPr>
+        <p:cNvPr id="1" name=""/>
+        <p:cNvGrpSpPr/>
+        <p:nvPr/>
+      </p:nvGrpSpPr>
+      <p:grpSpPr>
+        <a:xfrm>
+          <a:off x="0" y="0"/>
+          <a:ext cx="0" cy="0"/>
+          <a:chOff x="0" y="0"/>
+          <a:chExt cx="0" cy="0"/>
+        </a:xfrm>
+      </p:grpSpPr>
+      <p:sp>
+        <p:nvSpPr>
+          <p:cNvPr id="2" name="Title 1"/>
+          <p:cNvSpPr>
+            <a:spLocks noGrp="1"/>
+          </p:cNvSpPr>
+          <p:nvPr>
+            <p:ph type="title"/>
+          </p:nvPr>
+        </p:nvSpPr>
+        <p:spPr/>
+        <p:txBody>
+          <a:bodyPr/>
+          <a:lstStyle/>
+          <a:p>
+            <a:r>
+              <a:rPr lang="en-US" dirty="0" err="1" smtClean="0"/>
+              <a:t>Northwind.Products</a:t>
+            </a:r>
+            <a:endParaRPr lang="en-US" dirty="0"/>
+          </a:p>
+        </p:txBody>
+      </p:sp>
+      <p:sp>
+        <p:nvSpPr>
+          <p:cNvPr id="4" name="Slide Number Placeholder 3"/>
+          <p:cNvSpPr>
+            <a:spLocks noGrp="1"/>
+          </p:cNvSpPr>
+          <p:nvPr>
+            <p:ph type="sldNum" sz="quarter" idx="12"/>
+          </p:nvPr>
+        </p:nvSpPr>
+        <p:spPr/>
+        <p:txBody>
+          <a:bodyPr/>
+          <a:lstStyle/>
+          <a:p>
+            <a:pPr>
+              <a:defRPr/>
+            </a:pPr>
+            <a:fld id="{C5A4A91C-EC18-4A23-96E0-5487FD4C836A}" type="slidenum">
+              <a:rPr lang="he-IL" smtClean="0"/>
+              <a:pPr>
+                <a:defRPr/>
+              </a:pPr>
+              <a:t>17</a:t>
+            </a:fld>
+            <a:endParaRPr lang="en-US" dirty="0"/>
+          </a:p>
+        </p:txBody>
+      </p:sp>
+      <p:sp>
+        <p:nvSpPr>
+          <p:cNvPr id="5" name="Rectangle 4"/>
+          <p:cNvSpPr/>
+          <p:nvPr/>
+        </p:nvSpPr>
+        <p:spPr>
+          <a:xfrm>
+            <a:off x="1631504" y="5157192"/>
+            <a:ext cx="8856984" cy="936104"/>
+          </a:xfrm>
+          <a:prstGeom prst="rect">
+            <a:avLst/>
+          </a:prstGeom>
+        </p:spPr>
+        <p:style>
+          <a:lnRef idx="1">
+            <a:schemeClr val="accent3"/>
+          </a:lnRef>
+          <a:fillRef idx="2">
+            <a:schemeClr val="accent3"/>
+          </a:fillRef>
+          <a:effectRef idx="1">
+            <a:schemeClr val="accent3"/>
+          </a:effectRef>
+          <a:fontRef idx="minor">
+            <a:schemeClr val="dk1"/>
+          </a:fontRef>
+        </p:style>
+        <p:txBody>
+          <a:bodyPr rot="0" spcFirstLastPara="0" vertOverflow="overflow" horzOverflow="overflow" vert="horz" wrap="square" lIns="91440" tIns="45720" rIns="91440" bIns="45720" numCol="1" spcCol="0" rtlCol="0" fromWordArt="0" anchor="t" anchorCtr="0" forceAA="0" compatLnSpc="1">
+            <a:prstTxWarp prst="textNoShape">
+              <a:avLst/>
+            </a:prstTxWarp>
+            <a:noAutofit/>
+          </a:bodyPr>
+          <a:lstStyle/>
+          <a:p>
+            <a:pPr algn="ctr" rtl="0"/>
+            <a:r>
+              <a:rPr lang="en-US" dirty="0" err="1"/>
+              <a:t>NorthwindBase</a:t>
+            </a:r>
+            <a:endParaRPr lang="en-US" dirty="0"/>
+          </a:p>
+        </p:txBody>
+      </p:sp>
+      <p:sp>
+        <p:nvSpPr>
+          <p:cNvPr id="6" name="Rectangle 5"/>
+          <p:cNvSpPr/>
+          <p:nvPr/>
+        </p:nvSpPr>
+        <p:spPr>
+          <a:xfrm>
+            <a:off x="7605557" y="2867124"/>
+            <a:ext cx="2880360" cy="1691640"/>
+          </a:xfrm>
+          <a:prstGeom prst="rect">
+            <a:avLst/>
+          </a:prstGeom>
+          <a:solidFill>
+            <a:schemeClr val="bg1">
+              <a:lumMod val="95000"/>
+            </a:schemeClr>
+          </a:solidFill>
+        </p:spPr>
+        <p:style>
+          <a:lnRef idx="1">
+            <a:schemeClr val="accent3"/>
+          </a:lnRef>
+          <a:fillRef idx="2">
+            <a:schemeClr val="accent3"/>
+          </a:fillRef>
+          <a:effectRef idx="1">
+            <a:schemeClr val="accent3"/>
+          </a:effectRef>
+          <a:fontRef idx="minor">
+            <a:schemeClr val="dk1"/>
+          </a:fontRef>
+        </p:style>
+        <p:txBody>
+          <a:bodyPr rot="0" spcFirstLastPara="0" vertOverflow="overflow" horzOverflow="overflow" vert="horz" wrap="square" lIns="91440" tIns="45720" rIns="91440" bIns="45720" numCol="1" spcCol="0" rtlCol="0" fromWordArt="0" anchor="t" anchorCtr="0" forceAA="0" compatLnSpc="1">
+            <a:prstTxWarp prst="textNoShape">
+              <a:avLst/>
+            </a:prstTxWarp>
+            <a:noAutofit/>
+          </a:bodyPr>
+          <a:lstStyle/>
+          <a:p>
+            <a:pPr algn="ctr" rtl="0"/>
+            <a:r>
+              <a:rPr lang="en-US" dirty="0" err="1">
+                <a:solidFill>
+                  <a:schemeClr val="bg1">
+                    <a:lumMod val="75000"/>
+                  </a:schemeClr>
+                </a:solidFill>
+              </a:rPr>
+              <a:t>Northwind.Orders</a:t>
+            </a:r>
+            <a:endParaRPr lang="en-US" dirty="0">
+              <a:solidFill>
+                <a:schemeClr val="bg1">
+                  <a:lumMod val="75000"/>
+                </a:schemeClr>
+              </a:solidFill>
+            </a:endParaRPr>
+          </a:p>
+        </p:txBody>
+      </p:sp>
+      <p:sp>
+        <p:nvSpPr>
+          <p:cNvPr id="7" name="Rectangle 6"/>
+          <p:cNvSpPr/>
+          <p:nvPr/>
+        </p:nvSpPr>
+        <p:spPr>
+          <a:xfrm>
+            <a:off x="4617225" y="2852936"/>
+            <a:ext cx="2880360" cy="1691640"/>
+          </a:xfrm>
+          <a:prstGeom prst="rect">
+            <a:avLst/>
+          </a:prstGeom>
+          <a:solidFill>
+            <a:schemeClr val="bg1">
+              <a:lumMod val="95000"/>
+            </a:schemeClr>
+          </a:solidFill>
+        </p:spPr>
+        <p:style>
+          <a:lnRef idx="1">
+            <a:schemeClr val="accent3"/>
+          </a:lnRef>
+          <a:fillRef idx="2">
+            <a:schemeClr val="accent3"/>
+          </a:fillRef>
+          <a:effectRef idx="1">
+            <a:schemeClr val="accent3"/>
+          </a:effectRef>
+          <a:fontRef idx="minor">
+            <a:schemeClr val="dk1"/>
+          </a:fontRef>
+        </p:style>
+        <p:txBody>
+          <a:bodyPr rot="0" spcFirstLastPara="0" vertOverflow="overflow" horzOverflow="overflow" vert="horz" wrap="square" lIns="91440" tIns="45720" rIns="91440" bIns="45720" numCol="1" spcCol="0" rtlCol="0" fromWordArt="0" anchor="t" anchorCtr="0" forceAA="0" compatLnSpc="1">
+            <a:prstTxWarp prst="textNoShape">
+              <a:avLst/>
+            </a:prstTxWarp>
+            <a:noAutofit/>
+          </a:bodyPr>
+          <a:lstStyle/>
+          <a:p>
+            <a:pPr algn="ctr" rtl="0"/>
+            <a:r>
+              <a:rPr lang="en-US" dirty="0" err="1">
+                <a:solidFill>
+                  <a:schemeClr val="bg1">
+                    <a:lumMod val="75000"/>
+                  </a:schemeClr>
+                </a:solidFill>
+              </a:rPr>
+              <a:t>Northwind.Customers</a:t>
+            </a:r>
+            <a:endParaRPr lang="en-US" dirty="0">
+              <a:solidFill>
+                <a:schemeClr val="bg1">
+                  <a:lumMod val="75000"/>
+                </a:schemeClr>
+              </a:solidFill>
+            </a:endParaRPr>
+          </a:p>
+        </p:txBody>
+      </p:sp>
+      <p:sp>
+        <p:nvSpPr>
+          <p:cNvPr id="8" name="Rectangle 7"/>
+          <p:cNvSpPr/>
+          <p:nvPr/>
+        </p:nvSpPr>
+        <p:spPr>
+          <a:xfrm>
+            <a:off x="1628893" y="2852936"/>
+            <a:ext cx="2880360" cy="1691640"/>
+          </a:xfrm>
+          <a:prstGeom prst="rect">
+            <a:avLst/>
+          </a:prstGeom>
+        </p:spPr>
+        <p:style>
+          <a:lnRef idx="1">
+            <a:schemeClr val="accent3"/>
+          </a:lnRef>
+          <a:fillRef idx="2">
+            <a:schemeClr val="accent3"/>
+          </a:fillRef>
+          <a:effectRef idx="1">
+            <a:schemeClr val="accent3"/>
+          </a:effectRef>
+          <a:fontRef idx="minor">
+            <a:schemeClr val="dk1"/>
+          </a:fontRef>
+        </p:style>
+        <p:txBody>
+          <a:bodyPr rot="0" spcFirstLastPara="0" vertOverflow="overflow" horzOverflow="overflow" vert="horz" wrap="square" lIns="91440" tIns="45720" rIns="91440" bIns="45720" numCol="1" spcCol="0" rtlCol="0" fromWordArt="0" anchor="t" anchorCtr="0" forceAA="0" compatLnSpc="1">
+            <a:prstTxWarp prst="textNoShape">
+              <a:avLst/>
+            </a:prstTxWarp>
+            <a:noAutofit/>
+          </a:bodyPr>
+          <a:lstStyle/>
+          <a:p>
+            <a:pPr algn="ctr" rtl="0"/>
+            <a:r>
+              <a:rPr lang="en-US" dirty="0" err="1"/>
+              <a:t>Northwind.Products</a:t>
+            </a:r>
+            <a:endParaRPr lang="en-US" dirty="0"/>
+          </a:p>
+        </p:txBody>
+      </p:sp>
+      <p:sp>
+        <p:nvSpPr>
+          <p:cNvPr id="9" name="Rectangle 8"/>
+          <p:cNvSpPr/>
+          <p:nvPr/>
+        </p:nvSpPr>
+        <p:spPr>
+          <a:xfrm>
+            <a:off x="1631504" y="1580971"/>
+            <a:ext cx="8856984" cy="570979"/>
+          </a:xfrm>
+          <a:prstGeom prst="rect">
+            <a:avLst/>
+          </a:prstGeom>
+          <a:solidFill>
+            <a:schemeClr val="bg1">
+              <a:lumMod val="95000"/>
+            </a:schemeClr>
+          </a:solidFill>
+        </p:spPr>
+        <p:style>
+          <a:lnRef idx="1">
+            <a:schemeClr val="accent3"/>
+          </a:lnRef>
+          <a:fillRef idx="2">
+            <a:schemeClr val="accent3"/>
+          </a:fillRef>
+          <a:effectRef idx="1">
+            <a:schemeClr val="accent3"/>
+          </a:effectRef>
+          <a:fontRef idx="minor">
+            <a:schemeClr val="dk1"/>
+          </a:fontRef>
+        </p:style>
+        <p:txBody>
+          <a:bodyPr rot="0" spcFirstLastPara="0" vertOverflow="overflow" horzOverflow="overflow" vert="horz" wrap="square" lIns="91440" tIns="45720" rIns="91440" bIns="45720" numCol="1" spcCol="0" rtlCol="0" fromWordArt="0" anchor="t" anchorCtr="0" forceAA="0" compatLnSpc="1">
+            <a:prstTxWarp prst="textNoShape">
+              <a:avLst/>
+            </a:prstTxWarp>
+            <a:noAutofit/>
+          </a:bodyPr>
+          <a:lstStyle/>
+          <a:p>
+            <a:pPr algn="ctr" rtl="0"/>
+            <a:r>
+              <a:rPr lang="en-US" dirty="0" err="1">
+                <a:solidFill>
+                  <a:schemeClr val="bg1">
+                    <a:lumMod val="75000"/>
+                  </a:schemeClr>
+                </a:solidFill>
+              </a:rPr>
+              <a:t>Northwind</a:t>
+            </a:r>
+            <a:endParaRPr lang="en-US" dirty="0">
+              <a:solidFill>
+                <a:schemeClr val="bg1">
+                  <a:lumMod val="75000"/>
+                </a:schemeClr>
+              </a:solidFill>
+            </a:endParaRPr>
+          </a:p>
+        </p:txBody>
+      </p:sp>
+      <p:sp>
+        <p:nvSpPr>
+          <p:cNvPr id="10" name="Down Arrow 9"/>
+          <p:cNvSpPr/>
+          <p:nvPr/>
+        </p:nvSpPr>
+        <p:spPr>
+          <a:xfrm>
+            <a:off x="2682721" y="4687431"/>
+            <a:ext cx="484632" cy="373381"/>
+          </a:xfrm>
+          <a:prstGeom prst="downArrow">
+            <a:avLst/>
+          </a:prstGeom>
+        </p:spPr>
+        <p:style>
+          <a:lnRef idx="2">
+            <a:schemeClr val="accent1">
+              <a:shade val="50000"/>
+            </a:schemeClr>
+          </a:lnRef>
+          <a:fillRef idx="1">
+            <a:schemeClr val="accent1"/>
+          </a:fillRef>
+          <a:effectRef idx="0">
+            <a:schemeClr val="accent1"/>
+          </a:effectRef>
+          <a:fontRef idx="minor">
+            <a:schemeClr val="lt1"/>
+          </a:fontRef>
+        </p:style>
+        <p:txBody>
+          <a:bodyPr rot="0" spcFirstLastPara="0" vertOverflow="overflow" horzOverflow="overflow" vert="horz" wrap="square" lIns="91440" tIns="45720" rIns="91440" bIns="45720" numCol="1" spcCol="0" rtlCol="0" fromWordArt="0" anchor="ctr" anchorCtr="0" forceAA="0" compatLnSpc="1">
+            <a:prstTxWarp prst="textNoShape">
+              <a:avLst/>
+            </a:prstTxWarp>
+            <a:noAutofit/>
+          </a:bodyPr>
+          <a:lstStyle/>
+          <a:p>
+            <a:pPr algn="ctr"/>
+            <a:endParaRPr lang="en-US"/>
+          </a:p>
+        </p:txBody>
+      </p:sp>
+      <p:sp>
+        <p:nvSpPr>
+          <p:cNvPr id="11" name="Down Arrow 10"/>
+          <p:cNvSpPr/>
+          <p:nvPr/>
+        </p:nvSpPr>
+        <p:spPr>
+          <a:xfrm>
+            <a:off x="5817680" y="4683855"/>
+            <a:ext cx="484632" cy="373381"/>
+          </a:xfrm>
+          <a:prstGeom prst="downArrow">
+            <a:avLst/>
+          </a:prstGeom>
+        </p:spPr>
+        <p:style>
+          <a:lnRef idx="2">
+            <a:schemeClr val="accent1">
+              <a:shade val="50000"/>
+            </a:schemeClr>
+          </a:lnRef>
+          <a:fillRef idx="1">
+            <a:schemeClr val="accent1"/>
+          </a:fillRef>
+          <a:effectRef idx="0">
+            <a:schemeClr val="accent1"/>
+          </a:effectRef>
+          <a:fontRef idx="minor">
+            <a:schemeClr val="lt1"/>
+          </a:fontRef>
+        </p:style>
+        <p:txBody>
+          <a:bodyPr rot="0" spcFirstLastPara="0" vertOverflow="overflow" horzOverflow="overflow" vert="horz" wrap="square" lIns="91440" tIns="45720" rIns="91440" bIns="45720" numCol="1" spcCol="0" rtlCol="0" fromWordArt="0" anchor="ctr" anchorCtr="0" forceAA="0" compatLnSpc="1">
+            <a:prstTxWarp prst="textNoShape">
+              <a:avLst/>
+            </a:prstTxWarp>
+            <a:noAutofit/>
+          </a:bodyPr>
+          <a:lstStyle/>
+          <a:p>
+            <a:pPr algn="ctr"/>
+            <a:endParaRPr lang="en-US"/>
+          </a:p>
+        </p:txBody>
+      </p:sp>
+      <p:sp>
+        <p:nvSpPr>
+          <p:cNvPr id="12" name="Down Arrow 11"/>
+          <p:cNvSpPr/>
+          <p:nvPr/>
+        </p:nvSpPr>
+        <p:spPr>
+          <a:xfrm>
+            <a:off x="8899502" y="4649103"/>
+            <a:ext cx="484632" cy="373381"/>
+          </a:xfrm>
+          <a:prstGeom prst="downArrow">
+            <a:avLst/>
+          </a:prstGeom>
+        </p:spPr>
+        <p:style>
+          <a:lnRef idx="2">
+            <a:schemeClr val="accent1">
+              <a:shade val="50000"/>
+            </a:schemeClr>
+          </a:lnRef>
+          <a:fillRef idx="1">
+            <a:schemeClr val="accent1"/>
+          </a:fillRef>
+          <a:effectRef idx="0">
+            <a:schemeClr val="accent1"/>
+          </a:effectRef>
+          <a:fontRef idx="minor">
+            <a:schemeClr val="lt1"/>
+          </a:fontRef>
+        </p:style>
+        <p:txBody>
+          <a:bodyPr rot="0" spcFirstLastPara="0" vertOverflow="overflow" horzOverflow="overflow" vert="horz" wrap="square" lIns="91440" tIns="45720" rIns="91440" bIns="45720" numCol="1" spcCol="0" rtlCol="0" fromWordArt="0" anchor="ctr" anchorCtr="0" forceAA="0" compatLnSpc="1">
+            <a:prstTxWarp prst="textNoShape">
+              <a:avLst/>
+            </a:prstTxWarp>
+            <a:noAutofit/>
+          </a:bodyPr>
+          <a:lstStyle/>
+          <a:p>
+            <a:pPr algn="ctr"/>
+            <a:endParaRPr lang="en-US"/>
+          </a:p>
+        </p:txBody>
+      </p:sp>
+      <p:sp>
+        <p:nvSpPr>
+          <p:cNvPr id="13" name="Down Arrow 12"/>
+          <p:cNvSpPr/>
+          <p:nvPr/>
+        </p:nvSpPr>
+        <p:spPr>
+          <a:xfrm>
+            <a:off x="8893647" y="2332077"/>
+            <a:ext cx="484632" cy="373381"/>
+          </a:xfrm>
+          <a:prstGeom prst="downArrow">
+            <a:avLst/>
+          </a:prstGeom>
+        </p:spPr>
+        <p:style>
+          <a:lnRef idx="2">
+            <a:schemeClr val="accent1">
+              <a:shade val="50000"/>
+            </a:schemeClr>
+          </a:lnRef>
+          <a:fillRef idx="1">
+            <a:schemeClr val="accent1"/>
+          </a:fillRef>
+          <a:effectRef idx="0">
+            <a:schemeClr val="accent1"/>
+          </a:effectRef>
+          <a:fontRef idx="minor">
+            <a:schemeClr val="lt1"/>
+          </a:fontRef>
+        </p:style>
+        <p:txBody>
+          <a:bodyPr rot="0" spcFirstLastPara="0" vertOverflow="overflow" horzOverflow="overflow" vert="horz" wrap="square" lIns="91440" tIns="45720" rIns="91440" bIns="45720" numCol="1" spcCol="0" rtlCol="0" fromWordArt="0" anchor="ctr" anchorCtr="0" forceAA="0" compatLnSpc="1">
+            <a:prstTxWarp prst="textNoShape">
+              <a:avLst/>
+            </a:prstTxWarp>
+            <a:noAutofit/>
+          </a:bodyPr>
+          <a:lstStyle/>
+          <a:p>
+            <a:pPr algn="ctr"/>
+            <a:endParaRPr lang="en-US"/>
+          </a:p>
+        </p:txBody>
+      </p:sp>
+      <p:sp>
+        <p:nvSpPr>
+          <p:cNvPr id="14" name="Down Arrow 13"/>
+          <p:cNvSpPr/>
+          <p:nvPr/>
+        </p:nvSpPr>
+        <p:spPr>
+          <a:xfrm>
+            <a:off x="5817680" y="2315282"/>
+            <a:ext cx="484632" cy="373381"/>
+          </a:xfrm>
+          <a:prstGeom prst="downArrow">
+            <a:avLst/>
+          </a:prstGeom>
+        </p:spPr>
+        <p:style>
+          <a:lnRef idx="2">
+            <a:schemeClr val="accent1">
+              <a:shade val="50000"/>
+            </a:schemeClr>
+          </a:lnRef>
+          <a:fillRef idx="1">
+            <a:schemeClr val="accent1"/>
+          </a:fillRef>
+          <a:effectRef idx="0">
+            <a:schemeClr val="accent1"/>
+          </a:effectRef>
+          <a:fontRef idx="minor">
+            <a:schemeClr val="lt1"/>
+          </a:fontRef>
+        </p:style>
+        <p:txBody>
+          <a:bodyPr rot="0" spcFirstLastPara="0" vertOverflow="overflow" horzOverflow="overflow" vert="horz" wrap="square" lIns="91440" tIns="45720" rIns="91440" bIns="45720" numCol="1" spcCol="0" rtlCol="0" fromWordArt="0" anchor="ctr" anchorCtr="0" forceAA="0" compatLnSpc="1">
+            <a:prstTxWarp prst="textNoShape">
+              <a:avLst/>
+            </a:prstTxWarp>
+            <a:noAutofit/>
+          </a:bodyPr>
+          <a:lstStyle/>
+          <a:p>
+            <a:pPr algn="ctr"/>
+            <a:endParaRPr lang="en-US"/>
+          </a:p>
+        </p:txBody>
+      </p:sp>
+      <p:sp>
+        <p:nvSpPr>
+          <p:cNvPr id="15" name="Down Arrow 14"/>
+          <p:cNvSpPr/>
+          <p:nvPr/>
+        </p:nvSpPr>
+        <p:spPr>
+          <a:xfrm>
+            <a:off x="2682721" y="2305646"/>
+            <a:ext cx="484632" cy="373381"/>
+          </a:xfrm>
+          <a:prstGeom prst="downArrow">
+            <a:avLst/>
+          </a:prstGeom>
+        </p:spPr>
+        <p:style>
+          <a:lnRef idx="2">
+            <a:schemeClr val="accent1">
+              <a:shade val="50000"/>
+            </a:schemeClr>
+          </a:lnRef>
+          <a:fillRef idx="1">
+            <a:schemeClr val="accent1"/>
+          </a:fillRef>
+          <a:effectRef idx="0">
+            <a:schemeClr val="accent1"/>
+          </a:effectRef>
+          <a:fontRef idx="minor">
+            <a:schemeClr val="lt1"/>
+          </a:fontRef>
+        </p:style>
+        <p:txBody>
+          <a:bodyPr rot="0" spcFirstLastPara="0" vertOverflow="overflow" horzOverflow="overflow" vert="horz" wrap="square" lIns="91440" tIns="45720" rIns="91440" bIns="45720" numCol="1" spcCol="0" rtlCol="0" fromWordArt="0" anchor="ctr" anchorCtr="0" forceAA="0" compatLnSpc="1">
+            <a:prstTxWarp prst="textNoShape">
+              <a:avLst/>
+            </a:prstTxWarp>
+            <a:noAutofit/>
+          </a:bodyPr>
+          <a:lstStyle/>
+          <a:p>
+            <a:pPr algn="ctr"/>
+            <a:endParaRPr lang="en-US"/>
+          </a:p>
+        </p:txBody>
+      </p:sp>
+    </p:spTree>
+    <p:extLst>
+      <p:ext uri="{BB962C8B-B14F-4D97-AF65-F5344CB8AC3E}">
+        <p14:creationId xmlns:p14="http://schemas.microsoft.com/office/powerpoint/2010/main" val="3865169541"/>
+      </p:ext>
+    </p:extLst>
+  </p:cSld>
+  <p:clrMapOvr>
+    <a:masterClrMapping/>
+  </p:clrMapOvr>
+  <p:timing>
+    <p:tnLst>
+      <p:par>
+        <p:cTn id="1" dur="indefinite" restart="never" nodeType="tmRoot"/>
+      </p:par>
+    </p:tnLst>
+  </p:timing>
+</p:sld>
+</file>
+
+<file path=ppt/slides/slide18.xml><?xml version="1.0" encoding="utf-8"?>
+<p:sld xmlns:a="http://schemas.openxmlformats.org/drawingml/2006/main" xmlns:r="http://schemas.openxmlformats.org/officeDocument/2006/relationships" xmlns:p="http://schemas.openxmlformats.org/presentationml/2006/main">
+  <p:cSld>
+    <p:spTree>
+      <p:nvGrpSpPr>
+        <p:cNvPr id="1" name=""/>
+        <p:cNvGrpSpPr/>
+        <p:nvPr/>
+      </p:nvGrpSpPr>
+      <p:grpSpPr>
+        <a:xfrm>
+          <a:off x="0" y="0"/>
+          <a:ext cx="0" cy="0"/>
+          <a:chOff x="0" y="0"/>
+          <a:chExt cx="0" cy="0"/>
+        </a:xfrm>
+      </p:grpSpPr>
+      <p:sp>
+        <p:nvSpPr>
+          <p:cNvPr id="2" name="Title 1"/>
+          <p:cNvSpPr>
+            <a:spLocks noGrp="1"/>
+          </p:cNvSpPr>
+          <p:nvPr>
+            <p:ph type="title"/>
+          </p:nvPr>
+        </p:nvSpPr>
+        <p:spPr/>
+        <p:txBody>
+          <a:bodyPr/>
+          <a:lstStyle/>
+          <a:p>
+            <a:r>
+              <a:rPr lang="en-US" dirty="0" err="1" smtClean="0"/>
+              <a:t>NorthwinD.Customers</a:t>
+            </a:r>
+            <a:endParaRPr lang="en-US" dirty="0"/>
+          </a:p>
+        </p:txBody>
+      </p:sp>
+      <p:sp>
+        <p:nvSpPr>
+          <p:cNvPr id="4" name="Slide Number Placeholder 3"/>
+          <p:cNvSpPr>
+            <a:spLocks noGrp="1"/>
+          </p:cNvSpPr>
+          <p:nvPr>
+            <p:ph type="sldNum" sz="quarter" idx="12"/>
+          </p:nvPr>
+        </p:nvSpPr>
+        <p:spPr/>
+        <p:txBody>
+          <a:bodyPr/>
+          <a:lstStyle/>
+          <a:p>
+            <a:pPr>
+              <a:defRPr/>
+            </a:pPr>
+            <a:fld id="{C5A4A91C-EC18-4A23-96E0-5487FD4C836A}" type="slidenum">
+              <a:rPr lang="he-IL" smtClean="0"/>
+              <a:pPr>
+                <a:defRPr/>
+              </a:pPr>
+              <a:t>18</a:t>
+            </a:fld>
+            <a:endParaRPr lang="en-US" dirty="0"/>
+          </a:p>
+        </p:txBody>
+      </p:sp>
+      <p:sp>
+        <p:nvSpPr>
+          <p:cNvPr id="5" name="Rectangle 4"/>
+          <p:cNvSpPr/>
+          <p:nvPr/>
+        </p:nvSpPr>
+        <p:spPr>
+          <a:xfrm>
+            <a:off x="1631504" y="5157192"/>
+            <a:ext cx="8856984" cy="936104"/>
+          </a:xfrm>
+          <a:prstGeom prst="rect">
+            <a:avLst/>
+          </a:prstGeom>
+        </p:spPr>
+        <p:style>
+          <a:lnRef idx="1">
+            <a:schemeClr val="accent3"/>
+          </a:lnRef>
+          <a:fillRef idx="2">
+            <a:schemeClr val="accent3"/>
+          </a:fillRef>
+          <a:effectRef idx="1">
+            <a:schemeClr val="accent3"/>
+          </a:effectRef>
+          <a:fontRef idx="minor">
+            <a:schemeClr val="dk1"/>
+          </a:fontRef>
+        </p:style>
+        <p:txBody>
+          <a:bodyPr rot="0" spcFirstLastPara="0" vertOverflow="overflow" horzOverflow="overflow" vert="horz" wrap="square" lIns="91440" tIns="45720" rIns="91440" bIns="45720" numCol="1" spcCol="0" rtlCol="0" fromWordArt="0" anchor="t" anchorCtr="0" forceAA="0" compatLnSpc="1">
+            <a:prstTxWarp prst="textNoShape">
+              <a:avLst/>
+            </a:prstTxWarp>
+            <a:noAutofit/>
+          </a:bodyPr>
+          <a:lstStyle/>
+          <a:p>
+            <a:pPr algn="ctr" rtl="0"/>
+            <a:r>
+              <a:rPr lang="en-US" dirty="0" err="1"/>
+              <a:t>NorthwindBase</a:t>
+            </a:r>
+            <a:endParaRPr lang="en-US" dirty="0"/>
+          </a:p>
+        </p:txBody>
+      </p:sp>
+      <p:sp>
+        <p:nvSpPr>
+          <p:cNvPr id="6" name="Rectangle 5"/>
+          <p:cNvSpPr/>
+          <p:nvPr/>
+        </p:nvSpPr>
+        <p:spPr>
+          <a:xfrm>
+            <a:off x="7605557" y="2867124"/>
+            <a:ext cx="2880360" cy="1691640"/>
+          </a:xfrm>
+          <a:prstGeom prst="rect">
+            <a:avLst/>
+          </a:prstGeom>
+          <a:solidFill>
+            <a:schemeClr val="bg1">
+              <a:lumMod val="95000"/>
+            </a:schemeClr>
+          </a:solidFill>
+        </p:spPr>
+        <p:style>
+          <a:lnRef idx="1">
+            <a:schemeClr val="accent3"/>
+          </a:lnRef>
+          <a:fillRef idx="2">
+            <a:schemeClr val="accent3"/>
+          </a:fillRef>
+          <a:effectRef idx="1">
+            <a:schemeClr val="accent3"/>
+          </a:effectRef>
+          <a:fontRef idx="minor">
+            <a:schemeClr val="dk1"/>
+          </a:fontRef>
+        </p:style>
+        <p:txBody>
+          <a:bodyPr rot="0" spcFirstLastPara="0" vertOverflow="overflow" horzOverflow="overflow" vert="horz" wrap="square" lIns="91440" tIns="45720" rIns="91440" bIns="45720" numCol="1" spcCol="0" rtlCol="0" fromWordArt="0" anchor="t" anchorCtr="0" forceAA="0" compatLnSpc="1">
+            <a:prstTxWarp prst="textNoShape">
+              <a:avLst/>
+            </a:prstTxWarp>
+            <a:noAutofit/>
+          </a:bodyPr>
+          <a:lstStyle/>
+          <a:p>
+            <a:pPr algn="ctr" rtl="0"/>
+            <a:r>
+              <a:rPr lang="en-US" dirty="0" err="1">
+                <a:solidFill>
+                  <a:schemeClr val="bg1">
+                    <a:lumMod val="75000"/>
+                  </a:schemeClr>
+                </a:solidFill>
+              </a:rPr>
+              <a:t>Northwind.Orders</a:t>
+            </a:r>
+            <a:endParaRPr lang="en-US" dirty="0">
+              <a:solidFill>
+                <a:schemeClr val="bg1">
+                  <a:lumMod val="75000"/>
+                </a:schemeClr>
+              </a:solidFill>
+            </a:endParaRPr>
+          </a:p>
+        </p:txBody>
+      </p:sp>
+      <p:sp>
+        <p:nvSpPr>
+          <p:cNvPr id="7" name="Rectangle 6"/>
+          <p:cNvSpPr/>
+          <p:nvPr/>
+        </p:nvSpPr>
+        <p:spPr>
+          <a:xfrm>
+            <a:off x="4617225" y="2852936"/>
+            <a:ext cx="2880360" cy="1691640"/>
+          </a:xfrm>
+          <a:prstGeom prst="rect">
+            <a:avLst/>
+          </a:prstGeom>
+        </p:spPr>
+        <p:style>
+          <a:lnRef idx="1">
+            <a:schemeClr val="accent3"/>
+          </a:lnRef>
+          <a:fillRef idx="2">
+            <a:schemeClr val="accent3"/>
+          </a:fillRef>
+          <a:effectRef idx="1">
+            <a:schemeClr val="accent3"/>
+          </a:effectRef>
+          <a:fontRef idx="minor">
+            <a:schemeClr val="dk1"/>
+          </a:fontRef>
+        </p:style>
+        <p:txBody>
+          <a:bodyPr rot="0" spcFirstLastPara="0" vertOverflow="overflow" horzOverflow="overflow" vert="horz" wrap="square" lIns="91440" tIns="45720" rIns="91440" bIns="45720" numCol="1" spcCol="0" rtlCol="0" fromWordArt="0" anchor="t" anchorCtr="0" forceAA="0" compatLnSpc="1">
+            <a:prstTxWarp prst="textNoShape">
+              <a:avLst/>
+            </a:prstTxWarp>
+            <a:noAutofit/>
+          </a:bodyPr>
+          <a:lstStyle/>
+          <a:p>
+            <a:pPr algn="ctr" rtl="0"/>
+            <a:r>
+              <a:rPr lang="en-US" dirty="0" err="1"/>
+              <a:t>Northwind.Customers</a:t>
+            </a:r>
+            <a:endParaRPr lang="en-US" dirty="0"/>
+          </a:p>
+        </p:txBody>
+      </p:sp>
+      <p:sp>
+        <p:nvSpPr>
+          <p:cNvPr id="8" name="Rectangle 7"/>
+          <p:cNvSpPr/>
+          <p:nvPr/>
+        </p:nvSpPr>
+        <p:spPr>
+          <a:xfrm>
+            <a:off x="1628893" y="2852936"/>
+            <a:ext cx="2880360" cy="1691640"/>
+          </a:xfrm>
+          <a:prstGeom prst="rect">
+            <a:avLst/>
+          </a:prstGeom>
+          <a:solidFill>
+            <a:schemeClr val="bg1">
+              <a:lumMod val="95000"/>
+            </a:schemeClr>
+          </a:solidFill>
+        </p:spPr>
+        <p:style>
+          <a:lnRef idx="1">
+            <a:schemeClr val="accent3"/>
+          </a:lnRef>
+          <a:fillRef idx="2">
+            <a:schemeClr val="accent3"/>
+          </a:fillRef>
+          <a:effectRef idx="1">
+            <a:schemeClr val="accent3"/>
+          </a:effectRef>
+          <a:fontRef idx="minor">
+            <a:schemeClr val="dk1"/>
+          </a:fontRef>
+        </p:style>
+        <p:txBody>
+          <a:bodyPr rot="0" spcFirstLastPara="0" vertOverflow="overflow" horzOverflow="overflow" vert="horz" wrap="square" lIns="91440" tIns="45720" rIns="91440" bIns="45720" numCol="1" spcCol="0" rtlCol="0" fromWordArt="0" anchor="t" anchorCtr="0" forceAA="0" compatLnSpc="1">
+            <a:prstTxWarp prst="textNoShape">
+              <a:avLst/>
+            </a:prstTxWarp>
+            <a:noAutofit/>
+          </a:bodyPr>
+          <a:lstStyle/>
+          <a:p>
+            <a:pPr algn="ctr" rtl="0"/>
+            <a:r>
+              <a:rPr lang="en-US" dirty="0" err="1">
+                <a:solidFill>
+                  <a:schemeClr val="bg1">
+                    <a:lumMod val="75000"/>
+                  </a:schemeClr>
+                </a:solidFill>
+              </a:rPr>
+              <a:t>Northwind.Products</a:t>
+            </a:r>
+            <a:endParaRPr lang="en-US" dirty="0">
+              <a:solidFill>
+                <a:schemeClr val="bg1">
+                  <a:lumMod val="75000"/>
+                </a:schemeClr>
+              </a:solidFill>
+            </a:endParaRPr>
+          </a:p>
+        </p:txBody>
+      </p:sp>
+      <p:sp>
+        <p:nvSpPr>
+          <p:cNvPr id="9" name="Rectangle 8"/>
+          <p:cNvSpPr/>
+          <p:nvPr/>
+        </p:nvSpPr>
+        <p:spPr>
+          <a:xfrm>
+            <a:off x="1631504" y="1580971"/>
+            <a:ext cx="8856984" cy="570979"/>
+          </a:xfrm>
+          <a:prstGeom prst="rect">
+            <a:avLst/>
+          </a:prstGeom>
+          <a:solidFill>
+            <a:schemeClr val="bg1">
+              <a:lumMod val="95000"/>
+            </a:schemeClr>
+          </a:solidFill>
+        </p:spPr>
+        <p:style>
+          <a:lnRef idx="1">
+            <a:schemeClr val="accent3"/>
+          </a:lnRef>
+          <a:fillRef idx="2">
+            <a:schemeClr val="accent3"/>
+          </a:fillRef>
+          <a:effectRef idx="1">
+            <a:schemeClr val="accent3"/>
+          </a:effectRef>
+          <a:fontRef idx="minor">
+            <a:schemeClr val="dk1"/>
+          </a:fontRef>
+        </p:style>
+        <p:txBody>
+          <a:bodyPr rot="0" spcFirstLastPara="0" vertOverflow="overflow" horzOverflow="overflow" vert="horz" wrap="square" lIns="91440" tIns="45720" rIns="91440" bIns="45720" numCol="1" spcCol="0" rtlCol="0" fromWordArt="0" anchor="t" anchorCtr="0" forceAA="0" compatLnSpc="1">
+            <a:prstTxWarp prst="textNoShape">
+              <a:avLst/>
+            </a:prstTxWarp>
+            <a:noAutofit/>
+          </a:bodyPr>
+          <a:lstStyle/>
+          <a:p>
+            <a:pPr algn="ctr" rtl="0"/>
+            <a:r>
+              <a:rPr lang="en-US" dirty="0" err="1">
+                <a:solidFill>
+                  <a:schemeClr val="bg1">
+                    <a:lumMod val="75000"/>
+                  </a:schemeClr>
+                </a:solidFill>
+              </a:rPr>
+              <a:t>Northwind</a:t>
+            </a:r>
+            <a:endParaRPr lang="en-US" dirty="0">
+              <a:solidFill>
+                <a:schemeClr val="bg1">
+                  <a:lumMod val="75000"/>
+                </a:schemeClr>
+              </a:solidFill>
+            </a:endParaRPr>
+          </a:p>
+        </p:txBody>
+      </p:sp>
+      <p:sp>
+        <p:nvSpPr>
+          <p:cNvPr id="10" name="Down Arrow 9"/>
+          <p:cNvSpPr/>
+          <p:nvPr/>
+        </p:nvSpPr>
+        <p:spPr>
+          <a:xfrm>
+            <a:off x="2682721" y="4687431"/>
+            <a:ext cx="484632" cy="373381"/>
+          </a:xfrm>
+          <a:prstGeom prst="downArrow">
+            <a:avLst/>
+          </a:prstGeom>
+        </p:spPr>
+        <p:style>
+          <a:lnRef idx="2">
+            <a:schemeClr val="accent1">
+              <a:shade val="50000"/>
+            </a:schemeClr>
+          </a:lnRef>
+          <a:fillRef idx="1">
+            <a:schemeClr val="accent1"/>
+          </a:fillRef>
+          <a:effectRef idx="0">
+            <a:schemeClr val="accent1"/>
+          </a:effectRef>
+          <a:fontRef idx="minor">
+            <a:schemeClr val="lt1"/>
+          </a:fontRef>
+        </p:style>
+        <p:txBody>
+          <a:bodyPr rot="0" spcFirstLastPara="0" vertOverflow="overflow" horzOverflow="overflow" vert="horz" wrap="square" lIns="91440" tIns="45720" rIns="91440" bIns="45720" numCol="1" spcCol="0" rtlCol="0" fromWordArt="0" anchor="ctr" anchorCtr="0" forceAA="0" compatLnSpc="1">
+            <a:prstTxWarp prst="textNoShape">
+              <a:avLst/>
+            </a:prstTxWarp>
+            <a:noAutofit/>
+          </a:bodyPr>
+          <a:lstStyle/>
+          <a:p>
+            <a:pPr algn="ctr"/>
+            <a:endParaRPr lang="en-US"/>
+          </a:p>
+        </p:txBody>
+      </p:sp>
+      <p:sp>
+        <p:nvSpPr>
+          <p:cNvPr id="11" name="Down Arrow 10"/>
+          <p:cNvSpPr/>
+          <p:nvPr/>
+        </p:nvSpPr>
+        <p:spPr>
+          <a:xfrm>
+            <a:off x="5817680" y="4683855"/>
+            <a:ext cx="484632" cy="373381"/>
+          </a:xfrm>
+          <a:prstGeom prst="downArrow">
+            <a:avLst/>
+          </a:prstGeom>
+        </p:spPr>
+        <p:style>
+          <a:lnRef idx="2">
+            <a:schemeClr val="accent1">
+              <a:shade val="50000"/>
+            </a:schemeClr>
+          </a:lnRef>
+          <a:fillRef idx="1">
+            <a:schemeClr val="accent1"/>
+          </a:fillRef>
+          <a:effectRef idx="0">
+            <a:schemeClr val="accent1"/>
+          </a:effectRef>
+          <a:fontRef idx="minor">
+            <a:schemeClr val="lt1"/>
+          </a:fontRef>
+        </p:style>
+        <p:txBody>
+          <a:bodyPr rot="0" spcFirstLastPara="0" vertOverflow="overflow" horzOverflow="overflow" vert="horz" wrap="square" lIns="91440" tIns="45720" rIns="91440" bIns="45720" numCol="1" spcCol="0" rtlCol="0" fromWordArt="0" anchor="ctr" anchorCtr="0" forceAA="0" compatLnSpc="1">
+            <a:prstTxWarp prst="textNoShape">
+              <a:avLst/>
+            </a:prstTxWarp>
+            <a:noAutofit/>
+          </a:bodyPr>
+          <a:lstStyle/>
+          <a:p>
+            <a:pPr algn="ctr"/>
+            <a:endParaRPr lang="en-US"/>
+          </a:p>
+        </p:txBody>
+      </p:sp>
+      <p:sp>
+        <p:nvSpPr>
+          <p:cNvPr id="12" name="Down Arrow 11"/>
+          <p:cNvSpPr/>
+          <p:nvPr/>
+        </p:nvSpPr>
+        <p:spPr>
+          <a:xfrm>
+            <a:off x="8899502" y="4649103"/>
+            <a:ext cx="484632" cy="373381"/>
+          </a:xfrm>
+          <a:prstGeom prst="downArrow">
+            <a:avLst/>
+          </a:prstGeom>
+        </p:spPr>
+        <p:style>
+          <a:lnRef idx="2">
+            <a:schemeClr val="accent1">
+              <a:shade val="50000"/>
+            </a:schemeClr>
+          </a:lnRef>
+          <a:fillRef idx="1">
+            <a:schemeClr val="accent1"/>
+          </a:fillRef>
+          <a:effectRef idx="0">
+            <a:schemeClr val="accent1"/>
+          </a:effectRef>
+          <a:fontRef idx="minor">
+            <a:schemeClr val="lt1"/>
+          </a:fontRef>
+        </p:style>
+        <p:txBody>
+          <a:bodyPr rot="0" spcFirstLastPara="0" vertOverflow="overflow" horzOverflow="overflow" vert="horz" wrap="square" lIns="91440" tIns="45720" rIns="91440" bIns="45720" numCol="1" spcCol="0" rtlCol="0" fromWordArt="0" anchor="ctr" anchorCtr="0" forceAA="0" compatLnSpc="1">
+            <a:prstTxWarp prst="textNoShape">
+              <a:avLst/>
+            </a:prstTxWarp>
+            <a:noAutofit/>
+          </a:bodyPr>
+          <a:lstStyle/>
+          <a:p>
+            <a:pPr algn="ctr"/>
+            <a:endParaRPr lang="en-US"/>
+          </a:p>
+        </p:txBody>
+      </p:sp>
+      <p:sp>
+        <p:nvSpPr>
+          <p:cNvPr id="13" name="Down Arrow 12"/>
+          <p:cNvSpPr/>
+          <p:nvPr/>
+        </p:nvSpPr>
+        <p:spPr>
+          <a:xfrm>
+            <a:off x="8893647" y="2332077"/>
+            <a:ext cx="484632" cy="373381"/>
+          </a:xfrm>
+          <a:prstGeom prst="downArrow">
+            <a:avLst/>
+          </a:prstGeom>
+        </p:spPr>
+        <p:style>
+          <a:lnRef idx="2">
+            <a:schemeClr val="accent1">
+              <a:shade val="50000"/>
+            </a:schemeClr>
+          </a:lnRef>
+          <a:fillRef idx="1">
+            <a:schemeClr val="accent1"/>
+          </a:fillRef>
+          <a:effectRef idx="0">
+            <a:schemeClr val="accent1"/>
+          </a:effectRef>
+          <a:fontRef idx="minor">
+            <a:schemeClr val="lt1"/>
+          </a:fontRef>
+        </p:style>
+        <p:txBody>
+          <a:bodyPr rot="0" spcFirstLastPara="0" vertOverflow="overflow" horzOverflow="overflow" vert="horz" wrap="square" lIns="91440" tIns="45720" rIns="91440" bIns="45720" numCol="1" spcCol="0" rtlCol="0" fromWordArt="0" anchor="ctr" anchorCtr="0" forceAA="0" compatLnSpc="1">
+            <a:prstTxWarp prst="textNoShape">
+              <a:avLst/>
+            </a:prstTxWarp>
+            <a:noAutofit/>
+          </a:bodyPr>
+          <a:lstStyle/>
+          <a:p>
+            <a:pPr algn="ctr"/>
+            <a:endParaRPr lang="en-US"/>
+          </a:p>
+        </p:txBody>
+      </p:sp>
+      <p:sp>
+        <p:nvSpPr>
+          <p:cNvPr id="14" name="Down Arrow 13"/>
+          <p:cNvSpPr/>
+          <p:nvPr/>
+        </p:nvSpPr>
+        <p:spPr>
+          <a:xfrm>
+            <a:off x="5817680" y="2315282"/>
+            <a:ext cx="484632" cy="373381"/>
+          </a:xfrm>
+          <a:prstGeom prst="downArrow">
+            <a:avLst/>
+          </a:prstGeom>
+        </p:spPr>
+        <p:style>
+          <a:lnRef idx="2">
+            <a:schemeClr val="accent1">
+              <a:shade val="50000"/>
+            </a:schemeClr>
+          </a:lnRef>
+          <a:fillRef idx="1">
+            <a:schemeClr val="accent1"/>
+          </a:fillRef>
+          <a:effectRef idx="0">
+            <a:schemeClr val="accent1"/>
+          </a:effectRef>
+          <a:fontRef idx="minor">
+            <a:schemeClr val="lt1"/>
+          </a:fontRef>
+        </p:style>
+        <p:txBody>
+          <a:bodyPr rot="0" spcFirstLastPara="0" vertOverflow="overflow" horzOverflow="overflow" vert="horz" wrap="square" lIns="91440" tIns="45720" rIns="91440" bIns="45720" numCol="1" spcCol="0" rtlCol="0" fromWordArt="0" anchor="ctr" anchorCtr="0" forceAA="0" compatLnSpc="1">
+            <a:prstTxWarp prst="textNoShape">
+              <a:avLst/>
+            </a:prstTxWarp>
+            <a:noAutofit/>
+          </a:bodyPr>
+          <a:lstStyle/>
+          <a:p>
+            <a:pPr algn="ctr"/>
+            <a:endParaRPr lang="en-US"/>
+          </a:p>
+        </p:txBody>
+      </p:sp>
+      <p:sp>
+        <p:nvSpPr>
+          <p:cNvPr id="15" name="Down Arrow 14"/>
+          <p:cNvSpPr/>
+          <p:nvPr/>
+        </p:nvSpPr>
+        <p:spPr>
+          <a:xfrm>
+            <a:off x="2682721" y="2305646"/>
+            <a:ext cx="484632" cy="373381"/>
+          </a:xfrm>
+          <a:prstGeom prst="downArrow">
+            <a:avLst/>
+          </a:prstGeom>
+        </p:spPr>
+        <p:style>
+          <a:lnRef idx="2">
+            <a:schemeClr val="accent1">
+              <a:shade val="50000"/>
+            </a:schemeClr>
+          </a:lnRef>
+          <a:fillRef idx="1">
+            <a:schemeClr val="accent1"/>
+          </a:fillRef>
+          <a:effectRef idx="0">
+            <a:schemeClr val="accent1"/>
+          </a:effectRef>
+          <a:fontRef idx="minor">
+            <a:schemeClr val="lt1"/>
+          </a:fontRef>
+        </p:style>
+        <p:txBody>
+          <a:bodyPr rot="0" spcFirstLastPara="0" vertOverflow="overflow" horzOverflow="overflow" vert="horz" wrap="square" lIns="91440" tIns="45720" rIns="91440" bIns="45720" numCol="1" spcCol="0" rtlCol="0" fromWordArt="0" anchor="ctr" anchorCtr="0" forceAA="0" compatLnSpc="1">
+            <a:prstTxWarp prst="textNoShape">
+              <a:avLst/>
+            </a:prstTxWarp>
+            <a:noAutofit/>
+          </a:bodyPr>
+          <a:lstStyle/>
+          <a:p>
+            <a:pPr algn="ctr"/>
+            <a:endParaRPr lang="en-US"/>
+          </a:p>
+        </p:txBody>
+      </p:sp>
+    </p:spTree>
+    <p:extLst>
+      <p:ext uri="{BB962C8B-B14F-4D97-AF65-F5344CB8AC3E}">
+        <p14:creationId xmlns:p14="http://schemas.microsoft.com/office/powerpoint/2010/main" val="828263052"/>
+      </p:ext>
+    </p:extLst>
+  </p:cSld>
+  <p:clrMapOvr>
+    <a:masterClrMapping/>
+  </p:clrMapOvr>
+  <p:timing>
+    <p:tnLst>
+      <p:par>
+        <p:cTn id="1" dur="indefinite" restart="never" nodeType="tmRoot"/>
+      </p:par>
+    </p:tnLst>
+  </p:timing>
+</p:sld>
+</file>
+
+<file path=ppt/slides/slide19.xml><?xml version="1.0" encoding="utf-8"?>
+<p:sld xmlns:a="http://schemas.openxmlformats.org/drawingml/2006/main" xmlns:r="http://schemas.openxmlformats.org/officeDocument/2006/relationships" xmlns:p="http://schemas.openxmlformats.org/presentationml/2006/main">
+  <p:cSld>
+    <p:spTree>
+      <p:nvGrpSpPr>
+        <p:cNvPr id="1" name=""/>
+        <p:cNvGrpSpPr/>
+        <p:nvPr/>
+      </p:nvGrpSpPr>
+      <p:grpSpPr>
+        <a:xfrm>
+          <a:off x="0" y="0"/>
+          <a:ext cx="0" cy="0"/>
+          <a:chOff x="0" y="0"/>
+          <a:chExt cx="0" cy="0"/>
+        </a:xfrm>
+      </p:grpSpPr>
+      <p:sp>
+        <p:nvSpPr>
+          <p:cNvPr id="2" name="Title 1"/>
+          <p:cNvSpPr>
+            <a:spLocks noGrp="1"/>
+          </p:cNvSpPr>
+          <p:nvPr>
+            <p:ph type="title"/>
+          </p:nvPr>
+        </p:nvSpPr>
+        <p:spPr/>
+        <p:txBody>
+          <a:bodyPr/>
+          <a:lstStyle/>
+          <a:p>
+            <a:r>
+              <a:rPr lang="en-US" dirty="0" err="1" smtClean="0"/>
+              <a:t>NorthwinD.Orders</a:t>
+            </a:r>
+            <a:endParaRPr lang="en-US" dirty="0"/>
+          </a:p>
+        </p:txBody>
+      </p:sp>
+      <p:sp>
+        <p:nvSpPr>
+          <p:cNvPr id="4" name="Slide Number Placeholder 3"/>
+          <p:cNvSpPr>
+            <a:spLocks noGrp="1"/>
+          </p:cNvSpPr>
+          <p:nvPr>
+            <p:ph type="sldNum" sz="quarter" idx="12"/>
+          </p:nvPr>
+        </p:nvSpPr>
+        <p:spPr/>
+        <p:txBody>
+          <a:bodyPr/>
+          <a:lstStyle/>
+          <a:p>
+            <a:pPr>
+              <a:defRPr/>
+            </a:pPr>
+            <a:fld id="{C5A4A91C-EC18-4A23-96E0-5487FD4C836A}" type="slidenum">
+              <a:rPr lang="he-IL" smtClean="0"/>
+              <a:pPr>
+                <a:defRPr/>
+              </a:pPr>
+              <a:t>19</a:t>
+            </a:fld>
+            <a:endParaRPr lang="en-US" dirty="0"/>
+          </a:p>
+        </p:txBody>
+      </p:sp>
+      <p:sp>
+        <p:nvSpPr>
+          <p:cNvPr id="5" name="Rectangle 4"/>
+          <p:cNvSpPr/>
+          <p:nvPr/>
+        </p:nvSpPr>
+        <p:spPr>
+          <a:xfrm>
+            <a:off x="1631504" y="5157192"/>
+            <a:ext cx="8856984" cy="936104"/>
+          </a:xfrm>
+          <a:prstGeom prst="rect">
+            <a:avLst/>
+          </a:prstGeom>
+        </p:spPr>
+        <p:style>
+          <a:lnRef idx="1">
+            <a:schemeClr val="accent3"/>
+          </a:lnRef>
+          <a:fillRef idx="2">
+            <a:schemeClr val="accent3"/>
+          </a:fillRef>
+          <a:effectRef idx="1">
+            <a:schemeClr val="accent3"/>
+          </a:effectRef>
+          <a:fontRef idx="minor">
+            <a:schemeClr val="dk1"/>
+          </a:fontRef>
+        </p:style>
+        <p:txBody>
+          <a:bodyPr rot="0" spcFirstLastPara="0" vertOverflow="overflow" horzOverflow="overflow" vert="horz" wrap="square" lIns="91440" tIns="45720" rIns="91440" bIns="45720" numCol="1" spcCol="0" rtlCol="0" fromWordArt="0" anchor="t" anchorCtr="0" forceAA="0" compatLnSpc="1">
+            <a:prstTxWarp prst="textNoShape">
+              <a:avLst/>
+            </a:prstTxWarp>
+            <a:noAutofit/>
+          </a:bodyPr>
+          <a:lstStyle/>
+          <a:p>
+            <a:pPr algn="ctr" rtl="0"/>
+            <a:r>
+              <a:rPr lang="en-US" dirty="0" err="1"/>
+              <a:t>NorthwindBase</a:t>
+            </a:r>
+            <a:endParaRPr lang="en-US" dirty="0"/>
+          </a:p>
+        </p:txBody>
+      </p:sp>
+      <p:sp>
+        <p:nvSpPr>
+          <p:cNvPr id="6" name="Rectangle 5"/>
+          <p:cNvSpPr/>
+          <p:nvPr/>
+        </p:nvSpPr>
+        <p:spPr>
+          <a:xfrm>
+            <a:off x="7605557" y="2867124"/>
+            <a:ext cx="2880360" cy="1691640"/>
+          </a:xfrm>
+          <a:prstGeom prst="rect">
+            <a:avLst/>
+          </a:prstGeom>
+        </p:spPr>
+        <p:style>
+          <a:lnRef idx="1">
+            <a:schemeClr val="accent3"/>
+          </a:lnRef>
+          <a:fillRef idx="2">
+            <a:schemeClr val="accent3"/>
+          </a:fillRef>
+          <a:effectRef idx="1">
+            <a:schemeClr val="accent3"/>
+          </a:effectRef>
+          <a:fontRef idx="minor">
+            <a:schemeClr val="dk1"/>
+          </a:fontRef>
+        </p:style>
+        <p:txBody>
+          <a:bodyPr rot="0" spcFirstLastPara="0" vertOverflow="overflow" horzOverflow="overflow" vert="horz" wrap="square" lIns="91440" tIns="45720" rIns="91440" bIns="45720" numCol="1" spcCol="0" rtlCol="0" fromWordArt="0" anchor="t" anchorCtr="0" forceAA="0" compatLnSpc="1">
+            <a:prstTxWarp prst="textNoShape">
+              <a:avLst/>
+            </a:prstTxWarp>
+            <a:noAutofit/>
+          </a:bodyPr>
+          <a:lstStyle/>
+          <a:p>
+            <a:pPr algn="ctr" rtl="0"/>
+            <a:r>
+              <a:rPr lang="en-US" dirty="0" err="1"/>
+              <a:t>Northwind.Orders</a:t>
+            </a:r>
+            <a:endParaRPr lang="en-US" dirty="0"/>
+          </a:p>
+        </p:txBody>
+      </p:sp>
+      <p:sp>
+        <p:nvSpPr>
+          <p:cNvPr id="7" name="Rectangle 6"/>
+          <p:cNvSpPr/>
+          <p:nvPr/>
+        </p:nvSpPr>
+        <p:spPr>
+          <a:xfrm>
+            <a:off x="4617225" y="2852936"/>
+            <a:ext cx="2880360" cy="1691640"/>
+          </a:xfrm>
+          <a:prstGeom prst="rect">
+            <a:avLst/>
+          </a:prstGeom>
+          <a:solidFill>
+            <a:schemeClr val="bg1">
+              <a:lumMod val="95000"/>
+            </a:schemeClr>
+          </a:solidFill>
+        </p:spPr>
+        <p:style>
+          <a:lnRef idx="1">
+            <a:schemeClr val="accent3"/>
+          </a:lnRef>
+          <a:fillRef idx="2">
+            <a:schemeClr val="accent3"/>
+          </a:fillRef>
+          <a:effectRef idx="1">
+            <a:schemeClr val="accent3"/>
+          </a:effectRef>
+          <a:fontRef idx="minor">
+            <a:schemeClr val="dk1"/>
+          </a:fontRef>
+        </p:style>
+        <p:txBody>
+          <a:bodyPr rot="0" spcFirstLastPara="0" vertOverflow="overflow" horzOverflow="overflow" vert="horz" wrap="square" lIns="91440" tIns="45720" rIns="91440" bIns="45720" numCol="1" spcCol="0" rtlCol="0" fromWordArt="0" anchor="t" anchorCtr="0" forceAA="0" compatLnSpc="1">
+            <a:prstTxWarp prst="textNoShape">
+              <a:avLst/>
+            </a:prstTxWarp>
+            <a:noAutofit/>
+          </a:bodyPr>
+          <a:lstStyle/>
+          <a:p>
+            <a:pPr algn="ctr" rtl="0"/>
+            <a:r>
+              <a:rPr lang="en-US" dirty="0" err="1">
+                <a:solidFill>
+                  <a:schemeClr val="bg1">
+                    <a:lumMod val="75000"/>
+                  </a:schemeClr>
+                </a:solidFill>
+              </a:rPr>
+              <a:t>Northwind.Customers</a:t>
+            </a:r>
+            <a:endParaRPr lang="en-US" dirty="0">
+              <a:solidFill>
+                <a:schemeClr val="bg1">
+                  <a:lumMod val="75000"/>
+                </a:schemeClr>
+              </a:solidFill>
+            </a:endParaRPr>
+          </a:p>
+        </p:txBody>
+      </p:sp>
+      <p:sp>
+        <p:nvSpPr>
+          <p:cNvPr id="8" name="Rectangle 7"/>
+          <p:cNvSpPr/>
+          <p:nvPr/>
+        </p:nvSpPr>
+        <p:spPr>
+          <a:xfrm>
+            <a:off x="1628893" y="2852936"/>
+            <a:ext cx="2880360" cy="1691640"/>
+          </a:xfrm>
+          <a:prstGeom prst="rect">
+            <a:avLst/>
+          </a:prstGeom>
+          <a:solidFill>
+            <a:schemeClr val="bg1">
+              <a:lumMod val="95000"/>
+            </a:schemeClr>
+          </a:solidFill>
+        </p:spPr>
+        <p:style>
+          <a:lnRef idx="1">
+            <a:schemeClr val="accent3"/>
+          </a:lnRef>
+          <a:fillRef idx="2">
+            <a:schemeClr val="accent3"/>
+          </a:fillRef>
+          <a:effectRef idx="1">
+            <a:schemeClr val="accent3"/>
+          </a:effectRef>
+          <a:fontRef idx="minor">
+            <a:schemeClr val="dk1"/>
+          </a:fontRef>
+        </p:style>
+        <p:txBody>
+          <a:bodyPr rot="0" spcFirstLastPara="0" vertOverflow="overflow" horzOverflow="overflow" vert="horz" wrap="square" lIns="91440" tIns="45720" rIns="91440" bIns="45720" numCol="1" spcCol="0" rtlCol="0" fromWordArt="0" anchor="t" anchorCtr="0" forceAA="0" compatLnSpc="1">
+            <a:prstTxWarp prst="textNoShape">
+              <a:avLst/>
+            </a:prstTxWarp>
+            <a:noAutofit/>
+          </a:bodyPr>
+          <a:lstStyle/>
+          <a:p>
+            <a:pPr algn="ctr" rtl="0"/>
+            <a:r>
+              <a:rPr lang="en-US" dirty="0" err="1">
+                <a:solidFill>
+                  <a:schemeClr val="bg1">
+                    <a:lumMod val="75000"/>
+                  </a:schemeClr>
+                </a:solidFill>
+              </a:rPr>
+              <a:t>Northwind.Products</a:t>
+            </a:r>
+            <a:endParaRPr lang="en-US" dirty="0">
+              <a:solidFill>
+                <a:schemeClr val="bg1">
+                  <a:lumMod val="75000"/>
+                </a:schemeClr>
+              </a:solidFill>
+            </a:endParaRPr>
+          </a:p>
+        </p:txBody>
+      </p:sp>
+      <p:sp>
+        <p:nvSpPr>
+          <p:cNvPr id="9" name="Rectangle 8"/>
+          <p:cNvSpPr/>
+          <p:nvPr/>
+        </p:nvSpPr>
+        <p:spPr>
+          <a:xfrm>
+            <a:off x="1631504" y="1580971"/>
+            <a:ext cx="8856984" cy="570979"/>
+          </a:xfrm>
+          <a:prstGeom prst="rect">
+            <a:avLst/>
+          </a:prstGeom>
+          <a:solidFill>
+            <a:schemeClr val="bg1">
+              <a:lumMod val="95000"/>
+            </a:schemeClr>
+          </a:solidFill>
+        </p:spPr>
+        <p:style>
+          <a:lnRef idx="1">
+            <a:schemeClr val="accent3"/>
+          </a:lnRef>
+          <a:fillRef idx="2">
+            <a:schemeClr val="accent3"/>
+          </a:fillRef>
+          <a:effectRef idx="1">
+            <a:schemeClr val="accent3"/>
+          </a:effectRef>
+          <a:fontRef idx="minor">
+            <a:schemeClr val="dk1"/>
+          </a:fontRef>
+        </p:style>
+        <p:txBody>
+          <a:bodyPr rot="0" spcFirstLastPara="0" vertOverflow="overflow" horzOverflow="overflow" vert="horz" wrap="square" lIns="91440" tIns="45720" rIns="91440" bIns="45720" numCol="1" spcCol="0" rtlCol="0" fromWordArt="0" anchor="t" anchorCtr="0" forceAA="0" compatLnSpc="1">
+            <a:prstTxWarp prst="textNoShape">
+              <a:avLst/>
+            </a:prstTxWarp>
+            <a:noAutofit/>
+          </a:bodyPr>
+          <a:lstStyle/>
+          <a:p>
+            <a:pPr algn="ctr" rtl="0"/>
+            <a:r>
+              <a:rPr lang="en-US" dirty="0" err="1">
+                <a:solidFill>
+                  <a:schemeClr val="bg1">
+                    <a:lumMod val="75000"/>
+                  </a:schemeClr>
+                </a:solidFill>
+              </a:rPr>
+              <a:t>Northwind</a:t>
+            </a:r>
+            <a:endParaRPr lang="en-US" dirty="0">
+              <a:solidFill>
+                <a:schemeClr val="bg1">
+                  <a:lumMod val="75000"/>
+                </a:schemeClr>
+              </a:solidFill>
+            </a:endParaRPr>
+          </a:p>
+        </p:txBody>
+      </p:sp>
+      <p:sp>
+        <p:nvSpPr>
+          <p:cNvPr id="10" name="Down Arrow 9"/>
+          <p:cNvSpPr/>
+          <p:nvPr/>
+        </p:nvSpPr>
+        <p:spPr>
+          <a:xfrm>
+            <a:off x="2682721" y="4687431"/>
+            <a:ext cx="484632" cy="373381"/>
+          </a:xfrm>
+          <a:prstGeom prst="downArrow">
+            <a:avLst/>
+          </a:prstGeom>
+        </p:spPr>
+        <p:style>
+          <a:lnRef idx="2">
+            <a:schemeClr val="accent1">
+              <a:shade val="50000"/>
+            </a:schemeClr>
+          </a:lnRef>
+          <a:fillRef idx="1">
+            <a:schemeClr val="accent1"/>
+          </a:fillRef>
+          <a:effectRef idx="0">
+            <a:schemeClr val="accent1"/>
+          </a:effectRef>
+          <a:fontRef idx="minor">
+            <a:schemeClr val="lt1"/>
+          </a:fontRef>
+        </p:style>
+        <p:txBody>
+          <a:bodyPr rot="0" spcFirstLastPara="0" vertOverflow="overflow" horzOverflow="overflow" vert="horz" wrap="square" lIns="91440" tIns="45720" rIns="91440" bIns="45720" numCol="1" spcCol="0" rtlCol="0" fromWordArt="0" anchor="ctr" anchorCtr="0" forceAA="0" compatLnSpc="1">
+            <a:prstTxWarp prst="textNoShape">
+              <a:avLst/>
+            </a:prstTxWarp>
+            <a:noAutofit/>
+          </a:bodyPr>
+          <a:lstStyle/>
+          <a:p>
+            <a:pPr algn="ctr"/>
+            <a:endParaRPr lang="en-US"/>
+          </a:p>
+        </p:txBody>
+      </p:sp>
+      <p:sp>
+        <p:nvSpPr>
+          <p:cNvPr id="11" name="Down Arrow 10"/>
+          <p:cNvSpPr/>
+          <p:nvPr/>
+        </p:nvSpPr>
+        <p:spPr>
+          <a:xfrm>
+            <a:off x="5817680" y="4683855"/>
+            <a:ext cx="484632" cy="373381"/>
+          </a:xfrm>
+          <a:prstGeom prst="downArrow">
+            <a:avLst/>
+          </a:prstGeom>
+        </p:spPr>
+        <p:style>
+          <a:lnRef idx="2">
+            <a:schemeClr val="accent1">
+              <a:shade val="50000"/>
+            </a:schemeClr>
+          </a:lnRef>
+          <a:fillRef idx="1">
+            <a:schemeClr val="accent1"/>
+          </a:fillRef>
+          <a:effectRef idx="0">
+            <a:schemeClr val="accent1"/>
+          </a:effectRef>
+          <a:fontRef idx="minor">
+            <a:schemeClr val="lt1"/>
+          </a:fontRef>
+        </p:style>
+        <p:txBody>
+          <a:bodyPr rot="0" spcFirstLastPara="0" vertOverflow="overflow" horzOverflow="overflow" vert="horz" wrap="square" lIns="91440" tIns="45720" rIns="91440" bIns="45720" numCol="1" spcCol="0" rtlCol="0" fromWordArt="0" anchor="ctr" anchorCtr="0" forceAA="0" compatLnSpc="1">
+            <a:prstTxWarp prst="textNoShape">
+              <a:avLst/>
+            </a:prstTxWarp>
+            <a:noAutofit/>
+          </a:bodyPr>
+          <a:lstStyle/>
+          <a:p>
+            <a:pPr algn="ctr"/>
+            <a:endParaRPr lang="en-US"/>
+          </a:p>
+        </p:txBody>
+      </p:sp>
+      <p:sp>
+        <p:nvSpPr>
+          <p:cNvPr id="12" name="Down Arrow 11"/>
+          <p:cNvSpPr/>
+          <p:nvPr/>
+        </p:nvSpPr>
+        <p:spPr>
+          <a:xfrm>
+            <a:off x="8899502" y="4649103"/>
+            <a:ext cx="484632" cy="373381"/>
+          </a:xfrm>
+          <a:prstGeom prst="downArrow">
+            <a:avLst/>
+          </a:prstGeom>
+        </p:spPr>
+        <p:style>
+          <a:lnRef idx="2">
+            <a:schemeClr val="accent1">
+              <a:shade val="50000"/>
+            </a:schemeClr>
+          </a:lnRef>
+          <a:fillRef idx="1">
+            <a:schemeClr val="accent1"/>
+          </a:fillRef>
+          <a:effectRef idx="0">
+            <a:schemeClr val="accent1"/>
+          </a:effectRef>
+          <a:fontRef idx="minor">
+            <a:schemeClr val="lt1"/>
+          </a:fontRef>
+        </p:style>
+        <p:txBody>
+          <a:bodyPr rot="0" spcFirstLastPara="0" vertOverflow="overflow" horzOverflow="overflow" vert="horz" wrap="square" lIns="91440" tIns="45720" rIns="91440" bIns="45720" numCol="1" spcCol="0" rtlCol="0" fromWordArt="0" anchor="ctr" anchorCtr="0" forceAA="0" compatLnSpc="1">
+            <a:prstTxWarp prst="textNoShape">
+              <a:avLst/>
+            </a:prstTxWarp>
+            <a:noAutofit/>
+          </a:bodyPr>
+          <a:lstStyle/>
+          <a:p>
+            <a:pPr algn="ctr"/>
+            <a:endParaRPr lang="en-US"/>
+          </a:p>
+        </p:txBody>
+      </p:sp>
+      <p:sp>
+        <p:nvSpPr>
+          <p:cNvPr id="13" name="Down Arrow 12"/>
+          <p:cNvSpPr/>
+          <p:nvPr/>
+        </p:nvSpPr>
+        <p:spPr>
+          <a:xfrm>
+            <a:off x="8893647" y="2332077"/>
+            <a:ext cx="484632" cy="373381"/>
+          </a:xfrm>
+          <a:prstGeom prst="downArrow">
+            <a:avLst/>
+          </a:prstGeom>
+        </p:spPr>
+        <p:style>
+          <a:lnRef idx="2">
+            <a:schemeClr val="accent1">
+              <a:shade val="50000"/>
+            </a:schemeClr>
+          </a:lnRef>
+          <a:fillRef idx="1">
+            <a:schemeClr val="accent1"/>
+          </a:fillRef>
+          <a:effectRef idx="0">
+            <a:schemeClr val="accent1"/>
+          </a:effectRef>
+          <a:fontRef idx="minor">
+            <a:schemeClr val="lt1"/>
+          </a:fontRef>
+        </p:style>
+        <p:txBody>
+          <a:bodyPr rot="0" spcFirstLastPara="0" vertOverflow="overflow" horzOverflow="overflow" vert="horz" wrap="square" lIns="91440" tIns="45720" rIns="91440" bIns="45720" numCol="1" spcCol="0" rtlCol="0" fromWordArt="0" anchor="ctr" anchorCtr="0" forceAA="0" compatLnSpc="1">
+            <a:prstTxWarp prst="textNoShape">
+              <a:avLst/>
+            </a:prstTxWarp>
+            <a:noAutofit/>
+          </a:bodyPr>
+          <a:lstStyle/>
+          <a:p>
+            <a:pPr algn="ctr"/>
+            <a:endParaRPr lang="en-US"/>
+          </a:p>
+        </p:txBody>
+      </p:sp>
+      <p:sp>
+        <p:nvSpPr>
+          <p:cNvPr id="14" name="Down Arrow 13"/>
+          <p:cNvSpPr/>
+          <p:nvPr/>
+        </p:nvSpPr>
+        <p:spPr>
+          <a:xfrm>
+            <a:off x="5817680" y="2315282"/>
+            <a:ext cx="484632" cy="373381"/>
+          </a:xfrm>
+          <a:prstGeom prst="downArrow">
+            <a:avLst/>
+          </a:prstGeom>
+        </p:spPr>
+        <p:style>
+          <a:lnRef idx="2">
+            <a:schemeClr val="accent1">
+              <a:shade val="50000"/>
+            </a:schemeClr>
+          </a:lnRef>
+          <a:fillRef idx="1">
+            <a:schemeClr val="accent1"/>
+          </a:fillRef>
+          <a:effectRef idx="0">
+            <a:schemeClr val="accent1"/>
+          </a:effectRef>
+          <a:fontRef idx="minor">
+            <a:schemeClr val="lt1"/>
+          </a:fontRef>
+        </p:style>
+        <p:txBody>
+          <a:bodyPr rot="0" spcFirstLastPara="0" vertOverflow="overflow" horzOverflow="overflow" vert="horz" wrap="square" lIns="91440" tIns="45720" rIns="91440" bIns="45720" numCol="1" spcCol="0" rtlCol="0" fromWordArt="0" anchor="ctr" anchorCtr="0" forceAA="0" compatLnSpc="1">
+            <a:prstTxWarp prst="textNoShape">
+              <a:avLst/>
+            </a:prstTxWarp>
+            <a:noAutofit/>
+          </a:bodyPr>
+          <a:lstStyle/>
+          <a:p>
+            <a:pPr algn="ctr"/>
+            <a:endParaRPr lang="en-US"/>
+          </a:p>
+        </p:txBody>
+      </p:sp>
+      <p:sp>
+        <p:nvSpPr>
+          <p:cNvPr id="15" name="Down Arrow 14"/>
+          <p:cNvSpPr/>
+          <p:nvPr/>
+        </p:nvSpPr>
+        <p:spPr>
+          <a:xfrm>
+            <a:off x="2682721" y="2305646"/>
+            <a:ext cx="484632" cy="373381"/>
+          </a:xfrm>
+          <a:prstGeom prst="downArrow">
+            <a:avLst/>
+          </a:prstGeom>
+        </p:spPr>
+        <p:style>
+          <a:lnRef idx="2">
+            <a:schemeClr val="accent1">
+              <a:shade val="50000"/>
+            </a:schemeClr>
+          </a:lnRef>
+          <a:fillRef idx="1">
+            <a:schemeClr val="accent1"/>
+          </a:fillRef>
+          <a:effectRef idx="0">
+            <a:schemeClr val="accent1"/>
+          </a:effectRef>
+          <a:fontRef idx="minor">
+            <a:schemeClr val="lt1"/>
+          </a:fontRef>
+        </p:style>
+        <p:txBody>
+          <a:bodyPr rot="0" spcFirstLastPara="0" vertOverflow="overflow" horzOverflow="overflow" vert="horz" wrap="square" lIns="91440" tIns="45720" rIns="91440" bIns="45720" numCol="1" spcCol="0" rtlCol="0" fromWordArt="0" anchor="ctr" anchorCtr="0" forceAA="0" compatLnSpc="1">
+            <a:prstTxWarp prst="textNoShape">
+              <a:avLst/>
+            </a:prstTxWarp>
+            <a:noAutofit/>
+          </a:bodyPr>
+          <a:lstStyle/>
+          <a:p>
+            <a:pPr algn="ctr"/>
+            <a:endParaRPr lang="en-US"/>
+          </a:p>
+        </p:txBody>
+      </p:sp>
+    </p:spTree>
+    <p:extLst>
+      <p:ext uri="{BB962C8B-B14F-4D97-AF65-F5344CB8AC3E}">
+        <p14:creationId xmlns:p14="http://schemas.microsoft.com/office/powerpoint/2010/main" val="3699978973"/>
+      </p:ext>
+    </p:extLst>
+  </p:cSld>
+  <p:clrMapOvr>
+    <a:masterClrMapping/>
+  </p:clrMapOvr>
+  <p:timing>
+    <p:tnLst>
+      <p:par>
+        <p:cTn id="1" dur="indefinite" restart="never" nodeType="tmRoot"/>
+      </p:par>
+    </p:tnLst>
+  </p:timing>
+</p:sld>
+</file>
+
+<file path=ppt/slides/slide2.xml><?xml version="1.0" encoding="utf-8"?>
+<p:sld xmlns:a="http://schemas.openxmlformats.org/drawingml/2006/main" xmlns:r="http://schemas.openxmlformats.org/officeDocument/2006/relationships" xmlns:p="http://schemas.openxmlformats.org/presentationml/2006/main">
+  <p:cSld>
+    <p:spTree>
+      <p:nvGrpSpPr>
+        <p:cNvPr id="1" name=""/>
+        <p:cNvGrpSpPr/>
+        <p:nvPr/>
+      </p:nvGrpSpPr>
+      <p:grpSpPr>
+        <a:xfrm>
+          <a:off x="0" y="0"/>
+          <a:ext cx="0" cy="0"/>
+          <a:chOff x="0" y="0"/>
+          <a:chExt cx="0" cy="0"/>
+        </a:xfrm>
+      </p:grpSpPr>
+      <p:sp>
+        <p:nvSpPr>
+          <p:cNvPr id="2" name="Title 1"/>
+          <p:cNvSpPr>
+            <a:spLocks noGrp="1"/>
+          </p:cNvSpPr>
+          <p:nvPr>
+            <p:ph type="title"/>
+          </p:nvPr>
+        </p:nvSpPr>
+        <p:spPr/>
+        <p:txBody>
+          <a:bodyPr/>
+          <a:lstStyle/>
+          <a:p>
+            <a:r>
+              <a:rPr lang="en-US" dirty="0"/>
+              <a:t>The C# (</a:t>
+            </a:r>
+            <a:r>
+              <a:rPr lang="en-US" dirty="0" err="1"/>
+              <a:t>csharp</a:t>
+            </a:r>
+            <a:r>
+              <a:rPr lang="en-US" dirty="0"/>
+              <a:t>) Language</a:t>
+            </a:r>
+          </a:p>
+        </p:txBody>
+      </p:sp>
+      <p:sp>
+        <p:nvSpPr>
+          <p:cNvPr id="3" name="Content Placeholder 2"/>
+          <p:cNvSpPr>
+            <a:spLocks noGrp="1"/>
+          </p:cNvSpPr>
+          <p:nvPr>
+            <p:ph idx="1"/>
+          </p:nvPr>
+        </p:nvSpPr>
+        <p:spPr>
+          <a:xfrm>
+            <a:off x="1981200" y="1600200"/>
+            <a:ext cx="8507288" cy="2116832"/>
+          </a:xfrm>
+        </p:spPr>
+        <p:txBody>
+          <a:bodyPr/>
+          <a:lstStyle/>
+          <a:p>
+            <a:r>
+              <a:rPr lang="en-US" dirty="0"/>
+              <a:t>C# is case sensitive</a:t>
+            </a:r>
+          </a:p>
+          <a:p>
+            <a:r>
+              <a:rPr lang="en-US" dirty="0"/>
+              <a:t>Every execution statement ends with a ;</a:t>
+            </a:r>
+          </a:p>
+          <a:p>
+            <a:r>
+              <a:rPr lang="en-US" dirty="0"/>
+              <a:t>The code is organized in classes</a:t>
+            </a:r>
+          </a:p>
+          <a:p>
+            <a:r>
+              <a:rPr lang="en-US" dirty="0"/>
+              <a:t>Classes have members (Methods, fields, properties, events </a:t>
+            </a:r>
+            <a:r>
+              <a:rPr lang="en-US" dirty="0" err="1"/>
+              <a:t>etc</a:t>
+            </a:r>
+            <a:r>
+              <a:rPr lang="en-US" dirty="0"/>
+              <a:t>…)</a:t>
+            </a:r>
+          </a:p>
+          <a:p>
+            <a:r>
+              <a:rPr lang="en-US" dirty="0"/>
+              <a:t>Classes are organized in namespaces (like folders)</a:t>
+            </a:r>
+          </a:p>
+        </p:txBody>
+      </p:sp>
+      <p:pic>
+        <p:nvPicPr>
+          <p:cNvPr id="6" name="Picture 5"/>
+          <p:cNvPicPr>
+            <a:picLocks noChangeAspect="1"/>
+          </p:cNvPicPr>
+          <p:nvPr/>
+        </p:nvPicPr>
+        <p:blipFill rotWithShape="1">
+          <a:blip r:embed="rId3"/>
+          <a:srcRect b="8601"/>
+          <a:stretch/>
+        </p:blipFill>
+        <p:spPr>
+          <a:xfrm>
+            <a:off x="3287689" y="3764890"/>
+            <a:ext cx="2162175" cy="2472423"/>
+          </a:xfrm>
+          <a:prstGeom prst="rect">
+            <a:avLst/>
+          </a:prstGeom>
+        </p:spPr>
+      </p:pic>
+      <p:sp>
+        <p:nvSpPr>
+          <p:cNvPr id="5" name="Slide Number Placeholder 4"/>
+          <p:cNvSpPr>
+            <a:spLocks noGrp="1"/>
+          </p:cNvSpPr>
+          <p:nvPr>
+            <p:ph type="sldNum" sz="quarter" idx="12"/>
+          </p:nvPr>
+        </p:nvSpPr>
+        <p:spPr/>
+        <p:txBody>
+          <a:bodyPr/>
+          <a:lstStyle/>
+          <a:p>
+            <a:pPr>
+              <a:defRPr/>
+            </a:pPr>
+            <a:fld id="{C5A4A91C-EC18-4A23-96E0-5487FD4C836A}" type="slidenum">
+              <a:rPr lang="he-IL" smtClean="0"/>
+              <a:pPr>
+                <a:defRPr/>
+              </a:pPr>
+              <a:t>2</a:t>
+            </a:fld>
+            <a:endParaRPr lang="en-US" dirty="0"/>
+          </a:p>
+        </p:txBody>
+      </p:sp>
+      <p:pic>
+        <p:nvPicPr>
+          <p:cNvPr id="4" name="Picture 3"/>
+          <p:cNvPicPr>
+            <a:picLocks noChangeAspect="1"/>
+          </p:cNvPicPr>
+          <p:nvPr/>
+        </p:nvPicPr>
+        <p:blipFill>
+          <a:blip r:embed="rId4"/>
+          <a:stretch>
+            <a:fillRect/>
+          </a:stretch>
+        </p:blipFill>
+        <p:spPr>
+          <a:xfrm>
+            <a:off x="5303912" y="4088323"/>
+            <a:ext cx="4878772" cy="2058232"/>
+          </a:xfrm>
+          <a:prstGeom prst="rect">
+            <a:avLst/>
+          </a:prstGeom>
+        </p:spPr>
+      </p:pic>
+    </p:spTree>
+    <p:extLst>
+      <p:ext uri="{BB962C8B-B14F-4D97-AF65-F5344CB8AC3E}">
+        <p14:creationId xmlns:p14="http://schemas.microsoft.com/office/powerpoint/2010/main" val="1119355525"/>
+      </p:ext>
+    </p:extLst>
+  </p:cSld>
+  <p:clrMapOvr>
+    <a:masterClrMapping/>
+  </p:clrMapOvr>
+  <p:timing>
+    <p:tnLst>
+      <p:par>
+        <p:cTn id="1" dur="indefinite" restart="never" nodeType="tmRoot">
+          <p:childTnLst>
+            <p:seq concurrent="1" nextAc="seek">
+              <p:cTn id="2" dur="indefinite" nodeType="mainSeq">
+                <p:childTnLst>
+                  <p:par>
+                    <p:cTn id="3" fill="hold">
+                      <p:stCondLst>
+                        <p:cond delay="indefinite"/>
+                      </p:stCondLst>
+                      <p:childTnLst>
+                        <p:par>
+                          <p:cTn id="4" fill="hold">
+                            <p:stCondLst>
+                              <p:cond delay="0"/>
+                            </p:stCondLst>
+                            <p:childTnLst>
+                              <p:par>
+                                <p:cTn id="5" presetID="1" presetClass="entr" presetSubtype="0" fill="hold" grpId="0" nodeType="clickEffect">
+                                  <p:stCondLst>
+                                    <p:cond delay="0"/>
+                                  </p:stCondLst>
+                                  <p:childTnLst>
+                                    <p:set>
+                                      <p:cBhvr>
+                                        <p:cTn id="6" dur="1" fill="hold">
+                                          <p:stCondLst>
+                                            <p:cond delay="0"/>
+                                          </p:stCondLst>
+                                        </p:cTn>
+                                        <p:tgtEl>
+                                          <p:spTgt spid="3">
+                                            <p:txEl>
+                                              <p:pRg st="0" end="0"/>
+                                            </p:txEl>
+                                          </p:spTgt>
+                                        </p:tgtEl>
+                                        <p:attrNameLst>
+                                          <p:attrName>style.visibility</p:attrName>
+                                        </p:attrNameLst>
+                                      </p:cBhvr>
+                                      <p:to>
+                                        <p:strVal val="visible"/>
+                                      </p:to>
+                                    </p:set>
+                                  </p:childTnLst>
+                                </p:cTn>
+                              </p:par>
+                            </p:childTnLst>
+                          </p:cTn>
+                        </p:par>
+                      </p:childTnLst>
+                    </p:cTn>
+                  </p:par>
+                  <p:par>
+                    <p:cTn id="7" fill="hold">
+                      <p:stCondLst>
+                        <p:cond delay="indefinite"/>
+                      </p:stCondLst>
+                      <p:childTnLst>
+                        <p:par>
+                          <p:cTn id="8" fill="hold">
+                            <p:stCondLst>
+                              <p:cond delay="0"/>
+                            </p:stCondLst>
+                            <p:childTnLst>
+                              <p:par>
+                                <p:cTn id="9" presetID="1" presetClass="entr" presetSubtype="0" fill="hold" grpId="0" nodeType="clickEffect">
+                                  <p:stCondLst>
+                                    <p:cond delay="0"/>
+                                  </p:stCondLst>
+                                  <p:childTnLst>
+                                    <p:set>
+                                      <p:cBhvr>
+                                        <p:cTn id="10" dur="1" fill="hold">
+                                          <p:stCondLst>
+                                            <p:cond delay="0"/>
+                                          </p:stCondLst>
+                                        </p:cTn>
+                                        <p:tgtEl>
+                                          <p:spTgt spid="3">
+                                            <p:txEl>
+                                              <p:pRg st="1" end="1"/>
+                                            </p:txEl>
+                                          </p:spTgt>
+                                        </p:tgtEl>
+                                        <p:attrNameLst>
+                                          <p:attrName>style.visibility</p:attrName>
+                                        </p:attrNameLst>
+                                      </p:cBhvr>
+                                      <p:to>
+                                        <p:strVal val="visible"/>
+                                      </p:to>
+                                    </p:set>
+                                  </p:childTnLst>
+                                </p:cTn>
+                              </p:par>
+                            </p:childTnLst>
+                          </p:cTn>
+                        </p:par>
+                      </p:childTnLst>
+                    </p:cTn>
+                  </p:par>
+                  <p:par>
+                    <p:cTn id="11" fill="hold">
+                      <p:stCondLst>
+                        <p:cond delay="indefinite"/>
+                      </p:stCondLst>
+                      <p:childTnLst>
+                        <p:par>
+                          <p:cTn id="12" fill="hold">
+                            <p:stCondLst>
+                              <p:cond delay="0"/>
+                            </p:stCondLst>
+                            <p:childTnLst>
+                              <p:par>
+                                <p:cTn id="13" presetID="1" presetClass="entr" presetSubtype="0" fill="hold" grpId="0" nodeType="clickEffect">
+                                  <p:stCondLst>
+                                    <p:cond delay="0"/>
+                                  </p:stCondLst>
+                                  <p:childTnLst>
+                                    <p:set>
+                                      <p:cBhvr>
+                                        <p:cTn id="14" dur="1" fill="hold">
+                                          <p:stCondLst>
+                                            <p:cond delay="0"/>
+                                          </p:stCondLst>
+                                        </p:cTn>
+                                        <p:tgtEl>
+                                          <p:spTgt spid="3">
+                                            <p:txEl>
+                                              <p:pRg st="2" end="2"/>
+                                            </p:txEl>
+                                          </p:spTgt>
+                                        </p:tgtEl>
+                                        <p:attrNameLst>
+                                          <p:attrName>style.visibility</p:attrName>
+                                        </p:attrNameLst>
+                                      </p:cBhvr>
+                                      <p:to>
+                                        <p:strVal val="visible"/>
+                                      </p:to>
+                                    </p:set>
+                                  </p:childTnLst>
+                                </p:cTn>
+                              </p:par>
+                            </p:childTnLst>
+                          </p:cTn>
+                        </p:par>
+                      </p:childTnLst>
+                    </p:cTn>
+                  </p:par>
+                  <p:par>
+                    <p:cTn id="15" fill="hold">
+                      <p:stCondLst>
+                        <p:cond delay="indefinite"/>
+                      </p:stCondLst>
+                      <p:childTnLst>
+                        <p:par>
+                          <p:cTn id="16" fill="hold">
+                            <p:stCondLst>
+                              <p:cond delay="0"/>
+                            </p:stCondLst>
+                            <p:childTnLst>
+                              <p:par>
+                                <p:cTn id="17" presetID="1" presetClass="entr" presetSubtype="0" fill="hold" grpId="0" nodeType="clickEffect">
+                                  <p:stCondLst>
+                                    <p:cond delay="0"/>
+                                  </p:stCondLst>
+                                  <p:childTnLst>
+                                    <p:set>
+                                      <p:cBhvr>
+                                        <p:cTn id="18" dur="1" fill="hold">
+                                          <p:stCondLst>
+                                            <p:cond delay="0"/>
+                                          </p:stCondLst>
+                                        </p:cTn>
+                                        <p:tgtEl>
+                                          <p:spTgt spid="3">
+                                            <p:txEl>
+                                              <p:pRg st="3" end="3"/>
+                                            </p:txEl>
+                                          </p:spTgt>
+                                        </p:tgtEl>
+                                        <p:attrNameLst>
+                                          <p:attrName>style.visibility</p:attrName>
+                                        </p:attrNameLst>
+                                      </p:cBhvr>
+                                      <p:to>
+                                        <p:strVal val="visible"/>
+                                      </p:to>
+                                    </p:set>
+                                  </p:childTnLst>
+                                </p:cTn>
+                              </p:par>
+                            </p:childTnLst>
+                          </p:cTn>
+                        </p:par>
+                      </p:childTnLst>
+                    </p:cTn>
+                  </p:par>
+                  <p:par>
+                    <p:cTn id="19" fill="hold">
+                      <p:stCondLst>
+                        <p:cond delay="indefinite"/>
+                      </p:stCondLst>
+                      <p:childTnLst>
+                        <p:par>
+                          <p:cTn id="20" fill="hold">
+                            <p:stCondLst>
+                              <p:cond delay="0"/>
+                            </p:stCondLst>
+                            <p:childTnLst>
+                              <p:par>
+                                <p:cTn id="21" presetID="1" presetClass="entr" presetSubtype="0" fill="hold" grpId="0" nodeType="clickEffect">
+                                  <p:stCondLst>
+                                    <p:cond delay="0"/>
+                                  </p:stCondLst>
+                                  <p:childTnLst>
+                                    <p:set>
+                                      <p:cBhvr>
+                                        <p:cTn id="22" dur="1" fill="hold">
+                                          <p:stCondLst>
+                                            <p:cond delay="0"/>
+                                          </p:stCondLst>
+                                        </p:cTn>
+                                        <p:tgtEl>
+                                          <p:spTgt spid="3">
+                                            <p:txEl>
+                                              <p:pRg st="4" end="4"/>
+                                            </p:txEl>
+                                          </p:spTgt>
+                                        </p:tgtEl>
+                                        <p:attrNameLst>
+                                          <p:attrName>style.visibility</p:attrName>
+                                        </p:attrNameLst>
+                                      </p:cBhvr>
+                                      <p:to>
+                                        <p:strVal val="visible"/>
+                                      </p:to>
+                                    </p:set>
+                                  </p:childTnLst>
+                                </p:cTn>
+                              </p:par>
+                            </p:childTnLst>
+                          </p:cTn>
+                        </p:par>
+                      </p:childTnLst>
+                    </p:cTn>
+                  </p:par>
+                </p:childTnLst>
+              </p:cTn>
+              <p:prevCondLst>
+                <p:cond evt="onPrev" delay="0">
+                  <p:tgtEl>
+                    <p:sldTgt/>
+                  </p:tgtEl>
+                </p:cond>
+              </p:prevCondLst>
+              <p:nextCondLst>
+                <p:cond evt="onNext" delay="0">
+                  <p:tgtEl>
+                    <p:sldTgt/>
+                  </p:tgtEl>
+                </p:cond>
+              </p:nextCondLst>
+            </p:seq>
+          </p:childTnLst>
+        </p:cTn>
+      </p:par>
+    </p:tnLst>
+    <p:bldLst>
+      <p:bldP spid="3" grpId="0" uiExpand="1" build="p"/>
+    </p:bldLst>
+  </p:timing>
+</p:sld>
+</file>
+
+<file path=ppt/slides/slide20.xml><?xml version="1.0" encoding="utf-8"?>
+<p:sld xmlns:a="http://schemas.openxmlformats.org/drawingml/2006/main" xmlns:r="http://schemas.openxmlformats.org/officeDocument/2006/relationships" xmlns:p="http://schemas.openxmlformats.org/presentationml/2006/main">
+  <p:cSld>
+    <p:spTree>
+      <p:nvGrpSpPr>
+        <p:cNvPr id="1" name=""/>
+        <p:cNvGrpSpPr/>
+        <p:nvPr/>
+      </p:nvGrpSpPr>
+      <p:grpSpPr>
+        <a:xfrm>
+          <a:off x="0" y="0"/>
+          <a:ext cx="0" cy="0"/>
+          <a:chOff x="0" y="0"/>
+          <a:chExt cx="0" cy="0"/>
+        </a:xfrm>
+      </p:grpSpPr>
+      <p:sp>
+        <p:nvSpPr>
+          <p:cNvPr id="2" name="Title 1"/>
+          <p:cNvSpPr>
+            <a:spLocks noGrp="1"/>
+          </p:cNvSpPr>
+          <p:nvPr>
+            <p:ph type="title"/>
+          </p:nvPr>
+        </p:nvSpPr>
+        <p:spPr>
+          <a:xfrm>
+            <a:off x="609600" y="274638"/>
+            <a:ext cx="10166920" cy="1143000"/>
+          </a:xfrm>
+        </p:spPr>
+        <p:txBody>
+          <a:bodyPr/>
+          <a:lstStyle/>
+          <a:p>
+            <a:r>
+              <a:rPr lang="en-US" dirty="0" smtClean="0"/>
+              <a:t>Adding and calling Customer Orders</a:t>
+            </a:r>
+            <a:endParaRPr lang="en-US" dirty="0"/>
+          </a:p>
+        </p:txBody>
+      </p:sp>
+      <p:sp>
+        <p:nvSpPr>
+          <p:cNvPr id="4" name="Slide Number Placeholder 3"/>
+          <p:cNvSpPr>
+            <a:spLocks noGrp="1"/>
+          </p:cNvSpPr>
+          <p:nvPr>
+            <p:ph type="sldNum" sz="quarter" idx="12"/>
+          </p:nvPr>
+        </p:nvSpPr>
+        <p:spPr/>
+        <p:txBody>
+          <a:bodyPr/>
+          <a:lstStyle/>
+          <a:p>
+            <a:pPr>
+              <a:defRPr/>
+            </a:pPr>
+            <a:fld id="{C5A4A91C-EC18-4A23-96E0-5487FD4C836A}" type="slidenum">
+              <a:rPr lang="he-IL" smtClean="0"/>
+              <a:pPr>
+                <a:defRPr/>
+              </a:pPr>
+              <a:t>20</a:t>
+            </a:fld>
+            <a:endParaRPr lang="en-US" dirty="0"/>
+          </a:p>
+        </p:txBody>
+      </p:sp>
+      <p:sp>
+        <p:nvSpPr>
+          <p:cNvPr id="5" name="Rectangle 4"/>
+          <p:cNvSpPr/>
+          <p:nvPr/>
+        </p:nvSpPr>
+        <p:spPr>
+          <a:xfrm>
+            <a:off x="157436" y="4316724"/>
+            <a:ext cx="11881320" cy="1776573"/>
+          </a:xfrm>
+          <a:prstGeom prst="rect">
+            <a:avLst/>
+          </a:prstGeom>
+        </p:spPr>
+        <p:style>
+          <a:lnRef idx="1">
+            <a:schemeClr val="accent3"/>
+          </a:lnRef>
+          <a:fillRef idx="2">
+            <a:schemeClr val="accent3"/>
+          </a:fillRef>
+          <a:effectRef idx="1">
+            <a:schemeClr val="accent3"/>
+          </a:effectRef>
+          <a:fontRef idx="minor">
+            <a:schemeClr val="dk1"/>
+          </a:fontRef>
+        </p:style>
+        <p:txBody>
+          <a:bodyPr rot="0" spcFirstLastPara="0" vertOverflow="overflow" horzOverflow="overflow" vert="horz" wrap="square" lIns="91440" tIns="45720" rIns="91440" bIns="45720" numCol="1" spcCol="0" rtlCol="0" fromWordArt="0" anchor="t" anchorCtr="0" forceAA="0" compatLnSpc="1">
+            <a:prstTxWarp prst="textNoShape">
+              <a:avLst/>
+            </a:prstTxWarp>
+            <a:noAutofit/>
+          </a:bodyPr>
+          <a:lstStyle/>
+          <a:p>
+            <a:pPr algn="ctr" rtl="0"/>
+            <a:r>
+              <a:rPr lang="en-US" dirty="0" err="1"/>
+              <a:t>NorthwindBase</a:t>
+            </a:r>
+            <a:endParaRPr lang="en-US" dirty="0"/>
+          </a:p>
+        </p:txBody>
+      </p:sp>
+      <p:sp>
+        <p:nvSpPr>
+          <p:cNvPr id="61" name="ICustomerOrders Background"/>
+          <p:cNvSpPr/>
+          <p:nvPr/>
+        </p:nvSpPr>
+        <p:spPr>
+          <a:xfrm>
+            <a:off x="6739186" y="4667826"/>
+            <a:ext cx="3754981" cy="1349678"/>
+          </a:xfrm>
+          <a:prstGeom prst="rect">
+            <a:avLst/>
+          </a:prstGeom>
+        </p:spPr>
+        <p:style>
+          <a:lnRef idx="2">
+            <a:schemeClr val="accent1"/>
+          </a:lnRef>
+          <a:fillRef idx="1">
+            <a:schemeClr val="lt1"/>
+          </a:fillRef>
+          <a:effectRef idx="0">
+            <a:schemeClr val="accent1"/>
+          </a:effectRef>
+          <a:fontRef idx="minor">
+            <a:schemeClr val="dk1"/>
+          </a:fontRef>
+        </p:style>
+        <p:txBody>
+          <a:bodyPr rot="0" spcFirstLastPara="0" vertOverflow="overflow" horzOverflow="overflow" vert="horz" wrap="square" lIns="91440" tIns="45720" rIns="91440" bIns="45720" numCol="1" spcCol="0" rtlCol="0" fromWordArt="0" anchor="ctr" anchorCtr="0" forceAA="0" compatLnSpc="1">
+            <a:prstTxWarp prst="textNoShape">
+              <a:avLst/>
+            </a:prstTxWarp>
+            <a:noAutofit/>
+          </a:bodyPr>
+          <a:lstStyle/>
+          <a:p>
+            <a:pPr algn="ctr"/>
+            <a:endParaRPr lang="en-US"/>
+          </a:p>
+        </p:txBody>
+      </p:sp>
+      <p:pic>
+        <p:nvPicPr>
+          <p:cNvPr id="60" name="ICustomerOrders Code"/>
+          <p:cNvPicPr>
+            <a:picLocks noChangeAspect="1"/>
+          </p:cNvPicPr>
+          <p:nvPr/>
+        </p:nvPicPr>
+        <p:blipFill>
+          <a:blip r:embed="rId4">
+            <a:extLst>
+              <a:ext uri="{28A0092B-C50C-407E-A947-70E740481C1C}">
+                <a14:useLocalDpi xmlns:a14="http://schemas.microsoft.com/office/drawing/2010/main" val="0"/>
+              </a:ext>
+            </a:extLst>
+          </a:blip>
+          <a:stretch>
+            <a:fillRect/>
+          </a:stretch>
+        </p:blipFill>
+        <p:spPr>
+          <a:xfrm>
+            <a:off x="6897746" y="4758489"/>
+            <a:ext cx="3467584" cy="1190791"/>
+          </a:xfrm>
+          <a:prstGeom prst="rect">
+            <a:avLst/>
+          </a:prstGeom>
+        </p:spPr>
+      </p:pic>
+      <p:sp>
+        <p:nvSpPr>
+          <p:cNvPr id="39" name="Orders Gray"/>
+          <p:cNvSpPr/>
+          <p:nvPr/>
+        </p:nvSpPr>
+        <p:spPr>
+          <a:xfrm>
+            <a:off x="7162031" y="1507148"/>
+            <a:ext cx="4884729" cy="2137876"/>
+          </a:xfrm>
+          <a:prstGeom prst="rect">
+            <a:avLst/>
+          </a:prstGeom>
+          <a:solidFill>
+            <a:srgbClr val="F2F2F2"/>
+          </a:solidFill>
+        </p:spPr>
+        <p:style>
+          <a:lnRef idx="1">
+            <a:schemeClr val="accent3"/>
+          </a:lnRef>
+          <a:fillRef idx="2">
+            <a:schemeClr val="accent3"/>
+          </a:fillRef>
+          <a:effectRef idx="1">
+            <a:schemeClr val="accent3"/>
+          </a:effectRef>
+          <a:fontRef idx="minor">
+            <a:schemeClr val="dk1"/>
+          </a:fontRef>
+        </p:style>
+        <p:txBody>
+          <a:bodyPr rot="0" spcFirstLastPara="0" vertOverflow="overflow" horzOverflow="overflow" vert="horz" wrap="square" lIns="91440" tIns="45720" rIns="91440" bIns="45720" numCol="1" spcCol="0" rtlCol="0" fromWordArt="0" anchor="t" anchorCtr="0" forceAA="0" compatLnSpc="1">
+            <a:prstTxWarp prst="textNoShape">
+              <a:avLst/>
+            </a:prstTxWarp>
+            <a:noAutofit/>
+          </a:bodyPr>
+          <a:lstStyle/>
+          <a:p>
+            <a:pPr algn="ctr" rtl="0"/>
+            <a:r>
+              <a:rPr lang="en-US" dirty="0" err="1">
+                <a:solidFill>
+                  <a:srgbClr val="BFBFBF"/>
+                </a:solidFill>
+              </a:rPr>
+              <a:t>Northwind.Orders</a:t>
+            </a:r>
+            <a:endParaRPr lang="en-US" dirty="0">
+              <a:solidFill>
+                <a:srgbClr val="BFBFBF"/>
+              </a:solidFill>
+            </a:endParaRPr>
+          </a:p>
+        </p:txBody>
+      </p:sp>
+      <p:sp>
+        <p:nvSpPr>
+          <p:cNvPr id="6" name="Orders Green"/>
+          <p:cNvSpPr/>
+          <p:nvPr/>
+        </p:nvSpPr>
+        <p:spPr>
+          <a:xfrm>
+            <a:off x="7154027" y="1518247"/>
+            <a:ext cx="4884729" cy="2137876"/>
+          </a:xfrm>
+          <a:prstGeom prst="rect">
+            <a:avLst/>
+          </a:prstGeom>
+        </p:spPr>
+        <p:style>
+          <a:lnRef idx="1">
+            <a:schemeClr val="accent3"/>
+          </a:lnRef>
+          <a:fillRef idx="2">
+            <a:schemeClr val="accent3"/>
+          </a:fillRef>
+          <a:effectRef idx="1">
+            <a:schemeClr val="accent3"/>
+          </a:effectRef>
+          <a:fontRef idx="minor">
+            <a:schemeClr val="dk1"/>
+          </a:fontRef>
+        </p:style>
+        <p:txBody>
+          <a:bodyPr rot="0" spcFirstLastPara="0" vertOverflow="overflow" horzOverflow="overflow" vert="horz" wrap="square" lIns="91440" tIns="45720" rIns="91440" bIns="45720" numCol="1" spcCol="0" rtlCol="0" fromWordArt="0" anchor="t" anchorCtr="0" forceAA="0" compatLnSpc="1">
+            <a:prstTxWarp prst="textNoShape">
+              <a:avLst/>
+            </a:prstTxWarp>
+            <a:noAutofit/>
+          </a:bodyPr>
+          <a:lstStyle/>
+          <a:p>
+            <a:pPr algn="ctr" rtl="0"/>
+            <a:r>
+              <a:rPr lang="en-US" dirty="0" err="1"/>
+              <a:t>Northwind.Orders</a:t>
+            </a:r>
+            <a:endParaRPr lang="en-US" dirty="0"/>
+          </a:p>
+        </p:txBody>
+      </p:sp>
+      <p:sp>
+        <p:nvSpPr>
+          <p:cNvPr id="7" name="Customers Gray"/>
+          <p:cNvSpPr/>
+          <p:nvPr/>
+        </p:nvSpPr>
+        <p:spPr>
+          <a:xfrm>
+            <a:off x="639871" y="1518247"/>
+            <a:ext cx="6325999" cy="2137876"/>
+          </a:xfrm>
+          <a:prstGeom prst="rect">
+            <a:avLst/>
+          </a:prstGeom>
+          <a:solidFill>
+            <a:schemeClr val="bg1">
+              <a:lumMod val="95000"/>
+            </a:schemeClr>
+          </a:solidFill>
+        </p:spPr>
+        <p:style>
+          <a:lnRef idx="1">
+            <a:schemeClr val="accent3"/>
+          </a:lnRef>
+          <a:fillRef idx="2">
+            <a:schemeClr val="accent3"/>
+          </a:fillRef>
+          <a:effectRef idx="1">
+            <a:schemeClr val="accent3"/>
+          </a:effectRef>
+          <a:fontRef idx="minor">
+            <a:schemeClr val="dk1"/>
+          </a:fontRef>
+        </p:style>
+        <p:txBody>
+          <a:bodyPr rot="0" spcFirstLastPara="0" vertOverflow="overflow" horzOverflow="overflow" vert="horz" wrap="square" lIns="91440" tIns="45720" rIns="91440" bIns="45720" numCol="1" spcCol="0" rtlCol="0" fromWordArt="0" anchor="t" anchorCtr="0" forceAA="0" compatLnSpc="1">
+            <a:prstTxWarp prst="textNoShape">
+              <a:avLst/>
+            </a:prstTxWarp>
+            <a:noAutofit/>
+          </a:bodyPr>
+          <a:lstStyle/>
+          <a:p>
+            <a:pPr algn="ctr" rtl="0"/>
+            <a:r>
+              <a:rPr lang="en-US" dirty="0" err="1">
+                <a:solidFill>
+                  <a:schemeClr val="bg1">
+                    <a:lumMod val="75000"/>
+                  </a:schemeClr>
+                </a:solidFill>
+              </a:rPr>
+              <a:t>Northwind.Customers</a:t>
+            </a:r>
+            <a:endParaRPr lang="en-US" dirty="0">
+              <a:solidFill>
+                <a:schemeClr val="bg1">
+                  <a:lumMod val="75000"/>
+                </a:schemeClr>
+              </a:solidFill>
+            </a:endParaRPr>
+          </a:p>
+        </p:txBody>
+      </p:sp>
+      <p:sp>
+        <p:nvSpPr>
+          <p:cNvPr id="33" name="Customers Green"/>
+          <p:cNvSpPr/>
+          <p:nvPr/>
+        </p:nvSpPr>
+        <p:spPr>
+          <a:xfrm>
+            <a:off x="634527" y="1521645"/>
+            <a:ext cx="6325999" cy="2137876"/>
+          </a:xfrm>
+          <a:prstGeom prst="rect">
+            <a:avLst/>
+          </a:prstGeom>
+        </p:spPr>
+        <p:style>
+          <a:lnRef idx="1">
+            <a:schemeClr val="accent3"/>
+          </a:lnRef>
+          <a:fillRef idx="2">
+            <a:schemeClr val="accent3"/>
+          </a:fillRef>
+          <a:effectRef idx="1">
+            <a:schemeClr val="accent3"/>
+          </a:effectRef>
+          <a:fontRef idx="minor">
+            <a:schemeClr val="dk1"/>
+          </a:fontRef>
+        </p:style>
+        <p:txBody>
+          <a:bodyPr rot="0" spcFirstLastPara="0" vertOverflow="overflow" horzOverflow="overflow" vert="horz" wrap="square" lIns="91440" tIns="45720" rIns="91440" bIns="45720" numCol="1" spcCol="0" rtlCol="0" fromWordArt="0" anchor="t" anchorCtr="0" forceAA="0" compatLnSpc="1">
+            <a:prstTxWarp prst="textNoShape">
+              <a:avLst/>
+            </a:prstTxWarp>
+            <a:noAutofit/>
+          </a:bodyPr>
+          <a:lstStyle/>
+          <a:p>
+            <a:pPr algn="ctr" rtl="0"/>
+            <a:r>
+              <a:rPr lang="en-US" dirty="0" err="1">
+                <a:solidFill>
+                  <a:sysClr val="windowText" lastClr="000000"/>
+                </a:solidFill>
+              </a:rPr>
+              <a:t>Northwind.Customers</a:t>
+            </a:r>
+            <a:endParaRPr lang="en-US" dirty="0">
+              <a:solidFill>
+                <a:sysClr val="windowText" lastClr="000000"/>
+              </a:solidFill>
+            </a:endParaRPr>
+          </a:p>
+        </p:txBody>
+      </p:sp>
+      <p:sp>
+        <p:nvSpPr>
+          <p:cNvPr id="8" name="Rectangle 7"/>
+          <p:cNvSpPr/>
+          <p:nvPr/>
+        </p:nvSpPr>
+        <p:spPr>
+          <a:xfrm>
+            <a:off x="157436" y="1518247"/>
+            <a:ext cx="352307" cy="2137876"/>
+          </a:xfrm>
+          <a:prstGeom prst="rect">
+            <a:avLst/>
+          </a:prstGeom>
+          <a:solidFill>
+            <a:schemeClr val="bg1">
+              <a:lumMod val="95000"/>
+            </a:schemeClr>
+          </a:solidFill>
+        </p:spPr>
+        <p:style>
+          <a:lnRef idx="1">
+            <a:schemeClr val="accent3"/>
+          </a:lnRef>
+          <a:fillRef idx="2">
+            <a:schemeClr val="accent3"/>
+          </a:fillRef>
+          <a:effectRef idx="1">
+            <a:schemeClr val="accent3"/>
+          </a:effectRef>
+          <a:fontRef idx="minor">
+            <a:schemeClr val="dk1"/>
+          </a:fontRef>
+        </p:style>
+        <p:txBody>
+          <a:bodyPr rot="0" spcFirstLastPara="0" vertOverflow="overflow" horzOverflow="overflow" vert="vert" wrap="square" lIns="91440" tIns="45720" rIns="91440" bIns="45720" numCol="1" spcCol="0" rtlCol="0" fromWordArt="0" anchor="t" anchorCtr="0" forceAA="0" compatLnSpc="1">
+            <a:prstTxWarp prst="textNoShape">
+              <a:avLst/>
+            </a:prstTxWarp>
+            <a:noAutofit/>
+          </a:bodyPr>
+          <a:lstStyle/>
+          <a:p>
+            <a:pPr algn="ctr" rtl="0"/>
+            <a:r>
+              <a:rPr lang="en-US" dirty="0" err="1">
+                <a:solidFill>
+                  <a:schemeClr val="bg1">
+                    <a:lumMod val="75000"/>
+                  </a:schemeClr>
+                </a:solidFill>
+              </a:rPr>
+              <a:t>Northwind.Products</a:t>
+            </a:r>
+            <a:endParaRPr lang="en-US" dirty="0">
+              <a:solidFill>
+                <a:schemeClr val="bg1">
+                  <a:lumMod val="75000"/>
+                </a:schemeClr>
+              </a:solidFill>
+            </a:endParaRPr>
+          </a:p>
+        </p:txBody>
+      </p:sp>
+      <p:sp>
+        <p:nvSpPr>
+          <p:cNvPr id="10" name="Down Arrow 9"/>
+          <p:cNvSpPr/>
+          <p:nvPr/>
+        </p:nvSpPr>
+        <p:spPr>
+          <a:xfrm>
+            <a:off x="85450" y="3839921"/>
+            <a:ext cx="484632" cy="373381"/>
+          </a:xfrm>
+          <a:prstGeom prst="downArrow">
+            <a:avLst/>
+          </a:prstGeom>
+        </p:spPr>
+        <p:style>
+          <a:lnRef idx="2">
+            <a:schemeClr val="accent1">
+              <a:shade val="50000"/>
+            </a:schemeClr>
+          </a:lnRef>
+          <a:fillRef idx="1">
+            <a:schemeClr val="accent1"/>
+          </a:fillRef>
+          <a:effectRef idx="0">
+            <a:schemeClr val="accent1"/>
+          </a:effectRef>
+          <a:fontRef idx="minor">
+            <a:schemeClr val="lt1"/>
+          </a:fontRef>
+        </p:style>
+        <p:txBody>
+          <a:bodyPr rot="0" spcFirstLastPara="0" vertOverflow="overflow" horzOverflow="overflow" vert="horz" wrap="square" lIns="91440" tIns="45720" rIns="91440" bIns="45720" numCol="1" spcCol="0" rtlCol="0" fromWordArt="0" anchor="ctr" anchorCtr="0" forceAA="0" compatLnSpc="1">
+            <a:prstTxWarp prst="textNoShape">
+              <a:avLst/>
+            </a:prstTxWarp>
+            <a:noAutofit/>
+          </a:bodyPr>
+          <a:lstStyle/>
+          <a:p>
+            <a:pPr algn="ctr"/>
+            <a:endParaRPr lang="en-US"/>
+          </a:p>
+        </p:txBody>
+      </p:sp>
+      <p:sp>
+        <p:nvSpPr>
+          <p:cNvPr id="12" name="Down Arrow 11"/>
+          <p:cNvSpPr/>
+          <p:nvPr/>
+        </p:nvSpPr>
+        <p:spPr>
+          <a:xfrm>
+            <a:off x="9436046" y="3821605"/>
+            <a:ext cx="484632" cy="373381"/>
+          </a:xfrm>
+          <a:prstGeom prst="downArrow">
+            <a:avLst/>
+          </a:prstGeom>
+        </p:spPr>
+        <p:style>
+          <a:lnRef idx="2">
+            <a:schemeClr val="accent1">
+              <a:shade val="50000"/>
+            </a:schemeClr>
+          </a:lnRef>
+          <a:fillRef idx="1">
+            <a:schemeClr val="accent1"/>
+          </a:fillRef>
+          <a:effectRef idx="0">
+            <a:schemeClr val="accent1"/>
+          </a:effectRef>
+          <a:fontRef idx="minor">
+            <a:schemeClr val="lt1"/>
+          </a:fontRef>
+        </p:style>
+        <p:txBody>
+          <a:bodyPr rot="0" spcFirstLastPara="0" vertOverflow="overflow" horzOverflow="overflow" vert="horz" wrap="square" lIns="91440" tIns="45720" rIns="91440" bIns="45720" numCol="1" spcCol="0" rtlCol="0" fromWordArt="0" anchor="ctr" anchorCtr="0" forceAA="0" compatLnSpc="1">
+            <a:prstTxWarp prst="textNoShape">
+              <a:avLst/>
+            </a:prstTxWarp>
+            <a:noAutofit/>
+          </a:bodyPr>
+          <a:lstStyle/>
+          <a:p>
+            <a:pPr algn="ctr"/>
+            <a:endParaRPr lang="en-US"/>
+          </a:p>
+        </p:txBody>
+      </p:sp>
+      <p:sp>
+        <p:nvSpPr>
+          <p:cNvPr id="29" name="Content"/>
+          <p:cNvSpPr/>
+          <p:nvPr>
+            <p:custDataLst>
+              <p:custData r:id="rId1"/>
+            </p:custDataLst>
+          </p:nvPr>
+        </p:nvSpPr>
+        <p:spPr>
+          <a:xfrm>
+            <a:off x="8879629" y="9350375"/>
+            <a:ext cx="1106592" cy="228600"/>
+          </a:xfrm>
+          <a:prstGeom prst="roundRect">
+            <a:avLst/>
+          </a:prstGeom>
+          <a:solidFill>
+            <a:srgbClr val="FFFFFF">
+              <a:lumMod val="95000"/>
+            </a:srgbClr>
+          </a:solidFill>
+          <a:ln w="3175">
+            <a:solidFill>
+              <a:srgbClr val="000000">
+                <a:lumMod val="50000"/>
+                <a:lumOff val="50000"/>
+              </a:srgbClr>
+            </a:solidFill>
+          </a:ln>
+          <a:effectLst/>
+        </p:spPr>
+        <p:style>
+          <a:lnRef idx="2">
+            <a:srgbClr val="4F81BD">
+              <a:shade val="50000"/>
+            </a:srgbClr>
+          </a:lnRef>
+          <a:fillRef idx="1">
+            <a:srgbClr val="4F81BD"/>
+          </a:fillRef>
+          <a:effectRef idx="0">
+            <a:srgbClr val="4F81BD"/>
+          </a:effectRef>
+          <a:fontRef idx="minor">
+            <a:srgbClr val="000000"/>
+          </a:fontRef>
+        </p:style>
+        <p:txBody>
+          <a:bodyPr wrap="square" lIns="91440" tIns="0" rIns="91440" bIns="9144" rtlCol="0" anchor="ctr">
+            <a:noAutofit/>
+          </a:bodyPr>
+          <a:lstStyle/>
+          <a:p>
+            <a:pPr algn="ctr"/>
+            <a:r>
+              <a:rPr lang="en-US" sz="1200" dirty="0">
+                <a:latin typeface="Segoe UI" pitchFamily="34" charset="0"/>
+                <a:cs typeface="Segoe UI" pitchFamily="34" charset="0"/>
+              </a:rPr>
+              <a:t>button</a:t>
+            </a:r>
+          </a:p>
+        </p:txBody>
+      </p:sp>
+      <p:grpSp>
+        <p:nvGrpSpPr>
+          <p:cNvPr id="30" name="Window"/>
+          <p:cNvGrpSpPr/>
+          <p:nvPr>
+            <p:custDataLst>
+              <p:custData r:id="rId2"/>
+            </p:custDataLst>
+          </p:nvPr>
+        </p:nvGrpSpPr>
+        <p:grpSpPr>
+          <a:xfrm>
+            <a:off x="1764976" y="42736"/>
+            <a:ext cx="8775862" cy="230832"/>
+            <a:chOff x="240976" y="42736"/>
+            <a:chExt cx="8775862" cy="230832"/>
+          </a:xfrm>
+        </p:grpSpPr>
+        <p:sp>
+          <p:nvSpPr>
+            <p:cNvPr id="41" name="WindowTitle"/>
+            <p:cNvSpPr txBox="1"/>
+            <p:nvPr/>
+          </p:nvSpPr>
+          <p:spPr>
+            <a:xfrm>
+              <a:off x="240976" y="42736"/>
+              <a:ext cx="999313" cy="230832"/>
+            </a:xfrm>
+            <a:prstGeom prst="rect">
+              <a:avLst/>
+            </a:prstGeom>
+            <a:noFill/>
+          </p:spPr>
+          <p:txBody>
+            <a:bodyPr wrap="none" lIns="45720" tIns="18288" rIns="91440" bIns="27432" rtlCol="0" anchor="ctr" anchorCtr="0">
+              <a:spAutoFit/>
+            </a:bodyPr>
+            <a:lstStyle/>
+            <a:p>
+              <a:r>
+                <a:rPr lang="en-US" sz="1200" dirty="0">
+                  <a:solidFill>
+                    <a:prstClr val="white"/>
+                  </a:solidFill>
+                  <a:latin typeface="Segoe UI" pitchFamily="34" charset="0"/>
+                  <a:ea typeface="Segoe UI" pitchFamily="34" charset="0"/>
+                  <a:cs typeface="Segoe UI" pitchFamily="34" charset="0"/>
+                </a:rPr>
+                <a:t>Window title</a:t>
+              </a:r>
+            </a:p>
+          </p:txBody>
+        </p:sp>
+        <p:grpSp>
+          <p:nvGrpSpPr>
+            <p:cNvPr id="32" name="Minimize - Maximize - Close"/>
+            <p:cNvGrpSpPr/>
+            <p:nvPr/>
+          </p:nvGrpSpPr>
+          <p:grpSpPr>
+            <a:xfrm>
+              <a:off x="8632311" y="92599"/>
+              <a:ext cx="384527" cy="78032"/>
+              <a:chOff x="9347642" y="131588"/>
+              <a:chExt cx="384527" cy="78032"/>
+            </a:xfrm>
+          </p:grpSpPr>
+          <p:cxnSp>
+            <p:nvCxnSpPr>
+              <p:cNvPr id="34" name="Line"/>
+              <p:cNvCxnSpPr/>
+              <p:nvPr/>
+            </p:nvCxnSpPr>
+            <p:spPr>
+              <a:xfrm>
+                <a:off x="9661396" y="131588"/>
+                <a:ext cx="70773" cy="76200"/>
+              </a:xfrm>
+              <a:prstGeom prst="line">
+                <a:avLst/>
+              </a:prstGeom>
+              <a:ln w="12700">
+                <a:solidFill>
+                  <a:srgbClr val="FFFFFF"/>
+                </a:solidFill>
+              </a:ln>
+            </p:spPr>
+            <p:style>
+              <a:lnRef idx="1">
+                <a:srgbClr val="4F81BD"/>
+              </a:lnRef>
+              <a:fillRef idx="0">
+                <a:srgbClr val="4F81BD"/>
+              </a:fillRef>
+              <a:effectRef idx="0">
+                <a:srgbClr val="4F81BD"/>
+              </a:effectRef>
+              <a:fontRef idx="minor">
+                <a:srgbClr val="000000"/>
+              </a:fontRef>
+            </p:style>
+          </p:cxnSp>
+          <p:cxnSp>
+            <p:nvCxnSpPr>
+              <p:cNvPr id="35" name="Line"/>
+              <p:cNvCxnSpPr/>
+              <p:nvPr/>
+            </p:nvCxnSpPr>
+            <p:spPr>
+              <a:xfrm flipH="1">
+                <a:off x="9661395" y="131588"/>
+                <a:ext cx="70773" cy="76200"/>
+              </a:xfrm>
+              <a:prstGeom prst="line">
+                <a:avLst/>
+              </a:prstGeom>
+              <a:ln w="12700">
+                <a:solidFill>
+                  <a:srgbClr val="FFFFFF"/>
+                </a:solidFill>
+              </a:ln>
+            </p:spPr>
+            <p:style>
+              <a:lnRef idx="1">
+                <a:srgbClr val="4F81BD"/>
+              </a:lnRef>
+              <a:fillRef idx="0">
+                <a:srgbClr val="4F81BD"/>
+              </a:fillRef>
+              <a:effectRef idx="0">
+                <a:srgbClr val="4F81BD"/>
+              </a:effectRef>
+              <a:fontRef idx="minor">
+                <a:srgbClr val="000000"/>
+              </a:fontRef>
+            </p:style>
+          </p:cxnSp>
+          <p:sp>
+            <p:nvSpPr>
+              <p:cNvPr id="36" name="Line"/>
+              <p:cNvSpPr/>
+              <p:nvPr/>
+            </p:nvSpPr>
+            <p:spPr>
+              <a:xfrm rot="10800000" flipV="1">
+                <a:off x="9499472" y="143255"/>
+                <a:ext cx="91440" cy="9144"/>
+              </a:xfrm>
+              <a:prstGeom prst="rect">
+                <a:avLst/>
+              </a:prstGeom>
+              <a:solidFill>
+                <a:srgbClr val="919191"/>
+              </a:solidFill>
+              <a:ln w="3175">
+                <a:solidFill>
+                  <a:srgbClr val="FFFFFF"/>
+                </a:solidFill>
+              </a:ln>
+            </p:spPr>
+            <p:style>
+              <a:lnRef idx="2">
+                <a:srgbClr val="4F81BD">
+                  <a:shade val="50000"/>
+                </a:srgbClr>
+              </a:lnRef>
+              <a:fillRef idx="1001">
+                <a:srgbClr val="000000"/>
+              </a:fillRef>
+              <a:effectRef idx="0">
+                <a:srgbClr val="4F81BD"/>
+              </a:effectRef>
+              <a:fontRef idx="minor">
+                <a:srgbClr val="000000"/>
+              </a:fontRef>
+            </p:style>
+            <p:txBody>
+              <a:bodyPr rtlCol="0" anchor="ctr"/>
+              <a:lstStyle/>
+              <a:p>
+                <a:pPr algn="ctr"/>
+                <a:endParaRPr lang="en-US" dirty="0">
+                  <a:solidFill>
+                    <a:prstClr val="white"/>
+                  </a:solidFill>
+                </a:endParaRPr>
+              </a:p>
+            </p:txBody>
+          </p:sp>
+          <p:sp>
+            <p:nvSpPr>
+              <p:cNvPr id="37" name="Line"/>
+              <p:cNvSpPr/>
+              <p:nvPr/>
+            </p:nvSpPr>
+            <p:spPr>
+              <a:xfrm rot="10800000" flipV="1">
+                <a:off x="9498658" y="135261"/>
+                <a:ext cx="91440" cy="72527"/>
+              </a:xfrm>
+              <a:prstGeom prst="rect">
+                <a:avLst/>
+              </a:prstGeom>
+              <a:noFill/>
+              <a:ln w="12700">
+                <a:solidFill>
+                  <a:srgbClr val="FFFFFF"/>
+                </a:solidFill>
+              </a:ln>
+            </p:spPr>
+            <p:style>
+              <a:lnRef idx="2">
+                <a:srgbClr val="4F81BD">
+                  <a:shade val="50000"/>
+                </a:srgbClr>
+              </a:lnRef>
+              <a:fillRef idx="1001">
+                <a:srgbClr val="000000"/>
+              </a:fillRef>
+              <a:effectRef idx="0">
+                <a:srgbClr val="4F81BD"/>
+              </a:effectRef>
+              <a:fontRef idx="minor">
+                <a:srgbClr val="000000"/>
+              </a:fontRef>
+            </p:style>
+            <p:txBody>
+              <a:bodyPr rtlCol="0" anchor="ctr"/>
+              <a:lstStyle/>
+              <a:p>
+                <a:pPr algn="ctr"/>
+                <a:endParaRPr lang="en-US" dirty="0">
+                  <a:solidFill>
+                    <a:prstClr val="white"/>
+                  </a:solidFill>
+                </a:endParaRPr>
+              </a:p>
+            </p:txBody>
+          </p:sp>
+          <p:sp>
+            <p:nvSpPr>
+              <p:cNvPr id="38" name="Line"/>
+              <p:cNvSpPr/>
+              <p:nvPr/>
+            </p:nvSpPr>
+            <p:spPr>
+              <a:xfrm rot="10800000" flipV="1">
+                <a:off x="9347642" y="200476"/>
+                <a:ext cx="91440" cy="9144"/>
+              </a:xfrm>
+              <a:prstGeom prst="rect">
+                <a:avLst/>
+              </a:prstGeom>
+              <a:solidFill>
+                <a:srgbClr val="919191"/>
+              </a:solidFill>
+              <a:ln w="3175">
+                <a:solidFill>
+                  <a:srgbClr val="FFFFFF"/>
+                </a:solidFill>
+              </a:ln>
+            </p:spPr>
+            <p:style>
+              <a:lnRef idx="2">
+                <a:srgbClr val="4F81BD">
+                  <a:shade val="50000"/>
+                </a:srgbClr>
+              </a:lnRef>
+              <a:fillRef idx="1001">
+                <a:srgbClr val="000000"/>
+              </a:fillRef>
+              <a:effectRef idx="0">
+                <a:srgbClr val="4F81BD"/>
+              </a:effectRef>
+              <a:fontRef idx="minor">
+                <a:srgbClr val="000000"/>
+              </a:fontRef>
+            </p:style>
+            <p:txBody>
+              <a:bodyPr rtlCol="0" anchor="ctr"/>
+              <a:lstStyle/>
+              <a:p>
+                <a:pPr algn="ctr"/>
+                <a:endParaRPr lang="en-US" dirty="0">
+                  <a:solidFill>
+                    <a:prstClr val="white"/>
+                  </a:solidFill>
+                </a:endParaRPr>
+              </a:p>
+            </p:txBody>
+          </p:sp>
+        </p:grpSp>
+      </p:grpSp>
+      <p:sp>
+        <p:nvSpPr>
+          <p:cNvPr id="49" name="Down Arrow 48"/>
+          <p:cNvSpPr/>
+          <p:nvPr/>
+        </p:nvSpPr>
+        <p:spPr>
+          <a:xfrm>
+            <a:off x="3447213" y="3846059"/>
+            <a:ext cx="484632" cy="373381"/>
+          </a:xfrm>
+          <a:prstGeom prst="downArrow">
+            <a:avLst/>
+          </a:prstGeom>
+        </p:spPr>
+        <p:style>
+          <a:lnRef idx="2">
+            <a:schemeClr val="accent1">
+              <a:shade val="50000"/>
+            </a:schemeClr>
+          </a:lnRef>
+          <a:fillRef idx="1">
+            <a:schemeClr val="accent1"/>
+          </a:fillRef>
+          <a:effectRef idx="0">
+            <a:schemeClr val="accent1"/>
+          </a:effectRef>
+          <a:fontRef idx="minor">
+            <a:schemeClr val="lt1"/>
+          </a:fontRef>
+        </p:style>
+        <p:txBody>
+          <a:bodyPr rot="0" spcFirstLastPara="0" vertOverflow="overflow" horzOverflow="overflow" vert="horz" wrap="square" lIns="91440" tIns="45720" rIns="91440" bIns="45720" numCol="1" spcCol="0" rtlCol="0" fromWordArt="0" anchor="ctr" anchorCtr="0" forceAA="0" compatLnSpc="1">
+            <a:prstTxWarp prst="textNoShape">
+              <a:avLst/>
+            </a:prstTxWarp>
+            <a:noAutofit/>
+          </a:bodyPr>
+          <a:lstStyle/>
+          <a:p>
+            <a:pPr algn="ctr"/>
+            <a:endParaRPr lang="en-US"/>
+          </a:p>
+        </p:txBody>
+      </p:sp>
+      <p:sp>
+        <p:nvSpPr>
+          <p:cNvPr id="55" name="Customer Orders Bachground"/>
+          <p:cNvSpPr/>
+          <p:nvPr/>
+        </p:nvSpPr>
+        <p:spPr>
+          <a:xfrm>
+            <a:off x="7364283" y="2041136"/>
+            <a:ext cx="4480560" cy="1349678"/>
+          </a:xfrm>
+          <a:prstGeom prst="rect">
+            <a:avLst/>
+          </a:prstGeom>
+        </p:spPr>
+        <p:style>
+          <a:lnRef idx="2">
+            <a:schemeClr val="accent1"/>
+          </a:lnRef>
+          <a:fillRef idx="1">
+            <a:schemeClr val="lt1"/>
+          </a:fillRef>
+          <a:effectRef idx="0">
+            <a:schemeClr val="accent1"/>
+          </a:effectRef>
+          <a:fontRef idx="minor">
+            <a:schemeClr val="dk1"/>
+          </a:fontRef>
+        </p:style>
+        <p:txBody>
+          <a:bodyPr rot="0" spcFirstLastPara="0" vertOverflow="overflow" horzOverflow="overflow" vert="horz" wrap="square" lIns="91440" tIns="45720" rIns="91440" bIns="45720" numCol="1" spcCol="0" rtlCol="0" fromWordArt="0" anchor="ctr" anchorCtr="0" forceAA="0" compatLnSpc="1">
+            <a:prstTxWarp prst="textNoShape">
+              <a:avLst/>
+            </a:prstTxWarp>
+            <a:noAutofit/>
+          </a:bodyPr>
+          <a:lstStyle/>
+          <a:p>
+            <a:pPr algn="ctr"/>
+            <a:endParaRPr lang="en-US"/>
+          </a:p>
+        </p:txBody>
+      </p:sp>
+      <p:pic>
+        <p:nvPicPr>
+          <p:cNvPr id="54" name="Customer Orders Class"/>
+          <p:cNvPicPr>
+            <a:picLocks noChangeAspect="1"/>
+          </p:cNvPicPr>
+          <p:nvPr/>
+        </p:nvPicPr>
+        <p:blipFill>
+          <a:blip r:embed="rId5"/>
+          <a:stretch>
+            <a:fillRect/>
+          </a:stretch>
+        </p:blipFill>
+        <p:spPr>
+          <a:xfrm>
+            <a:off x="7390416" y="2076695"/>
+            <a:ext cx="3115934" cy="161990"/>
+          </a:xfrm>
+          <a:prstGeom prst="rect">
+            <a:avLst/>
+          </a:prstGeom>
+        </p:spPr>
+      </p:pic>
+      <p:pic>
+        <p:nvPicPr>
+          <p:cNvPr id="62" name="ICustomer Orders Interface in class"/>
+          <p:cNvPicPr>
+            <a:picLocks noChangeAspect="1"/>
+          </p:cNvPicPr>
+          <p:nvPr/>
+        </p:nvPicPr>
+        <p:blipFill>
+          <a:blip r:embed="rId6"/>
+          <a:stretch>
+            <a:fillRect/>
+          </a:stretch>
+        </p:blipFill>
+        <p:spPr>
+          <a:xfrm>
+            <a:off x="10494167" y="2076700"/>
+            <a:ext cx="1162520" cy="152462"/>
+          </a:xfrm>
+          <a:prstGeom prst="rect">
+            <a:avLst/>
+          </a:prstGeom>
+        </p:spPr>
+      </p:pic>
+      <p:pic>
+        <p:nvPicPr>
+          <p:cNvPr id="56" name="Customer Orders Run Method"/>
+          <p:cNvPicPr>
+            <a:picLocks noChangeAspect="1"/>
+          </p:cNvPicPr>
+          <p:nvPr/>
+        </p:nvPicPr>
+        <p:blipFill>
+          <a:blip r:embed="rId7"/>
+          <a:stretch>
+            <a:fillRect/>
+          </a:stretch>
+        </p:blipFill>
+        <p:spPr>
+          <a:xfrm>
+            <a:off x="7678905" y="2446125"/>
+            <a:ext cx="3716252" cy="686077"/>
+          </a:xfrm>
+          <a:prstGeom prst="rect">
+            <a:avLst/>
+          </a:prstGeom>
+        </p:spPr>
+      </p:pic>
+      <p:sp>
+        <p:nvSpPr>
+          <p:cNvPr id="63" name="Show Customer Background"/>
+          <p:cNvSpPr/>
+          <p:nvPr/>
+        </p:nvSpPr>
+        <p:spPr>
+          <a:xfrm>
+            <a:off x="906958" y="2010240"/>
+            <a:ext cx="5781136" cy="1349678"/>
+          </a:xfrm>
+          <a:prstGeom prst="rect">
+            <a:avLst/>
+          </a:prstGeom>
+        </p:spPr>
+        <p:style>
+          <a:lnRef idx="2">
+            <a:schemeClr val="accent1"/>
+          </a:lnRef>
+          <a:fillRef idx="1">
+            <a:schemeClr val="lt1"/>
+          </a:fillRef>
+          <a:effectRef idx="0">
+            <a:schemeClr val="accent1"/>
+          </a:effectRef>
+          <a:fontRef idx="minor">
+            <a:schemeClr val="dk1"/>
+          </a:fontRef>
+        </p:style>
+        <p:txBody>
+          <a:bodyPr rot="0" spcFirstLastPara="0" vertOverflow="overflow" horzOverflow="overflow" vert="horz" wrap="square" lIns="91440" tIns="45720" rIns="91440" bIns="45720" numCol="1" spcCol="0" rtlCol="0" fromWordArt="0" anchor="ctr" anchorCtr="0" forceAA="0" compatLnSpc="1">
+            <a:prstTxWarp prst="textNoShape">
+              <a:avLst/>
+            </a:prstTxWarp>
+            <a:noAutofit/>
+          </a:bodyPr>
+          <a:lstStyle/>
+          <a:p>
+            <a:pPr algn="ctr"/>
+            <a:endParaRPr lang="en-US" b="1" dirty="0"/>
+          </a:p>
+        </p:txBody>
+      </p:sp>
+      <p:pic>
+        <p:nvPicPr>
+          <p:cNvPr id="69" name="Show CustomersView Class"/>
+          <p:cNvPicPr>
+            <a:picLocks noChangeAspect="1"/>
+          </p:cNvPicPr>
+          <p:nvPr/>
+        </p:nvPicPr>
+        <p:blipFill rotWithShape="1">
+          <a:blip r:embed="rId8"/>
+          <a:srcRect t="61135"/>
+          <a:stretch/>
+        </p:blipFill>
+        <p:spPr>
+          <a:xfrm>
+            <a:off x="925264" y="2041136"/>
+            <a:ext cx="5393330" cy="166654"/>
+          </a:xfrm>
+          <a:prstGeom prst="rect">
+            <a:avLst/>
+          </a:prstGeom>
+        </p:spPr>
+      </p:pic>
+      <p:pic>
+        <p:nvPicPr>
+          <p:cNvPr id="70" name="Empty Button Code"/>
+          <p:cNvPicPr>
+            <a:picLocks noChangeAspect="1"/>
+          </p:cNvPicPr>
+          <p:nvPr/>
+        </p:nvPicPr>
+        <p:blipFill>
+          <a:blip r:embed="rId9"/>
+          <a:stretch>
+            <a:fillRect/>
+          </a:stretch>
+        </p:blipFill>
+        <p:spPr>
+          <a:xfrm>
+            <a:off x="1215486" y="2348621"/>
+            <a:ext cx="4145050" cy="562202"/>
+          </a:xfrm>
+          <a:prstGeom prst="rect">
+            <a:avLst/>
+          </a:prstGeom>
+        </p:spPr>
+      </p:pic>
+      <p:pic>
+        <p:nvPicPr>
+          <p:cNvPr id="66" name="Button code with new"/>
+          <p:cNvPicPr>
+            <a:picLocks noChangeAspect="1"/>
+          </p:cNvPicPr>
+          <p:nvPr/>
+        </p:nvPicPr>
+        <p:blipFill>
+          <a:blip r:embed="rId10"/>
+          <a:stretch>
+            <a:fillRect/>
+          </a:stretch>
+        </p:blipFill>
+        <p:spPr>
+          <a:xfrm>
+            <a:off x="1215486" y="2348621"/>
+            <a:ext cx="4802541" cy="590789"/>
+          </a:xfrm>
+          <a:prstGeom prst="rect">
+            <a:avLst/>
+          </a:prstGeom>
+        </p:spPr>
+      </p:pic>
+      <p:pic>
+        <p:nvPicPr>
+          <p:cNvPr id="67" name="Diff of new and create"/>
+          <p:cNvPicPr>
+            <a:picLocks noChangeAspect="1"/>
+          </p:cNvPicPr>
+          <p:nvPr/>
+        </p:nvPicPr>
+        <p:blipFill>
+          <a:blip r:embed="rId11"/>
+          <a:stretch>
+            <a:fillRect/>
+          </a:stretch>
+        </p:blipFill>
+        <p:spPr>
+          <a:xfrm>
+            <a:off x="1215486" y="2348621"/>
+            <a:ext cx="5088407" cy="714664"/>
+          </a:xfrm>
+          <a:prstGeom prst="rect">
+            <a:avLst/>
+          </a:prstGeom>
+        </p:spPr>
+      </p:pic>
+      <p:pic>
+        <p:nvPicPr>
+          <p:cNvPr id="68" name="Button with create"/>
+          <p:cNvPicPr>
+            <a:picLocks noChangeAspect="1"/>
+          </p:cNvPicPr>
+          <p:nvPr/>
+        </p:nvPicPr>
+        <p:blipFill>
+          <a:blip r:embed="rId12"/>
+          <a:stretch>
+            <a:fillRect/>
+          </a:stretch>
+        </p:blipFill>
+        <p:spPr>
+          <a:xfrm>
+            <a:off x="1215486" y="2348621"/>
+            <a:ext cx="5097936" cy="562202"/>
+          </a:xfrm>
+          <a:prstGeom prst="rect">
+            <a:avLst/>
+          </a:prstGeom>
+        </p:spPr>
+      </p:pic>
+      <p:pic>
+        <p:nvPicPr>
+          <p:cNvPr id="3" name="Build Error"/>
+          <p:cNvPicPr>
+            <a:picLocks noChangeAspect="1"/>
+          </p:cNvPicPr>
+          <p:nvPr/>
+        </p:nvPicPr>
+        <p:blipFill>
+          <a:blip r:embed="rId13">
+            <a:extLst>
+              <a:ext uri="{28A0092B-C50C-407E-A947-70E740481C1C}">
+                <a14:useLocalDpi xmlns:a14="http://schemas.microsoft.com/office/drawing/2010/main" val="0"/>
+              </a:ext>
+            </a:extLst>
+          </a:blip>
+          <a:stretch>
+            <a:fillRect/>
+          </a:stretch>
+        </p:blipFill>
+        <p:spPr>
+          <a:xfrm>
+            <a:off x="1967348" y="3102388"/>
+            <a:ext cx="4040233" cy="790895"/>
+          </a:xfrm>
+          <a:prstGeom prst="rect">
+            <a:avLst/>
+          </a:prstGeom>
+          <a:ln>
+            <a:solidFill>
+              <a:schemeClr val="accent2"/>
+            </a:solidFill>
+          </a:ln>
+        </p:spPr>
+      </p:pic>
+    </p:spTree>
+    <p:extLst>
+      <p:ext uri="{BB962C8B-B14F-4D97-AF65-F5344CB8AC3E}">
+        <p14:creationId xmlns:p14="http://schemas.microsoft.com/office/powerpoint/2010/main" val="3862080620"/>
+      </p:ext>
+    </p:extLst>
+  </p:cSld>
+  <p:clrMapOvr>
+    <a:masterClrMapping/>
+  </p:clrMapOvr>
+  <p:timing>
+    <p:tnLst>
+      <p:par>
+        <p:cTn id="1" dur="indefinite" restart="never" nodeType="tmRoot">
+          <p:childTnLst>
+            <p:seq concurrent="1" nextAc="seek">
+              <p:cTn id="2" dur="indefinite" nodeType="mainSeq">
+                <p:childTnLst>
+                  <p:par>
+                    <p:cTn id="3" fill="hold">
+                      <p:stCondLst>
+                        <p:cond delay="indefinite"/>
+                      </p:stCondLst>
+                      <p:childTnLst>
+                        <p:par>
+                          <p:cTn id="4" fill="hold">
+                            <p:stCondLst>
+                              <p:cond delay="0"/>
+                            </p:stCondLst>
+                            <p:childTnLst>
+                              <p:par>
+                                <p:cTn id="5" presetID="1" presetClass="entr" presetSubtype="0" fill="hold" grpId="0" nodeType="clickEffect">
+                                  <p:stCondLst>
+                                    <p:cond delay="0"/>
+                                  </p:stCondLst>
+                                  <p:childTnLst>
+                                    <p:set>
+                                      <p:cBhvr>
+                                        <p:cTn id="6" dur="1" fill="hold">
+                                          <p:stCondLst>
+                                            <p:cond delay="0"/>
+                                          </p:stCondLst>
+                                        </p:cTn>
+                                        <p:tgtEl>
+                                          <p:spTgt spid="55"/>
+                                        </p:tgtEl>
+                                        <p:attrNameLst>
+                                          <p:attrName>style.visibility</p:attrName>
+                                        </p:attrNameLst>
+                                      </p:cBhvr>
+                                      <p:to>
+                                        <p:strVal val="visible"/>
+                                      </p:to>
+                                    </p:set>
+                                  </p:childTnLst>
+                                </p:cTn>
+                              </p:par>
+                              <p:par>
+                                <p:cTn id="7" presetID="1" presetClass="entr" presetSubtype="0" fill="hold" nodeType="withEffect">
+                                  <p:stCondLst>
+                                    <p:cond delay="0"/>
+                                  </p:stCondLst>
+                                  <p:childTnLst>
+                                    <p:set>
+                                      <p:cBhvr>
+                                        <p:cTn id="8" dur="1" fill="hold">
+                                          <p:stCondLst>
+                                            <p:cond delay="0"/>
+                                          </p:stCondLst>
+                                        </p:cTn>
+                                        <p:tgtEl>
+                                          <p:spTgt spid="54"/>
+                                        </p:tgtEl>
+                                        <p:attrNameLst>
+                                          <p:attrName>style.visibility</p:attrName>
+                                        </p:attrNameLst>
+                                      </p:cBhvr>
+                                      <p:to>
+                                        <p:strVal val="visible"/>
+                                      </p:to>
+                                    </p:set>
+                                  </p:childTnLst>
+                                </p:cTn>
+                              </p:par>
+                            </p:childTnLst>
+                          </p:cTn>
+                        </p:par>
+                      </p:childTnLst>
+                    </p:cTn>
+                  </p:par>
+                  <p:par>
+                    <p:cTn id="9" fill="hold">
+                      <p:stCondLst>
+                        <p:cond delay="indefinite"/>
+                      </p:stCondLst>
+                      <p:childTnLst>
+                        <p:par>
+                          <p:cTn id="10" fill="hold">
+                            <p:stCondLst>
+                              <p:cond delay="0"/>
+                            </p:stCondLst>
+                            <p:childTnLst>
+                              <p:par>
+                                <p:cTn id="11" presetID="1" presetClass="entr" presetSubtype="0" fill="hold" nodeType="clickEffect">
+                                  <p:stCondLst>
+                                    <p:cond delay="0"/>
+                                  </p:stCondLst>
+                                  <p:childTnLst>
+                                    <p:set>
+                                      <p:cBhvr>
+                                        <p:cTn id="12" dur="1" fill="hold">
+                                          <p:stCondLst>
+                                            <p:cond delay="0"/>
+                                          </p:stCondLst>
+                                        </p:cTn>
+                                        <p:tgtEl>
+                                          <p:spTgt spid="56"/>
+                                        </p:tgtEl>
+                                        <p:attrNameLst>
+                                          <p:attrName>style.visibility</p:attrName>
+                                        </p:attrNameLst>
+                                      </p:cBhvr>
+                                      <p:to>
+                                        <p:strVal val="visible"/>
+                                      </p:to>
+                                    </p:set>
+                                  </p:childTnLst>
+                                </p:cTn>
+                              </p:par>
+                            </p:childTnLst>
+                          </p:cTn>
+                        </p:par>
+                      </p:childTnLst>
+                    </p:cTn>
+                  </p:par>
+                  <p:par>
+                    <p:cTn id="13" fill="hold">
+                      <p:stCondLst>
+                        <p:cond delay="indefinite"/>
+                      </p:stCondLst>
+                      <p:childTnLst>
+                        <p:par>
+                          <p:cTn id="14" fill="hold">
+                            <p:stCondLst>
+                              <p:cond delay="0"/>
+                            </p:stCondLst>
+                            <p:childTnLst>
+                              <p:par>
+                                <p:cTn id="15" presetID="1" presetClass="exit" presetSubtype="0" fill="hold" grpId="0" nodeType="clickEffect">
+                                  <p:stCondLst>
+                                    <p:cond delay="0"/>
+                                  </p:stCondLst>
+                                  <p:childTnLst>
+                                    <p:set>
+                                      <p:cBhvr>
+                                        <p:cTn id="16" dur="1" fill="hold">
+                                          <p:stCondLst>
+                                            <p:cond delay="0"/>
+                                          </p:stCondLst>
+                                        </p:cTn>
+                                        <p:tgtEl>
+                                          <p:spTgt spid="6"/>
+                                        </p:tgtEl>
+                                        <p:attrNameLst>
+                                          <p:attrName>style.visibility</p:attrName>
+                                        </p:attrNameLst>
+                                      </p:cBhvr>
+                                      <p:to>
+                                        <p:strVal val="hidden"/>
+                                      </p:to>
+                                    </p:set>
+                                  </p:childTnLst>
+                                </p:cTn>
+                              </p:par>
+                              <p:par>
+                                <p:cTn id="17" presetID="1" presetClass="entr" presetSubtype="0" fill="hold" grpId="1" nodeType="withEffect">
+                                  <p:stCondLst>
+                                    <p:cond delay="0"/>
+                                  </p:stCondLst>
+                                  <p:childTnLst>
+                                    <p:set>
+                                      <p:cBhvr>
+                                        <p:cTn id="18" dur="1" fill="hold">
+                                          <p:stCondLst>
+                                            <p:cond delay="0"/>
+                                          </p:stCondLst>
+                                        </p:cTn>
+                                        <p:tgtEl>
+                                          <p:spTgt spid="33"/>
+                                        </p:tgtEl>
+                                        <p:attrNameLst>
+                                          <p:attrName>style.visibility</p:attrName>
+                                        </p:attrNameLst>
+                                      </p:cBhvr>
+                                      <p:to>
+                                        <p:strVal val="visible"/>
+                                      </p:to>
+                                    </p:set>
+                                  </p:childTnLst>
+                                </p:cTn>
+                              </p:par>
+                            </p:childTnLst>
+                          </p:cTn>
+                        </p:par>
+                      </p:childTnLst>
+                    </p:cTn>
+                  </p:par>
+                  <p:par>
+                    <p:cTn id="19" fill="hold">
+                      <p:stCondLst>
+                        <p:cond delay="indefinite"/>
+                      </p:stCondLst>
+                      <p:childTnLst>
+                        <p:par>
+                          <p:cTn id="20" fill="hold">
+                            <p:stCondLst>
+                              <p:cond delay="0"/>
+                            </p:stCondLst>
+                            <p:childTnLst>
+                              <p:par>
+                                <p:cTn id="21" presetID="1" presetClass="entr" presetSubtype="0" fill="hold" grpId="0" nodeType="clickEffect">
+                                  <p:stCondLst>
+                                    <p:cond delay="0"/>
+                                  </p:stCondLst>
+                                  <p:childTnLst>
+                                    <p:set>
+                                      <p:cBhvr>
+                                        <p:cTn id="22" dur="1" fill="hold">
+                                          <p:stCondLst>
+                                            <p:cond delay="0"/>
+                                          </p:stCondLst>
+                                        </p:cTn>
+                                        <p:tgtEl>
+                                          <p:spTgt spid="63"/>
+                                        </p:tgtEl>
+                                        <p:attrNameLst>
+                                          <p:attrName>style.visibility</p:attrName>
+                                        </p:attrNameLst>
+                                      </p:cBhvr>
+                                      <p:to>
+                                        <p:strVal val="visible"/>
+                                      </p:to>
+                                    </p:set>
+                                  </p:childTnLst>
+                                </p:cTn>
+                              </p:par>
+                              <p:par>
+                                <p:cTn id="23" presetID="1" presetClass="entr" presetSubtype="0" fill="hold" nodeType="withEffect">
+                                  <p:stCondLst>
+                                    <p:cond delay="0"/>
+                                  </p:stCondLst>
+                                  <p:childTnLst>
+                                    <p:set>
+                                      <p:cBhvr>
+                                        <p:cTn id="24" dur="1" fill="hold">
+                                          <p:stCondLst>
+                                            <p:cond delay="0"/>
+                                          </p:stCondLst>
+                                        </p:cTn>
+                                        <p:tgtEl>
+                                          <p:spTgt spid="69"/>
+                                        </p:tgtEl>
+                                        <p:attrNameLst>
+                                          <p:attrName>style.visibility</p:attrName>
+                                        </p:attrNameLst>
+                                      </p:cBhvr>
+                                      <p:to>
+                                        <p:strVal val="visible"/>
+                                      </p:to>
+                                    </p:set>
+                                  </p:childTnLst>
+                                </p:cTn>
+                              </p:par>
+                            </p:childTnLst>
+                          </p:cTn>
+                        </p:par>
+                      </p:childTnLst>
+                    </p:cTn>
+                  </p:par>
+                  <p:par>
+                    <p:cTn id="25" fill="hold">
+                      <p:stCondLst>
+                        <p:cond delay="indefinite"/>
+                      </p:stCondLst>
+                      <p:childTnLst>
+                        <p:par>
+                          <p:cTn id="26" fill="hold">
+                            <p:stCondLst>
+                              <p:cond delay="0"/>
+                            </p:stCondLst>
+                            <p:childTnLst>
+                              <p:par>
+                                <p:cTn id="27" presetID="1" presetClass="entr" presetSubtype="0" fill="hold" nodeType="clickEffect">
+                                  <p:stCondLst>
+                                    <p:cond delay="0"/>
+                                  </p:stCondLst>
+                                  <p:childTnLst>
+                                    <p:set>
+                                      <p:cBhvr>
+                                        <p:cTn id="28" dur="1" fill="hold">
+                                          <p:stCondLst>
+                                            <p:cond delay="0"/>
+                                          </p:stCondLst>
+                                        </p:cTn>
+                                        <p:tgtEl>
+                                          <p:spTgt spid="70"/>
+                                        </p:tgtEl>
+                                        <p:attrNameLst>
+                                          <p:attrName>style.visibility</p:attrName>
+                                        </p:attrNameLst>
+                                      </p:cBhvr>
+                                      <p:to>
+                                        <p:strVal val="visible"/>
+                                      </p:to>
+                                    </p:set>
+                                  </p:childTnLst>
+                                </p:cTn>
+                              </p:par>
+                            </p:childTnLst>
+                          </p:cTn>
+                        </p:par>
+                      </p:childTnLst>
+                    </p:cTn>
+                  </p:par>
+                  <p:par>
+                    <p:cTn id="29" fill="hold">
+                      <p:stCondLst>
+                        <p:cond delay="indefinite"/>
+                      </p:stCondLst>
+                      <p:childTnLst>
+                        <p:par>
+                          <p:cTn id="30" fill="hold">
+                            <p:stCondLst>
+                              <p:cond delay="0"/>
+                            </p:stCondLst>
+                            <p:childTnLst>
+                              <p:par>
+                                <p:cTn id="31" presetID="1" presetClass="exit" presetSubtype="0" fill="hold" nodeType="clickEffect">
+                                  <p:stCondLst>
+                                    <p:cond delay="0"/>
+                                  </p:stCondLst>
+                                  <p:childTnLst>
+                                    <p:set>
+                                      <p:cBhvr>
+                                        <p:cTn id="32" dur="1" fill="hold">
+                                          <p:stCondLst>
+                                            <p:cond delay="0"/>
+                                          </p:stCondLst>
+                                        </p:cTn>
+                                        <p:tgtEl>
+                                          <p:spTgt spid="70"/>
+                                        </p:tgtEl>
+                                        <p:attrNameLst>
+                                          <p:attrName>style.visibility</p:attrName>
+                                        </p:attrNameLst>
+                                      </p:cBhvr>
+                                      <p:to>
+                                        <p:strVal val="hidden"/>
+                                      </p:to>
+                                    </p:set>
+                                  </p:childTnLst>
+                                </p:cTn>
+                              </p:par>
+                              <p:par>
+                                <p:cTn id="33" presetID="1" presetClass="entr" presetSubtype="0" fill="hold" nodeType="withEffect">
+                                  <p:stCondLst>
+                                    <p:cond delay="0"/>
+                                  </p:stCondLst>
+                                  <p:childTnLst>
+                                    <p:set>
+                                      <p:cBhvr>
+                                        <p:cTn id="34" dur="1" fill="hold">
+                                          <p:stCondLst>
+                                            <p:cond delay="0"/>
+                                          </p:stCondLst>
+                                        </p:cTn>
+                                        <p:tgtEl>
+                                          <p:spTgt spid="66"/>
+                                        </p:tgtEl>
+                                        <p:attrNameLst>
+                                          <p:attrName>style.visibility</p:attrName>
+                                        </p:attrNameLst>
+                                      </p:cBhvr>
+                                      <p:to>
+                                        <p:strVal val="visible"/>
+                                      </p:to>
+                                    </p:set>
+                                  </p:childTnLst>
+                                </p:cTn>
+                              </p:par>
+                            </p:childTnLst>
+                          </p:cTn>
+                        </p:par>
+                      </p:childTnLst>
+                    </p:cTn>
+                  </p:par>
+                  <p:par>
+                    <p:cTn id="35" fill="hold">
+                      <p:stCondLst>
+                        <p:cond delay="indefinite"/>
+                      </p:stCondLst>
+                      <p:childTnLst>
+                        <p:par>
+                          <p:cTn id="36" fill="hold">
+                            <p:stCondLst>
+                              <p:cond delay="0"/>
+                            </p:stCondLst>
+                            <p:childTnLst>
+                              <p:par>
+                                <p:cTn id="37" presetID="1" presetClass="entr" presetSubtype="0" fill="hold" nodeType="clickEffect">
+                                  <p:stCondLst>
+                                    <p:cond delay="0"/>
+                                  </p:stCondLst>
+                                  <p:childTnLst>
+                                    <p:set>
+                                      <p:cBhvr>
+                                        <p:cTn id="38" dur="1" fill="hold">
+                                          <p:stCondLst>
+                                            <p:cond delay="0"/>
+                                          </p:stCondLst>
+                                        </p:cTn>
+                                        <p:tgtEl>
+                                          <p:spTgt spid="3"/>
+                                        </p:tgtEl>
+                                        <p:attrNameLst>
+                                          <p:attrName>style.visibility</p:attrName>
+                                        </p:attrNameLst>
+                                      </p:cBhvr>
+                                      <p:to>
+                                        <p:strVal val="visible"/>
+                                      </p:to>
+                                    </p:set>
+                                  </p:childTnLst>
+                                </p:cTn>
+                              </p:par>
+                            </p:childTnLst>
+                          </p:cTn>
+                        </p:par>
+                      </p:childTnLst>
+                    </p:cTn>
+                  </p:par>
+                  <p:par>
+                    <p:cTn id="39" fill="hold">
+                      <p:stCondLst>
+                        <p:cond delay="indefinite"/>
+                      </p:stCondLst>
+                      <p:childTnLst>
+                        <p:par>
+                          <p:cTn id="40" fill="hold">
+                            <p:stCondLst>
+                              <p:cond delay="0"/>
+                            </p:stCondLst>
+                            <p:childTnLst>
+                              <p:par>
+                                <p:cTn id="41" presetID="1" presetClass="entr" presetSubtype="0" fill="hold" grpId="1" nodeType="clickEffect">
+                                  <p:stCondLst>
+                                    <p:cond delay="0"/>
+                                  </p:stCondLst>
+                                  <p:childTnLst>
+                                    <p:set>
+                                      <p:cBhvr>
+                                        <p:cTn id="42" dur="1" fill="hold">
+                                          <p:stCondLst>
+                                            <p:cond delay="0"/>
+                                          </p:stCondLst>
+                                        </p:cTn>
+                                        <p:tgtEl>
+                                          <p:spTgt spid="6"/>
+                                        </p:tgtEl>
+                                        <p:attrNameLst>
+                                          <p:attrName>style.visibility</p:attrName>
+                                        </p:attrNameLst>
+                                      </p:cBhvr>
+                                      <p:to>
+                                        <p:strVal val="visible"/>
+                                      </p:to>
+                                    </p:set>
+                                  </p:childTnLst>
+                                </p:cTn>
+                              </p:par>
+                              <p:par>
+                                <p:cTn id="43" presetID="1" presetClass="exit" presetSubtype="0" fill="hold" grpId="2" nodeType="withEffect">
+                                  <p:stCondLst>
+                                    <p:cond delay="0"/>
+                                  </p:stCondLst>
+                                  <p:childTnLst>
+                                    <p:set>
+                                      <p:cBhvr>
+                                        <p:cTn id="44" dur="1" fill="hold">
+                                          <p:stCondLst>
+                                            <p:cond delay="0"/>
+                                          </p:stCondLst>
+                                        </p:cTn>
+                                        <p:tgtEl>
+                                          <p:spTgt spid="33"/>
+                                        </p:tgtEl>
+                                        <p:attrNameLst>
+                                          <p:attrName>style.visibility</p:attrName>
+                                        </p:attrNameLst>
+                                      </p:cBhvr>
+                                      <p:to>
+                                        <p:strVal val="hidden"/>
+                                      </p:to>
+                                    </p:set>
+                                  </p:childTnLst>
+                                </p:cTn>
+                              </p:par>
+                              <p:par>
+                                <p:cTn id="45" presetID="1" presetClass="exit" presetSubtype="0" fill="hold" nodeType="withEffect">
+                                  <p:stCondLst>
+                                    <p:cond delay="0"/>
+                                  </p:stCondLst>
+                                  <p:childTnLst>
+                                    <p:set>
+                                      <p:cBhvr>
+                                        <p:cTn id="46" dur="1" fill="hold">
+                                          <p:stCondLst>
+                                            <p:cond delay="0"/>
+                                          </p:stCondLst>
+                                        </p:cTn>
+                                        <p:tgtEl>
+                                          <p:spTgt spid="3"/>
+                                        </p:tgtEl>
+                                        <p:attrNameLst>
+                                          <p:attrName>style.visibility</p:attrName>
+                                        </p:attrNameLst>
+                                      </p:cBhvr>
+                                      <p:to>
+                                        <p:strVal val="hidden"/>
+                                      </p:to>
+                                    </p:set>
+                                  </p:childTnLst>
+                                </p:cTn>
+                              </p:par>
+                            </p:childTnLst>
+                          </p:cTn>
+                        </p:par>
+                      </p:childTnLst>
+                    </p:cTn>
+                  </p:par>
+                  <p:par>
+                    <p:cTn id="47" fill="hold">
+                      <p:stCondLst>
+                        <p:cond delay="indefinite"/>
+                      </p:stCondLst>
+                      <p:childTnLst>
+                        <p:par>
+                          <p:cTn id="48" fill="hold">
+                            <p:stCondLst>
+                              <p:cond delay="0"/>
+                            </p:stCondLst>
+                            <p:childTnLst>
+                              <p:par>
+                                <p:cTn id="49" presetID="1" presetClass="entr" presetSubtype="0" fill="hold" nodeType="clickEffect">
+                                  <p:stCondLst>
+                                    <p:cond delay="0"/>
+                                  </p:stCondLst>
+                                  <p:childTnLst>
+                                    <p:set>
+                                      <p:cBhvr>
+                                        <p:cTn id="50" dur="1" fill="hold">
+                                          <p:stCondLst>
+                                            <p:cond delay="0"/>
+                                          </p:stCondLst>
+                                        </p:cTn>
+                                        <p:tgtEl>
+                                          <p:spTgt spid="60"/>
+                                        </p:tgtEl>
+                                        <p:attrNameLst>
+                                          <p:attrName>style.visibility</p:attrName>
+                                        </p:attrNameLst>
+                                      </p:cBhvr>
+                                      <p:to>
+                                        <p:strVal val="visible"/>
+                                      </p:to>
+                                    </p:set>
+                                  </p:childTnLst>
+                                </p:cTn>
+                              </p:par>
+                              <p:par>
+                                <p:cTn id="51" presetID="1" presetClass="entr" presetSubtype="0" fill="hold" grpId="0" nodeType="withEffect">
+                                  <p:stCondLst>
+                                    <p:cond delay="0"/>
+                                  </p:stCondLst>
+                                  <p:childTnLst>
+                                    <p:set>
+                                      <p:cBhvr>
+                                        <p:cTn id="52" dur="1" fill="hold">
+                                          <p:stCondLst>
+                                            <p:cond delay="0"/>
+                                          </p:stCondLst>
+                                        </p:cTn>
+                                        <p:tgtEl>
+                                          <p:spTgt spid="61"/>
+                                        </p:tgtEl>
+                                        <p:attrNameLst>
+                                          <p:attrName>style.visibility</p:attrName>
+                                        </p:attrNameLst>
+                                      </p:cBhvr>
+                                      <p:to>
+                                        <p:strVal val="visible"/>
+                                      </p:to>
+                                    </p:set>
+                                  </p:childTnLst>
+                                </p:cTn>
+                              </p:par>
+                            </p:childTnLst>
+                          </p:cTn>
+                        </p:par>
+                      </p:childTnLst>
+                    </p:cTn>
+                  </p:par>
+                  <p:par>
+                    <p:cTn id="53" fill="hold">
+                      <p:stCondLst>
+                        <p:cond delay="indefinite"/>
+                      </p:stCondLst>
+                      <p:childTnLst>
+                        <p:par>
+                          <p:cTn id="54" fill="hold">
+                            <p:stCondLst>
+                              <p:cond delay="0"/>
+                            </p:stCondLst>
+                            <p:childTnLst>
+                              <p:par>
+                                <p:cTn id="55" presetID="1" presetClass="entr" presetSubtype="0" fill="hold" nodeType="clickEffect">
+                                  <p:stCondLst>
+                                    <p:cond delay="0"/>
+                                  </p:stCondLst>
+                                  <p:childTnLst>
+                                    <p:set>
+                                      <p:cBhvr>
+                                        <p:cTn id="56" dur="1" fill="hold">
+                                          <p:stCondLst>
+                                            <p:cond delay="0"/>
+                                          </p:stCondLst>
+                                        </p:cTn>
+                                        <p:tgtEl>
+                                          <p:spTgt spid="62"/>
+                                        </p:tgtEl>
+                                        <p:attrNameLst>
+                                          <p:attrName>style.visibility</p:attrName>
+                                        </p:attrNameLst>
+                                      </p:cBhvr>
+                                      <p:to>
+                                        <p:strVal val="visible"/>
+                                      </p:to>
+                                    </p:set>
+                                  </p:childTnLst>
+                                </p:cTn>
+                              </p:par>
+                            </p:childTnLst>
+                          </p:cTn>
+                        </p:par>
+                      </p:childTnLst>
+                    </p:cTn>
+                  </p:par>
+                  <p:par>
+                    <p:cTn id="57" fill="hold">
+                      <p:stCondLst>
+                        <p:cond delay="indefinite"/>
+                      </p:stCondLst>
+                      <p:childTnLst>
+                        <p:par>
+                          <p:cTn id="58" fill="hold">
+                            <p:stCondLst>
+                              <p:cond delay="0"/>
+                            </p:stCondLst>
+                            <p:childTnLst>
+                              <p:par>
+                                <p:cTn id="59" presetID="1" presetClass="entr" presetSubtype="0" fill="hold" grpId="3" nodeType="clickEffect">
+                                  <p:stCondLst>
+                                    <p:cond delay="0"/>
+                                  </p:stCondLst>
+                                  <p:childTnLst>
+                                    <p:set>
+                                      <p:cBhvr>
+                                        <p:cTn id="60" dur="1" fill="hold">
+                                          <p:stCondLst>
+                                            <p:cond delay="0"/>
+                                          </p:stCondLst>
+                                        </p:cTn>
+                                        <p:tgtEl>
+                                          <p:spTgt spid="33"/>
+                                        </p:tgtEl>
+                                        <p:attrNameLst>
+                                          <p:attrName>style.visibility</p:attrName>
+                                        </p:attrNameLst>
+                                      </p:cBhvr>
+                                      <p:to>
+                                        <p:strVal val="visible"/>
+                                      </p:to>
+                                    </p:set>
+                                  </p:childTnLst>
+                                </p:cTn>
+                              </p:par>
+                              <p:par>
+                                <p:cTn id="61" presetID="1" presetClass="exit" presetSubtype="0" fill="hold" grpId="2" nodeType="withEffect">
+                                  <p:stCondLst>
+                                    <p:cond delay="0"/>
+                                  </p:stCondLst>
+                                  <p:childTnLst>
+                                    <p:set>
+                                      <p:cBhvr>
+                                        <p:cTn id="62" dur="1" fill="hold">
+                                          <p:stCondLst>
+                                            <p:cond delay="0"/>
+                                          </p:stCondLst>
+                                        </p:cTn>
+                                        <p:tgtEl>
+                                          <p:spTgt spid="6"/>
+                                        </p:tgtEl>
+                                        <p:attrNameLst>
+                                          <p:attrName>style.visibility</p:attrName>
+                                        </p:attrNameLst>
+                                      </p:cBhvr>
+                                      <p:to>
+                                        <p:strVal val="hidden"/>
+                                      </p:to>
+                                    </p:set>
+                                  </p:childTnLst>
+                                </p:cTn>
+                              </p:par>
+                            </p:childTnLst>
+                          </p:cTn>
+                        </p:par>
+                      </p:childTnLst>
+                    </p:cTn>
+                  </p:par>
+                  <p:par>
+                    <p:cTn id="63" fill="hold">
+                      <p:stCondLst>
+                        <p:cond delay="indefinite"/>
+                      </p:stCondLst>
+                      <p:childTnLst>
+                        <p:par>
+                          <p:cTn id="64" fill="hold">
+                            <p:stCondLst>
+                              <p:cond delay="0"/>
+                            </p:stCondLst>
+                            <p:childTnLst>
+                              <p:par>
+                                <p:cTn id="65" presetID="1" presetClass="exit" presetSubtype="0" fill="hold" nodeType="clickEffect">
+                                  <p:stCondLst>
+                                    <p:cond delay="0"/>
+                                  </p:stCondLst>
+                                  <p:childTnLst>
+                                    <p:set>
+                                      <p:cBhvr>
+                                        <p:cTn id="66" dur="1" fill="hold">
+                                          <p:stCondLst>
+                                            <p:cond delay="0"/>
+                                          </p:stCondLst>
+                                        </p:cTn>
+                                        <p:tgtEl>
+                                          <p:spTgt spid="66"/>
+                                        </p:tgtEl>
+                                        <p:attrNameLst>
+                                          <p:attrName>style.visibility</p:attrName>
+                                        </p:attrNameLst>
+                                      </p:cBhvr>
+                                      <p:to>
+                                        <p:strVal val="hidden"/>
+                                      </p:to>
+                                    </p:set>
+                                  </p:childTnLst>
+                                </p:cTn>
+                              </p:par>
+                              <p:par>
+                                <p:cTn id="67" presetID="1" presetClass="entr" presetSubtype="0" fill="hold" nodeType="withEffect">
+                                  <p:stCondLst>
+                                    <p:cond delay="0"/>
+                                  </p:stCondLst>
+                                  <p:childTnLst>
+                                    <p:set>
+                                      <p:cBhvr>
+                                        <p:cTn id="68" dur="1" fill="hold">
+                                          <p:stCondLst>
+                                            <p:cond delay="0"/>
+                                          </p:stCondLst>
+                                        </p:cTn>
+                                        <p:tgtEl>
+                                          <p:spTgt spid="67"/>
+                                        </p:tgtEl>
+                                        <p:attrNameLst>
+                                          <p:attrName>style.visibility</p:attrName>
+                                        </p:attrNameLst>
+                                      </p:cBhvr>
+                                      <p:to>
+                                        <p:strVal val="visible"/>
+                                      </p:to>
+                                    </p:set>
+                                  </p:childTnLst>
+                                </p:cTn>
+                              </p:par>
+                            </p:childTnLst>
+                          </p:cTn>
+                        </p:par>
+                      </p:childTnLst>
+                    </p:cTn>
+                  </p:par>
+                  <p:par>
+                    <p:cTn id="69" fill="hold">
+                      <p:stCondLst>
+                        <p:cond delay="indefinite"/>
+                      </p:stCondLst>
+                      <p:childTnLst>
+                        <p:par>
+                          <p:cTn id="70" fill="hold">
+                            <p:stCondLst>
+                              <p:cond delay="0"/>
+                            </p:stCondLst>
+                            <p:childTnLst>
+                              <p:par>
+                                <p:cTn id="71" presetID="1" presetClass="exit" presetSubtype="0" fill="hold" nodeType="clickEffect">
+                                  <p:stCondLst>
+                                    <p:cond delay="0"/>
+                                  </p:stCondLst>
+                                  <p:childTnLst>
+                                    <p:set>
+                                      <p:cBhvr>
+                                        <p:cTn id="72" dur="1" fill="hold">
+                                          <p:stCondLst>
+                                            <p:cond delay="0"/>
+                                          </p:stCondLst>
+                                        </p:cTn>
+                                        <p:tgtEl>
+                                          <p:spTgt spid="67"/>
+                                        </p:tgtEl>
+                                        <p:attrNameLst>
+                                          <p:attrName>style.visibility</p:attrName>
+                                        </p:attrNameLst>
+                                      </p:cBhvr>
+                                      <p:to>
+                                        <p:strVal val="hidden"/>
+                                      </p:to>
+                                    </p:set>
+                                  </p:childTnLst>
+                                </p:cTn>
+                              </p:par>
+                              <p:par>
+                                <p:cTn id="73" presetID="1" presetClass="entr" presetSubtype="0" fill="hold" nodeType="withEffect">
+                                  <p:stCondLst>
+                                    <p:cond delay="0"/>
+                                  </p:stCondLst>
+                                  <p:childTnLst>
+                                    <p:set>
+                                      <p:cBhvr>
+                                        <p:cTn id="74" dur="1" fill="hold">
+                                          <p:stCondLst>
+                                            <p:cond delay="0"/>
+                                          </p:stCondLst>
+                                        </p:cTn>
+                                        <p:tgtEl>
+                                          <p:spTgt spid="68"/>
+                                        </p:tgtEl>
+                                        <p:attrNameLst>
+                                          <p:attrName>style.visibility</p:attrName>
+                                        </p:attrNameLst>
+                                      </p:cBhvr>
+                                      <p:to>
+                                        <p:strVal val="visible"/>
+                                      </p:to>
+                                    </p:set>
+                                  </p:childTnLst>
+                                </p:cTn>
+                              </p:par>
+                            </p:childTnLst>
+                          </p:cTn>
+                        </p:par>
+                      </p:childTnLst>
+                    </p:cTn>
+                  </p:par>
+                </p:childTnLst>
+              </p:cTn>
+              <p:prevCondLst>
+                <p:cond evt="onPrev" delay="0">
+                  <p:tgtEl>
+                    <p:sldTgt/>
+                  </p:tgtEl>
+                </p:cond>
+              </p:prevCondLst>
+              <p:nextCondLst>
+                <p:cond evt="onNext" delay="0">
+                  <p:tgtEl>
+                    <p:sldTgt/>
+                  </p:tgtEl>
+                </p:cond>
+              </p:nextCondLst>
+            </p:seq>
+          </p:childTnLst>
+        </p:cTn>
+      </p:par>
+    </p:tnLst>
+    <p:bldLst>
+      <p:bldP spid="61" grpId="0" animBg="1"/>
+      <p:bldP spid="6" grpId="0" animBg="1"/>
+      <p:bldP spid="6" grpId="1" animBg="1"/>
+      <p:bldP spid="6" grpId="2" animBg="1"/>
+      <p:bldP spid="33" grpId="1" animBg="1"/>
+      <p:bldP spid="33" grpId="2" animBg="1"/>
+      <p:bldP spid="33" grpId="3" animBg="1"/>
+      <p:bldP spid="55" grpId="0" animBg="1"/>
+      <p:bldP spid="63" grpId="0" animBg="1"/>
+    </p:bldLst>
+  </p:timing>
+</p:sld>
+</file>
+
+<file path=ppt/slides/slide21.xml><?xml version="1.0" encoding="utf-8"?>
+<p:sld xmlns:a="http://schemas.openxmlformats.org/drawingml/2006/main" xmlns:r="http://schemas.openxmlformats.org/officeDocument/2006/relationships" xmlns:p="http://schemas.openxmlformats.org/presentationml/2006/main">
+  <p:cSld>
+    <p:spTree>
+      <p:nvGrpSpPr>
+        <p:cNvPr id="1" name=""/>
+        <p:cNvGrpSpPr/>
+        <p:nvPr/>
+      </p:nvGrpSpPr>
+      <p:grpSpPr>
+        <a:xfrm>
+          <a:off x="0" y="0"/>
+          <a:ext cx="0" cy="0"/>
+          <a:chOff x="0" y="0"/>
+          <a:chExt cx="0" cy="0"/>
+        </a:xfrm>
+      </p:grpSpPr>
       <p:pic>
         <p:nvPicPr>
           <p:cNvPr id="3" name="Picture 2"/>
@@ -6948,7 +13083,7 @@
         </p:blipFill>
         <p:spPr>
           <a:xfrm>
-            <a:off x="543633" y="2604810"/>
+            <a:off x="2067634" y="2604810"/>
             <a:ext cx="4312301" cy="1544270"/>
           </a:xfrm>
           <a:prstGeom prst="rect">
@@ -6968,7 +13103,7 @@
         </p:nvSpPr>
         <p:spPr>
           <a:xfrm>
-            <a:off x="457200" y="274638"/>
+            <a:off x="1981200" y="274638"/>
             <a:ext cx="7427168" cy="1143000"/>
           </a:xfrm>
         </p:spPr>
@@ -6991,7 +13126,7 @@
         </p:nvSpPr>
         <p:spPr>
           <a:xfrm>
-            <a:off x="1043608" y="3157267"/>
+            <a:off x="2567608" y="3157268"/>
             <a:ext cx="2016224" cy="245913"/>
           </a:xfrm>
           <a:prstGeom prst="rect">
@@ -7032,7 +13167,7 @@
         </p:nvSpPr>
         <p:spPr>
           <a:xfrm>
-            <a:off x="6444208" y="2492896"/>
+            <a:off x="7968208" y="2492896"/>
             <a:ext cx="1944216" cy="1656184"/>
           </a:xfrm>
           <a:prstGeom prst="cube">
@@ -7073,7 +13208,7 @@
         </p:nvSpPr>
         <p:spPr>
           <a:xfrm>
-            <a:off x="4427984" y="3212976"/>
+            <a:off x="5951984" y="3212976"/>
             <a:ext cx="579980" cy="576064"/>
           </a:xfrm>
           <a:prstGeom prst="ellipse">
@@ -7117,7 +13252,7 @@
         </p:nvCxnSpPr>
         <p:spPr>
           <a:xfrm>
-            <a:off x="5007964" y="3501008"/>
+            <a:off x="6531964" y="3501009"/>
             <a:ext cx="1436244" cy="27003"/>
           </a:xfrm>
           <a:prstGeom prst="straightConnector1">
@@ -7150,7 +13285,7 @@
         </p:nvSpPr>
         <p:spPr>
           <a:xfrm>
-            <a:off x="1043608" y="3407260"/>
+            <a:off x="2567608" y="3407261"/>
             <a:ext cx="2016224" cy="245913"/>
           </a:xfrm>
           <a:prstGeom prst="rect">
@@ -7191,7 +13326,7 @@
         </p:nvSpPr>
         <p:spPr>
           <a:xfrm>
-            <a:off x="1043608" y="3618568"/>
+            <a:off x="2567608" y="3618569"/>
             <a:ext cx="2016224" cy="245913"/>
           </a:xfrm>
           <a:prstGeom prst="rect">
@@ -7232,7 +13367,7 @@
         </p:nvSpPr>
         <p:spPr>
           <a:xfrm>
-            <a:off x="4427984" y="5008314"/>
+            <a:off x="5951984" y="5008314"/>
             <a:ext cx="579980" cy="576064"/>
           </a:xfrm>
           <a:prstGeom prst="ellipse">
@@ -7275,7 +13410,7 @@
         </p:nvCxnSpPr>
         <p:spPr>
           <a:xfrm flipV="1">
-            <a:off x="4923028" y="3653173"/>
+            <a:off x="6447028" y="3653173"/>
             <a:ext cx="1521180" cy="1439504"/>
           </a:xfrm>
           <a:prstGeom prst="straightConnector1">
@@ -7308,7 +13443,7 @@
         </p:nvSpPr>
         <p:spPr>
           <a:xfrm>
-            <a:off x="6444208" y="4264585"/>
+            <a:off x="7968208" y="4264585"/>
             <a:ext cx="1944216" cy="1656184"/>
           </a:xfrm>
           <a:prstGeom prst="cube">
@@ -7352,7 +13487,7 @@
         </p:nvCxnSpPr>
         <p:spPr>
           <a:xfrm>
-            <a:off x="5007964" y="5296346"/>
+            <a:off x="6531964" y="5296346"/>
             <a:ext cx="1436244" cy="3354"/>
           </a:xfrm>
           <a:prstGeom prst="straightConnector1">
@@ -7400,7 +13535,7 @@
               <a:pPr>
                 <a:defRPr/>
               </a:pPr>
-              <a:t>14</a:t>
+              <a:t>21</a:t>
             </a:fld>
             <a:endParaRPr lang="en-US" dirty="0"/>
           </a:p>
@@ -7808,7 +13943,7 @@
 </p:sld>
 </file>
 
-<file path=ppt/slides/slide15.xml><?xml version="1.0" encoding="utf-8"?>
+<file path=ppt/slides/slide22.xml><?xml version="1.0" encoding="utf-8"?>
 <p:sld xmlns:a="http://schemas.openxmlformats.org/drawingml/2006/main" xmlns:r="http://schemas.openxmlformats.org/officeDocument/2006/relationships" xmlns:p="http://schemas.openxmlformats.org/presentationml/2006/main">
   <p:cSld>
     <p:spTree>
@@ -7841,7 +13976,7 @@
         </p:blipFill>
         <p:spPr>
           <a:xfrm>
-            <a:off x="463288" y="1552414"/>
+            <a:off x="1987288" y="1552415"/>
             <a:ext cx="5867378" cy="2405625"/>
           </a:xfrm>
           <a:prstGeom prst="rect">
@@ -7857,7 +13992,7 @@
         </p:nvSpPr>
         <p:spPr>
           <a:xfrm>
-            <a:off x="4067944" y="3746702"/>
+            <a:off x="5591944" y="3746702"/>
             <a:ext cx="1944216" cy="1656184"/>
           </a:xfrm>
           <a:prstGeom prst="cube">
@@ -7899,7 +14034,7 @@
         </p:nvSpPr>
         <p:spPr>
           <a:xfrm>
-            <a:off x="457200" y="274638"/>
+            <a:off x="1981200" y="274638"/>
             <a:ext cx="7715200" cy="1143000"/>
           </a:xfrm>
         </p:spPr>
@@ -7922,7 +14057,7 @@
         </p:nvSpPr>
         <p:spPr>
           <a:xfrm>
-            <a:off x="2207542" y="4473728"/>
+            <a:off x="3731542" y="4473728"/>
             <a:ext cx="579980" cy="576064"/>
           </a:xfrm>
           <a:prstGeom prst="ellipse">
@@ -7966,7 +14101,7 @@
         </p:nvCxnSpPr>
         <p:spPr>
           <a:xfrm>
-            <a:off x="2787522" y="4761760"/>
+            <a:off x="4311522" y="4761761"/>
             <a:ext cx="1280422" cy="20057"/>
           </a:xfrm>
           <a:prstGeom prst="straightConnector1">
@@ -7999,7 +14134,7 @@
         </p:nvSpPr>
         <p:spPr>
           <a:xfrm>
-            <a:off x="1179452" y="2204864"/>
+            <a:off x="2703452" y="2204865"/>
             <a:ext cx="3392548" cy="370599"/>
           </a:xfrm>
           <a:prstGeom prst="rect">
@@ -8040,7 +14175,7 @@
         </p:nvSpPr>
         <p:spPr>
           <a:xfrm>
-            <a:off x="2163677" y="5614851"/>
+            <a:off x="3687677" y="5614851"/>
             <a:ext cx="579980" cy="576064"/>
           </a:xfrm>
           <a:prstGeom prst="ellipse">
@@ -8081,7 +14216,7 @@
         </p:nvSpPr>
         <p:spPr>
           <a:xfrm>
-            <a:off x="1179452" y="2492896"/>
+            <a:off x="2703452" y="2492897"/>
             <a:ext cx="3392548" cy="370599"/>
           </a:xfrm>
           <a:prstGeom prst="rect">
@@ -8122,7 +14257,7 @@
         </p:nvSpPr>
         <p:spPr>
           <a:xfrm>
-            <a:off x="1179452" y="2842377"/>
+            <a:off x="2703452" y="2842378"/>
             <a:ext cx="3392548" cy="370599"/>
           </a:xfrm>
           <a:prstGeom prst="rect">
@@ -8163,7 +14298,7 @@
         </p:nvSpPr>
         <p:spPr>
           <a:xfrm>
-            <a:off x="1179452" y="3157651"/>
+            <a:off x="2703452" y="3157652"/>
             <a:ext cx="3392548" cy="370599"/>
           </a:xfrm>
           <a:prstGeom prst="rect">
@@ -8204,7 +14339,7 @@
         </p:nvSpPr>
         <p:spPr>
           <a:xfrm>
-            <a:off x="4427984" y="3746702"/>
+            <a:off x="5951984" y="3746702"/>
             <a:ext cx="1152128" cy="369332"/>
           </a:xfrm>
           <a:prstGeom prst="rect">
@@ -8238,7 +14373,7 @@
         </p:nvSpPr>
         <p:spPr>
           <a:xfrm>
-            <a:off x="4394129" y="4419417"/>
+            <a:off x="5918129" y="4419417"/>
             <a:ext cx="864096" cy="695154"/>
           </a:xfrm>
           <a:prstGeom prst="ellipse">
@@ -8279,7 +14414,7 @@
         </p:nvSpPr>
         <p:spPr>
           <a:xfrm>
-            <a:off x="7046830" y="2748581"/>
+            <a:off x="8570830" y="2748581"/>
             <a:ext cx="1944216" cy="1656184"/>
           </a:xfrm>
           <a:prstGeom prst="cube">
@@ -8323,7 +14458,7 @@
         </p:nvCxnSpPr>
         <p:spPr>
           <a:xfrm flipV="1">
-            <a:off x="5258225" y="3783696"/>
+            <a:off x="6782226" y="3783696"/>
             <a:ext cx="1788605" cy="983298"/>
           </a:xfrm>
           <a:prstGeom prst="straightConnector1">
@@ -8356,7 +14491,7 @@
         </p:nvCxnSpPr>
         <p:spPr>
           <a:xfrm flipV="1">
-            <a:off x="2699792" y="4905776"/>
+            <a:off x="4223792" y="4905776"/>
             <a:ext cx="1368152" cy="873148"/>
           </a:xfrm>
           <a:prstGeom prst="straightConnector1">
@@ -8389,7 +14524,7 @@
         </p:nvSpPr>
         <p:spPr>
           <a:xfrm>
-            <a:off x="6948264" y="4611788"/>
+            <a:off x="8472264" y="4611788"/>
             <a:ext cx="1944216" cy="1656184"/>
           </a:xfrm>
           <a:prstGeom prst="cube">
@@ -8432,7 +14567,7 @@
         </p:nvCxnSpPr>
         <p:spPr>
           <a:xfrm>
-            <a:off x="5258225" y="4766994"/>
+            <a:off x="6782225" y="4766995"/>
             <a:ext cx="1694006" cy="842915"/>
           </a:xfrm>
           <a:prstGeom prst="straightConnector1">
@@ -8480,7 +14615,7 @@
               <a:pPr>
                 <a:defRPr/>
               </a:pPr>
-              <a:t>15</a:t>
+              <a:t>22</a:t>
             </a:fld>
             <a:endParaRPr lang="en-US" dirty="0"/>
           </a:p>
@@ -9121,7 +15256,7 @@
 </p:sld>
 </file>
 
-<file path=ppt/slides/slide16.xml><?xml version="1.0" encoding="utf-8"?>
+<file path=ppt/slides/slide23.xml><?xml version="1.0" encoding="utf-8"?>
 <p:sld xmlns:a="http://schemas.openxmlformats.org/drawingml/2006/main" xmlns:r="http://schemas.openxmlformats.org/officeDocument/2006/relationships" xmlns:p="http://schemas.openxmlformats.org/presentationml/2006/main">
   <p:cSld>
     <p:spTree>
@@ -9154,7 +15289,7 @@
         </p:blipFill>
         <p:spPr>
           <a:xfrm>
-            <a:off x="246955" y="1417638"/>
+            <a:off x="1770956" y="1417638"/>
             <a:ext cx="5252773" cy="2731442"/>
           </a:xfrm>
           <a:prstGeom prst="rect">
@@ -9174,7 +15309,7 @@
         </p:nvSpPr>
         <p:spPr>
           <a:xfrm>
-            <a:off x="457200" y="274638"/>
+            <a:off x="1981200" y="274638"/>
             <a:ext cx="7427168" cy="1143000"/>
           </a:xfrm>
         </p:spPr>
@@ -9204,7 +15339,7 @@
         </p:nvSpPr>
         <p:spPr>
           <a:xfrm>
-            <a:off x="6444208" y="2492896"/>
+            <a:off x="7968208" y="2492896"/>
             <a:ext cx="1944216" cy="1656184"/>
           </a:xfrm>
           <a:prstGeom prst="cube">
@@ -9245,7 +15380,7 @@
         </p:nvSpPr>
         <p:spPr>
           <a:xfrm>
-            <a:off x="4427984" y="3284984"/>
+            <a:off x="5951984" y="3284984"/>
             <a:ext cx="579980" cy="576064"/>
           </a:xfrm>
           <a:prstGeom prst="ellipse">
@@ -9288,7 +15423,7 @@
         </p:nvCxnSpPr>
         <p:spPr>
           <a:xfrm>
-            <a:off x="5007964" y="3573016"/>
+            <a:off x="6531964" y="3573017"/>
             <a:ext cx="1436244" cy="27003"/>
           </a:xfrm>
           <a:prstGeom prst="straightConnector1">
@@ -9321,7 +15456,7 @@
         </p:nvSpPr>
         <p:spPr>
           <a:xfrm>
-            <a:off x="4427984" y="5008314"/>
+            <a:off x="5951984" y="5008314"/>
             <a:ext cx="579980" cy="576064"/>
           </a:xfrm>
           <a:prstGeom prst="ellipse">
@@ -9362,7 +15497,7 @@
         </p:nvSpPr>
         <p:spPr>
           <a:xfrm>
-            <a:off x="6444208" y="4264585"/>
+            <a:off x="7968208" y="4264585"/>
             <a:ext cx="1944216" cy="1656184"/>
           </a:xfrm>
           <a:prstGeom prst="cube">
@@ -9406,7 +15541,7 @@
         </p:nvCxnSpPr>
         <p:spPr>
           <a:xfrm>
-            <a:off x="5007964" y="5296346"/>
+            <a:off x="6531964" y="5296346"/>
             <a:ext cx="1436244" cy="3354"/>
           </a:xfrm>
           <a:prstGeom prst="straightConnector1">
@@ -9454,7 +15589,7 @@
               <a:pPr>
                 <a:defRPr/>
               </a:pPr>
-              <a:t>16</a:t>
+              <a:t>23</a:t>
             </a:fld>
             <a:endParaRPr lang="en-US" dirty="0"/>
           </a:p>
@@ -9468,7 +15603,7 @@
         </p:nvSpPr>
         <p:spPr>
           <a:xfrm>
-            <a:off x="827584" y="2060848"/>
+            <a:off x="2351584" y="2060848"/>
             <a:ext cx="2641636" cy="237626"/>
           </a:xfrm>
           <a:prstGeom prst="rect">
@@ -9509,7 +15644,7 @@
         </p:nvSpPr>
         <p:spPr>
           <a:xfrm>
-            <a:off x="827584" y="2315397"/>
+            <a:off x="2351584" y="2315398"/>
             <a:ext cx="2641636" cy="261389"/>
           </a:xfrm>
           <a:prstGeom prst="rect">
@@ -9550,7 +15685,7 @@
         </p:nvSpPr>
         <p:spPr>
           <a:xfrm>
-            <a:off x="823040" y="3507390"/>
+            <a:off x="2347040" y="3507390"/>
             <a:ext cx="2641636" cy="237626"/>
           </a:xfrm>
           <a:prstGeom prst="rect">
@@ -9591,7 +15726,7 @@
         </p:nvSpPr>
         <p:spPr>
           <a:xfrm>
-            <a:off x="6444208" y="4264585"/>
+            <a:off x="7968208" y="4264585"/>
             <a:ext cx="1944216" cy="1656184"/>
           </a:xfrm>
           <a:prstGeom prst="cube">
@@ -9632,7 +15767,7 @@
         </p:nvSpPr>
         <p:spPr>
           <a:xfrm>
-            <a:off x="2476626" y="3023595"/>
+            <a:off x="4000626" y="3023596"/>
             <a:ext cx="2887462" cy="261389"/>
           </a:xfrm>
           <a:prstGeom prst="rect">
@@ -10159,7 +16294,7 @@
 </p:sld>
 </file>
 
-<file path=ppt/slides/slide17.xml><?xml version="1.0" encoding="utf-8"?>
+<file path=ppt/slides/slide24.xml><?xml version="1.0" encoding="utf-8"?>
 <p:sld xmlns:a="http://schemas.openxmlformats.org/drawingml/2006/main" xmlns:r="http://schemas.openxmlformats.org/officeDocument/2006/relationships" xmlns:p="http://schemas.openxmlformats.org/presentationml/2006/main">
   <p:cSld>
     <p:spTree>
@@ -10192,7 +16327,7 @@
         </p:blipFill>
         <p:spPr>
           <a:xfrm>
-            <a:off x="301539" y="1221572"/>
+            <a:off x="1825540" y="1221573"/>
             <a:ext cx="4949129" cy="2632785"/>
           </a:xfrm>
           <a:prstGeom prst="rect">
@@ -10208,7 +16343,7 @@
         </p:nvSpPr>
         <p:spPr>
           <a:xfrm>
-            <a:off x="4067944" y="3746702"/>
+            <a:off x="5591944" y="3746702"/>
             <a:ext cx="1944216" cy="1656184"/>
           </a:xfrm>
           <a:prstGeom prst="cube">
@@ -10250,7 +16385,7 @@
         </p:nvSpPr>
         <p:spPr>
           <a:xfrm>
-            <a:off x="457200" y="274638"/>
+            <a:off x="1981200" y="274638"/>
             <a:ext cx="7715200" cy="1143000"/>
           </a:xfrm>
         </p:spPr>
@@ -10280,7 +16415,7 @@
         </p:nvSpPr>
         <p:spPr>
           <a:xfrm>
-            <a:off x="2207542" y="4473728"/>
+            <a:off x="3731542" y="4473728"/>
             <a:ext cx="579980" cy="576064"/>
           </a:xfrm>
           <a:prstGeom prst="ellipse">
@@ -10324,7 +16459,7 @@
         </p:nvCxnSpPr>
         <p:spPr>
           <a:xfrm>
-            <a:off x="2787522" y="4761760"/>
+            <a:off x="4311522" y="4761761"/>
             <a:ext cx="1280422" cy="20057"/>
           </a:xfrm>
           <a:prstGeom prst="straightConnector1">
@@ -10357,7 +16492,7 @@
         </p:nvSpPr>
         <p:spPr>
           <a:xfrm>
-            <a:off x="755576" y="1772816"/>
+            <a:off x="2279576" y="1772817"/>
             <a:ext cx="2520280" cy="230869"/>
           </a:xfrm>
           <a:prstGeom prst="rect">
@@ -10398,7 +16533,7 @@
         </p:nvSpPr>
         <p:spPr>
           <a:xfrm>
-            <a:off x="2163677" y="5614851"/>
+            <a:off x="3687677" y="5614851"/>
             <a:ext cx="579980" cy="576064"/>
           </a:xfrm>
           <a:prstGeom prst="ellipse">
@@ -10439,7 +16574,7 @@
         </p:nvSpPr>
         <p:spPr>
           <a:xfrm>
-            <a:off x="4427984" y="3746702"/>
+            <a:off x="5951984" y="3746702"/>
             <a:ext cx="1152128" cy="369332"/>
           </a:xfrm>
           <a:prstGeom prst="rect">
@@ -10473,7 +16608,7 @@
         </p:nvSpPr>
         <p:spPr>
           <a:xfrm>
-            <a:off x="4394129" y="4419417"/>
+            <a:off x="5918129" y="4419417"/>
             <a:ext cx="864096" cy="695154"/>
           </a:xfrm>
           <a:prstGeom prst="ellipse">
@@ -10514,7 +16649,7 @@
         </p:nvSpPr>
         <p:spPr>
           <a:xfrm>
-            <a:off x="7046830" y="2748581"/>
+            <a:off x="8570830" y="2748581"/>
             <a:ext cx="1944216" cy="1656184"/>
           </a:xfrm>
           <a:prstGeom prst="cube">
@@ -10558,7 +16693,7 @@
         </p:nvCxnSpPr>
         <p:spPr>
           <a:xfrm flipV="1">
-            <a:off x="5258225" y="3783696"/>
+            <a:off x="6782226" y="3783696"/>
             <a:ext cx="1788605" cy="983298"/>
           </a:xfrm>
           <a:prstGeom prst="straightConnector1">
@@ -10591,7 +16726,7 @@
         </p:nvCxnSpPr>
         <p:spPr>
           <a:xfrm flipV="1">
-            <a:off x="2699792" y="4905776"/>
+            <a:off x="4223792" y="4905776"/>
             <a:ext cx="1368152" cy="873148"/>
           </a:xfrm>
           <a:prstGeom prst="straightConnector1">
@@ -10624,7 +16759,7 @@
         </p:nvSpPr>
         <p:spPr>
           <a:xfrm>
-            <a:off x="6948264" y="4611788"/>
+            <a:off x="8472264" y="4611788"/>
             <a:ext cx="1944216" cy="1656184"/>
           </a:xfrm>
           <a:prstGeom prst="cube">
@@ -10667,7 +16802,7 @@
         </p:nvCxnSpPr>
         <p:spPr>
           <a:xfrm>
-            <a:off x="5258225" y="4766994"/>
+            <a:off x="6782225" y="4766995"/>
             <a:ext cx="1694006" cy="842915"/>
           </a:xfrm>
           <a:prstGeom prst="straightConnector1">
@@ -10715,7 +16850,7 @@
               <a:pPr>
                 <a:defRPr/>
               </a:pPr>
-              <a:t>17</a:t>
+              <a:t>24</a:t>
             </a:fld>
             <a:endParaRPr lang="en-US" dirty="0"/>
           </a:p>
@@ -10729,7 +16864,7 @@
         </p:nvSpPr>
         <p:spPr>
           <a:xfrm>
-            <a:off x="755576" y="1988840"/>
+            <a:off x="2279576" y="1988841"/>
             <a:ext cx="2520280" cy="230869"/>
           </a:xfrm>
           <a:prstGeom prst="rect">
@@ -10770,7 +16905,7 @@
         </p:nvSpPr>
         <p:spPr>
           <a:xfrm>
-            <a:off x="755576" y="2204864"/>
+            <a:off x="2279576" y="2204865"/>
             <a:ext cx="2520280" cy="230869"/>
           </a:xfrm>
           <a:prstGeom prst="rect">
@@ -10811,7 +16946,7 @@
         </p:nvSpPr>
         <p:spPr>
           <a:xfrm>
-            <a:off x="755576" y="3198131"/>
+            <a:off x="2279576" y="3198132"/>
             <a:ext cx="2520280" cy="230869"/>
           </a:xfrm>
           <a:prstGeom prst="rect">
@@ -10852,7 +16987,7 @@
         </p:nvSpPr>
         <p:spPr>
           <a:xfrm>
-            <a:off x="2123728" y="2780928"/>
+            <a:off x="3647728" y="2780928"/>
             <a:ext cx="2952328" cy="253956"/>
           </a:xfrm>
           <a:prstGeom prst="rect">
@@ -11574,479 +17709,6 @@
 </p:sld>
 </file>
 
-<file path=ppt/slides/slide2.xml><?xml version="1.0" encoding="utf-8"?>
-<p:sld xmlns:a="http://schemas.openxmlformats.org/drawingml/2006/main" xmlns:r="http://schemas.openxmlformats.org/officeDocument/2006/relationships" xmlns:p="http://schemas.openxmlformats.org/presentationml/2006/main">
-  <p:cSld>
-    <p:spTree>
-      <p:nvGrpSpPr>
-        <p:cNvPr id="1" name=""/>
-        <p:cNvGrpSpPr/>
-        <p:nvPr/>
-      </p:nvGrpSpPr>
-      <p:grpSpPr>
-        <a:xfrm>
-          <a:off x="0" y="0"/>
-          <a:ext cx="0" cy="0"/>
-          <a:chOff x="0" y="0"/>
-          <a:chExt cx="0" cy="0"/>
-        </a:xfrm>
-      </p:grpSpPr>
-      <p:sp>
-        <p:nvSpPr>
-          <p:cNvPr id="2" name="Title 1"/>
-          <p:cNvSpPr>
-            <a:spLocks noGrp="1"/>
-          </p:cNvSpPr>
-          <p:nvPr>
-            <p:ph type="title"/>
-          </p:nvPr>
-        </p:nvSpPr>
-        <p:spPr/>
-        <p:txBody>
-          <a:bodyPr/>
-          <a:lstStyle/>
-          <a:p>
-            <a:r>
-              <a:rPr lang="en-US" dirty="0"/>
-              <a:t>The C# (</a:t>
-            </a:r>
-            <a:r>
-              <a:rPr lang="en-US" dirty="0" err="1"/>
-              <a:t>csharp</a:t>
-            </a:r>
-            <a:r>
-              <a:rPr lang="en-US" dirty="0"/>
-              <a:t>) Language</a:t>
-            </a:r>
-          </a:p>
-        </p:txBody>
-      </p:sp>
-      <p:sp>
-        <p:nvSpPr>
-          <p:cNvPr id="3" name="Content Placeholder 2"/>
-          <p:cNvSpPr>
-            <a:spLocks noGrp="1"/>
-          </p:cNvSpPr>
-          <p:nvPr>
-            <p:ph idx="1"/>
-          </p:nvPr>
-        </p:nvSpPr>
-        <p:spPr>
-          <a:xfrm>
-            <a:off x="457200" y="1600200"/>
-            <a:ext cx="8507288" cy="2116832"/>
-          </a:xfrm>
-        </p:spPr>
-        <p:txBody>
-          <a:bodyPr/>
-          <a:lstStyle/>
-          <a:p>
-            <a:r>
-              <a:rPr lang="en-US" dirty="0"/>
-              <a:t>C# is case sensitive</a:t>
-            </a:r>
-          </a:p>
-          <a:p>
-            <a:r>
-              <a:rPr lang="en-US" dirty="0"/>
-              <a:t>Every execution statement ends with a ;</a:t>
-            </a:r>
-          </a:p>
-          <a:p>
-            <a:r>
-              <a:rPr lang="en-US" dirty="0"/>
-              <a:t>The code is organized in classes</a:t>
-            </a:r>
-          </a:p>
-          <a:p>
-            <a:r>
-              <a:rPr lang="en-US" dirty="0"/>
-              <a:t>Classes have members (Methods, fields, properties, events </a:t>
-            </a:r>
-            <a:r>
-              <a:rPr lang="en-US" dirty="0" err="1"/>
-              <a:t>etc</a:t>
-            </a:r>
-            <a:r>
-              <a:rPr lang="en-US" dirty="0"/>
-              <a:t>…)</a:t>
-            </a:r>
-          </a:p>
-          <a:p>
-            <a:r>
-              <a:rPr lang="en-US" dirty="0"/>
-              <a:t>Classes are organized in namespaces (like folders)</a:t>
-            </a:r>
-          </a:p>
-        </p:txBody>
-      </p:sp>
-      <p:pic>
-        <p:nvPicPr>
-          <p:cNvPr id="6" name="Picture 5"/>
-          <p:cNvPicPr>
-            <a:picLocks noChangeAspect="1"/>
-          </p:cNvPicPr>
-          <p:nvPr/>
-        </p:nvPicPr>
-        <p:blipFill rotWithShape="1">
-          <a:blip r:embed="rId3"/>
-          <a:srcRect b="8601"/>
-          <a:stretch/>
-        </p:blipFill>
-        <p:spPr>
-          <a:xfrm>
-            <a:off x="1763688" y="3764889"/>
-            <a:ext cx="2162175" cy="2472423"/>
-          </a:xfrm>
-          <a:prstGeom prst="rect">
-            <a:avLst/>
-          </a:prstGeom>
-        </p:spPr>
-      </p:pic>
-      <p:sp>
-        <p:nvSpPr>
-          <p:cNvPr id="5" name="Slide Number Placeholder 4"/>
-          <p:cNvSpPr>
-            <a:spLocks noGrp="1"/>
-          </p:cNvSpPr>
-          <p:nvPr>
-            <p:ph type="sldNum" sz="quarter" idx="12"/>
-          </p:nvPr>
-        </p:nvSpPr>
-        <p:spPr/>
-        <p:txBody>
-          <a:bodyPr/>
-          <a:lstStyle/>
-          <a:p>
-            <a:pPr>
-              <a:defRPr/>
-            </a:pPr>
-            <a:fld id="{C5A4A91C-EC18-4A23-96E0-5487FD4C836A}" type="slidenum">
-              <a:rPr lang="he-IL" smtClean="0"/>
-              <a:pPr>
-                <a:defRPr/>
-              </a:pPr>
-              <a:t>2</a:t>
-            </a:fld>
-            <a:endParaRPr lang="en-US" dirty="0"/>
-          </a:p>
-        </p:txBody>
-      </p:sp>
-      <p:pic>
-        <p:nvPicPr>
-          <p:cNvPr id="4" name="Picture 3"/>
-          <p:cNvPicPr>
-            <a:picLocks noChangeAspect="1"/>
-          </p:cNvPicPr>
-          <p:nvPr/>
-        </p:nvPicPr>
-        <p:blipFill>
-          <a:blip r:embed="rId4"/>
-          <a:stretch>
-            <a:fillRect/>
-          </a:stretch>
-        </p:blipFill>
-        <p:spPr>
-          <a:xfrm>
-            <a:off x="3779912" y="4088323"/>
-            <a:ext cx="4878772" cy="2058232"/>
-          </a:xfrm>
-          <a:prstGeom prst="rect">
-            <a:avLst/>
-          </a:prstGeom>
-        </p:spPr>
-      </p:pic>
-    </p:spTree>
-    <p:extLst>
-      <p:ext uri="{BB962C8B-B14F-4D97-AF65-F5344CB8AC3E}">
-        <p14:creationId xmlns:p14="http://schemas.microsoft.com/office/powerpoint/2010/main" val="1119355525"/>
-      </p:ext>
-    </p:extLst>
-  </p:cSld>
-  <p:clrMapOvr>
-    <a:masterClrMapping/>
-  </p:clrMapOvr>
-  <p:timing>
-    <p:tnLst>
-      <p:par>
-        <p:cTn id="1" dur="indefinite" restart="never" nodeType="tmRoot">
-          <p:childTnLst>
-            <p:seq concurrent="1" nextAc="seek">
-              <p:cTn id="2" dur="indefinite" nodeType="mainSeq">
-                <p:childTnLst>
-                  <p:par>
-                    <p:cTn id="3" fill="hold">
-                      <p:stCondLst>
-                        <p:cond delay="indefinite"/>
-                      </p:stCondLst>
-                      <p:childTnLst>
-                        <p:par>
-                          <p:cTn id="4" fill="hold">
-                            <p:stCondLst>
-                              <p:cond delay="0"/>
-                            </p:stCondLst>
-                            <p:childTnLst>
-                              <p:par>
-                                <p:cTn id="5" presetID="1" presetClass="entr" presetSubtype="0" fill="hold" grpId="0" nodeType="clickEffect">
-                                  <p:stCondLst>
-                                    <p:cond delay="0"/>
-                                  </p:stCondLst>
-                                  <p:childTnLst>
-                                    <p:set>
-                                      <p:cBhvr>
-                                        <p:cTn id="6" dur="1" fill="hold">
-                                          <p:stCondLst>
-                                            <p:cond delay="0"/>
-                                          </p:stCondLst>
-                                        </p:cTn>
-                                        <p:tgtEl>
-                                          <p:spTgt spid="3">
-                                            <p:txEl>
-                                              <p:pRg st="0" end="0"/>
-                                            </p:txEl>
-                                          </p:spTgt>
-                                        </p:tgtEl>
-                                        <p:attrNameLst>
-                                          <p:attrName>style.visibility</p:attrName>
-                                        </p:attrNameLst>
-                                      </p:cBhvr>
-                                      <p:to>
-                                        <p:strVal val="visible"/>
-                                      </p:to>
-                                    </p:set>
-                                  </p:childTnLst>
-                                </p:cTn>
-                              </p:par>
-                            </p:childTnLst>
-                          </p:cTn>
-                        </p:par>
-                      </p:childTnLst>
-                    </p:cTn>
-                  </p:par>
-                  <p:par>
-                    <p:cTn id="7" fill="hold">
-                      <p:stCondLst>
-                        <p:cond delay="indefinite"/>
-                      </p:stCondLst>
-                      <p:childTnLst>
-                        <p:par>
-                          <p:cTn id="8" fill="hold">
-                            <p:stCondLst>
-                              <p:cond delay="0"/>
-                            </p:stCondLst>
-                            <p:childTnLst>
-                              <p:par>
-                                <p:cTn id="9" presetID="1" presetClass="entr" presetSubtype="0" fill="hold" grpId="0" nodeType="clickEffect">
-                                  <p:stCondLst>
-                                    <p:cond delay="0"/>
-                                  </p:stCondLst>
-                                  <p:childTnLst>
-                                    <p:set>
-                                      <p:cBhvr>
-                                        <p:cTn id="10" dur="1" fill="hold">
-                                          <p:stCondLst>
-                                            <p:cond delay="0"/>
-                                          </p:stCondLst>
-                                        </p:cTn>
-                                        <p:tgtEl>
-                                          <p:spTgt spid="3">
-                                            <p:txEl>
-                                              <p:pRg st="1" end="1"/>
-                                            </p:txEl>
-                                          </p:spTgt>
-                                        </p:tgtEl>
-                                        <p:attrNameLst>
-                                          <p:attrName>style.visibility</p:attrName>
-                                        </p:attrNameLst>
-                                      </p:cBhvr>
-                                      <p:to>
-                                        <p:strVal val="visible"/>
-                                      </p:to>
-                                    </p:set>
-                                  </p:childTnLst>
-                                </p:cTn>
-                              </p:par>
-                            </p:childTnLst>
-                          </p:cTn>
-                        </p:par>
-                      </p:childTnLst>
-                    </p:cTn>
-                  </p:par>
-                  <p:par>
-                    <p:cTn id="11" fill="hold">
-                      <p:stCondLst>
-                        <p:cond delay="indefinite"/>
-                      </p:stCondLst>
-                      <p:childTnLst>
-                        <p:par>
-                          <p:cTn id="12" fill="hold">
-                            <p:stCondLst>
-                              <p:cond delay="0"/>
-                            </p:stCondLst>
-                            <p:childTnLst>
-                              <p:par>
-                                <p:cTn id="13" presetID="1" presetClass="entr" presetSubtype="0" fill="hold" grpId="0" nodeType="clickEffect">
-                                  <p:stCondLst>
-                                    <p:cond delay="0"/>
-                                  </p:stCondLst>
-                                  <p:childTnLst>
-                                    <p:set>
-                                      <p:cBhvr>
-                                        <p:cTn id="14" dur="1" fill="hold">
-                                          <p:stCondLst>
-                                            <p:cond delay="0"/>
-                                          </p:stCondLst>
-                                        </p:cTn>
-                                        <p:tgtEl>
-                                          <p:spTgt spid="3">
-                                            <p:txEl>
-                                              <p:pRg st="2" end="2"/>
-                                            </p:txEl>
-                                          </p:spTgt>
-                                        </p:tgtEl>
-                                        <p:attrNameLst>
-                                          <p:attrName>style.visibility</p:attrName>
-                                        </p:attrNameLst>
-                                      </p:cBhvr>
-                                      <p:to>
-                                        <p:strVal val="visible"/>
-                                      </p:to>
-                                    </p:set>
-                                  </p:childTnLst>
-                                </p:cTn>
-                              </p:par>
-                            </p:childTnLst>
-                          </p:cTn>
-                        </p:par>
-                      </p:childTnLst>
-                    </p:cTn>
-                  </p:par>
-                  <p:par>
-                    <p:cTn id="15" fill="hold">
-                      <p:stCondLst>
-                        <p:cond delay="indefinite"/>
-                      </p:stCondLst>
-                      <p:childTnLst>
-                        <p:par>
-                          <p:cTn id="16" fill="hold">
-                            <p:stCondLst>
-                              <p:cond delay="0"/>
-                            </p:stCondLst>
-                            <p:childTnLst>
-                              <p:par>
-                                <p:cTn id="17" presetID="1" presetClass="entr" presetSubtype="0" fill="hold" grpId="0" nodeType="clickEffect">
-                                  <p:stCondLst>
-                                    <p:cond delay="0"/>
-                                  </p:stCondLst>
-                                  <p:childTnLst>
-                                    <p:set>
-                                      <p:cBhvr>
-                                        <p:cTn id="18" dur="1" fill="hold">
-                                          <p:stCondLst>
-                                            <p:cond delay="0"/>
-                                          </p:stCondLst>
-                                        </p:cTn>
-                                        <p:tgtEl>
-                                          <p:spTgt spid="3">
-                                            <p:txEl>
-                                              <p:pRg st="3" end="3"/>
-                                            </p:txEl>
-                                          </p:spTgt>
-                                        </p:tgtEl>
-                                        <p:attrNameLst>
-                                          <p:attrName>style.visibility</p:attrName>
-                                        </p:attrNameLst>
-                                      </p:cBhvr>
-                                      <p:to>
-                                        <p:strVal val="visible"/>
-                                      </p:to>
-                                    </p:set>
-                                  </p:childTnLst>
-                                </p:cTn>
-                              </p:par>
-                            </p:childTnLst>
-                          </p:cTn>
-                        </p:par>
-                      </p:childTnLst>
-                    </p:cTn>
-                  </p:par>
-                  <p:par>
-                    <p:cTn id="19" fill="hold">
-                      <p:stCondLst>
-                        <p:cond delay="indefinite"/>
-                      </p:stCondLst>
-                      <p:childTnLst>
-                        <p:par>
-                          <p:cTn id="20" fill="hold">
-                            <p:stCondLst>
-                              <p:cond delay="0"/>
-                            </p:stCondLst>
-                            <p:childTnLst>
-                              <p:par>
-                                <p:cTn id="21" presetID="1" presetClass="entr" presetSubtype="0" fill="hold" grpId="0" nodeType="clickEffect">
-                                  <p:stCondLst>
-                                    <p:cond delay="0"/>
-                                  </p:stCondLst>
-                                  <p:childTnLst>
-                                    <p:set>
-                                      <p:cBhvr>
-                                        <p:cTn id="22" dur="1" fill="hold">
-                                          <p:stCondLst>
-                                            <p:cond delay="0"/>
-                                          </p:stCondLst>
-                                        </p:cTn>
-                                        <p:tgtEl>
-                                          <p:spTgt spid="3">
-                                            <p:txEl>
-                                              <p:pRg st="4" end="4"/>
-                                            </p:txEl>
-                                          </p:spTgt>
-                                        </p:tgtEl>
-                                        <p:attrNameLst>
-                                          <p:attrName>style.visibility</p:attrName>
-                                        </p:attrNameLst>
-                                      </p:cBhvr>
-                                      <p:to>
-                                        <p:strVal val="visible"/>
-                                      </p:to>
-                                    </p:set>
-                                  </p:childTnLst>
-                                </p:cTn>
-                              </p:par>
-                            </p:childTnLst>
-                          </p:cTn>
-                        </p:par>
-                      </p:childTnLst>
-                    </p:cTn>
-                  </p:par>
-                </p:childTnLst>
-              </p:cTn>
-              <p:prevCondLst>
-                <p:cond evt="onPrev" delay="0">
-                  <p:tgtEl>
-                    <p:sldTgt/>
-                  </p:tgtEl>
-                </p:cond>
-              </p:prevCondLst>
-              <p:nextCondLst>
-                <p:cond evt="onNext" delay="0">
-                  <p:tgtEl>
-                    <p:sldTgt/>
-                  </p:tgtEl>
-                </p:cond>
-              </p:nextCondLst>
-            </p:seq>
-          </p:childTnLst>
-        </p:cTn>
-      </p:par>
-    </p:tnLst>
-    <p:bldLst>
-      <p:bldP spid="3" grpId="0" uiExpand="1" build="p"/>
-    </p:bldLst>
-  </p:timing>
-</p:sld>
-</file>
-
 <file path=ppt/slides/slide3.xml><?xml version="1.0" encoding="utf-8"?>
 <p:sld xmlns:a="http://schemas.openxmlformats.org/drawingml/2006/main" xmlns:r="http://schemas.openxmlformats.org/officeDocument/2006/relationships" xmlns:p="http://schemas.openxmlformats.org/presentationml/2006/main">
   <p:cSld>
@@ -12098,7 +17760,7 @@
         </p:nvSpPr>
         <p:spPr>
           <a:xfrm>
-            <a:off x="457200" y="1600200"/>
+            <a:off x="1981200" y="1600200"/>
             <a:ext cx="8507288" cy="4565104"/>
           </a:xfrm>
         </p:spPr>
@@ -12773,7 +18435,7 @@
         </p:nvSpPr>
         <p:spPr>
           <a:xfrm rot="5400000">
-            <a:off x="3275956" y="-1049709"/>
+            <a:off x="4799956" y="-1049709"/>
             <a:ext cx="648072" cy="6285584"/>
           </a:xfrm>
           <a:prstGeom prst="rightBrace">
@@ -12822,7 +18484,7 @@
         </p:blipFill>
         <p:spPr>
           <a:xfrm>
-            <a:off x="35496" y="3789040"/>
+            <a:off x="1559496" y="3789040"/>
             <a:ext cx="8912368" cy="2259124"/>
           </a:xfrm>
           <a:prstGeom prst="rect">
@@ -12848,7 +18510,7 @@
         </p:nvSpPr>
         <p:spPr>
           <a:xfrm>
-            <a:off x="1619672" y="2492896"/>
+            <a:off x="3143672" y="2492896"/>
             <a:ext cx="3384376" cy="707886"/>
           </a:xfrm>
           <a:prstGeom prst="rect">
@@ -12880,7 +18542,7 @@
         </p:nvCxnSpPr>
         <p:spPr>
           <a:xfrm flipH="1">
-            <a:off x="1547664" y="3200782"/>
+            <a:off x="3071664" y="3200782"/>
             <a:ext cx="1764196" cy="588258"/>
           </a:xfrm>
           <a:prstGeom prst="straightConnector1">
@@ -12921,7 +18583,7 @@
         </p:blipFill>
         <p:spPr>
           <a:xfrm>
-            <a:off x="457200" y="1402482"/>
+            <a:off x="1981200" y="1402482"/>
             <a:ext cx="7497044" cy="514350"/>
           </a:xfrm>
           <a:prstGeom prst="rect">
@@ -13248,7 +18910,7 @@
         </p:blipFill>
         <p:spPr>
           <a:xfrm>
-            <a:off x="308877" y="1965659"/>
+            <a:off x="1832877" y="1965659"/>
             <a:ext cx="1860242" cy="883144"/>
           </a:xfrm>
           <a:prstGeom prst="rect">
@@ -13274,7 +18936,7 @@
         </p:nvSpPr>
         <p:spPr>
           <a:xfrm>
-            <a:off x="683568" y="2287866"/>
+            <a:off x="2207568" y="2287866"/>
             <a:ext cx="1152128" cy="349046"/>
           </a:xfrm>
           <a:prstGeom prst="roundRect">
@@ -13325,7 +18987,7 @@
         </p:blipFill>
         <p:spPr>
           <a:xfrm>
-            <a:off x="308877" y="1166401"/>
+            <a:off x="1832877" y="1166401"/>
             <a:ext cx="4667364" cy="320214"/>
           </a:xfrm>
           <a:prstGeom prst="rect">
@@ -13343,7 +19005,7 @@
         </p:nvCxnSpPr>
         <p:spPr>
           <a:xfrm flipH="1">
-            <a:off x="1835696" y="1325389"/>
+            <a:off x="3359697" y="1325389"/>
             <a:ext cx="2486423" cy="585550"/>
           </a:xfrm>
           <a:prstGeom prst="straightConnector1">
@@ -13376,7 +19038,7 @@
         </p:nvSpPr>
         <p:spPr>
           <a:xfrm>
-            <a:off x="4322119" y="1159496"/>
+            <a:off x="5846119" y="1159496"/>
             <a:ext cx="654122" cy="331786"/>
           </a:xfrm>
           <a:prstGeom prst="roundRect">
@@ -13417,7 +19079,7 @@
         </p:nvCxnSpPr>
         <p:spPr>
           <a:xfrm flipH="1" flipV="1">
-            <a:off x="611560" y="2636912"/>
+            <a:off x="2135560" y="2636912"/>
             <a:ext cx="2195454" cy="3739332"/>
           </a:xfrm>
           <a:prstGeom prst="straightConnector1">
@@ -13454,7 +19116,7 @@
         </p:nvSpPr>
         <p:spPr>
           <a:xfrm>
-            <a:off x="2699792" y="1600200"/>
+            <a:off x="4223792" y="1600200"/>
             <a:ext cx="6264696" cy="4565104"/>
           </a:xfrm>
         </p:spPr>
@@ -13886,33 +19548,15 @@
                                   </p:childTnLst>
                                 </p:cTn>
                               </p:par>
-                            </p:childTnLst>
-                          </p:cTn>
-                        </p:par>
-                      </p:childTnLst>
-                    </p:cTn>
-                  </p:par>
-                  <p:par>
-                    <p:cTn id="29" fill="hold">
-                      <p:stCondLst>
-                        <p:cond delay="indefinite"/>
-                      </p:stCondLst>
-                      <p:childTnLst>
-                        <p:par>
-                          <p:cTn id="30" fill="hold">
-                            <p:stCondLst>
-                              <p:cond delay="0"/>
-                            </p:stCondLst>
-                            <p:childTnLst>
                               <p:par>
-                                <p:cTn id="31" presetID="1" presetClass="entr" presetSubtype="0" fill="hold" grpId="0" nodeType="clickEffect">
+                                <p:cTn id="29" presetID="1" presetClass="entr" presetSubtype="0" fill="hold" grpId="0" nodeType="withEffect">
                                   <p:stCondLst>
                                     <p:cond delay="0"/>
                                   </p:stCondLst>
                                   <p:childTnLst>
                                     <p:set>
                                       <p:cBhvr>
-                                        <p:cTn id="32" dur="1" fill="hold">
+                                        <p:cTn id="30" dur="1" fill="hold">
                                           <p:stCondLst>
                                             <p:cond delay="0"/>
                                           </p:stCondLst>
@@ -13935,32 +19579,76 @@
                                   </p:childTnLst>
                                 </p:cTn>
                               </p:par>
-                            </p:childTnLst>
-                          </p:cTn>
-                        </p:par>
-                      </p:childTnLst>
-                    </p:cTn>
-                  </p:par>
-                  <p:par>
-                    <p:cTn id="33" fill="hold">
-                      <p:stCondLst>
-                        <p:cond delay="indefinite"/>
-                      </p:stCondLst>
-                      <p:childTnLst>
-                        <p:par>
-                          <p:cTn id="34" fill="hold">
-                            <p:stCondLst>
-                              <p:cond delay="0"/>
-                            </p:stCondLst>
-                            <p:childTnLst>
                               <p:par>
-                                <p:cTn id="35" presetID="1" presetClass="entr" presetSubtype="0" fill="hold" grpId="0" nodeType="clickEffect">
+                                <p:cTn id="31" presetID="1" presetClass="entr" presetSubtype="0" fill="hold" grpId="0" nodeType="withEffect">
                                   <p:stCondLst>
                                     <p:cond delay="0"/>
                                   </p:stCondLst>
                                   <p:childTnLst>
                                     <p:set>
                                       <p:cBhvr>
+                                        <p:cTn id="32" dur="1" fill="hold">
+                                          <p:stCondLst>
+                                            <p:cond delay="0"/>
+                                          </p:stCondLst>
+                                        </p:cTn>
+                                        <p:tgtEl>
+                                          <p:spTgt spid="3">
+                                            <p:txEl>
+                                              <p:pRg st="5" end="5"/>
+                                            </p:txEl>
+                                          </p:spTgt>
+                                        </p:tgtEl>
+                                        <p:attrNameLst>
+                                          <p:attrName>style.visibility</p:attrName>
+                                        </p:attrNameLst>
+                                      </p:cBhvr>
+                                      <p:to>
+                                        <p:strVal val="visible"/>
+                                      </p:to>
+                                    </p:set>
+                                  </p:childTnLst>
+                                </p:cTn>
+                              </p:par>
+                              <p:par>
+                                <p:cTn id="33" presetID="1" presetClass="entr" presetSubtype="0" fill="hold" grpId="0" nodeType="withEffect">
+                                  <p:stCondLst>
+                                    <p:cond delay="0"/>
+                                  </p:stCondLst>
+                                  <p:childTnLst>
+                                    <p:set>
+                                      <p:cBhvr>
+                                        <p:cTn id="34" dur="1" fill="hold">
+                                          <p:stCondLst>
+                                            <p:cond delay="0"/>
+                                          </p:stCondLst>
+                                        </p:cTn>
+                                        <p:tgtEl>
+                                          <p:spTgt spid="3">
+                                            <p:txEl>
+                                              <p:pRg st="6" end="6"/>
+                                            </p:txEl>
+                                          </p:spTgt>
+                                        </p:tgtEl>
+                                        <p:attrNameLst>
+                                          <p:attrName>style.visibility</p:attrName>
+                                        </p:attrNameLst>
+                                      </p:cBhvr>
+                                      <p:to>
+                                        <p:strVal val="visible"/>
+                                      </p:to>
+                                    </p:set>
+                                  </p:childTnLst>
+                                </p:cTn>
+                              </p:par>
+                              <p:par>
+                                <p:cTn id="35" presetID="1" presetClass="entr" presetSubtype="0" fill="hold" grpId="0" nodeType="withEffect">
+                                  <p:stCondLst>
+                                    <p:cond delay="0"/>
+                                  </p:stCondLst>
+                                  <p:childTnLst>
+                                    <p:set>
+                                      <p:cBhvr>
                                         <p:cTn id="36" dur="1" fill="hold">
                                           <p:stCondLst>
                                             <p:cond delay="0"/>
@@ -13969,7 +19657,7 @@
                                         <p:tgtEl>
                                           <p:spTgt spid="3">
                                             <p:txEl>
-                                              <p:pRg st="5" end="5"/>
+                                              <p:pRg st="7" end="7"/>
                                             </p:txEl>
                                           </p:spTgt>
                                         </p:tgtEl>
@@ -14018,7 +19706,7 @@
                                         <p:tgtEl>
                                           <p:spTgt spid="3">
                                             <p:txEl>
-                                              <p:pRg st="6" end="6"/>
+                                              <p:pRg st="8" end="8"/>
                                             </p:txEl>
                                           </p:spTgt>
                                         </p:tgtEl>
@@ -14067,7 +19755,7 @@
                                         <p:tgtEl>
                                           <p:spTgt spid="3">
                                             <p:txEl>
-                                              <p:pRg st="7" end="7"/>
+                                              <p:pRg st="9" end="9"/>
                                             </p:txEl>
                                           </p:spTgt>
                                         </p:tgtEl>
@@ -14101,7 +19789,7 @@
                             </p:stCondLst>
                             <p:childTnLst>
                               <p:par>
-                                <p:cTn id="47" presetID="1" presetClass="entr" presetSubtype="0" fill="hold" grpId="0" nodeType="clickEffect">
+                                <p:cTn id="47" presetID="1" presetClass="entr" presetSubtype="0" fill="hold" nodeType="clickEffect">
                                   <p:stCondLst>
                                     <p:cond delay="0"/>
                                   </p:stCondLst>
@@ -14109,104 +19797,6 @@
                                     <p:set>
                                       <p:cBhvr>
                                         <p:cTn id="48" dur="1" fill="hold">
-                                          <p:stCondLst>
-                                            <p:cond delay="0"/>
-                                          </p:stCondLst>
-                                        </p:cTn>
-                                        <p:tgtEl>
-                                          <p:spTgt spid="3">
-                                            <p:txEl>
-                                              <p:pRg st="8" end="8"/>
-                                            </p:txEl>
-                                          </p:spTgt>
-                                        </p:tgtEl>
-                                        <p:attrNameLst>
-                                          <p:attrName>style.visibility</p:attrName>
-                                        </p:attrNameLst>
-                                      </p:cBhvr>
-                                      <p:to>
-                                        <p:strVal val="visible"/>
-                                      </p:to>
-                                    </p:set>
-                                  </p:childTnLst>
-                                </p:cTn>
-                              </p:par>
-                            </p:childTnLst>
-                          </p:cTn>
-                        </p:par>
-                      </p:childTnLst>
-                    </p:cTn>
-                  </p:par>
-                  <p:par>
-                    <p:cTn id="49" fill="hold">
-                      <p:stCondLst>
-                        <p:cond delay="indefinite"/>
-                      </p:stCondLst>
-                      <p:childTnLst>
-                        <p:par>
-                          <p:cTn id="50" fill="hold">
-                            <p:stCondLst>
-                              <p:cond delay="0"/>
-                            </p:stCondLst>
-                            <p:childTnLst>
-                              <p:par>
-                                <p:cTn id="51" presetID="1" presetClass="entr" presetSubtype="0" fill="hold" grpId="0" nodeType="clickEffect">
-                                  <p:stCondLst>
-                                    <p:cond delay="0"/>
-                                  </p:stCondLst>
-                                  <p:childTnLst>
-                                    <p:set>
-                                      <p:cBhvr>
-                                        <p:cTn id="52" dur="1" fill="hold">
-                                          <p:stCondLst>
-                                            <p:cond delay="0"/>
-                                          </p:stCondLst>
-                                        </p:cTn>
-                                        <p:tgtEl>
-                                          <p:spTgt spid="3">
-                                            <p:txEl>
-                                              <p:pRg st="9" end="9"/>
-                                            </p:txEl>
-                                          </p:spTgt>
-                                        </p:tgtEl>
-                                        <p:attrNameLst>
-                                          <p:attrName>style.visibility</p:attrName>
-                                        </p:attrNameLst>
-                                      </p:cBhvr>
-                                      <p:to>
-                                        <p:strVal val="visible"/>
-                                      </p:to>
-                                    </p:set>
-                                  </p:childTnLst>
-                                </p:cTn>
-                              </p:par>
-                            </p:childTnLst>
-                          </p:cTn>
-                        </p:par>
-                      </p:childTnLst>
-                    </p:cTn>
-                  </p:par>
-                  <p:par>
-                    <p:cTn id="53" fill="hold">
-                      <p:stCondLst>
-                        <p:cond delay="indefinite"/>
-                      </p:stCondLst>
-                      <p:childTnLst>
-                        <p:par>
-                          <p:cTn id="54" fill="hold">
-                            <p:stCondLst>
-                              <p:cond delay="0"/>
-                            </p:stCondLst>
-                            <p:childTnLst>
-                              <p:par>
-                                <p:cTn id="55" presetID="1" presetClass="entr" presetSubtype="0" fill="hold" nodeType="clickEffect">
-                                  <p:stCondLst>
-                                    <p:cond delay="0"/>
-                                  </p:stCondLst>
-                                  <p:childTnLst>
-                                    <p:set>
-                                      <p:cBhvr>
-                                        <p:cTn id="56" dur="1" fill="hold">
                                           <p:stCondLst>
                                             <p:cond delay="0"/>
                                           </p:stCondLst>
@@ -14334,6 +19924,13 @@
     <a:masterClrMapping/>
   </p:clrMapOvr>
   <p:transition spd="slow"/>
+  <p:timing>
+    <p:tnLst>
+      <p:par>
+        <p:cTn id="1" dur="indefinite" restart="never" nodeType="tmRoot"/>
+      </p:par>
+    </p:tnLst>
+  </p:timing>
 </p:sld>
 </file>
 
@@ -16590,4 +22187,32 @@
   <a:objectDefaults/>
   <a:extraClrSchemeLst/>
 </a:theme>
+</file>
+
+<file path=customXml/item1.xml><?xml version="1.0" encoding="utf-8"?>
+<Control xmlns="http://schemas.microsoft.com/VisualStudio/2011/storyboarding/control">
+  <Id Name="System.Storyboarding.Common.Button" Revision="1" Stencil="System.Storyboarding.Common" StencilVersion="0.1"/>
+</Control>
+</file>
+
+<file path=customXml/item2.xml><?xml version="1.0" encoding="utf-8"?>
+<Control xmlns="http://schemas.microsoft.com/VisualStudio/2011/storyboarding/control">
+  <Id Name="System.Storyboarding.Backgrounds.Window" Revision="1" Stencil="System.Storyboarding.Backgrounds" StencilVersion="0.1"/>
+</Control>
+</file>
+
+<file path=customXml/itemProps1.xml><?xml version="1.0" encoding="utf-8"?>
+<ds:datastoreItem xmlns:ds="http://schemas.openxmlformats.org/officeDocument/2006/customXml" ds:itemID="{921ECF36-2FFA-46BD-A402-8D8EBCA8F3B8}">
+  <ds:schemaRefs>
+    <ds:schemaRef ds:uri="http://schemas.microsoft.com/VisualStudio/2011/storyboarding/control"/>
+  </ds:schemaRefs>
+</ds:datastoreItem>
+</file>
+
+<file path=customXml/itemProps2.xml><?xml version="1.0" encoding="utf-8"?>
+<ds:datastoreItem xmlns:ds="http://schemas.openxmlformats.org/officeDocument/2006/customXml" ds:itemID="{244FD858-3F76-43FA-A4C6-ED056076F946}">
+  <ds:schemaRefs>
+    <ds:schemaRef ds:uri="http://schemas.microsoft.com/VisualStudio/2011/storyboarding/control"/>
+  </ds:schemaRefs>
+</ds:datastoreItem>
 </file>